--- a/_presentation/Team 11 Presentation.pptx
+++ b/_presentation/Team 11 Presentation.pptx
@@ -4,8 +4,12 @@
   <p:sldMasterIdLst>
     <p:sldMasterId id="2147483648" r:id="rId1"/>
   </p:sldMasterIdLst>
+  <p:notesMasterIdLst>
+    <p:notesMasterId r:id="rId4"/>
+  </p:notesMasterIdLst>
   <p:sldIdLst>
     <p:sldId id="256" r:id="rId2"/>
+    <p:sldId id="257" r:id="rId3"/>
   </p:sldIdLst>
   <p:sldSz cx="12192000" cy="6858000"/>
   <p:notesSz cx="6858000" cy="9144000"/>
@@ -104,7 +108,495 @@
       </a:defRPr>
     </a:lvl9pPr>
   </p:defaultTextStyle>
+  <p:extLst>
+    <p:ext uri="{EFAFB233-063F-42B5-8137-9DF3F51BA10A}">
+      <p15:sldGuideLst xmlns:p15="http://schemas.microsoft.com/office/powerpoint/2012/main"/>
+    </p:ext>
+  </p:extLst>
 </p:presentation>
+</file>
+
+<file path=ppt/commentAuthors.xml><?xml version="1.0" encoding="utf-8"?>
+<p:cmAuthorLst xmlns:a="http://schemas.openxmlformats.org/drawingml/2006/main" xmlns:r="http://schemas.openxmlformats.org/officeDocument/2006/relationships" xmlns:p="http://schemas.openxmlformats.org/presentationml/2006/main">
+  <p:cmAuthor id="1" name="Rahman, Adil" initials="RA" lastIdx="1" clrIdx="0">
+    <p:extLst>
+      <p:ext uri="{19B8F6BF-5375-455C-9EA6-DF929625EA0E}">
+        <p15:presenceInfo xmlns:p15="http://schemas.microsoft.com/office/powerpoint/2012/main" userId="Rahman, Adil" providerId="None"/>
+      </p:ext>
+    </p:extLst>
+  </p:cmAuthor>
+</p:cmAuthorLst>
+</file>
+
+<file path=ppt/notesMasters/notesMaster1.xml><?xml version="1.0" encoding="utf-8"?>
+<p:notesMaster xmlns:a="http://schemas.openxmlformats.org/drawingml/2006/main" xmlns:r="http://schemas.openxmlformats.org/officeDocument/2006/relationships" xmlns:p="http://schemas.openxmlformats.org/presentationml/2006/main">
+  <p:cSld>
+    <p:bg>
+      <p:bgRef idx="1001">
+        <a:schemeClr val="bg1"/>
+      </p:bgRef>
+    </p:bg>
+    <p:spTree>
+      <p:nvGrpSpPr>
+        <p:cNvPr id="1" name=""/>
+        <p:cNvGrpSpPr/>
+        <p:nvPr/>
+      </p:nvGrpSpPr>
+      <p:grpSpPr>
+        <a:xfrm>
+          <a:off x="0" y="0"/>
+          <a:ext cx="0" cy="0"/>
+          <a:chOff x="0" y="0"/>
+          <a:chExt cx="0" cy="0"/>
+        </a:xfrm>
+      </p:grpSpPr>
+      <p:sp>
+        <p:nvSpPr>
+          <p:cNvPr id="2" name="Header Placeholder 1"/>
+          <p:cNvSpPr>
+            <a:spLocks noGrp="1"/>
+          </p:cNvSpPr>
+          <p:nvPr>
+            <p:ph type="hdr" sz="quarter"/>
+          </p:nvPr>
+        </p:nvSpPr>
+        <p:spPr>
+          <a:xfrm>
+            <a:off x="0" y="0"/>
+            <a:ext cx="2971800" cy="458788"/>
+          </a:xfrm>
+          <a:prstGeom prst="rect">
+            <a:avLst/>
+          </a:prstGeom>
+        </p:spPr>
+        <p:txBody>
+          <a:bodyPr vert="horz" lIns="91440" tIns="45720" rIns="91440" bIns="45720" rtlCol="0"/>
+          <a:lstStyle>
+            <a:lvl1pPr algn="l">
+              <a:defRPr sz="1200"/>
+            </a:lvl1pPr>
+          </a:lstStyle>
+          <a:p>
+            <a:endParaRPr lang="en-GB"/>
+          </a:p>
+        </p:txBody>
+      </p:sp>
+      <p:sp>
+        <p:nvSpPr>
+          <p:cNvPr id="3" name="Date Placeholder 2"/>
+          <p:cNvSpPr>
+            <a:spLocks noGrp="1"/>
+          </p:cNvSpPr>
+          <p:nvPr>
+            <p:ph type="dt" idx="1"/>
+          </p:nvPr>
+        </p:nvSpPr>
+        <p:spPr>
+          <a:xfrm>
+            <a:off x="3884613" y="0"/>
+            <a:ext cx="2971800" cy="458788"/>
+          </a:xfrm>
+          <a:prstGeom prst="rect">
+            <a:avLst/>
+          </a:prstGeom>
+        </p:spPr>
+        <p:txBody>
+          <a:bodyPr vert="horz" lIns="91440" tIns="45720" rIns="91440" bIns="45720" rtlCol="0"/>
+          <a:lstStyle>
+            <a:lvl1pPr algn="r">
+              <a:defRPr sz="1200"/>
+            </a:lvl1pPr>
+          </a:lstStyle>
+          <a:p>
+            <a:fld id="{01D77AA3-6198-4524-81D2-DFCCAE1BED8C}" type="datetimeFigureOut">
+              <a:rPr lang="en-GB" smtClean="0"/>
+              <a:t>10/12/2016</a:t>
+            </a:fld>
+            <a:endParaRPr lang="en-GB"/>
+          </a:p>
+        </p:txBody>
+      </p:sp>
+      <p:sp>
+        <p:nvSpPr>
+          <p:cNvPr id="4" name="Slide Image Placeholder 3"/>
+          <p:cNvSpPr>
+            <a:spLocks noGrp="1" noRot="1" noChangeAspect="1"/>
+          </p:cNvSpPr>
+          <p:nvPr>
+            <p:ph type="sldImg" idx="2"/>
+          </p:nvPr>
+        </p:nvSpPr>
+        <p:spPr>
+          <a:xfrm>
+            <a:off x="685800" y="1143000"/>
+            <a:ext cx="5486400" cy="3086100"/>
+          </a:xfrm>
+          <a:prstGeom prst="rect">
+            <a:avLst/>
+          </a:prstGeom>
+          <a:noFill/>
+          <a:ln w="12700">
+            <a:solidFill>
+              <a:prstClr val="black"/>
+            </a:solidFill>
+          </a:ln>
+        </p:spPr>
+        <p:txBody>
+          <a:bodyPr vert="horz" lIns="91440" tIns="45720" rIns="91440" bIns="45720" rtlCol="0" anchor="ctr"/>
+          <a:lstStyle/>
+          <a:p>
+            <a:endParaRPr lang="en-GB"/>
+          </a:p>
+        </p:txBody>
+      </p:sp>
+      <p:sp>
+        <p:nvSpPr>
+          <p:cNvPr id="5" name="Notes Placeholder 4"/>
+          <p:cNvSpPr>
+            <a:spLocks noGrp="1"/>
+          </p:cNvSpPr>
+          <p:nvPr>
+            <p:ph type="body" sz="quarter" idx="3"/>
+          </p:nvPr>
+        </p:nvSpPr>
+        <p:spPr>
+          <a:xfrm>
+            <a:off x="685800" y="4400550"/>
+            <a:ext cx="5486400" cy="3600450"/>
+          </a:xfrm>
+          <a:prstGeom prst="rect">
+            <a:avLst/>
+          </a:prstGeom>
+        </p:spPr>
+        <p:txBody>
+          <a:bodyPr vert="horz" lIns="91440" tIns="45720" rIns="91440" bIns="45720" rtlCol="0"/>
+          <a:lstStyle/>
+          <a:p>
+            <a:pPr lvl="0"/>
+            <a:r>
+              <a:rPr lang="en-US"/>
+              <a:t>Edit Master text styles</a:t>
+            </a:r>
+          </a:p>
+          <a:p>
+            <a:pPr lvl="1"/>
+            <a:r>
+              <a:rPr lang="en-US"/>
+              <a:t>Second level</a:t>
+            </a:r>
+          </a:p>
+          <a:p>
+            <a:pPr lvl="2"/>
+            <a:r>
+              <a:rPr lang="en-US"/>
+              <a:t>Third level</a:t>
+            </a:r>
+          </a:p>
+          <a:p>
+            <a:pPr lvl="3"/>
+            <a:r>
+              <a:rPr lang="en-US"/>
+              <a:t>Fourth level</a:t>
+            </a:r>
+          </a:p>
+          <a:p>
+            <a:pPr lvl="4"/>
+            <a:r>
+              <a:rPr lang="en-US"/>
+              <a:t>Fifth level</a:t>
+            </a:r>
+            <a:endParaRPr lang="en-GB"/>
+          </a:p>
+        </p:txBody>
+      </p:sp>
+      <p:sp>
+        <p:nvSpPr>
+          <p:cNvPr id="6" name="Footer Placeholder 5"/>
+          <p:cNvSpPr>
+            <a:spLocks noGrp="1"/>
+          </p:cNvSpPr>
+          <p:nvPr>
+            <p:ph type="ftr" sz="quarter" idx="4"/>
+          </p:nvPr>
+        </p:nvSpPr>
+        <p:spPr>
+          <a:xfrm>
+            <a:off x="0" y="8685213"/>
+            <a:ext cx="2971800" cy="458787"/>
+          </a:xfrm>
+          <a:prstGeom prst="rect">
+            <a:avLst/>
+          </a:prstGeom>
+        </p:spPr>
+        <p:txBody>
+          <a:bodyPr vert="horz" lIns="91440" tIns="45720" rIns="91440" bIns="45720" rtlCol="0" anchor="b"/>
+          <a:lstStyle>
+            <a:lvl1pPr algn="l">
+              <a:defRPr sz="1200"/>
+            </a:lvl1pPr>
+          </a:lstStyle>
+          <a:p>
+            <a:endParaRPr lang="en-GB"/>
+          </a:p>
+        </p:txBody>
+      </p:sp>
+      <p:sp>
+        <p:nvSpPr>
+          <p:cNvPr id="7" name="Slide Number Placeholder 6"/>
+          <p:cNvSpPr>
+            <a:spLocks noGrp="1"/>
+          </p:cNvSpPr>
+          <p:nvPr>
+            <p:ph type="sldNum" sz="quarter" idx="5"/>
+          </p:nvPr>
+        </p:nvSpPr>
+        <p:spPr>
+          <a:xfrm>
+            <a:off x="3884613" y="8685213"/>
+            <a:ext cx="2971800" cy="458787"/>
+          </a:xfrm>
+          <a:prstGeom prst="rect">
+            <a:avLst/>
+          </a:prstGeom>
+        </p:spPr>
+        <p:txBody>
+          <a:bodyPr vert="horz" lIns="91440" tIns="45720" rIns="91440" bIns="45720" rtlCol="0" anchor="b"/>
+          <a:lstStyle>
+            <a:lvl1pPr algn="r">
+              <a:defRPr sz="1200"/>
+            </a:lvl1pPr>
+          </a:lstStyle>
+          <a:p>
+            <a:fld id="{CDE8920A-880C-4DAA-A893-D2B86E971586}" type="slidenum">
+              <a:rPr lang="en-GB" smtClean="0"/>
+              <a:t>‹#›</a:t>
+            </a:fld>
+            <a:endParaRPr lang="en-GB"/>
+          </a:p>
+        </p:txBody>
+      </p:sp>
+    </p:spTree>
+    <p:extLst>
+      <p:ext uri="{BB962C8B-B14F-4D97-AF65-F5344CB8AC3E}">
+        <p14:creationId xmlns:p14="http://schemas.microsoft.com/office/powerpoint/2010/main" val="1634797963"/>
+      </p:ext>
+    </p:extLst>
+  </p:cSld>
+  <p:clrMap bg1="lt1" tx1="dk1" bg2="lt2" tx2="dk2" accent1="accent1" accent2="accent2" accent3="accent3" accent4="accent4" accent5="accent5" accent6="accent6" hlink="hlink" folHlink="folHlink"/>
+  <p:notesStyle>
+    <a:lvl1pPr marL="0" algn="l" defTabSz="914400" rtl="0" eaLnBrk="1" latinLnBrk="0" hangingPunct="1">
+      <a:defRPr sz="1200" kern="1200">
+        <a:solidFill>
+          <a:schemeClr val="tx1"/>
+        </a:solidFill>
+        <a:latin typeface="+mn-lt"/>
+        <a:ea typeface="+mn-ea"/>
+        <a:cs typeface="+mn-cs"/>
+      </a:defRPr>
+    </a:lvl1pPr>
+    <a:lvl2pPr marL="457200" algn="l" defTabSz="914400" rtl="0" eaLnBrk="1" latinLnBrk="0" hangingPunct="1">
+      <a:defRPr sz="1200" kern="1200">
+        <a:solidFill>
+          <a:schemeClr val="tx1"/>
+        </a:solidFill>
+        <a:latin typeface="+mn-lt"/>
+        <a:ea typeface="+mn-ea"/>
+        <a:cs typeface="+mn-cs"/>
+      </a:defRPr>
+    </a:lvl2pPr>
+    <a:lvl3pPr marL="914400" algn="l" defTabSz="914400" rtl="0" eaLnBrk="1" latinLnBrk="0" hangingPunct="1">
+      <a:defRPr sz="1200" kern="1200">
+        <a:solidFill>
+          <a:schemeClr val="tx1"/>
+        </a:solidFill>
+        <a:latin typeface="+mn-lt"/>
+        <a:ea typeface="+mn-ea"/>
+        <a:cs typeface="+mn-cs"/>
+      </a:defRPr>
+    </a:lvl3pPr>
+    <a:lvl4pPr marL="1371600" algn="l" defTabSz="914400" rtl="0" eaLnBrk="1" latinLnBrk="0" hangingPunct="1">
+      <a:defRPr sz="1200" kern="1200">
+        <a:solidFill>
+          <a:schemeClr val="tx1"/>
+        </a:solidFill>
+        <a:latin typeface="+mn-lt"/>
+        <a:ea typeface="+mn-ea"/>
+        <a:cs typeface="+mn-cs"/>
+      </a:defRPr>
+    </a:lvl4pPr>
+    <a:lvl5pPr marL="1828800" algn="l" defTabSz="914400" rtl="0" eaLnBrk="1" latinLnBrk="0" hangingPunct="1">
+      <a:defRPr sz="1200" kern="1200">
+        <a:solidFill>
+          <a:schemeClr val="tx1"/>
+        </a:solidFill>
+        <a:latin typeface="+mn-lt"/>
+        <a:ea typeface="+mn-ea"/>
+        <a:cs typeface="+mn-cs"/>
+      </a:defRPr>
+    </a:lvl5pPr>
+    <a:lvl6pPr marL="2286000" algn="l" defTabSz="914400" rtl="0" eaLnBrk="1" latinLnBrk="0" hangingPunct="1">
+      <a:defRPr sz="1200" kern="1200">
+        <a:solidFill>
+          <a:schemeClr val="tx1"/>
+        </a:solidFill>
+        <a:latin typeface="+mn-lt"/>
+        <a:ea typeface="+mn-ea"/>
+        <a:cs typeface="+mn-cs"/>
+      </a:defRPr>
+    </a:lvl6pPr>
+    <a:lvl7pPr marL="2743200" algn="l" defTabSz="914400" rtl="0" eaLnBrk="1" latinLnBrk="0" hangingPunct="1">
+      <a:defRPr sz="1200" kern="1200">
+        <a:solidFill>
+          <a:schemeClr val="tx1"/>
+        </a:solidFill>
+        <a:latin typeface="+mn-lt"/>
+        <a:ea typeface="+mn-ea"/>
+        <a:cs typeface="+mn-cs"/>
+      </a:defRPr>
+    </a:lvl7pPr>
+    <a:lvl8pPr marL="3200400" algn="l" defTabSz="914400" rtl="0" eaLnBrk="1" latinLnBrk="0" hangingPunct="1">
+      <a:defRPr sz="1200" kern="1200">
+        <a:solidFill>
+          <a:schemeClr val="tx1"/>
+        </a:solidFill>
+        <a:latin typeface="+mn-lt"/>
+        <a:ea typeface="+mn-ea"/>
+        <a:cs typeface="+mn-cs"/>
+      </a:defRPr>
+    </a:lvl8pPr>
+    <a:lvl9pPr marL="3657600" algn="l" defTabSz="914400" rtl="0" eaLnBrk="1" latinLnBrk="0" hangingPunct="1">
+      <a:defRPr sz="1200" kern="1200">
+        <a:solidFill>
+          <a:schemeClr val="tx1"/>
+        </a:solidFill>
+        <a:latin typeface="+mn-lt"/>
+        <a:ea typeface="+mn-ea"/>
+        <a:cs typeface="+mn-cs"/>
+      </a:defRPr>
+    </a:lvl9pPr>
+  </p:notesStyle>
+</p:notesMaster>
+</file>
+
+<file path=ppt/notesSlides/notesSlide1.xml><?xml version="1.0" encoding="utf-8"?>
+<p:notes xmlns:a="http://schemas.openxmlformats.org/drawingml/2006/main" xmlns:r="http://schemas.openxmlformats.org/officeDocument/2006/relationships" xmlns:p="http://schemas.openxmlformats.org/presentationml/2006/main">
+  <p:cSld>
+    <p:spTree>
+      <p:nvGrpSpPr>
+        <p:cNvPr id="1" name=""/>
+        <p:cNvGrpSpPr/>
+        <p:nvPr/>
+      </p:nvGrpSpPr>
+      <p:grpSpPr>
+        <a:xfrm>
+          <a:off x="0" y="0"/>
+          <a:ext cx="0" cy="0"/>
+          <a:chOff x="0" y="0"/>
+          <a:chExt cx="0" cy="0"/>
+        </a:xfrm>
+      </p:grpSpPr>
+      <p:sp>
+        <p:nvSpPr>
+          <p:cNvPr id="2" name="Slide Image Placeholder 1"/>
+          <p:cNvSpPr>
+            <a:spLocks noGrp="1" noRot="1" noChangeAspect="1"/>
+          </p:cNvSpPr>
+          <p:nvPr>
+            <p:ph type="sldImg"/>
+          </p:nvPr>
+        </p:nvSpPr>
+        <p:spPr/>
+      </p:sp>
+      <p:sp>
+        <p:nvSpPr>
+          <p:cNvPr id="3" name="Notes Placeholder 2"/>
+          <p:cNvSpPr>
+            <a:spLocks noGrp="1"/>
+          </p:cNvSpPr>
+          <p:nvPr>
+            <p:ph type="body" idx="1"/>
+          </p:nvPr>
+        </p:nvSpPr>
+        <p:spPr/>
+        <p:txBody>
+          <a:bodyPr/>
+          <a:lstStyle/>
+          <a:p>
+            <a:pPr marL="228600" indent="-228600">
+              <a:buAutoNum type="arabicPeriod"/>
+            </a:pPr>
+            <a:r>
+              <a:rPr lang="en-GB" dirty="0"/>
+              <a:t>“What</a:t>
+            </a:r>
+            <a:r>
+              <a:rPr lang="en-GB" baseline="0" dirty="0"/>
+              <a:t> is the most common form of dementia?”</a:t>
+            </a:r>
+          </a:p>
+          <a:p>
+            <a:pPr marL="228600" indent="-228600">
+              <a:buAutoNum type="arabicPeriod"/>
+            </a:pPr>
+            <a:r>
+              <a:rPr lang="en-GB" baseline="0" dirty="0"/>
+              <a:t>“Who has a higher risk of developing Alzheimer’s disease?”</a:t>
+            </a:r>
+          </a:p>
+          <a:p>
+            <a:pPr marL="228600" indent="-228600">
+              <a:buAutoNum type="arabicPeriod"/>
+            </a:pPr>
+            <a:r>
+              <a:rPr lang="en-GB" baseline="0" dirty="0"/>
+              <a:t>“What are the </a:t>
+            </a:r>
+            <a:r>
+              <a:rPr lang="en-GB" baseline="0"/>
+              <a:t>two proteins </a:t>
+            </a:r>
+            <a:r>
+              <a:rPr lang="en-GB" baseline="0" dirty="0"/>
+              <a:t>responsible for dementia?”</a:t>
+            </a:r>
+            <a:endParaRPr lang="en-GB" dirty="0"/>
+          </a:p>
+        </p:txBody>
+      </p:sp>
+      <p:sp>
+        <p:nvSpPr>
+          <p:cNvPr id="4" name="Slide Number Placeholder 3"/>
+          <p:cNvSpPr>
+            <a:spLocks noGrp="1"/>
+          </p:cNvSpPr>
+          <p:nvPr>
+            <p:ph type="sldNum" sz="quarter" idx="10"/>
+          </p:nvPr>
+        </p:nvSpPr>
+        <p:spPr/>
+        <p:txBody>
+          <a:bodyPr/>
+          <a:lstStyle/>
+          <a:p>
+            <a:fld id="{CDE8920A-880C-4DAA-A893-D2B86E971586}" type="slidenum">
+              <a:rPr lang="en-GB" smtClean="0"/>
+              <a:t>2</a:t>
+            </a:fld>
+            <a:endParaRPr lang="en-GB"/>
+          </a:p>
+        </p:txBody>
+      </p:sp>
+    </p:spTree>
+    <p:extLst>
+      <p:ext uri="{BB962C8B-B14F-4D97-AF65-F5344CB8AC3E}">
+        <p14:creationId xmlns:p14="http://schemas.microsoft.com/office/powerpoint/2010/main" val="820229599"/>
+      </p:ext>
+    </p:extLst>
+  </p:cSld>
+  <p:clrMapOvr>
+    <a:masterClrMapping/>
+  </p:clrMapOvr>
+</p:notes>
 </file>
 
 <file path=ppt/slideLayouts/slideLayout1.xml><?xml version="1.0" encoding="utf-8"?>
@@ -3018,6 +3510,124 @@
 </p:sld>
 </file>
 
+<file path=ppt/slides/slide2.xml><?xml version="1.0" encoding="utf-8"?>
+<p:sld xmlns:a="http://schemas.openxmlformats.org/drawingml/2006/main" xmlns:r="http://schemas.openxmlformats.org/officeDocument/2006/relationships" xmlns:p="http://schemas.openxmlformats.org/presentationml/2006/main">
+  <p:cSld>
+    <p:spTree>
+      <p:nvGrpSpPr>
+        <p:cNvPr id="1" name=""/>
+        <p:cNvGrpSpPr/>
+        <p:nvPr/>
+      </p:nvGrpSpPr>
+      <p:grpSpPr>
+        <a:xfrm>
+          <a:off x="0" y="0"/>
+          <a:ext cx="0" cy="0"/>
+          <a:chOff x="0" y="0"/>
+          <a:chExt cx="0" cy="0"/>
+        </a:xfrm>
+      </p:grpSpPr>
+      <p:sp>
+        <p:nvSpPr>
+          <p:cNvPr id="2" name="Title 1"/>
+          <p:cNvSpPr>
+            <a:spLocks noGrp="1"/>
+          </p:cNvSpPr>
+          <p:nvPr>
+            <p:ph type="title"/>
+          </p:nvPr>
+        </p:nvSpPr>
+        <p:spPr/>
+        <p:txBody>
+          <a:bodyPr/>
+          <a:lstStyle/>
+          <a:p>
+            <a:r>
+              <a:rPr lang="en-GB" dirty="0"/>
+              <a:t>References:</a:t>
+            </a:r>
+          </a:p>
+        </p:txBody>
+      </p:sp>
+      <p:sp>
+        <p:nvSpPr>
+          <p:cNvPr id="3" name="Content Placeholder 2"/>
+          <p:cNvSpPr>
+            <a:spLocks noGrp="1"/>
+          </p:cNvSpPr>
+          <p:nvPr>
+            <p:ph idx="1"/>
+          </p:nvPr>
+        </p:nvSpPr>
+        <p:spPr>
+          <a:xfrm>
+            <a:off x="465221" y="1825625"/>
+            <a:ext cx="11518231" cy="4351338"/>
+          </a:xfrm>
+        </p:spPr>
+        <p:txBody>
+          <a:bodyPr>
+            <a:normAutofit/>
+          </a:bodyPr>
+          <a:lstStyle/>
+          <a:p>
+            <a:r>
+              <a:rPr lang="en-GB" sz="1100" dirty="0"/>
+              <a:t>Questions:</a:t>
+            </a:r>
+          </a:p>
+          <a:p>
+            <a:pPr lvl="1"/>
+            <a:r>
+              <a:rPr lang="en-GB" sz="1050" dirty="0"/>
+              <a:t>1) Judd, N. and Society, A. (2007) </a:t>
+            </a:r>
+            <a:r>
+              <a:rPr lang="en-GB" sz="1050" i="1" dirty="0"/>
+              <a:t>What is Alzheimer’s disease? - Alzheimer’s society</a:t>
+            </a:r>
+            <a:r>
+              <a:rPr lang="en-GB" sz="1050" dirty="0"/>
+              <a:t>. Available at: https://www.alzheimers.org.uk/site/scripts/documents_info.php?documentID=100 (Accessed: 10 December 2016).</a:t>
+            </a:r>
+          </a:p>
+          <a:p>
+            <a:pPr lvl="1"/>
+            <a:r>
+              <a:rPr lang="en-GB" sz="1050" dirty="0"/>
+              <a:t>2) Sauer, A. (2015) </a:t>
+            </a:r>
+            <a:r>
+              <a:rPr lang="en-GB" sz="1050" i="1" dirty="0"/>
+              <a:t>Why is Alzheimer’s more likely in women?</a:t>
+            </a:r>
+            <a:r>
+              <a:rPr lang="en-GB" sz="1050" dirty="0"/>
+              <a:t> Available at: http://www.alzheimers.net/8-12-15-why-is-alzheimers-more-likely-in-women/ (Accessed: 10 December 2016).</a:t>
+            </a:r>
+          </a:p>
+          <a:p>
+            <a:pPr lvl="1"/>
+            <a:r>
+              <a:rPr lang="en-GB" sz="1050" dirty="0"/>
+              <a:t>3) </a:t>
+            </a:r>
+          </a:p>
+        </p:txBody>
+      </p:sp>
+    </p:spTree>
+    <p:extLst>
+      <p:ext uri="{BB962C8B-B14F-4D97-AF65-F5344CB8AC3E}">
+        <p14:creationId xmlns:p14="http://schemas.microsoft.com/office/powerpoint/2010/main" val="4011240471"/>
+      </p:ext>
+    </p:extLst>
+  </p:cSld>
+  <p:clrMapOvr>
+    <a:masterClrMapping/>
+  </p:clrMapOvr>
+</p:sld>
+</file>
+
 <file path=ppt/theme/theme1.xml><?xml version="1.0" encoding="utf-8"?>
 <a:theme xmlns:a="http://schemas.openxmlformats.org/drawingml/2006/main" name="Office Theme">
   <a:themeElements>
@@ -3311,4 +3921,299 @@
     </a:ext>
   </a:extLst>
 </a:theme>
+</file>
+
+<file path=ppt/theme/theme2.xml><?xml version="1.0" encoding="utf-8"?>
+<a:theme xmlns:a="http://schemas.openxmlformats.org/drawingml/2006/main" name="Office Theme">
+  <a:themeElements>
+    <a:clrScheme name="Office">
+      <a:dk1>
+        <a:sysClr val="windowText" lastClr="000000"/>
+      </a:dk1>
+      <a:lt1>
+        <a:sysClr val="window" lastClr="FFFFFF"/>
+      </a:lt1>
+      <a:dk2>
+        <a:srgbClr val="44546A"/>
+      </a:dk2>
+      <a:lt2>
+        <a:srgbClr val="E7E6E6"/>
+      </a:lt2>
+      <a:accent1>
+        <a:srgbClr val="5B9BD5"/>
+      </a:accent1>
+      <a:accent2>
+        <a:srgbClr val="ED7D31"/>
+      </a:accent2>
+      <a:accent3>
+        <a:srgbClr val="A5A5A5"/>
+      </a:accent3>
+      <a:accent4>
+        <a:srgbClr val="FFC000"/>
+      </a:accent4>
+      <a:accent5>
+        <a:srgbClr val="4472C4"/>
+      </a:accent5>
+      <a:accent6>
+        <a:srgbClr val="70AD47"/>
+      </a:accent6>
+      <a:hlink>
+        <a:srgbClr val="0563C1"/>
+      </a:hlink>
+      <a:folHlink>
+        <a:srgbClr val="954F72"/>
+      </a:folHlink>
+    </a:clrScheme>
+    <a:fontScheme name="Office">
+      <a:majorFont>
+        <a:latin typeface="Calibri Light" panose="020F0302020204030204"/>
+        <a:ea typeface=""/>
+        <a:cs typeface=""/>
+        <a:font script="Jpan" typeface="游ゴシック Light"/>
+        <a:font script="Hang" typeface="맑은 고딕"/>
+        <a:font script="Hans" typeface="等线 Light"/>
+        <a:font script="Hant" typeface="新細明體"/>
+        <a:font script="Arab" typeface="Times New Roman"/>
+        <a:font script="Hebr" typeface="Times New Roman"/>
+        <a:font script="Thai" typeface="Angsana New"/>
+        <a:font script="Ethi" typeface="Nyala"/>
+        <a:font script="Beng" typeface="Vrinda"/>
+        <a:font script="Gujr" typeface="Shruti"/>
+        <a:font script="Khmr" typeface="MoolBoran"/>
+        <a:font script="Knda" typeface="Tunga"/>
+        <a:font script="Guru" typeface="Raavi"/>
+        <a:font script="Cans" typeface="Euphemia"/>
+        <a:font script="Cher" typeface="Plantagenet Cherokee"/>
+        <a:font script="Yiii" typeface="Microsoft Yi Baiti"/>
+        <a:font script="Tibt" typeface="Microsoft Himalaya"/>
+        <a:font script="Thaa" typeface="MV Boli"/>
+        <a:font script="Deva" typeface="Mangal"/>
+        <a:font script="Telu" typeface="Gautami"/>
+        <a:font script="Taml" typeface="Latha"/>
+        <a:font script="Syrc" typeface="Estrangelo Edessa"/>
+        <a:font script="Orya" typeface="Kalinga"/>
+        <a:font script="Mlym" typeface="Kartika"/>
+        <a:font script="Laoo" typeface="DokChampa"/>
+        <a:font script="Sinh" typeface="Iskoola Pota"/>
+        <a:font script="Mong" typeface="Mongolian Baiti"/>
+        <a:font script="Viet" typeface="Times New Roman"/>
+        <a:font script="Uigh" typeface="Microsoft Uighur"/>
+        <a:font script="Geor" typeface="Sylfaen"/>
+        <a:font script="Armn" typeface="Arial"/>
+        <a:font script="Bugi" typeface="Leelawadee UI"/>
+        <a:font script="Bopo" typeface="Microsoft JhengHei"/>
+        <a:font script="Java" typeface="Javanese Text"/>
+        <a:font script="Lisu" typeface="Segoe UI"/>
+        <a:font script="Mymr" typeface="Myanmar Text"/>
+        <a:font script="Nkoo" typeface="Ebrima"/>
+        <a:font script="Olck" typeface="Nirmala UI"/>
+        <a:font script="Osma" typeface="Ebrima"/>
+        <a:font script="Phag" typeface="Phagspa"/>
+        <a:font script="Syrn" typeface="Estrangelo Edessa"/>
+        <a:font script="Syrj" typeface="Estrangelo Edessa"/>
+        <a:font script="Syre" typeface="Estrangelo Edessa"/>
+        <a:font script="Sora" typeface="Nirmala UI"/>
+        <a:font script="Tale" typeface="Microsoft Tai Le"/>
+        <a:font script="Talu" typeface="Microsoft New Tai Lue"/>
+        <a:font script="Tfng" typeface="Ebrima"/>
+      </a:majorFont>
+      <a:minorFont>
+        <a:latin typeface="Calibri" panose="020F0502020204030204"/>
+        <a:ea typeface=""/>
+        <a:cs typeface=""/>
+        <a:font script="Jpan" typeface="游ゴシック"/>
+        <a:font script="Hang" typeface="맑은 고딕"/>
+        <a:font script="Hans" typeface="等线"/>
+        <a:font script="Hant" typeface="新細明體"/>
+        <a:font script="Arab" typeface="Arial"/>
+        <a:font script="Hebr" typeface="Arial"/>
+        <a:font script="Thai" typeface="Cordia New"/>
+        <a:font script="Ethi" typeface="Nyala"/>
+        <a:font script="Beng" typeface="Vrinda"/>
+        <a:font script="Gujr" typeface="Shruti"/>
+        <a:font script="Khmr" typeface="DaunPenh"/>
+        <a:font script="Knda" typeface="Tunga"/>
+        <a:font script="Guru" typeface="Raavi"/>
+        <a:font script="Cans" typeface="Euphemia"/>
+        <a:font script="Cher" typeface="Plantagenet Cherokee"/>
+        <a:font script="Yiii" typeface="Microsoft Yi Baiti"/>
+        <a:font script="Tibt" typeface="Microsoft Himalaya"/>
+        <a:font script="Thaa" typeface="MV Boli"/>
+        <a:font script="Deva" typeface="Mangal"/>
+        <a:font script="Telu" typeface="Gautami"/>
+        <a:font script="Taml" typeface="Latha"/>
+        <a:font script="Syrc" typeface="Estrangelo Edessa"/>
+        <a:font script="Orya" typeface="Kalinga"/>
+        <a:font script="Mlym" typeface="Kartika"/>
+        <a:font script="Laoo" typeface="DokChampa"/>
+        <a:font script="Sinh" typeface="Iskoola Pota"/>
+        <a:font script="Mong" typeface="Mongolian Baiti"/>
+        <a:font script="Viet" typeface="Arial"/>
+        <a:font script="Uigh" typeface="Microsoft Uighur"/>
+        <a:font script="Geor" typeface="Sylfaen"/>
+        <a:font script="Armn" typeface="Arial"/>
+        <a:font script="Bugi" typeface="Leelawadee UI"/>
+        <a:font script="Bopo" typeface="Microsoft JhengHei"/>
+        <a:font script="Java" typeface="Javanese Text"/>
+        <a:font script="Lisu" typeface="Segoe UI"/>
+        <a:font script="Mymr" typeface="Myanmar Text"/>
+        <a:font script="Nkoo" typeface="Ebrima"/>
+        <a:font script="Olck" typeface="Nirmala UI"/>
+        <a:font script="Osma" typeface="Ebrima"/>
+        <a:font script="Phag" typeface="Phagspa"/>
+        <a:font script="Syrn" typeface="Estrangelo Edessa"/>
+        <a:font script="Syrj" typeface="Estrangelo Edessa"/>
+        <a:font script="Syre" typeface="Estrangelo Edessa"/>
+        <a:font script="Sora" typeface="Nirmala UI"/>
+        <a:font script="Tale" typeface="Microsoft Tai Le"/>
+        <a:font script="Talu" typeface="Microsoft New Tai Lue"/>
+        <a:font script="Tfng" typeface="Ebrima"/>
+      </a:minorFont>
+    </a:fontScheme>
+    <a:fmtScheme name="Office">
+      <a:fillStyleLst>
+        <a:solidFill>
+          <a:schemeClr val="phClr"/>
+        </a:solidFill>
+        <a:gradFill rotWithShape="1">
+          <a:gsLst>
+            <a:gs pos="0">
+              <a:schemeClr val="phClr">
+                <a:lumMod val="110000"/>
+                <a:satMod val="105000"/>
+                <a:tint val="67000"/>
+              </a:schemeClr>
+            </a:gs>
+            <a:gs pos="50000">
+              <a:schemeClr val="phClr">
+                <a:lumMod val="105000"/>
+                <a:satMod val="103000"/>
+                <a:tint val="73000"/>
+              </a:schemeClr>
+            </a:gs>
+            <a:gs pos="100000">
+              <a:schemeClr val="phClr">
+                <a:lumMod val="105000"/>
+                <a:satMod val="109000"/>
+                <a:tint val="81000"/>
+              </a:schemeClr>
+            </a:gs>
+          </a:gsLst>
+          <a:lin ang="5400000" scaled="0"/>
+        </a:gradFill>
+        <a:gradFill rotWithShape="1">
+          <a:gsLst>
+            <a:gs pos="0">
+              <a:schemeClr val="phClr">
+                <a:satMod val="103000"/>
+                <a:lumMod val="102000"/>
+                <a:tint val="94000"/>
+              </a:schemeClr>
+            </a:gs>
+            <a:gs pos="50000">
+              <a:schemeClr val="phClr">
+                <a:satMod val="110000"/>
+                <a:lumMod val="100000"/>
+                <a:shade val="100000"/>
+              </a:schemeClr>
+            </a:gs>
+            <a:gs pos="100000">
+              <a:schemeClr val="phClr">
+                <a:lumMod val="99000"/>
+                <a:satMod val="120000"/>
+                <a:shade val="78000"/>
+              </a:schemeClr>
+            </a:gs>
+          </a:gsLst>
+          <a:lin ang="5400000" scaled="0"/>
+        </a:gradFill>
+      </a:fillStyleLst>
+      <a:lnStyleLst>
+        <a:ln w="6350" cap="flat" cmpd="sng" algn="ctr">
+          <a:solidFill>
+            <a:schemeClr val="phClr"/>
+          </a:solidFill>
+          <a:prstDash val="solid"/>
+          <a:miter lim="800000"/>
+        </a:ln>
+        <a:ln w="12700" cap="flat" cmpd="sng" algn="ctr">
+          <a:solidFill>
+            <a:schemeClr val="phClr"/>
+          </a:solidFill>
+          <a:prstDash val="solid"/>
+          <a:miter lim="800000"/>
+        </a:ln>
+        <a:ln w="19050" cap="flat" cmpd="sng" algn="ctr">
+          <a:solidFill>
+            <a:schemeClr val="phClr"/>
+          </a:solidFill>
+          <a:prstDash val="solid"/>
+          <a:miter lim="800000"/>
+        </a:ln>
+      </a:lnStyleLst>
+      <a:effectStyleLst>
+        <a:effectStyle>
+          <a:effectLst/>
+        </a:effectStyle>
+        <a:effectStyle>
+          <a:effectLst/>
+        </a:effectStyle>
+        <a:effectStyle>
+          <a:effectLst>
+            <a:outerShdw blurRad="57150" dist="19050" dir="5400000" algn="ctr" rotWithShape="0">
+              <a:srgbClr val="000000">
+                <a:alpha val="63000"/>
+              </a:srgbClr>
+            </a:outerShdw>
+          </a:effectLst>
+        </a:effectStyle>
+      </a:effectStyleLst>
+      <a:bgFillStyleLst>
+        <a:solidFill>
+          <a:schemeClr val="phClr"/>
+        </a:solidFill>
+        <a:solidFill>
+          <a:schemeClr val="phClr">
+            <a:tint val="95000"/>
+            <a:satMod val="170000"/>
+          </a:schemeClr>
+        </a:solidFill>
+        <a:gradFill rotWithShape="1">
+          <a:gsLst>
+            <a:gs pos="0">
+              <a:schemeClr val="phClr">
+                <a:tint val="93000"/>
+                <a:satMod val="150000"/>
+                <a:shade val="98000"/>
+                <a:lumMod val="102000"/>
+              </a:schemeClr>
+            </a:gs>
+            <a:gs pos="50000">
+              <a:schemeClr val="phClr">
+                <a:tint val="98000"/>
+                <a:satMod val="130000"/>
+                <a:shade val="90000"/>
+                <a:lumMod val="103000"/>
+              </a:schemeClr>
+            </a:gs>
+            <a:gs pos="100000">
+              <a:schemeClr val="phClr">
+                <a:shade val="63000"/>
+                <a:satMod val="120000"/>
+              </a:schemeClr>
+            </a:gs>
+          </a:gsLst>
+          <a:lin ang="5400000" scaled="0"/>
+        </a:gradFill>
+      </a:bgFillStyleLst>
+    </a:fmtScheme>
+  </a:themeElements>
+  <a:objectDefaults/>
+  <a:extraClrSchemeLst/>
+  <a:extLst>
+    <a:ext uri="{05A4C25C-085E-4340-85A3-A5531E510DB2}">
+      <thm15:themeFamily xmlns:thm15="http://schemas.microsoft.com/office/thememl/2012/main" name="Office Theme" id="{62F939B6-93AF-4DB8-9C6B-D6C7DFDC589F}" vid="{4A3C46E8-61CC-4603-A589-7422A47A8E4A}"/>
+    </a:ext>
+  </a:extLst>
+</a:theme>
 </file>
--- a/_presentation/Team 11 Presentation.pptx
+++ b/_presentation/Team 11 Presentation.pptx
@@ -119,11 +119,7 @@
 <file path=ppt/commentAuthors.xml><?xml version="1.0" encoding="utf-8"?>
 <p:cmAuthorLst xmlns:a="http://schemas.openxmlformats.org/drawingml/2006/main" xmlns:r="http://schemas.openxmlformats.org/officeDocument/2006/relationships" xmlns:p="http://schemas.openxmlformats.org/presentationml/2006/main">
   <p:cmAuthor id="1" name="Rahman, Adil" initials="RA" lastIdx="1" clrIdx="0">
-    <p:extLst>
-      <p:ext uri="{19B8F6BF-5375-455C-9EA6-DF929625EA0E}">
-        <p15:presenceInfo xmlns:p15="http://schemas.microsoft.com/office/powerpoint/2012/main" userId="Rahman, Adil" providerId="None"/>
-      </p:ext>
-    </p:extLst>
+    <p:extLst/>
   </p:cmAuthor>
 </p:cmAuthorLst>
 </file>
@@ -3493,6 +3489,10 @@
           <a:bodyPr/>
           <a:lstStyle/>
           <a:p>
+            <a:r>
+              <a:rPr lang="en-GB" smtClean="0"/>
+              <a:t>Sam</a:t>
+            </a:r>
             <a:endParaRPr lang="en-GB"/>
           </a:p>
         </p:txBody>

--- a/_presentation/Team 11 Presentation.pptx
+++ b/_presentation/Team 11 Presentation.pptx
@@ -5,11 +5,12 @@
     <p:sldMasterId id="2147483648" r:id="rId1"/>
   </p:sldMasterIdLst>
   <p:notesMasterIdLst>
-    <p:notesMasterId r:id="rId4"/>
+    <p:notesMasterId r:id="rId5"/>
   </p:notesMasterIdLst>
   <p:sldIdLst>
     <p:sldId id="256" r:id="rId2"/>
-    <p:sldId id="257" r:id="rId3"/>
+    <p:sldId id="258" r:id="rId3"/>
+    <p:sldId id="257" r:id="rId4"/>
   </p:sldIdLst>
   <p:sldSz cx="12192000" cy="6858000"/>
   <p:notesSz cx="6858000" cy="9144000"/>
@@ -580,7 +581,7 @@
           <a:p>
             <a:fld id="{CDE8920A-880C-4DAA-A893-D2B86E971586}" type="slidenum">
               <a:rPr lang="en-GB" smtClean="0"/>
-              <a:t>2</a:t>
+              <a:t>3</a:t>
             </a:fld>
             <a:endParaRPr lang="en-GB"/>
           </a:p>
@@ -3511,6 +3512,80 @@
 </file>
 
 <file path=ppt/slides/slide2.xml><?xml version="1.0" encoding="utf-8"?>
+<p:sld xmlns:a="http://schemas.openxmlformats.org/drawingml/2006/main" xmlns:r="http://schemas.openxmlformats.org/officeDocument/2006/relationships" xmlns:p="http://schemas.openxmlformats.org/presentationml/2006/main">
+  <p:cSld>
+    <p:spTree>
+      <p:nvGrpSpPr>
+        <p:cNvPr id="1" name=""/>
+        <p:cNvGrpSpPr/>
+        <p:nvPr/>
+      </p:nvGrpSpPr>
+      <p:grpSpPr>
+        <a:xfrm>
+          <a:off x="0" y="0"/>
+          <a:ext cx="0" cy="0"/>
+          <a:chOff x="0" y="0"/>
+          <a:chExt cx="0" cy="0"/>
+        </a:xfrm>
+      </p:grpSpPr>
+      <p:sp>
+        <p:nvSpPr>
+          <p:cNvPr id="2" name="Title 1"/>
+          <p:cNvSpPr>
+            <a:spLocks noGrp="1"/>
+          </p:cNvSpPr>
+          <p:nvPr>
+            <p:ph type="title"/>
+          </p:nvPr>
+        </p:nvSpPr>
+        <p:spPr/>
+        <p:txBody>
+          <a:bodyPr/>
+          <a:lstStyle/>
+          <a:p>
+            <a:r>
+              <a:rPr lang="en-GB" dirty="0"/>
+              <a:t>Future Development</a:t>
+            </a:r>
+          </a:p>
+        </p:txBody>
+      </p:sp>
+      <p:sp>
+        <p:nvSpPr>
+          <p:cNvPr id="3" name="Content Placeholder 2"/>
+          <p:cNvSpPr>
+            <a:spLocks noGrp="1"/>
+          </p:cNvSpPr>
+          <p:nvPr>
+            <p:ph idx="1"/>
+          </p:nvPr>
+        </p:nvSpPr>
+        <p:spPr/>
+        <p:txBody>
+          <a:bodyPr/>
+          <a:lstStyle/>
+          <a:p>
+            <a:r>
+              <a:rPr lang="en-GB" dirty="0"/>
+              <a:t>Orange animation of it peeling as health decreases (as questions are answered wrong)</a:t>
+            </a:r>
+          </a:p>
+        </p:txBody>
+      </p:sp>
+    </p:spTree>
+    <p:extLst>
+      <p:ext uri="{BB962C8B-B14F-4D97-AF65-F5344CB8AC3E}">
+        <p14:creationId xmlns:p14="http://schemas.microsoft.com/office/powerpoint/2010/main" val="1846106008"/>
+      </p:ext>
+    </p:extLst>
+  </p:cSld>
+  <p:clrMapOvr>
+    <a:masterClrMapping/>
+  </p:clrMapOvr>
+</p:sld>
+</file>
+
+<file path=ppt/slides/slide3.xml><?xml version="1.0" encoding="utf-8"?>
 <p:sld xmlns:a="http://schemas.openxmlformats.org/drawingml/2006/main" xmlns:r="http://schemas.openxmlformats.org/officeDocument/2006/relationships" xmlns:p="http://schemas.openxmlformats.org/presentationml/2006/main">
   <p:cSld>
     <p:spTree>

--- a/_presentation/Team 11 Presentation.pptx
+++ b/_presentation/Team 11 Presentation.pptx
@@ -550,15 +550,20 @@
             </a:pPr>
             <a:r>
               <a:rPr lang="en-GB" baseline="0" dirty="0"/>
-              <a:t>“What are the </a:t>
+              <a:t>“What are the two proteins responsible for dementia?”</a:t>
+            </a:r>
+          </a:p>
+          <a:p>
+            <a:pPr marL="228600" indent="-228600">
+              <a:buAutoNum type="arabicPeriod"/>
+            </a:pPr>
+            <a:r>
+              <a:rPr lang="en-GB" baseline="0" dirty="0"/>
+              <a:t>“Is there a cure for </a:t>
             </a:r>
             <a:r>
               <a:rPr lang="en-GB" baseline="0"/>
-              <a:t>two proteins </a:t>
-            </a:r>
-            <a:r>
-              <a:rPr lang="en-GB" baseline="0" dirty="0"/>
-              <a:t>responsible for dementia?”</a:t>
+              <a:t>Alzheimer’s disease?”</a:t>
             </a:r>
             <a:endParaRPr lang="en-GB" dirty="0"/>
           </a:p>
@@ -3685,7 +3690,38 @@
             <a:pPr lvl="1"/>
             <a:r>
               <a:rPr lang="en-GB" sz="1050" dirty="0"/>
-              <a:t>3) </a:t>
+              <a:t>3) Bloom, G.S. (2014) ‘Amyloid-</a:t>
+            </a:r>
+            <a:r>
+              <a:rPr lang="el-GR" sz="1050" dirty="0"/>
+              <a:t>β </a:t>
+            </a:r>
+            <a:r>
+              <a:rPr lang="en-GB" sz="1050" dirty="0"/>
+              <a:t>and Tau’, </a:t>
+            </a:r>
+            <a:r>
+              <a:rPr lang="en-GB" sz="1050" i="1" dirty="0"/>
+              <a:t>JAMA Neurology</a:t>
+            </a:r>
+            <a:r>
+              <a:rPr lang="en-GB" sz="1050" dirty="0"/>
+              <a:t>, 71(4), p. 505. </a:t>
+            </a:r>
+            <a:r>
+              <a:rPr lang="en-GB" sz="1050" dirty="0" err="1"/>
+              <a:t>doi</a:t>
+            </a:r>
+            <a:r>
+              <a:rPr lang="en-GB" sz="1050" dirty="0"/>
+              <a:t>: 10.1001/jamaneurol.2013.5847.</a:t>
+            </a:r>
+          </a:p>
+          <a:p>
+            <a:pPr lvl="1"/>
+            <a:r>
+              <a:rPr lang="en-GB" sz="1050" dirty="0"/>
+              <a:t>4) </a:t>
             </a:r>
           </a:p>
         </p:txBody>

--- a/_presentation/Team 11 Presentation.pptx
+++ b/_presentation/Team 11 Presentation.pptx
@@ -3721,8 +3721,24 @@
             <a:pPr lvl="1"/>
             <a:r>
               <a:rPr lang="en-GB" sz="1050" dirty="0"/>
-              <a:t>4) </a:t>
-            </a:r>
+              <a:t>4) Association®, A. (2016) </a:t>
+            </a:r>
+            <a:r>
+              <a:rPr lang="en-GB" sz="1050" i="1" dirty="0"/>
+              <a:t>Latest treatment options</a:t>
+            </a:r>
+            <a:r>
+              <a:rPr lang="en-GB" sz="1050" dirty="0"/>
+              <a:t>. Available at: http://www.alz.org/alzheimers_disease_treatments.asp (Accessed: 10 December 2016).</a:t>
+            </a:r>
+          </a:p>
+          <a:p>
+            <a:pPr lvl="1"/>
+            <a:r>
+              <a:rPr lang="en-GB" sz="1050"/>
+              <a:t>5) </a:t>
+            </a:r>
+            <a:endParaRPr lang="en-GB" sz="1050" dirty="0"/>
           </a:p>
         </p:txBody>
       </p:sp>

--- a/_presentation/Team 11 Presentation.pptx
+++ b/_presentation/Team 11 Presentation.pptx
@@ -559,11 +559,16 @@
             </a:pPr>
             <a:r>
               <a:rPr lang="en-GB" baseline="0" dirty="0"/>
-              <a:t>“Is there a cure for </a:t>
-            </a:r>
-            <a:r>
-              <a:rPr lang="en-GB" baseline="0"/>
-              <a:t>Alzheimer’s disease?”</a:t>
+              <a:t>“Is there a cure for Alzheimer’s disease?”</a:t>
+            </a:r>
+          </a:p>
+          <a:p>
+            <a:pPr marL="228600" indent="-228600">
+              <a:buAutoNum type="arabicPeriod"/>
+            </a:pPr>
+            <a:r>
+              <a:rPr lang="en-GB" baseline="0" dirty="0"/>
+              <a:t>“How much does dementia effect the global economy?”</a:t>
             </a:r>
             <a:endParaRPr lang="en-GB" dirty="0"/>
           </a:p>

--- a/_presentation/Team 11 Presentation.pptx
+++ b/_presentation/Team 11 Presentation.pptx
@@ -3740,8 +3740,23 @@
           <a:p>
             <a:pPr lvl="1"/>
             <a:r>
+              <a:rPr lang="en-GB" sz="1050" dirty="0"/>
+              <a:t>5) </a:t>
+            </a:r>
+            <a:r>
+              <a:rPr lang="en-GB" sz="1050" i="1" dirty="0"/>
+              <a:t>10 things you need to know about the impact of dementia on people, carers and the economy | Alzheimer’s research UK</a:t>
+            </a:r>
+            <a:r>
+              <a:rPr lang="en-GB" sz="1050" dirty="0"/>
+              <a:t> (2017) Available at: http://www.alzheimersresearchuk.org/about-dementia/facts-stats/10-things-you-need-to-know-about-the-impact-of-dementia/ (Accessed: 10 December 2016).</a:t>
+            </a:r>
+          </a:p>
+          <a:p>
+            <a:pPr lvl="1"/>
+            <a:r>
               <a:rPr lang="en-GB" sz="1050"/>
-              <a:t>5) </a:t>
+              <a:t>6)</a:t>
             </a:r>
             <a:endParaRPr lang="en-GB" sz="1050" dirty="0"/>
           </a:p>

--- a/_presentation/Team 11 Presentation.pptx
+++ b/_presentation/Team 11 Presentation.pptx
@@ -570,6 +570,42 @@
               <a:rPr lang="en-GB" baseline="0" dirty="0"/>
               <a:t>“How much does dementia effect the global economy?”</a:t>
             </a:r>
+          </a:p>
+          <a:p>
+            <a:pPr marL="228600" indent="-228600">
+              <a:buAutoNum type="arabicPeriod"/>
+            </a:pPr>
+            <a:r>
+              <a:rPr lang="en-GB" baseline="0" dirty="0"/>
+              <a:t>~ “Is Alzheimer’s disease fatal?”</a:t>
+            </a:r>
+          </a:p>
+          <a:p>
+            <a:pPr marL="228600" indent="-228600">
+              <a:buAutoNum type="arabicPeriod"/>
+            </a:pPr>
+            <a:r>
+              <a:rPr lang="en-GB" dirty="0"/>
+              <a:t>Does</a:t>
+            </a:r>
+            <a:r>
+              <a:rPr lang="en-GB" baseline="0" dirty="0"/>
+              <a:t> Alzheimer's only effect people over 65? (question in app different wording but same context)</a:t>
+            </a:r>
+          </a:p>
+          <a:p>
+            <a:pPr marL="228600" indent="-228600">
+              <a:buAutoNum type="arabicPeriod"/>
+            </a:pPr>
+            <a:r>
+              <a:rPr lang="en-GB" baseline="0" dirty="0"/>
+              <a:t>“Are the most prominent symptoms of Alzheimer's disease include memory loss, gradual loss of speech, and/or difficulties with any physical movements?”</a:t>
+            </a:r>
+          </a:p>
+          <a:p>
+            <a:pPr marL="228600" indent="-228600">
+              <a:buAutoNum type="arabicPeriod"/>
+            </a:pPr>
             <a:endParaRPr lang="en-GB" dirty="0"/>
           </a:p>
         </p:txBody>
@@ -3755,10 +3791,47 @@
           <a:p>
             <a:pPr lvl="1"/>
             <a:r>
-              <a:rPr lang="en-GB" sz="1050"/>
-              <a:t>6)</a:t>
-            </a:r>
-            <a:endParaRPr lang="en-GB" sz="1050" dirty="0"/>
+              <a:rPr lang="en-GB" sz="1050" dirty="0"/>
+              <a:t>6) Association®, A. (2016) </a:t>
+            </a:r>
+            <a:r>
+              <a:rPr lang="en-GB" sz="1050" i="1" dirty="0"/>
+              <a:t>Memory loss myths &amp; facts</a:t>
+            </a:r>
+            <a:r>
+              <a:rPr lang="en-GB" sz="1050" dirty="0"/>
+              <a:t>. Available at: http://www.alz.org/alzheimers_disease_myths_about_alzheimers.asp (Accessed: 10 December 2016).</a:t>
+            </a:r>
+          </a:p>
+          <a:p>
+            <a:pPr lvl="1"/>
+            <a:r>
+              <a:rPr lang="en-GB" sz="1050" dirty="0"/>
+              <a:t>7) Association®, A. (2016) </a:t>
+            </a:r>
+            <a:r>
+              <a:rPr lang="en-GB" sz="1050" i="1" dirty="0"/>
+              <a:t>Memory loss myths &amp; facts</a:t>
+            </a:r>
+            <a:r>
+              <a:rPr lang="en-GB" sz="1050" dirty="0"/>
+              <a:t>. Available at: http://www.alz.org/alzheimers_disease_myths_about_alzheimers.asp (Accessed: 10 December 2016).</a:t>
+            </a:r>
+          </a:p>
+          <a:p>
+            <a:pPr lvl="1"/>
+            <a:r>
+              <a:rPr lang="en-GB" sz="1050" dirty="0"/>
+              <a:t>8) Choices, N. (2016) </a:t>
+            </a:r>
+            <a:r>
+              <a:rPr lang="en-GB" sz="1050" i="1" dirty="0"/>
+              <a:t>Alzheimer’s disease - symptoms</a:t>
+            </a:r>
+            <a:r>
+              <a:rPr lang="en-GB" sz="1050" dirty="0"/>
+              <a:t>. Available at: http://www.nhs.uk/Conditions/Alzheimers-disease/Pages/Symptoms.aspx (Accessed: 10 December 2016).</a:t>
+            </a:r>
           </a:p>
         </p:txBody>
       </p:sp>

--- a/_presentation/Team 11 Presentation.pptx
+++ b/_presentation/Team 11 Presentation.pptx
@@ -591,6 +591,23 @@
             <a:r>
               <a:rPr lang="en-GB" baseline="0" dirty="0"/>
               <a:t> Alzheimer's only effect people over 65? (question in app different wording but same context)</a:t>
+            </a:r>
+          </a:p>
+          <a:p>
+            <a:pPr marL="228600" indent="-228600">
+              <a:buAutoNum type="arabicPeriod"/>
+            </a:pPr>
+            <a:r>
+              <a:rPr lang="en-GB" baseline="0" dirty="0"/>
+              <a:t>“Alzheimer’s and </a:t>
+            </a:r>
+            <a:r>
+              <a:rPr lang="en-GB" baseline="0" dirty="0" err="1"/>
+              <a:t>Dimentia</a:t>
+            </a:r>
+            <a:r>
+              <a:rPr lang="en-GB" baseline="0" dirty="0"/>
+              <a:t> are the leading causes of death in the UK?”</a:t>
             </a:r>
           </a:p>
           <a:p>
@@ -3822,7 +3839,30 @@
             <a:pPr lvl="1"/>
             <a:r>
               <a:rPr lang="en-GB" sz="1050" dirty="0"/>
-              <a:t>8) Choices, N. (2016) </a:t>
+              <a:t>8) Siddique, H. (2016) </a:t>
+            </a:r>
+            <a:r>
+              <a:rPr lang="en-GB" sz="1050" i="1" dirty="0"/>
+              <a:t>Dementia and Alzheimer’s leading cause of death in England and wales</a:t>
+            </a:r>
+            <a:r>
+              <a:rPr lang="en-GB" sz="1050" dirty="0"/>
+              <a:t>. Available at: https://www.theguardian.com/society/2016/nov/14/dementia-and-alzheimers-leading-cause-of-death-england-and-wales (Accessed: 10 December 2016).</a:t>
+            </a:r>
+          </a:p>
+          <a:p>
+            <a:pPr lvl="1"/>
+            <a:r>
+              <a:rPr lang="en-GB" sz="1050" dirty="0"/>
+              <a:t>9</a:t>
+            </a:r>
+            <a:r>
+              <a:rPr lang="en-GB" sz="1050"/>
+              <a:t>) </a:t>
+            </a:r>
+            <a:r>
+              <a:rPr lang="en-GB" sz="1050" dirty="0"/>
+              <a:t>Choices, N. (2016) </a:t>
             </a:r>
             <a:r>
               <a:rPr lang="en-GB" sz="1050" i="1" dirty="0"/>

--- a/_presentation/Team 11 Presentation.pptx
+++ b/_presentation/Team 11 Presentation.pptx
@@ -5,12 +5,15 @@
     <p:sldMasterId id="2147483648" r:id="rId1"/>
   </p:sldMasterIdLst>
   <p:notesMasterIdLst>
-    <p:notesMasterId r:id="rId5"/>
+    <p:notesMasterId r:id="rId8"/>
   </p:notesMasterIdLst>
   <p:sldIdLst>
     <p:sldId id="256" r:id="rId2"/>
-    <p:sldId id="258" r:id="rId3"/>
-    <p:sldId id="257" r:id="rId4"/>
+    <p:sldId id="260" r:id="rId3"/>
+    <p:sldId id="261" r:id="rId4"/>
+    <p:sldId id="258" r:id="rId5"/>
+    <p:sldId id="257" r:id="rId6"/>
+    <p:sldId id="259" r:id="rId7"/>
   </p:sldIdLst>
   <p:sldSz cx="12192000" cy="6858000"/>
   <p:notesSz cx="6858000" cy="9144000"/>
@@ -644,7 +647,7 @@
           <a:p>
             <a:fld id="{CDE8920A-880C-4DAA-A893-D2B86E971586}" type="slidenum">
               <a:rPr lang="en-GB" smtClean="0"/>
-              <a:t>3</a:t>
+              <a:t>5</a:t>
             </a:fld>
             <a:endParaRPr lang="en-GB"/>
           </a:p>
@@ -3608,7 +3611,7 @@
           <a:p>
             <a:r>
               <a:rPr lang="en-GB" dirty="0"/>
-              <a:t>Future Development</a:t>
+              <a:t>Problem Statement</a:t>
             </a:r>
           </a:p>
         </p:txBody>
@@ -3628,9 +3631,12 @@
           <a:bodyPr/>
           <a:lstStyle/>
           <a:p>
+            <a:pPr marL="0" indent="0">
+              <a:buNone/>
+            </a:pPr>
             <a:r>
               <a:rPr lang="en-GB" dirty="0"/>
-              <a:t>Orange animation of it peeling as health decreases (as questions are answered wrong)</a:t>
+              <a:t>Aims:</a:t>
             </a:r>
           </a:p>
         </p:txBody>
@@ -3638,7 +3644,7 @@
     </p:spTree>
     <p:extLst>
       <p:ext uri="{BB962C8B-B14F-4D97-AF65-F5344CB8AC3E}">
-        <p14:creationId xmlns:p14="http://schemas.microsoft.com/office/powerpoint/2010/main" val="1846106008"/>
+        <p14:creationId xmlns:p14="http://schemas.microsoft.com/office/powerpoint/2010/main" val="1962513551"/>
       </p:ext>
     </p:extLst>
   </p:cSld>
@@ -3682,6 +3688,217 @@
           <a:p>
             <a:r>
               <a:rPr lang="en-GB" dirty="0"/>
+              <a:t>Plan</a:t>
+            </a:r>
+          </a:p>
+        </p:txBody>
+      </p:sp>
+      <p:sp>
+        <p:nvSpPr>
+          <p:cNvPr id="3" name="Content Placeholder 2"/>
+          <p:cNvSpPr>
+            <a:spLocks noGrp="1"/>
+          </p:cNvSpPr>
+          <p:nvPr>
+            <p:ph idx="1"/>
+          </p:nvPr>
+        </p:nvSpPr>
+        <p:spPr/>
+        <p:txBody>
+          <a:bodyPr>
+            <a:normAutofit lnSpcReduction="10000"/>
+          </a:bodyPr>
+          <a:lstStyle/>
+          <a:p>
+            <a:r>
+              <a:rPr lang="en-GB" dirty="0"/>
+              <a:t>problem statement</a:t>
+            </a:r>
+          </a:p>
+          <a:p>
+            <a:pPr lvl="1"/>
+            <a:r>
+              <a:rPr lang="en-GB" dirty="0"/>
+              <a:t>User specification</a:t>
+            </a:r>
+          </a:p>
+          <a:p>
+            <a:r>
+              <a:rPr lang="en-GB" dirty="0"/>
+              <a:t>How we planned to address these issues</a:t>
+            </a:r>
+          </a:p>
+          <a:p>
+            <a:pPr lvl="1"/>
+            <a:r>
+              <a:rPr lang="en-GB" dirty="0"/>
+              <a:t>Benefit users</a:t>
+            </a:r>
+          </a:p>
+          <a:p>
+            <a:pPr lvl="1"/>
+            <a:r>
+              <a:rPr lang="en-GB" dirty="0"/>
+              <a:t>Benefit organisation</a:t>
+            </a:r>
+          </a:p>
+          <a:p>
+            <a:pPr lvl="1"/>
+            <a:r>
+              <a:rPr lang="en-GB" dirty="0"/>
+              <a:t>Meet specification</a:t>
+            </a:r>
+          </a:p>
+          <a:p>
+            <a:r>
+              <a:rPr lang="en-GB" dirty="0"/>
+              <a:t>Code snippets and explanation of implementation </a:t>
+            </a:r>
+          </a:p>
+          <a:p>
+            <a:r>
+              <a:rPr lang="en-GB" dirty="0"/>
+              <a:t>Demo (if any)</a:t>
+            </a:r>
+          </a:p>
+          <a:p>
+            <a:r>
+              <a:rPr lang="en-GB" dirty="0"/>
+              <a:t>Future developments</a:t>
+            </a:r>
+          </a:p>
+          <a:p>
+            <a:r>
+              <a:rPr lang="en-GB" dirty="0"/>
+              <a:t>Bibliography </a:t>
+            </a:r>
+          </a:p>
+          <a:p>
+            <a:endParaRPr lang="en-GB" dirty="0"/>
+          </a:p>
+        </p:txBody>
+      </p:sp>
+    </p:spTree>
+    <p:extLst>
+      <p:ext uri="{BB962C8B-B14F-4D97-AF65-F5344CB8AC3E}">
+        <p14:creationId xmlns:p14="http://schemas.microsoft.com/office/powerpoint/2010/main" val="2355970903"/>
+      </p:ext>
+    </p:extLst>
+  </p:cSld>
+  <p:clrMapOvr>
+    <a:masterClrMapping/>
+  </p:clrMapOvr>
+</p:sld>
+</file>
+
+<file path=ppt/slides/slide4.xml><?xml version="1.0" encoding="utf-8"?>
+<p:sld xmlns:a="http://schemas.openxmlformats.org/drawingml/2006/main" xmlns:r="http://schemas.openxmlformats.org/officeDocument/2006/relationships" xmlns:p="http://schemas.openxmlformats.org/presentationml/2006/main">
+  <p:cSld>
+    <p:spTree>
+      <p:nvGrpSpPr>
+        <p:cNvPr id="1" name=""/>
+        <p:cNvGrpSpPr/>
+        <p:nvPr/>
+      </p:nvGrpSpPr>
+      <p:grpSpPr>
+        <a:xfrm>
+          <a:off x="0" y="0"/>
+          <a:ext cx="0" cy="0"/>
+          <a:chOff x="0" y="0"/>
+          <a:chExt cx="0" cy="0"/>
+        </a:xfrm>
+      </p:grpSpPr>
+      <p:sp>
+        <p:nvSpPr>
+          <p:cNvPr id="2" name="Title 1"/>
+          <p:cNvSpPr>
+            <a:spLocks noGrp="1"/>
+          </p:cNvSpPr>
+          <p:nvPr>
+            <p:ph type="title"/>
+          </p:nvPr>
+        </p:nvSpPr>
+        <p:spPr/>
+        <p:txBody>
+          <a:bodyPr/>
+          <a:lstStyle/>
+          <a:p>
+            <a:r>
+              <a:rPr lang="en-GB" dirty="0"/>
+              <a:t>Future Development</a:t>
+            </a:r>
+          </a:p>
+        </p:txBody>
+      </p:sp>
+      <p:sp>
+        <p:nvSpPr>
+          <p:cNvPr id="3" name="Content Placeholder 2"/>
+          <p:cNvSpPr>
+            <a:spLocks noGrp="1"/>
+          </p:cNvSpPr>
+          <p:nvPr>
+            <p:ph idx="1"/>
+          </p:nvPr>
+        </p:nvSpPr>
+        <p:spPr/>
+        <p:txBody>
+          <a:bodyPr/>
+          <a:lstStyle/>
+          <a:p>
+            <a:r>
+              <a:rPr lang="en-GB" dirty="0"/>
+              <a:t>Orange animation of it peeling as health decreases (as questions are answered wrong)</a:t>
+            </a:r>
+          </a:p>
+        </p:txBody>
+      </p:sp>
+    </p:spTree>
+    <p:extLst>
+      <p:ext uri="{BB962C8B-B14F-4D97-AF65-F5344CB8AC3E}">
+        <p14:creationId xmlns:p14="http://schemas.microsoft.com/office/powerpoint/2010/main" val="1846106008"/>
+      </p:ext>
+    </p:extLst>
+  </p:cSld>
+  <p:clrMapOvr>
+    <a:masterClrMapping/>
+  </p:clrMapOvr>
+</p:sld>
+</file>
+
+<file path=ppt/slides/slide5.xml><?xml version="1.0" encoding="utf-8"?>
+<p:sld xmlns:a="http://schemas.openxmlformats.org/drawingml/2006/main" xmlns:r="http://schemas.openxmlformats.org/officeDocument/2006/relationships" xmlns:p="http://schemas.openxmlformats.org/presentationml/2006/main">
+  <p:cSld>
+    <p:spTree>
+      <p:nvGrpSpPr>
+        <p:cNvPr id="1" name=""/>
+        <p:cNvGrpSpPr/>
+        <p:nvPr/>
+      </p:nvGrpSpPr>
+      <p:grpSpPr>
+        <a:xfrm>
+          <a:off x="0" y="0"/>
+          <a:ext cx="0" cy="0"/>
+          <a:chOff x="0" y="0"/>
+          <a:chExt cx="0" cy="0"/>
+        </a:xfrm>
+      </p:grpSpPr>
+      <p:sp>
+        <p:nvSpPr>
+          <p:cNvPr id="2" name="Title 1"/>
+          <p:cNvSpPr>
+            <a:spLocks noGrp="1"/>
+          </p:cNvSpPr>
+          <p:nvPr>
+            <p:ph type="title"/>
+          </p:nvPr>
+        </p:nvSpPr>
+        <p:spPr/>
+        <p:txBody>
+          <a:bodyPr/>
+          <a:lstStyle/>
+          <a:p>
+            <a:r>
+              <a:rPr lang="en-GB" dirty="0"/>
               <a:t>References:</a:t>
             </a:r>
           </a:p>
@@ -3709,16 +3926,30 @@
           </a:bodyPr>
           <a:lstStyle/>
           <a:p>
+            <a:pPr>
+              <a:buFont typeface="+mj-lt"/>
+              <a:buAutoNum type="arabicPeriod"/>
+            </a:pPr>
             <a:r>
               <a:rPr lang="en-GB" sz="1100" dirty="0"/>
               <a:t>Questions:</a:t>
             </a:r>
           </a:p>
           <a:p>
-            <a:pPr lvl="1"/>
+            <a:pPr lvl="1">
+              <a:buFont typeface="+mj-lt"/>
+              <a:buAutoNum type="arabicPeriod"/>
+            </a:pPr>
             <a:r>
               <a:rPr lang="en-GB" sz="1050" dirty="0"/>
-              <a:t>1) Judd, N. and Society, A. (2007) </a:t>
+              <a:t>“What is the most common form of dementia?”</a:t>
+            </a:r>
+            <a:br>
+              <a:rPr lang="en-GB" sz="1050" dirty="0"/>
+            </a:br>
+            <a:r>
+              <a:rPr lang="en-GB" sz="1050" dirty="0"/>
+              <a:t>Judd, N. and Society, A. (2007) </a:t>
             </a:r>
             <a:r>
               <a:rPr lang="en-GB" sz="1050" i="1" dirty="0"/>
@@ -3730,10 +3961,20 @@
             </a:r>
           </a:p>
           <a:p>
-            <a:pPr lvl="1"/>
+            <a:pPr lvl="1">
+              <a:buFont typeface="+mj-lt"/>
+              <a:buAutoNum type="arabicPeriod"/>
+            </a:pPr>
             <a:r>
               <a:rPr lang="en-GB" sz="1050" dirty="0"/>
-              <a:t>2) Sauer, A. (2015) </a:t>
+              <a:t>“Who has a higher risk of developing Alzheimer’s disease?”</a:t>
+            </a:r>
+            <a:br>
+              <a:rPr lang="en-GB" sz="1050" dirty="0"/>
+            </a:br>
+            <a:r>
+              <a:rPr lang="en-GB" sz="1050" dirty="0"/>
+              <a:t>Sauer, A. (2015) </a:t>
             </a:r>
             <a:r>
               <a:rPr lang="en-GB" sz="1050" i="1" dirty="0"/>
@@ -3745,10 +3986,20 @@
             </a:r>
           </a:p>
           <a:p>
-            <a:pPr lvl="1"/>
+            <a:pPr lvl="1">
+              <a:buFont typeface="+mj-lt"/>
+              <a:buAutoNum type="arabicPeriod"/>
+            </a:pPr>
             <a:r>
               <a:rPr lang="en-GB" sz="1050" dirty="0"/>
-              <a:t>3) Bloom, G.S. (2014) ‘Amyloid-</a:t>
+              <a:t>“What are the two proteins responsible for dementia?”</a:t>
+            </a:r>
+            <a:br>
+              <a:rPr lang="en-GB" sz="1050" dirty="0"/>
+            </a:br>
+            <a:r>
+              <a:rPr lang="en-GB" sz="1050" dirty="0"/>
+              <a:t>Bloom, G.S. (2014) ‘Amyloid-</a:t>
             </a:r>
             <a:r>
               <a:rPr lang="el-GR" sz="1050" dirty="0"/>
@@ -3776,7 +4027,10 @@
             </a:r>
           </a:p>
           <a:p>
-            <a:pPr lvl="1"/>
+            <a:pPr lvl="1">
+              <a:buFont typeface="+mj-lt"/>
+              <a:buAutoNum type="arabicPeriod"/>
+            </a:pPr>
             <a:r>
               <a:rPr lang="en-GB" sz="1050" dirty="0"/>
               <a:t>4) Association®, A. (2016) </a:t>
@@ -3791,7 +4045,10 @@
             </a:r>
           </a:p>
           <a:p>
-            <a:pPr lvl="1"/>
+            <a:pPr lvl="1">
+              <a:buFont typeface="+mj-lt"/>
+              <a:buAutoNum type="arabicPeriod"/>
+            </a:pPr>
             <a:r>
               <a:rPr lang="en-GB" sz="1050" dirty="0"/>
               <a:t>5) </a:t>
@@ -3806,7 +4063,10 @@
             </a:r>
           </a:p>
           <a:p>
-            <a:pPr lvl="1"/>
+            <a:pPr lvl="1">
+              <a:buFont typeface="+mj-lt"/>
+              <a:buAutoNum type="arabicPeriod"/>
+            </a:pPr>
             <a:r>
               <a:rPr lang="en-GB" sz="1050" dirty="0"/>
               <a:t>6) Association®, A. (2016) </a:t>
@@ -3821,7 +4081,10 @@
             </a:r>
           </a:p>
           <a:p>
-            <a:pPr lvl="1"/>
+            <a:pPr lvl="1">
+              <a:buFont typeface="+mj-lt"/>
+              <a:buAutoNum type="arabicPeriod"/>
+            </a:pPr>
             <a:r>
               <a:rPr lang="en-GB" sz="1050" dirty="0"/>
               <a:t>7) Association®, A. (2016) </a:t>
@@ -3836,7 +4099,10 @@
             </a:r>
           </a:p>
           <a:p>
-            <a:pPr lvl="1"/>
+            <a:pPr lvl="1">
+              <a:buFont typeface="+mj-lt"/>
+              <a:buAutoNum type="arabicPeriod"/>
+            </a:pPr>
             <a:r>
               <a:rPr lang="en-GB" sz="1050" dirty="0"/>
               <a:t>8) Siddique, H. (2016) </a:t>
@@ -3851,18 +4117,13 @@
             </a:r>
           </a:p>
           <a:p>
-            <a:pPr lvl="1"/>
+            <a:pPr lvl="1">
+              <a:buFont typeface="+mj-lt"/>
+              <a:buAutoNum type="arabicPeriod"/>
+            </a:pPr>
             <a:r>
               <a:rPr lang="en-GB" sz="1050" dirty="0"/>
-              <a:t>9</a:t>
-            </a:r>
-            <a:r>
-              <a:rPr lang="en-GB" sz="1050"/>
-              <a:t>) </a:t>
-            </a:r>
-            <a:r>
-              <a:rPr lang="en-GB" sz="1050" dirty="0"/>
-              <a:t>Choices, N. (2016) </a:t>
+              <a:t>9) Choices, N. (2016) </a:t>
             </a:r>
             <a:r>
               <a:rPr lang="en-GB" sz="1050" i="1" dirty="0"/>
@@ -3879,6 +4140,74 @@
     <p:extLst>
       <p:ext uri="{BB962C8B-B14F-4D97-AF65-F5344CB8AC3E}">
         <p14:creationId xmlns:p14="http://schemas.microsoft.com/office/powerpoint/2010/main" val="4011240471"/>
+      </p:ext>
+    </p:extLst>
+  </p:cSld>
+  <p:clrMapOvr>
+    <a:masterClrMapping/>
+  </p:clrMapOvr>
+</p:sld>
+</file>
+
+<file path=ppt/slides/slide6.xml><?xml version="1.0" encoding="utf-8"?>
+<p:sld xmlns:a="http://schemas.openxmlformats.org/drawingml/2006/main" xmlns:r="http://schemas.openxmlformats.org/officeDocument/2006/relationships" xmlns:p="http://schemas.openxmlformats.org/presentationml/2006/main">
+  <p:cSld>
+    <p:spTree>
+      <p:nvGrpSpPr>
+        <p:cNvPr id="1" name=""/>
+        <p:cNvGrpSpPr/>
+        <p:nvPr/>
+      </p:nvGrpSpPr>
+      <p:grpSpPr>
+        <a:xfrm>
+          <a:off x="0" y="0"/>
+          <a:ext cx="0" cy="0"/>
+          <a:chOff x="0" y="0"/>
+          <a:chExt cx="0" cy="0"/>
+        </a:xfrm>
+      </p:grpSpPr>
+      <p:sp>
+        <p:nvSpPr>
+          <p:cNvPr id="2" name="Title 1"/>
+          <p:cNvSpPr>
+            <a:spLocks noGrp="1"/>
+          </p:cNvSpPr>
+          <p:nvPr>
+            <p:ph type="title"/>
+          </p:nvPr>
+        </p:nvSpPr>
+        <p:spPr/>
+        <p:txBody>
+          <a:bodyPr/>
+          <a:lstStyle/>
+          <a:p>
+            <a:endParaRPr lang="en-GB"/>
+          </a:p>
+        </p:txBody>
+      </p:sp>
+      <p:sp>
+        <p:nvSpPr>
+          <p:cNvPr id="3" name="Content Placeholder 2"/>
+          <p:cNvSpPr>
+            <a:spLocks noGrp="1"/>
+          </p:cNvSpPr>
+          <p:nvPr>
+            <p:ph idx="1"/>
+          </p:nvPr>
+        </p:nvSpPr>
+        <p:spPr/>
+        <p:txBody>
+          <a:bodyPr/>
+          <a:lstStyle/>
+          <a:p>
+            <a:endParaRPr lang="en-GB"/>
+          </a:p>
+        </p:txBody>
+      </p:sp>
+    </p:spTree>
+    <p:extLst>
+      <p:ext uri="{BB962C8B-B14F-4D97-AF65-F5344CB8AC3E}">
+        <p14:creationId xmlns:p14="http://schemas.microsoft.com/office/powerpoint/2010/main" val="25136682"/>
       </p:ext>
     </p:extLst>
   </p:cSld>

--- a/_presentation/Team 11 Presentation.pptx
+++ b/_presentation/Team 11 Presentation.pptx
@@ -3638,6 +3638,12 @@
               <a:rPr lang="en-GB" dirty="0"/>
               <a:t>Aims:</a:t>
             </a:r>
+          </a:p>
+          <a:p>
+            <a:pPr marL="0" indent="0">
+              <a:buNone/>
+            </a:pPr>
+            <a:endParaRPr lang="en-GB" dirty="0"/>
           </a:p>
         </p:txBody>
       </p:sp>

--- a/_presentation/Team 11 Presentation.pptx
+++ b/_presentation/Team 11 Presentation.pptx
@@ -5,15 +5,16 @@
     <p:sldMasterId id="2147483648" r:id="rId1"/>
   </p:sldMasterIdLst>
   <p:notesMasterIdLst>
-    <p:notesMasterId r:id="rId8"/>
+    <p:notesMasterId r:id="rId9"/>
   </p:notesMasterIdLst>
   <p:sldIdLst>
     <p:sldId id="256" r:id="rId2"/>
-    <p:sldId id="260" r:id="rId3"/>
-    <p:sldId id="261" r:id="rId4"/>
-    <p:sldId id="258" r:id="rId5"/>
-    <p:sldId id="257" r:id="rId6"/>
-    <p:sldId id="259" r:id="rId7"/>
+    <p:sldId id="261" r:id="rId3"/>
+    <p:sldId id="260" r:id="rId4"/>
+    <p:sldId id="262" r:id="rId5"/>
+    <p:sldId id="258" r:id="rId6"/>
+    <p:sldId id="257" r:id="rId7"/>
+    <p:sldId id="259" r:id="rId8"/>
   </p:sldIdLst>
   <p:sldSz cx="12192000" cy="6858000"/>
   <p:notesSz cx="6858000" cy="9144000"/>
@@ -526,6 +527,132 @@
           <a:bodyPr/>
           <a:lstStyle/>
           <a:p>
+            <a:r>
+              <a:rPr lang="en-GB" dirty="0"/>
+              <a:t>Front end written in </a:t>
+            </a:r>
+            <a:r>
+              <a:rPr lang="en-GB" dirty="0" err="1"/>
+              <a:t>Javascript</a:t>
+            </a:r>
+            <a:r>
+              <a:rPr lang="en-GB" dirty="0"/>
+              <a:t> which provides the logic of the application by transitioning between questions and returning the results.</a:t>
+            </a:r>
+          </a:p>
+          <a:p>
+            <a:endParaRPr lang="en-GB" dirty="0"/>
+          </a:p>
+          <a:p>
+            <a:r>
+              <a:rPr lang="en-GB" dirty="0"/>
+              <a:t>HTML and CSS being used to render the web pages. The user is also returned a message when they answer a question incorrectly to explain the correct answer.</a:t>
+            </a:r>
+          </a:p>
+          <a:p>
+            <a:endParaRPr lang="en-GB" dirty="0"/>
+          </a:p>
+          <a:p>
+            <a:r>
+              <a:rPr lang="en-GB" dirty="0"/>
+              <a:t>JavaScript is also used to simulate the penalties for incorrect answers and with each incorrect answer, the following question will be modified in a way that it will be simulated to show how a person with Alzheimer's would approach the problem with modifications such as missing or confusing words in simple sentences, trouble with organisation and simple numeracy questions and general memory loss.</a:t>
+            </a:r>
+          </a:p>
+          <a:p>
+            <a:pPr algn="just"/>
+            <a:endParaRPr lang="en-GB" dirty="0"/>
+          </a:p>
+          <a:p>
+            <a:endParaRPr lang="en-GB" dirty="0"/>
+          </a:p>
+          <a:p>
+            <a:endParaRPr lang="en-GB" dirty="0"/>
+          </a:p>
+          <a:p>
+            <a:endParaRPr lang="en-GB" dirty="0"/>
+          </a:p>
+        </p:txBody>
+      </p:sp>
+      <p:sp>
+        <p:nvSpPr>
+          <p:cNvPr id="4" name="Slide Number Placeholder 3"/>
+          <p:cNvSpPr>
+            <a:spLocks noGrp="1"/>
+          </p:cNvSpPr>
+          <p:nvPr>
+            <p:ph type="sldNum" sz="quarter" idx="10"/>
+          </p:nvPr>
+        </p:nvSpPr>
+        <p:spPr/>
+        <p:txBody>
+          <a:bodyPr/>
+          <a:lstStyle/>
+          <a:p>
+            <a:fld id="{CDE8920A-880C-4DAA-A893-D2B86E971586}" type="slidenum">
+              <a:rPr lang="en-GB" smtClean="0"/>
+              <a:t>4</a:t>
+            </a:fld>
+            <a:endParaRPr lang="en-GB"/>
+          </a:p>
+        </p:txBody>
+      </p:sp>
+    </p:spTree>
+    <p:extLst>
+      <p:ext uri="{BB962C8B-B14F-4D97-AF65-F5344CB8AC3E}">
+        <p14:creationId xmlns:p14="http://schemas.microsoft.com/office/powerpoint/2010/main" val="3736081773"/>
+      </p:ext>
+    </p:extLst>
+  </p:cSld>
+  <p:clrMapOvr>
+    <a:masterClrMapping/>
+  </p:clrMapOvr>
+</p:notes>
+</file>
+
+<file path=ppt/notesSlides/notesSlide2.xml><?xml version="1.0" encoding="utf-8"?>
+<p:notes xmlns:a="http://schemas.openxmlformats.org/drawingml/2006/main" xmlns:r="http://schemas.openxmlformats.org/officeDocument/2006/relationships" xmlns:p="http://schemas.openxmlformats.org/presentationml/2006/main">
+  <p:cSld>
+    <p:spTree>
+      <p:nvGrpSpPr>
+        <p:cNvPr id="1" name=""/>
+        <p:cNvGrpSpPr/>
+        <p:nvPr/>
+      </p:nvGrpSpPr>
+      <p:grpSpPr>
+        <a:xfrm>
+          <a:off x="0" y="0"/>
+          <a:ext cx="0" cy="0"/>
+          <a:chOff x="0" y="0"/>
+          <a:chExt cx="0" cy="0"/>
+        </a:xfrm>
+      </p:grpSpPr>
+      <p:sp>
+        <p:nvSpPr>
+          <p:cNvPr id="2" name="Slide Image Placeholder 1"/>
+          <p:cNvSpPr>
+            <a:spLocks noGrp="1" noRot="1" noChangeAspect="1"/>
+          </p:cNvSpPr>
+          <p:nvPr>
+            <p:ph type="sldImg"/>
+          </p:nvPr>
+        </p:nvSpPr>
+        <p:spPr/>
+      </p:sp>
+      <p:sp>
+        <p:nvSpPr>
+          <p:cNvPr id="3" name="Notes Placeholder 2"/>
+          <p:cNvSpPr>
+            <a:spLocks noGrp="1"/>
+          </p:cNvSpPr>
+          <p:nvPr>
+            <p:ph type="body" idx="1"/>
+          </p:nvPr>
+        </p:nvSpPr>
+        <p:spPr/>
+        <p:txBody>
+          <a:bodyPr/>
+          <a:lstStyle/>
+          <a:p>
             <a:pPr marL="228600" indent="-228600">
               <a:buAutoNum type="arabicPeriod"/>
             </a:pPr>
@@ -647,7 +774,7 @@
           <a:p>
             <a:fld id="{CDE8920A-880C-4DAA-A893-D2B86E971586}" type="slidenum">
               <a:rPr lang="en-GB" smtClean="0"/>
-              <a:t>5</a:t>
+              <a:t>6</a:t>
             </a:fld>
             <a:endParaRPr lang="en-GB"/>
           </a:p>
@@ -3560,7 +3687,10 @@
           <a:bodyPr/>
           <a:lstStyle/>
           <a:p>
-            <a:endParaRPr lang="en-GB"/>
+            <a:r>
+              <a:rPr lang="en-GB" dirty="0"/>
+              <a:t>Raising the awareness of Alzaimer’s Disease</a:t>
+            </a:r>
           </a:p>
         </p:txBody>
       </p:sp>
@@ -3611,7 +3741,7 @@
           <a:p>
             <a:r>
               <a:rPr lang="en-GB" dirty="0"/>
-              <a:t>Problem Statement</a:t>
+              <a:t>Plan</a:t>
             </a:r>
           </a:p>
         </p:txBody>
@@ -3628,21 +3758,68 @@
         </p:nvSpPr>
         <p:spPr/>
         <p:txBody>
-          <a:bodyPr/>
-          <a:lstStyle/>
-          <a:p>
-            <a:pPr marL="0" indent="0">
-              <a:buNone/>
-            </a:pPr>
+          <a:bodyPr>
+            <a:normAutofit/>
+          </a:bodyPr>
+          <a:lstStyle/>
+          <a:p>
             <a:r>
               <a:rPr lang="en-GB" dirty="0"/>
-              <a:t>Aims:</a:t>
-            </a:r>
-          </a:p>
-          <a:p>
-            <a:pPr marL="0" indent="0">
-              <a:buNone/>
-            </a:pPr>
+              <a:t>Problem Specification</a:t>
+            </a:r>
+          </a:p>
+          <a:p>
+            <a:r>
+              <a:rPr lang="en-GB" dirty="0"/>
+              <a:t>Key Requirements</a:t>
+            </a:r>
+          </a:p>
+          <a:p>
+            <a:pPr lvl="1"/>
+            <a:r>
+              <a:rPr lang="en-GB" dirty="0"/>
+              <a:t>Benefit users</a:t>
+            </a:r>
+          </a:p>
+          <a:p>
+            <a:pPr lvl="1"/>
+            <a:r>
+              <a:rPr lang="en-GB" dirty="0"/>
+              <a:t>Benefit organisation</a:t>
+            </a:r>
+          </a:p>
+          <a:p>
+            <a:pPr lvl="1"/>
+            <a:r>
+              <a:rPr lang="en-GB" dirty="0"/>
+              <a:t>Meet specification</a:t>
+            </a:r>
+          </a:p>
+          <a:p>
+            <a:r>
+              <a:rPr lang="en-GB" dirty="0"/>
+              <a:t>Code snippets and explanation of implementation </a:t>
+            </a:r>
+          </a:p>
+          <a:p>
+            <a:r>
+              <a:rPr lang="en-GB" dirty="0"/>
+              <a:t>Demo (if any)</a:t>
+            </a:r>
+          </a:p>
+          <a:p>
+            <a:r>
+              <a:rPr lang="en-GB" dirty="0"/>
+              <a:t>Future developments</a:t>
+            </a:r>
+          </a:p>
+          <a:p>
+            <a:r>
+              <a:rPr lang="en-GB" dirty="0"/>
+              <a:t>Bibliography </a:t>
+            </a:r>
+          </a:p>
+          <a:p>
             <a:endParaRPr lang="en-GB" dirty="0"/>
           </a:p>
         </p:txBody>
@@ -3650,7 +3827,7 @@
     </p:spTree>
     <p:extLst>
       <p:ext uri="{BB962C8B-B14F-4D97-AF65-F5344CB8AC3E}">
-        <p14:creationId xmlns:p14="http://schemas.microsoft.com/office/powerpoint/2010/main" val="1962513551"/>
+        <p14:creationId xmlns:p14="http://schemas.microsoft.com/office/powerpoint/2010/main" val="2355970903"/>
       </p:ext>
     </p:extLst>
   </p:cSld>
@@ -3694,7 +3871,7 @@
           <a:p>
             <a:r>
               <a:rPr lang="en-GB" dirty="0"/>
-              <a:t>Plan</a:t>
+              <a:t>Problem Statement</a:t>
             </a:r>
           </a:p>
         </p:txBody>
@@ -3711,75 +3888,27 @@
         </p:nvSpPr>
         <p:spPr/>
         <p:txBody>
-          <a:bodyPr>
-            <a:normAutofit lnSpcReduction="10000"/>
-          </a:bodyPr>
-          <a:lstStyle/>
-          <a:p>
+          <a:bodyPr/>
+          <a:lstStyle/>
+          <a:p>
+            <a:pPr marL="0" indent="0">
+              <a:buNone/>
+            </a:pPr>
             <a:r>
               <a:rPr lang="en-GB" dirty="0"/>
-              <a:t>problem statement</a:t>
-            </a:r>
-          </a:p>
-          <a:p>
-            <a:pPr lvl="1"/>
+              <a:t>Aims:</a:t>
+            </a:r>
+          </a:p>
+          <a:p>
             <a:r>
               <a:rPr lang="en-GB" dirty="0"/>
-              <a:t>User specification</a:t>
-            </a:r>
-          </a:p>
-          <a:p>
-            <a:r>
-              <a:rPr lang="en-GB" dirty="0"/>
-              <a:t>How we planned to address these issues</a:t>
-            </a:r>
-          </a:p>
-          <a:p>
-            <a:pPr lvl="1"/>
-            <a:r>
-              <a:rPr lang="en-GB" dirty="0"/>
-              <a:t>Benefit users</a:t>
-            </a:r>
-          </a:p>
-          <a:p>
-            <a:pPr lvl="1"/>
-            <a:r>
-              <a:rPr lang="en-GB" dirty="0"/>
-              <a:t>Benefit organisation</a:t>
-            </a:r>
-          </a:p>
-          <a:p>
-            <a:pPr lvl="1"/>
-            <a:r>
-              <a:rPr lang="en-GB" dirty="0"/>
-              <a:t>Meet specification</a:t>
-            </a:r>
-          </a:p>
-          <a:p>
-            <a:r>
-              <a:rPr lang="en-GB" dirty="0"/>
-              <a:t>Code snippets and explanation of implementation </a:t>
-            </a:r>
-          </a:p>
-          <a:p>
-            <a:r>
-              <a:rPr lang="en-GB" dirty="0"/>
-              <a:t>Demo (if any)</a:t>
-            </a:r>
-          </a:p>
-          <a:p>
-            <a:r>
-              <a:rPr lang="en-GB" dirty="0"/>
-              <a:t>Future developments</a:t>
-            </a:r>
-          </a:p>
-          <a:p>
-            <a:r>
-              <a:rPr lang="en-GB" dirty="0"/>
-              <a:t>Bibliography </a:t>
-            </a:r>
-          </a:p>
-          <a:p>
+              <a:t>Mobile or Web Application that demonstrates what it might be like to have dementia through the use of a social media account. The application should help users understand and appreciate the effects of dementia on those that are affected as well as theirs friends and love ones, encouraging people to share the application and donate to the charity. </a:t>
+            </a:r>
+          </a:p>
+          <a:p>
+            <a:pPr marL="0" indent="0">
+              <a:buNone/>
+            </a:pPr>
             <a:endParaRPr lang="en-GB" dirty="0"/>
           </a:p>
         </p:txBody>
@@ -3787,7 +3916,7 @@
     </p:spTree>
     <p:extLst>
       <p:ext uri="{BB962C8B-B14F-4D97-AF65-F5344CB8AC3E}">
-        <p14:creationId xmlns:p14="http://schemas.microsoft.com/office/powerpoint/2010/main" val="2355970903"/>
+        <p14:creationId xmlns:p14="http://schemas.microsoft.com/office/powerpoint/2010/main" val="1962513551"/>
       </p:ext>
     </p:extLst>
   </p:cSld>
@@ -3831,7 +3960,7 @@
           <a:p>
             <a:r>
               <a:rPr lang="en-GB" dirty="0"/>
-              <a:t>Future Development</a:t>
+              <a:t>Explanation of Implementation</a:t>
             </a:r>
           </a:p>
         </p:txBody>
@@ -3848,20 +3977,64 @@
         </p:nvSpPr>
         <p:spPr/>
         <p:txBody>
-          <a:bodyPr/>
+          <a:bodyPr>
+            <a:normAutofit/>
+          </a:bodyPr>
           <a:lstStyle/>
           <a:p>
             <a:r>
               <a:rPr lang="en-GB" dirty="0"/>
-              <a:t>Orange animation of it peeling as health decreases (as questions are answered wrong)</a:t>
-            </a:r>
+              <a:t>Front end written </a:t>
+            </a:r>
+          </a:p>
+          <a:p>
+            <a:pPr lvl="1"/>
+            <a:r>
+              <a:rPr lang="en-GB" dirty="0" err="1"/>
+              <a:t>Javascript</a:t>
+            </a:r>
+            <a:r>
+              <a:rPr lang="en-GB" dirty="0"/>
+              <a:t> </a:t>
+            </a:r>
+          </a:p>
+          <a:p>
+            <a:pPr lvl="1"/>
+            <a:r>
+              <a:rPr lang="en-GB" dirty="0"/>
+              <a:t>HTML</a:t>
+            </a:r>
+          </a:p>
+          <a:p>
+            <a:pPr lvl="1"/>
+            <a:r>
+              <a:rPr lang="en-GB" dirty="0"/>
+              <a:t>CSS </a:t>
+            </a:r>
+          </a:p>
+          <a:p>
+            <a:pPr lvl="1"/>
+            <a:r>
+              <a:rPr lang="en-GB" dirty="0"/>
+              <a:t>JavaScript is also used to simulate the penalties for incorrect answers and with each incorrect answer, the following question will be modified in a way that it will be simulated to show how a person with Alzheimer's would approach the problem with modifications such as missing or confusing words in simple sentences, trouble with organisation and simple numeracy questions and general memory loss.</a:t>
+            </a:r>
+          </a:p>
+          <a:p>
+            <a:pPr algn="just"/>
+            <a:endParaRPr lang="en-GB" dirty="0"/>
+          </a:p>
+          <a:p>
+            <a:endParaRPr lang="en-GB" dirty="0"/>
+          </a:p>
+          <a:p>
+            <a:endParaRPr lang="en-GB" dirty="0"/>
           </a:p>
         </p:txBody>
       </p:sp>
     </p:spTree>
     <p:extLst>
       <p:ext uri="{BB962C8B-B14F-4D97-AF65-F5344CB8AC3E}">
-        <p14:creationId xmlns:p14="http://schemas.microsoft.com/office/powerpoint/2010/main" val="1846106008"/>
+        <p14:creationId xmlns:p14="http://schemas.microsoft.com/office/powerpoint/2010/main" val="3540839229"/>
       </p:ext>
     </p:extLst>
   </p:cSld>
@@ -3905,6 +4078,95 @@
           <a:p>
             <a:r>
               <a:rPr lang="en-GB" dirty="0"/>
+              <a:t>Future Development</a:t>
+            </a:r>
+          </a:p>
+        </p:txBody>
+      </p:sp>
+      <p:sp>
+        <p:nvSpPr>
+          <p:cNvPr id="3" name="Content Placeholder 2"/>
+          <p:cNvSpPr>
+            <a:spLocks noGrp="1"/>
+          </p:cNvSpPr>
+          <p:nvPr>
+            <p:ph idx="1"/>
+          </p:nvPr>
+        </p:nvSpPr>
+        <p:spPr/>
+        <p:txBody>
+          <a:bodyPr/>
+          <a:lstStyle/>
+          <a:p>
+            <a:r>
+              <a:rPr lang="en-GB" dirty="0"/>
+              <a:t>Instead of having a generic health bar, an animation of an orange animation being peeled as health decreases (when questions are incorrectly answered).</a:t>
+            </a:r>
+          </a:p>
+          <a:p>
+            <a:r>
+              <a:rPr lang="en-GB" dirty="0"/>
+              <a:t>Implementing a back end database to store many more questions that can be queried by a web server for questions to make the selection random each time. </a:t>
+            </a:r>
+          </a:p>
+          <a:p>
+            <a:endParaRPr lang="en-GB" dirty="0"/>
+          </a:p>
+          <a:p>
+            <a:pPr marL="0" indent="0">
+              <a:buNone/>
+            </a:pPr>
+            <a:endParaRPr lang="en-GB" dirty="0"/>
+          </a:p>
+        </p:txBody>
+      </p:sp>
+    </p:spTree>
+    <p:extLst>
+      <p:ext uri="{BB962C8B-B14F-4D97-AF65-F5344CB8AC3E}">
+        <p14:creationId xmlns:p14="http://schemas.microsoft.com/office/powerpoint/2010/main" val="1846106008"/>
+      </p:ext>
+    </p:extLst>
+  </p:cSld>
+  <p:clrMapOvr>
+    <a:masterClrMapping/>
+  </p:clrMapOvr>
+</p:sld>
+</file>
+
+<file path=ppt/slides/slide6.xml><?xml version="1.0" encoding="utf-8"?>
+<p:sld xmlns:a="http://schemas.openxmlformats.org/drawingml/2006/main" xmlns:r="http://schemas.openxmlformats.org/officeDocument/2006/relationships" xmlns:p="http://schemas.openxmlformats.org/presentationml/2006/main">
+  <p:cSld>
+    <p:spTree>
+      <p:nvGrpSpPr>
+        <p:cNvPr id="1" name=""/>
+        <p:cNvGrpSpPr/>
+        <p:nvPr/>
+      </p:nvGrpSpPr>
+      <p:grpSpPr>
+        <a:xfrm>
+          <a:off x="0" y="0"/>
+          <a:ext cx="0" cy="0"/>
+          <a:chOff x="0" y="0"/>
+          <a:chExt cx="0" cy="0"/>
+        </a:xfrm>
+      </p:grpSpPr>
+      <p:sp>
+        <p:nvSpPr>
+          <p:cNvPr id="2" name="Title 1"/>
+          <p:cNvSpPr>
+            <a:spLocks noGrp="1"/>
+          </p:cNvSpPr>
+          <p:nvPr>
+            <p:ph type="title"/>
+          </p:nvPr>
+        </p:nvSpPr>
+        <p:spPr/>
+        <p:txBody>
+          <a:bodyPr/>
+          <a:lstStyle/>
+          <a:p>
+            <a:r>
+              <a:rPr lang="en-GB" dirty="0"/>
               <a:t>References:</a:t>
             </a:r>
           </a:p>
@@ -4155,7 +4417,7 @@
 </p:sld>
 </file>
 
-<file path=ppt/slides/slide6.xml><?xml version="1.0" encoding="utf-8"?>
+<file path=ppt/slides/slide7.xml><?xml version="1.0" encoding="utf-8"?>
 <p:sld xmlns:a="http://schemas.openxmlformats.org/drawingml/2006/main" xmlns:r="http://schemas.openxmlformats.org/officeDocument/2006/relationships" xmlns:p="http://schemas.openxmlformats.org/presentationml/2006/main">
   <p:cSld>
     <p:spTree>

--- a/_presentation/Team 11 Presentation.pptx
+++ b/_presentation/Team 11 Presentation.pptx
@@ -5,16 +5,17 @@
     <p:sldMasterId id="2147483648" r:id="rId1"/>
   </p:sldMasterIdLst>
   <p:notesMasterIdLst>
-    <p:notesMasterId r:id="rId9"/>
+    <p:notesMasterId r:id="rId10"/>
   </p:notesMasterIdLst>
   <p:sldIdLst>
     <p:sldId id="256" r:id="rId2"/>
     <p:sldId id="261" r:id="rId3"/>
     <p:sldId id="260" r:id="rId4"/>
-    <p:sldId id="262" r:id="rId5"/>
-    <p:sldId id="258" r:id="rId6"/>
-    <p:sldId id="257" r:id="rId7"/>
-    <p:sldId id="259" r:id="rId8"/>
+    <p:sldId id="264" r:id="rId5"/>
+    <p:sldId id="265" r:id="rId6"/>
+    <p:sldId id="262" r:id="rId7"/>
+    <p:sldId id="258" r:id="rId8"/>
+    <p:sldId id="257" r:id="rId9"/>
   </p:sldIdLst>
   <p:sldSz cx="12192000" cy="6858000"/>
   <p:notesSz cx="6858000" cy="9144000"/>
@@ -527,46 +528,27 @@
           <a:bodyPr/>
           <a:lstStyle/>
           <a:p>
+            <a:pPr marL="0" marR="0" lvl="0" indent="0" algn="l" defTabSz="914400" rtl="0" eaLnBrk="1" fontAlgn="auto" latinLnBrk="0" hangingPunct="1">
+              <a:lnSpc>
+                <a:spcPct val="100000"/>
+              </a:lnSpc>
+              <a:spcBef>
+                <a:spcPts val="0"/>
+              </a:spcBef>
+              <a:spcAft>
+                <a:spcPts val="0"/>
+              </a:spcAft>
+              <a:buClrTx/>
+              <a:buSzTx/>
+              <a:buFontTx/>
+              <a:buNone/>
+              <a:tabLst/>
+              <a:defRPr/>
+            </a:pPr>
             <a:r>
               <a:rPr lang="en-GB" dirty="0"/>
-              <a:t>Front end written in </a:t>
-            </a:r>
-            <a:r>
-              <a:rPr lang="en-GB" dirty="0" err="1"/>
-              <a:t>Javascript</a:t>
-            </a:r>
-            <a:r>
-              <a:rPr lang="en-GB" dirty="0"/>
-              <a:t> which provides the logic of the application by transitioning between questions and returning the results.</a:t>
-            </a:r>
-          </a:p>
-          <a:p>
-            <a:endParaRPr lang="en-GB" dirty="0"/>
-          </a:p>
-          <a:p>
-            <a:r>
-              <a:rPr lang="en-GB" dirty="0"/>
-              <a:t>HTML and CSS being used to render the web pages. The user is also returned a message when they answer a question incorrectly to explain the correct answer.</a:t>
-            </a:r>
-          </a:p>
-          <a:p>
-            <a:endParaRPr lang="en-GB" dirty="0"/>
-          </a:p>
-          <a:p>
-            <a:r>
-              <a:rPr lang="en-GB" dirty="0"/>
-              <a:t>JavaScript is also used to simulate the penalties for incorrect answers and with each incorrect answer, the following question will be modified in a way that it will be simulated to show how a person with Alzheimer's would approach the problem with modifications such as missing or confusing words in simple sentences, trouble with organisation and simple numeracy questions and general memory loss.</a:t>
-            </a:r>
-          </a:p>
-          <a:p>
-            <a:pPr algn="just"/>
-            <a:endParaRPr lang="en-GB" dirty="0"/>
-          </a:p>
-          <a:p>
-            <a:endParaRPr lang="en-GB" dirty="0"/>
-          </a:p>
-          <a:p>
-            <a:endParaRPr lang="en-GB" dirty="0"/>
+              <a:t>Mobile or Web Application that demonstrates what it might be like to have dementia through the use of a social media account. The application should help users understand and appreciate the effects of dementia on those that are affected as well as theirs friends and love ones, encouraging people to share the application and donate to the charity. </a:t>
+            </a:r>
           </a:p>
           <a:p>
             <a:endParaRPr lang="en-GB" dirty="0"/>
@@ -590,7 +572,7 @@
           <a:p>
             <a:fld id="{CDE8920A-880C-4DAA-A893-D2B86E971586}" type="slidenum">
               <a:rPr lang="en-GB" smtClean="0"/>
-              <a:t>4</a:t>
+              <a:t>3</a:t>
             </a:fld>
             <a:endParaRPr lang="en-GB"/>
           </a:p>
@@ -599,7 +581,7 @@
     </p:spTree>
     <p:extLst>
       <p:ext uri="{BB962C8B-B14F-4D97-AF65-F5344CB8AC3E}">
-        <p14:creationId xmlns:p14="http://schemas.microsoft.com/office/powerpoint/2010/main" val="3736081773"/>
+        <p14:creationId xmlns:p14="http://schemas.microsoft.com/office/powerpoint/2010/main" val="3616364250"/>
       </p:ext>
     </p:extLst>
   </p:cSld>
@@ -653,6 +635,427 @@
           <a:bodyPr/>
           <a:lstStyle/>
           <a:p>
+            <a:r>
+              <a:rPr lang="en-GB" dirty="0"/>
+              <a:t>We</a:t>
+            </a:r>
+            <a:r>
+              <a:rPr lang="en-GB" baseline="0" dirty="0"/>
+              <a:t> felt the text based game would be less engaging as it text based games are not a novelty.</a:t>
+            </a:r>
+          </a:p>
+          <a:p>
+            <a:r>
+              <a:rPr lang="en-GB" baseline="0" dirty="0"/>
+              <a:t>This second idea was partially implemented with the final idea.</a:t>
+            </a:r>
+            <a:endParaRPr lang="en-GB" dirty="0"/>
+          </a:p>
+        </p:txBody>
+      </p:sp>
+      <p:sp>
+        <p:nvSpPr>
+          <p:cNvPr id="4" name="Slide Number Placeholder 3"/>
+          <p:cNvSpPr>
+            <a:spLocks noGrp="1"/>
+          </p:cNvSpPr>
+          <p:nvPr>
+            <p:ph type="sldNum" sz="quarter" idx="10"/>
+          </p:nvPr>
+        </p:nvSpPr>
+        <p:spPr/>
+        <p:txBody>
+          <a:bodyPr/>
+          <a:lstStyle/>
+          <a:p>
+            <a:fld id="{CDE8920A-880C-4DAA-A893-D2B86E971586}" type="slidenum">
+              <a:rPr lang="en-GB" smtClean="0"/>
+              <a:t>4</a:t>
+            </a:fld>
+            <a:endParaRPr lang="en-GB"/>
+          </a:p>
+        </p:txBody>
+      </p:sp>
+    </p:spTree>
+    <p:extLst>
+      <p:ext uri="{BB962C8B-B14F-4D97-AF65-F5344CB8AC3E}">
+        <p14:creationId xmlns:p14="http://schemas.microsoft.com/office/powerpoint/2010/main" val="719056232"/>
+      </p:ext>
+    </p:extLst>
+  </p:cSld>
+  <p:clrMapOvr>
+    <a:masterClrMapping/>
+  </p:clrMapOvr>
+</p:notes>
+</file>
+
+<file path=ppt/notesSlides/notesSlide3.xml><?xml version="1.0" encoding="utf-8"?>
+<p:notes xmlns:a="http://schemas.openxmlformats.org/drawingml/2006/main" xmlns:r="http://schemas.openxmlformats.org/officeDocument/2006/relationships" xmlns:p="http://schemas.openxmlformats.org/presentationml/2006/main">
+  <p:cSld>
+    <p:spTree>
+      <p:nvGrpSpPr>
+        <p:cNvPr id="1" name=""/>
+        <p:cNvGrpSpPr/>
+        <p:nvPr/>
+      </p:nvGrpSpPr>
+      <p:grpSpPr>
+        <a:xfrm>
+          <a:off x="0" y="0"/>
+          <a:ext cx="0" cy="0"/>
+          <a:chOff x="0" y="0"/>
+          <a:chExt cx="0" cy="0"/>
+        </a:xfrm>
+      </p:grpSpPr>
+      <p:sp>
+        <p:nvSpPr>
+          <p:cNvPr id="2" name="Slide Image Placeholder 1"/>
+          <p:cNvSpPr>
+            <a:spLocks noGrp="1" noRot="1" noChangeAspect="1"/>
+          </p:cNvSpPr>
+          <p:nvPr>
+            <p:ph type="sldImg"/>
+          </p:nvPr>
+        </p:nvSpPr>
+        <p:spPr/>
+      </p:sp>
+      <p:sp>
+        <p:nvSpPr>
+          <p:cNvPr id="3" name="Notes Placeholder 2"/>
+          <p:cNvSpPr>
+            <a:spLocks noGrp="1"/>
+          </p:cNvSpPr>
+          <p:nvPr>
+            <p:ph type="body" idx="1"/>
+          </p:nvPr>
+        </p:nvSpPr>
+        <p:spPr/>
+        <p:txBody>
+          <a:bodyPr/>
+          <a:lstStyle/>
+          <a:p>
+            <a:r>
+              <a:rPr lang="en-GB" dirty="0"/>
+              <a:t>Front end written in </a:t>
+            </a:r>
+            <a:r>
+              <a:rPr lang="en-GB" dirty="0" err="1"/>
+              <a:t>Javascript</a:t>
+            </a:r>
+            <a:r>
+              <a:rPr lang="en-GB" dirty="0"/>
+              <a:t> which provides the logic of the application by transitioning between questions and returning the results.</a:t>
+            </a:r>
+          </a:p>
+          <a:p>
+            <a:endParaRPr lang="en-GB" dirty="0"/>
+          </a:p>
+          <a:p>
+            <a:r>
+              <a:rPr lang="en-GB" dirty="0"/>
+              <a:t>HTML and CSS being used to render the web pages. The user is also returned a message when they answer a question incorrectly to explain the correct answer.</a:t>
+            </a:r>
+          </a:p>
+          <a:p>
+            <a:endParaRPr lang="en-GB" dirty="0"/>
+          </a:p>
+          <a:p>
+            <a:r>
+              <a:rPr lang="en-GB" dirty="0"/>
+              <a:t>JavaScript is also used to simulate the penalties for incorrect answers and with each incorrect answer, the following question will be modified in a way that it will be simulated to show how a person with Alzheimer's would approach the problem with modifications such as missing or confusing words in simple sentences, trouble with organisation and simple numeracy questions and general memory loss.</a:t>
+            </a:r>
+          </a:p>
+          <a:p>
+            <a:pPr algn="just"/>
+            <a:endParaRPr lang="en-GB" dirty="0"/>
+          </a:p>
+          <a:p>
+            <a:endParaRPr lang="en-GB" dirty="0"/>
+          </a:p>
+          <a:p>
+            <a:endParaRPr lang="en-GB" dirty="0"/>
+          </a:p>
+          <a:p>
+            <a:endParaRPr lang="en-GB" dirty="0"/>
+          </a:p>
+        </p:txBody>
+      </p:sp>
+      <p:sp>
+        <p:nvSpPr>
+          <p:cNvPr id="4" name="Slide Number Placeholder 3"/>
+          <p:cNvSpPr>
+            <a:spLocks noGrp="1"/>
+          </p:cNvSpPr>
+          <p:nvPr>
+            <p:ph type="sldNum" sz="quarter" idx="10"/>
+          </p:nvPr>
+        </p:nvSpPr>
+        <p:spPr/>
+        <p:txBody>
+          <a:bodyPr/>
+          <a:lstStyle/>
+          <a:p>
+            <a:fld id="{CDE8920A-880C-4DAA-A893-D2B86E971586}" type="slidenum">
+              <a:rPr lang="en-GB" smtClean="0"/>
+              <a:t>6</a:t>
+            </a:fld>
+            <a:endParaRPr lang="en-GB"/>
+          </a:p>
+        </p:txBody>
+      </p:sp>
+    </p:spTree>
+    <p:extLst>
+      <p:ext uri="{BB962C8B-B14F-4D97-AF65-F5344CB8AC3E}">
+        <p14:creationId xmlns:p14="http://schemas.microsoft.com/office/powerpoint/2010/main" val="3736081773"/>
+      </p:ext>
+    </p:extLst>
+  </p:cSld>
+  <p:clrMapOvr>
+    <a:masterClrMapping/>
+  </p:clrMapOvr>
+</p:notes>
+</file>
+
+<file path=ppt/notesSlides/notesSlide4.xml><?xml version="1.0" encoding="utf-8"?>
+<p:notes xmlns:a="http://schemas.openxmlformats.org/drawingml/2006/main" xmlns:r="http://schemas.openxmlformats.org/officeDocument/2006/relationships" xmlns:p="http://schemas.openxmlformats.org/presentationml/2006/main">
+  <p:cSld>
+    <p:spTree>
+      <p:nvGrpSpPr>
+        <p:cNvPr id="1" name=""/>
+        <p:cNvGrpSpPr/>
+        <p:nvPr/>
+      </p:nvGrpSpPr>
+      <p:grpSpPr>
+        <a:xfrm>
+          <a:off x="0" y="0"/>
+          <a:ext cx="0" cy="0"/>
+          <a:chOff x="0" y="0"/>
+          <a:chExt cx="0" cy="0"/>
+        </a:xfrm>
+      </p:grpSpPr>
+      <p:sp>
+        <p:nvSpPr>
+          <p:cNvPr id="2" name="Slide Image Placeholder 1"/>
+          <p:cNvSpPr>
+            <a:spLocks noGrp="1" noRot="1" noChangeAspect="1"/>
+          </p:cNvSpPr>
+          <p:nvPr>
+            <p:ph type="sldImg"/>
+          </p:nvPr>
+        </p:nvSpPr>
+        <p:spPr/>
+      </p:sp>
+      <p:sp>
+        <p:nvSpPr>
+          <p:cNvPr id="3" name="Notes Placeholder 2"/>
+          <p:cNvSpPr>
+            <a:spLocks noGrp="1"/>
+          </p:cNvSpPr>
+          <p:nvPr>
+            <p:ph type="body" idx="1"/>
+          </p:nvPr>
+        </p:nvSpPr>
+        <p:spPr/>
+        <p:txBody>
+          <a:bodyPr/>
+          <a:lstStyle/>
+          <a:p>
+            <a:pPr marL="0" marR="0" lvl="0" indent="0" algn="l" defTabSz="914400" rtl="0" eaLnBrk="1" fontAlgn="auto" latinLnBrk="0" hangingPunct="1">
+              <a:lnSpc>
+                <a:spcPct val="100000"/>
+              </a:lnSpc>
+              <a:spcBef>
+                <a:spcPts val="0"/>
+              </a:spcBef>
+              <a:spcAft>
+                <a:spcPts val="0"/>
+              </a:spcAft>
+              <a:buClrTx/>
+              <a:buSzTx/>
+              <a:buFontTx/>
+              <a:buNone/>
+              <a:tabLst/>
+              <a:defRPr/>
+            </a:pPr>
+            <a:r>
+              <a:rPr lang="en-GB" dirty="0"/>
+              <a:t>Instead of having a generic health </a:t>
+            </a:r>
+          </a:p>
+          <a:p>
+            <a:pPr marL="0" marR="0" lvl="0" indent="0" algn="l" defTabSz="914400" rtl="0" eaLnBrk="1" fontAlgn="auto" latinLnBrk="0" hangingPunct="1">
+              <a:lnSpc>
+                <a:spcPct val="100000"/>
+              </a:lnSpc>
+              <a:spcBef>
+                <a:spcPts val="0"/>
+              </a:spcBef>
+              <a:spcAft>
+                <a:spcPts val="0"/>
+              </a:spcAft>
+              <a:buClrTx/>
+              <a:buSzTx/>
+              <a:buFontTx/>
+              <a:buNone/>
+              <a:tabLst/>
+              <a:defRPr/>
+            </a:pPr>
+            <a:r>
+              <a:rPr lang="en-GB" dirty="0"/>
+              <a:t>to store many more questions that can be queried by a web server for questions to make the selection random each time.</a:t>
+            </a:r>
+          </a:p>
+          <a:p>
+            <a:pPr marL="0" marR="0" lvl="0" indent="0" algn="l" defTabSz="914400" rtl="0" eaLnBrk="1" fontAlgn="auto" latinLnBrk="0" hangingPunct="1">
+              <a:lnSpc>
+                <a:spcPct val="100000"/>
+              </a:lnSpc>
+              <a:spcBef>
+                <a:spcPts val="0"/>
+              </a:spcBef>
+              <a:spcAft>
+                <a:spcPts val="0"/>
+              </a:spcAft>
+              <a:buClrTx/>
+              <a:buSzTx/>
+              <a:buFontTx/>
+              <a:buNone/>
+              <a:tabLst/>
+              <a:defRPr/>
+            </a:pPr>
+            <a:r>
+              <a:rPr lang="en-GB" dirty="0"/>
+              <a:t>As a incentive to share the application with friends, the sharer will be rewarded</a:t>
+            </a:r>
+            <a:r>
+              <a:rPr lang="en-GB" baseline="0" dirty="0"/>
+              <a:t> with it. A</a:t>
+            </a:r>
+            <a:r>
+              <a:rPr lang="en-GB" dirty="0"/>
+              <a:t>s previously created snapchat filters have proven successful. </a:t>
+            </a:r>
+            <a:r>
+              <a:rPr lang="en-GB" baseline="0" dirty="0"/>
+              <a:t> A</a:t>
+            </a:r>
+            <a:r>
+              <a:rPr lang="en-GB" dirty="0"/>
+              <a:t>llowing follower to send cash through a linked debit card.</a:t>
+            </a:r>
+          </a:p>
+          <a:p>
+            <a:pPr marL="0" marR="0" lvl="0" indent="0" algn="l" defTabSz="914400" rtl="0" eaLnBrk="1" fontAlgn="auto" latinLnBrk="0" hangingPunct="1">
+              <a:lnSpc>
+                <a:spcPct val="100000"/>
+              </a:lnSpc>
+              <a:spcBef>
+                <a:spcPts val="0"/>
+              </a:spcBef>
+              <a:spcAft>
+                <a:spcPts val="0"/>
+              </a:spcAft>
+              <a:buClrTx/>
+              <a:buSzTx/>
+              <a:buFontTx/>
+              <a:buNone/>
+              <a:tabLst/>
+              <a:defRPr/>
+            </a:pPr>
+            <a:r>
+              <a:rPr lang="en-GB" dirty="0"/>
+              <a:t>Currently</a:t>
+            </a:r>
+            <a:r>
+              <a:rPr lang="en-GB" baseline="0" dirty="0"/>
+              <a:t> allows you to share your score and the site link to your feed but more integration can allow the user to allow share their profile with the site, allowing us to tailor questions based on their profile.</a:t>
+            </a:r>
+            <a:endParaRPr lang="en-GB" dirty="0"/>
+          </a:p>
+          <a:p>
+            <a:endParaRPr lang="en-GB" dirty="0"/>
+          </a:p>
+        </p:txBody>
+      </p:sp>
+      <p:sp>
+        <p:nvSpPr>
+          <p:cNvPr id="4" name="Slide Number Placeholder 3"/>
+          <p:cNvSpPr>
+            <a:spLocks noGrp="1"/>
+          </p:cNvSpPr>
+          <p:nvPr>
+            <p:ph type="sldNum" sz="quarter" idx="10"/>
+          </p:nvPr>
+        </p:nvSpPr>
+        <p:spPr/>
+        <p:txBody>
+          <a:bodyPr/>
+          <a:lstStyle/>
+          <a:p>
+            <a:fld id="{CDE8920A-880C-4DAA-A893-D2B86E971586}" type="slidenum">
+              <a:rPr lang="en-GB" smtClean="0"/>
+              <a:t>7</a:t>
+            </a:fld>
+            <a:endParaRPr lang="en-GB"/>
+          </a:p>
+        </p:txBody>
+      </p:sp>
+    </p:spTree>
+    <p:extLst>
+      <p:ext uri="{BB962C8B-B14F-4D97-AF65-F5344CB8AC3E}">
+        <p14:creationId xmlns:p14="http://schemas.microsoft.com/office/powerpoint/2010/main" val="188750156"/>
+      </p:ext>
+    </p:extLst>
+  </p:cSld>
+  <p:clrMapOvr>
+    <a:masterClrMapping/>
+  </p:clrMapOvr>
+</p:notes>
+</file>
+
+<file path=ppt/notesSlides/notesSlide5.xml><?xml version="1.0" encoding="utf-8"?>
+<p:notes xmlns:a="http://schemas.openxmlformats.org/drawingml/2006/main" xmlns:r="http://schemas.openxmlformats.org/officeDocument/2006/relationships" xmlns:p="http://schemas.openxmlformats.org/presentationml/2006/main">
+  <p:cSld>
+    <p:spTree>
+      <p:nvGrpSpPr>
+        <p:cNvPr id="1" name=""/>
+        <p:cNvGrpSpPr/>
+        <p:nvPr/>
+      </p:nvGrpSpPr>
+      <p:grpSpPr>
+        <a:xfrm>
+          <a:off x="0" y="0"/>
+          <a:ext cx="0" cy="0"/>
+          <a:chOff x="0" y="0"/>
+          <a:chExt cx="0" cy="0"/>
+        </a:xfrm>
+      </p:grpSpPr>
+      <p:sp>
+        <p:nvSpPr>
+          <p:cNvPr id="2" name="Slide Image Placeholder 1"/>
+          <p:cNvSpPr>
+            <a:spLocks noGrp="1" noRot="1" noChangeAspect="1"/>
+          </p:cNvSpPr>
+          <p:nvPr>
+            <p:ph type="sldImg"/>
+          </p:nvPr>
+        </p:nvSpPr>
+        <p:spPr/>
+      </p:sp>
+      <p:sp>
+        <p:nvSpPr>
+          <p:cNvPr id="3" name="Notes Placeholder 2"/>
+          <p:cNvSpPr>
+            <a:spLocks noGrp="1"/>
+          </p:cNvSpPr>
+          <p:nvPr>
+            <p:ph type="body" idx="1"/>
+          </p:nvPr>
+        </p:nvSpPr>
+        <p:spPr/>
+        <p:txBody>
+          <a:bodyPr/>
+          <a:lstStyle/>
+          <a:p>
             <a:pPr marL="228600" indent="-228600">
               <a:buAutoNum type="arabicPeriod"/>
             </a:pPr>
@@ -774,7 +1177,7 @@
           <a:p>
             <a:fld id="{CDE8920A-880C-4DAA-A893-D2B86E971586}" type="slidenum">
               <a:rPr lang="en-GB" smtClean="0"/>
-              <a:t>6</a:t>
+              <a:t>8</a:t>
             </a:fld>
             <a:endParaRPr lang="en-GB"/>
           </a:p>
@@ -3650,6 +4053,47 @@
           <a:chExt cx="0" cy="0"/>
         </a:xfrm>
       </p:grpSpPr>
+      <p:pic>
+        <p:nvPicPr>
+          <p:cNvPr id="1028" name="Picture 4" descr="http://i2.istockimg.com/file_thumbview_approve/66949071/5/stock-photo-66949071-orange-fruit-isolated-on-white.jpg"/>
+          <p:cNvPicPr>
+            <a:picLocks noChangeAspect="1" noChangeArrowheads="1"/>
+          </p:cNvPicPr>
+          <p:nvPr/>
+        </p:nvPicPr>
+        <p:blipFill>
+          <a:blip r:embed="rId2">
+            <a:extLst>
+              <a:ext uri="{28A0092B-C50C-407E-A947-70E740481C1C}">
+                <a14:useLocalDpi xmlns:a14="http://schemas.microsoft.com/office/drawing/2010/main" val="0"/>
+              </a:ext>
+            </a:extLst>
+          </a:blip>
+          <a:srcRect/>
+          <a:stretch>
+            <a:fillRect/>
+          </a:stretch>
+        </p:blipFill>
+        <p:spPr bwMode="auto">
+          <a:xfrm>
+            <a:off x="4014005" y="998316"/>
+            <a:ext cx="4163990" cy="4163992"/>
+          </a:xfrm>
+          <a:prstGeom prst="rect">
+            <a:avLst/>
+          </a:prstGeom>
+          <a:noFill/>
+          <a:extLst>
+            <a:ext uri="{909E8E84-426E-40DD-AFC4-6F175D3DCCD1}">
+              <a14:hiddenFill xmlns:a14="http://schemas.microsoft.com/office/drawing/2010/main">
+                <a:solidFill>
+                  <a:srgbClr val="FFFFFF"/>
+                </a:solidFill>
+              </a14:hiddenFill>
+            </a:ext>
+          </a:extLst>
+        </p:spPr>
+      </p:pic>
       <p:sp>
         <p:nvSpPr>
           <p:cNvPr id="2" name="Title 1"/>
@@ -3660,40 +4104,118 @@
             <p:ph type="ctrTitle"/>
           </p:nvPr>
         </p:nvSpPr>
-        <p:spPr/>
+        <p:spPr>
+          <a:xfrm>
+            <a:off x="1524000" y="1886512"/>
+            <a:ext cx="9144000" cy="2387600"/>
+          </a:xfrm>
+        </p:spPr>
+        <p:txBody>
+          <a:bodyPr>
+            <a:normAutofit/>
+          </a:bodyPr>
+          <a:lstStyle/>
+          <a:p>
+            <a:r>
+              <a:rPr lang="en-GB" sz="6600" b="1" dirty="0">
+                <a:solidFill>
+                  <a:schemeClr val="bg1"/>
+                </a:solidFill>
+                <a:latin typeface="Courier New" panose="02070309020205020404" pitchFamily="49" charset="0"/>
+                <a:cs typeface="Courier New" panose="02070309020205020404" pitchFamily="49" charset="0"/>
+              </a:rPr>
+              <a:t>team </a:t>
+            </a:r>
+            <a:br>
+              <a:rPr lang="en-GB" sz="6600" b="1" dirty="0">
+                <a:solidFill>
+                  <a:schemeClr val="bg1"/>
+                </a:solidFill>
+                <a:latin typeface="Courier New" panose="02070309020205020404" pitchFamily="49" charset="0"/>
+                <a:cs typeface="Courier New" panose="02070309020205020404" pitchFamily="49" charset="0"/>
+              </a:rPr>
+            </a:br>
+            <a:r>
+              <a:rPr lang="en-GB" sz="6600" b="1" dirty="0">
+                <a:solidFill>
+                  <a:schemeClr val="bg1"/>
+                </a:solidFill>
+                <a:latin typeface="Courier New" panose="02070309020205020404" pitchFamily="49" charset="0"/>
+                <a:cs typeface="Courier New" panose="02070309020205020404" pitchFamily="49" charset="0"/>
+              </a:rPr>
+              <a:t>11</a:t>
+            </a:r>
+          </a:p>
+        </p:txBody>
+      </p:sp>
+      <p:sp>
+        <p:nvSpPr>
+          <p:cNvPr id="3" name="Subtitle 2"/>
+          <p:cNvSpPr>
+            <a:spLocks noGrp="1"/>
+          </p:cNvSpPr>
+          <p:nvPr>
+            <p:ph type="subTitle" idx="1"/>
+          </p:nvPr>
+        </p:nvSpPr>
+        <p:spPr>
+          <a:xfrm>
+            <a:off x="1524000" y="4780344"/>
+            <a:ext cx="9144000" cy="477456"/>
+          </a:xfrm>
+        </p:spPr>
         <p:txBody>
           <a:bodyPr/>
           <a:lstStyle/>
           <a:p>
             <a:r>
               <a:rPr lang="en-GB" dirty="0"/>
-              <a:t>Team 11 Presentation</a:t>
-            </a:r>
-          </a:p>
-        </p:txBody>
-      </p:sp>
-      <p:sp>
-        <p:nvSpPr>
-          <p:cNvPr id="3" name="Subtitle 2"/>
-          <p:cNvSpPr>
-            <a:spLocks noGrp="1"/>
-          </p:cNvSpPr>
-          <p:nvPr>
-            <p:ph type="subTitle" idx="1"/>
-          </p:nvPr>
-        </p:nvSpPr>
-        <p:spPr/>
-        <p:txBody>
-          <a:bodyPr/>
-          <a:lstStyle/>
-          <a:p>
-            <a:r>
-              <a:rPr lang="en-GB" dirty="0"/>
-              <a:t>Raising the awareness of Alzaimer’s Disease</a:t>
-            </a:r>
-          </a:p>
-        </p:txBody>
-      </p:sp>
+              <a:t>raising awareness for dementia</a:t>
+            </a:r>
+          </a:p>
+        </p:txBody>
+      </p:sp>
+      <p:pic>
+        <p:nvPicPr>
+          <p:cNvPr id="1026" name="Picture 2" descr="https://www.everydayhero.co.uk/events/downloads/0000/2747/ARUK_campaign_logo_web.jpg"/>
+          <p:cNvPicPr>
+            <a:picLocks noChangeAspect="1" noChangeArrowheads="1"/>
+          </p:cNvPicPr>
+          <p:nvPr/>
+        </p:nvPicPr>
+        <p:blipFill>
+          <a:blip r:embed="rId3">
+            <a:extLst>
+              <a:ext uri="{28A0092B-C50C-407E-A947-70E740481C1C}">
+                <a14:useLocalDpi xmlns:a14="http://schemas.microsoft.com/office/drawing/2010/main" val="0"/>
+              </a:ext>
+            </a:extLst>
+          </a:blip>
+          <a:srcRect/>
+          <a:stretch>
+            <a:fillRect/>
+          </a:stretch>
+        </p:blipFill>
+        <p:spPr bwMode="auto">
+          <a:xfrm>
+            <a:off x="7905335" y="48247"/>
+            <a:ext cx="4240365" cy="1421738"/>
+          </a:xfrm>
+          <a:prstGeom prst="rect">
+            <a:avLst/>
+          </a:prstGeom>
+          <a:noFill/>
+          <a:extLst>
+            <a:ext uri="{909E8E84-426E-40DD-AFC4-6F175D3DCCD1}">
+              <a14:hiddenFill xmlns:a14="http://schemas.microsoft.com/office/drawing/2010/main">
+                <a:solidFill>
+                  <a:srgbClr val="FFFFFF"/>
+                </a:solidFill>
+              </a14:hiddenFill>
+            </a:ext>
+          </a:extLst>
+        </p:spPr>
+      </p:pic>
     </p:spTree>
     <p:extLst>
       <p:ext uri="{BB962C8B-B14F-4D97-AF65-F5344CB8AC3E}">
@@ -3734,7 +4256,12 @@
             <p:ph type="title"/>
           </p:nvPr>
         </p:nvSpPr>
-        <p:spPr/>
+        <p:spPr>
+          <a:xfrm>
+            <a:off x="838200" y="365125"/>
+            <a:ext cx="10515600" cy="1325563"/>
+          </a:xfrm>
+        </p:spPr>
         <p:txBody>
           <a:bodyPr/>
           <a:lstStyle/>
@@ -3756,16 +4283,21 @@
             <p:ph idx="1"/>
           </p:nvPr>
         </p:nvSpPr>
-        <p:spPr/>
+        <p:spPr>
+          <a:xfrm>
+            <a:off x="838200" y="1825625"/>
+            <a:ext cx="10515600" cy="4351338"/>
+          </a:xfrm>
+        </p:spPr>
         <p:txBody>
           <a:bodyPr>
-            <a:normAutofit/>
+            <a:normAutofit lnSpcReduction="10000"/>
           </a:bodyPr>
           <a:lstStyle/>
           <a:p>
             <a:r>
               <a:rPr lang="en-GB" dirty="0"/>
-              <a:t>Problem Specification</a:t>
+              <a:t>Problem Statement</a:t>
             </a:r>
           </a:p>
           <a:p>
@@ -3798,7 +4330,13 @@
           <a:p>
             <a:r>
               <a:rPr lang="en-GB" dirty="0"/>
-              <a:t>Code snippets and explanation of implementation </a:t>
+              <a:t>Ideas </a:t>
+            </a:r>
+          </a:p>
+          <a:p>
+            <a:r>
+              <a:rPr lang="en-GB" dirty="0"/>
+              <a:t>Explanation of implementation </a:t>
             </a:r>
           </a:p>
           <a:p>
@@ -3824,6 +4362,47 @@
           </a:p>
         </p:txBody>
       </p:sp>
+      <p:pic>
+        <p:nvPicPr>
+          <p:cNvPr id="4" name="Picture 2" descr="https://www.everydayhero.co.uk/events/downloads/0000/2747/ARUK_campaign_logo_web.jpg"/>
+          <p:cNvPicPr>
+            <a:picLocks noChangeAspect="1" noChangeArrowheads="1"/>
+          </p:cNvPicPr>
+          <p:nvPr/>
+        </p:nvPicPr>
+        <p:blipFill>
+          <a:blip r:embed="rId2">
+            <a:extLst>
+              <a:ext uri="{28A0092B-C50C-407E-A947-70E740481C1C}">
+                <a14:useLocalDpi xmlns:a14="http://schemas.microsoft.com/office/drawing/2010/main" val="0"/>
+              </a:ext>
+            </a:extLst>
+          </a:blip>
+          <a:srcRect/>
+          <a:stretch>
+            <a:fillRect/>
+          </a:stretch>
+        </p:blipFill>
+        <p:spPr bwMode="auto">
+          <a:xfrm>
+            <a:off x="8942125" y="48247"/>
+            <a:ext cx="3203575" cy="1074116"/>
+          </a:xfrm>
+          <a:prstGeom prst="rect">
+            <a:avLst/>
+          </a:prstGeom>
+          <a:noFill/>
+          <a:extLst>
+            <a:ext uri="{909E8E84-426E-40DD-AFC4-6F175D3DCCD1}">
+              <a14:hiddenFill xmlns:a14="http://schemas.microsoft.com/office/drawing/2010/main">
+                <a:solidFill>
+                  <a:srgbClr val="FFFFFF"/>
+                </a:solidFill>
+              </a14:hiddenFill>
+            </a:ext>
+          </a:extLst>
+        </p:spPr>
+      </p:pic>
     </p:spTree>
     <p:extLst>
       <p:ext uri="{BB962C8B-B14F-4D97-AF65-F5344CB8AC3E}">
@@ -3864,45 +4443,53 @@
             <p:ph type="title"/>
           </p:nvPr>
         </p:nvSpPr>
-        <p:spPr/>
-        <p:txBody>
-          <a:bodyPr/>
-          <a:lstStyle/>
-          <a:p>
+        <p:spPr>
+          <a:xfrm>
+            <a:off x="838200" y="272528"/>
+            <a:ext cx="10515600" cy="1325563"/>
+          </a:xfrm>
+        </p:spPr>
+        <p:txBody>
+          <a:bodyPr>
+            <a:normAutofit/>
+          </a:bodyPr>
+          <a:lstStyle/>
+          <a:p>
+            <a:r>
+              <a:rPr lang="en-GB" sz="4800" b="1" dirty="0"/>
+              <a:t>Problem Statement</a:t>
+            </a:r>
+          </a:p>
+        </p:txBody>
+      </p:sp>
+      <p:sp>
+        <p:nvSpPr>
+          <p:cNvPr id="3" name="Content Placeholder 2"/>
+          <p:cNvSpPr>
+            <a:spLocks noGrp="1"/>
+          </p:cNvSpPr>
+          <p:nvPr>
+            <p:ph idx="1"/>
+          </p:nvPr>
+        </p:nvSpPr>
+        <p:spPr>
+          <a:xfrm>
+            <a:off x="838200" y="1825625"/>
+            <a:ext cx="10515600" cy="4351338"/>
+          </a:xfrm>
+        </p:spPr>
+        <p:txBody>
+          <a:bodyPr>
+            <a:normAutofit/>
+          </a:bodyPr>
+          <a:lstStyle/>
+          <a:p>
+            <a:pPr marL="0" indent="0">
+              <a:buNone/>
+            </a:pPr>
             <a:r>
               <a:rPr lang="en-GB" dirty="0"/>
-              <a:t>Problem Statement</a:t>
-            </a:r>
-          </a:p>
-        </p:txBody>
-      </p:sp>
-      <p:sp>
-        <p:nvSpPr>
-          <p:cNvPr id="3" name="Content Placeholder 2"/>
-          <p:cNvSpPr>
-            <a:spLocks noGrp="1"/>
-          </p:cNvSpPr>
-          <p:nvPr>
-            <p:ph idx="1"/>
-          </p:nvPr>
-        </p:nvSpPr>
-        <p:spPr/>
-        <p:txBody>
-          <a:bodyPr/>
-          <a:lstStyle/>
-          <a:p>
-            <a:pPr marL="0" indent="0">
-              <a:buNone/>
-            </a:pPr>
-            <a:r>
-              <a:rPr lang="en-GB" dirty="0"/>
-              <a:t>Aims:</a:t>
-            </a:r>
-          </a:p>
-          <a:p>
-            <a:r>
-              <a:rPr lang="en-GB" dirty="0"/>
-              <a:t>Mobile or Web Application that demonstrates what it might be like to have dementia through the use of a social media account. The application should help users understand and appreciate the effects of dementia on those that are affected as well as theirs friends and love ones, encouraging people to share the application and donate to the charity. </a:t>
+              <a:t>Create a mobile or web application that allows user to empathise with dementia sufferers. This could be aided with the use of social media.</a:t>
             </a:r>
           </a:p>
           <a:p>
@@ -3911,8 +4498,100 @@
             </a:pPr>
             <a:endParaRPr lang="en-GB" dirty="0"/>
           </a:p>
-        </p:txBody>
-      </p:sp>
+          <a:p>
+            <a:pPr marL="0" indent="0">
+              <a:buNone/>
+            </a:pPr>
+            <a:r>
+              <a:rPr lang="en-GB" dirty="0"/>
+              <a:t>The application should:</a:t>
+            </a:r>
+          </a:p>
+          <a:p>
+            <a:pPr marL="0" indent="0">
+              <a:buNone/>
+            </a:pPr>
+            <a:r>
+              <a:rPr lang="en-GB" dirty="0"/>
+              <a:t>	- increase awareness of dementia</a:t>
+            </a:r>
+          </a:p>
+          <a:p>
+            <a:pPr marL="0" indent="0">
+              <a:buNone/>
+            </a:pPr>
+            <a:r>
+              <a:rPr lang="en-GB" dirty="0"/>
+              <a:t>	- help remove the false connotations associated with dementia</a:t>
+            </a:r>
+          </a:p>
+          <a:p>
+            <a:pPr marL="0" indent="0">
+              <a:buNone/>
+            </a:pPr>
+            <a:r>
+              <a:rPr lang="en-GB" dirty="0"/>
+              <a:t>	- help expand pre existing knowledge of the disease</a:t>
+            </a:r>
+          </a:p>
+          <a:p>
+            <a:pPr marL="0" indent="0">
+              <a:buNone/>
+            </a:pPr>
+            <a:r>
+              <a:rPr lang="en-GB" dirty="0"/>
+              <a:t>	- be able to facilitate sharing capabilities within social media </a:t>
+            </a:r>
+          </a:p>
+          <a:p>
+            <a:pPr marL="0" indent="0">
+              <a:buNone/>
+            </a:pPr>
+            <a:endParaRPr lang="en-GB" dirty="0"/>
+          </a:p>
+        </p:txBody>
+      </p:sp>
+      <p:pic>
+        <p:nvPicPr>
+          <p:cNvPr id="4" name="Picture 2" descr="https://www.everydayhero.co.uk/events/downloads/0000/2747/ARUK_campaign_logo_web.jpg"/>
+          <p:cNvPicPr>
+            <a:picLocks noChangeAspect="1" noChangeArrowheads="1"/>
+          </p:cNvPicPr>
+          <p:nvPr/>
+        </p:nvPicPr>
+        <p:blipFill>
+          <a:blip r:embed="rId3">
+            <a:extLst>
+              <a:ext uri="{28A0092B-C50C-407E-A947-70E740481C1C}">
+                <a14:useLocalDpi xmlns:a14="http://schemas.microsoft.com/office/drawing/2010/main" val="0"/>
+              </a:ext>
+            </a:extLst>
+          </a:blip>
+          <a:srcRect/>
+          <a:stretch>
+            <a:fillRect/>
+          </a:stretch>
+        </p:blipFill>
+        <p:spPr bwMode="auto">
+          <a:xfrm>
+            <a:off x="8942125" y="48247"/>
+            <a:ext cx="3203575" cy="1074116"/>
+          </a:xfrm>
+          <a:prstGeom prst="rect">
+            <a:avLst/>
+          </a:prstGeom>
+          <a:noFill/>
+          <a:extLst>
+            <a:ext uri="{909E8E84-426E-40DD-AFC4-6F175D3DCCD1}">
+              <a14:hiddenFill xmlns:a14="http://schemas.microsoft.com/office/drawing/2010/main">
+                <a:solidFill>
+                  <a:srgbClr val="FFFFFF"/>
+                </a:solidFill>
+              </a14:hiddenFill>
+            </a:ext>
+          </a:extLst>
+        </p:spPr>
+      </p:pic>
     </p:spTree>
     <p:extLst>
       <p:ext uri="{BB962C8B-B14F-4D97-AF65-F5344CB8AC3E}">
@@ -3953,88 +4632,110 @@
             <p:ph type="title"/>
           </p:nvPr>
         </p:nvSpPr>
-        <p:spPr/>
+        <p:spPr>
+          <a:xfrm>
+            <a:off x="838200" y="272527"/>
+            <a:ext cx="10515600" cy="1325563"/>
+          </a:xfrm>
+        </p:spPr>
+        <p:txBody>
+          <a:bodyPr>
+            <a:noAutofit/>
+          </a:bodyPr>
+          <a:lstStyle/>
+          <a:p>
+            <a:r>
+              <a:rPr lang="en-GB" sz="4800" b="1" dirty="0"/>
+              <a:t>Ideas spawned but not </a:t>
+            </a:r>
+            <a:br>
+              <a:rPr lang="en-GB" sz="4800" b="1" dirty="0"/>
+            </a:br>
+            <a:r>
+              <a:rPr lang="en-GB" sz="4800" b="1" dirty="0"/>
+              <a:t>followed through:</a:t>
+            </a:r>
+          </a:p>
+        </p:txBody>
+      </p:sp>
+      <p:sp>
+        <p:nvSpPr>
+          <p:cNvPr id="3" name="Content Placeholder 2"/>
+          <p:cNvSpPr>
+            <a:spLocks noGrp="1"/>
+          </p:cNvSpPr>
+          <p:nvPr>
+            <p:ph idx="1"/>
+          </p:nvPr>
+        </p:nvSpPr>
+        <p:spPr>
+          <a:xfrm>
+            <a:off x="838200" y="2257063"/>
+            <a:ext cx="10515600" cy="3919900"/>
+          </a:xfrm>
+        </p:spPr>
         <p:txBody>
           <a:bodyPr/>
           <a:lstStyle/>
           <a:p>
             <a:r>
               <a:rPr lang="en-GB" dirty="0"/>
-              <a:t>Explanation of Implementation</a:t>
-            </a:r>
-          </a:p>
-        </p:txBody>
-      </p:sp>
-      <p:sp>
-        <p:nvSpPr>
-          <p:cNvPr id="3" name="Content Placeholder 2"/>
-          <p:cNvSpPr>
-            <a:spLocks noGrp="1"/>
-          </p:cNvSpPr>
-          <p:nvPr>
-            <p:ph idx="1"/>
-          </p:nvPr>
-        </p:nvSpPr>
-        <p:spPr/>
-        <p:txBody>
-          <a:bodyPr>
-            <a:normAutofit/>
-          </a:bodyPr>
-          <a:lstStyle/>
+              <a:t>A retro based text game that simulated the player quickly developing the symptoms of dementia.</a:t>
+            </a:r>
+          </a:p>
           <a:p>
             <a:r>
               <a:rPr lang="en-GB" dirty="0"/>
-              <a:t>Front end written </a:t>
-            </a:r>
-          </a:p>
-          <a:p>
-            <a:pPr lvl="1"/>
-            <a:r>
-              <a:rPr lang="en-GB" dirty="0" err="1"/>
-              <a:t>Javascript</a:t>
-            </a:r>
-            <a:r>
-              <a:rPr lang="en-GB" dirty="0"/>
-              <a:t> </a:t>
-            </a:r>
-          </a:p>
-          <a:p>
-            <a:pPr lvl="1"/>
-            <a:r>
-              <a:rPr lang="en-GB" dirty="0"/>
-              <a:t>HTML</a:t>
-            </a:r>
-          </a:p>
-          <a:p>
-            <a:pPr lvl="1"/>
-            <a:r>
-              <a:rPr lang="en-GB" dirty="0"/>
-              <a:t>CSS </a:t>
-            </a:r>
-          </a:p>
-          <a:p>
-            <a:pPr lvl="1"/>
-            <a:r>
-              <a:rPr lang="en-GB" dirty="0"/>
-              <a:t>JavaScript is also used to simulate the penalties for incorrect answers and with each incorrect answer, the following question will be modified in a way that it will be simulated to show how a person with Alzheimer's would approach the problem with modifications such as missing or confusing words in simple sentences, trouble with organisation and simple numeracy questions and general memory loss.</a:t>
-            </a:r>
-          </a:p>
-          <a:p>
-            <a:pPr algn="just"/>
-            <a:endParaRPr lang="en-GB" dirty="0"/>
-          </a:p>
-          <a:p>
-            <a:endParaRPr lang="en-GB" dirty="0"/>
-          </a:p>
-          <a:p>
-            <a:endParaRPr lang="en-GB" dirty="0"/>
-          </a:p>
-        </p:txBody>
-      </p:sp>
+              <a:t>A variety of mini games, each based on a particular symptom of dementia. </a:t>
+            </a:r>
+          </a:p>
+        </p:txBody>
+      </p:sp>
+      <p:pic>
+        <p:nvPicPr>
+          <p:cNvPr id="4" name="Picture 2" descr="https://www.everydayhero.co.uk/events/downloads/0000/2747/ARUK_campaign_logo_web.jpg"/>
+          <p:cNvPicPr>
+            <a:picLocks noChangeAspect="1" noChangeArrowheads="1"/>
+          </p:cNvPicPr>
+          <p:nvPr/>
+        </p:nvPicPr>
+        <p:blipFill>
+          <a:blip r:embed="rId3">
+            <a:extLst>
+              <a:ext uri="{28A0092B-C50C-407E-A947-70E740481C1C}">
+                <a14:useLocalDpi xmlns:a14="http://schemas.microsoft.com/office/drawing/2010/main" val="0"/>
+              </a:ext>
+            </a:extLst>
+          </a:blip>
+          <a:srcRect/>
+          <a:stretch>
+            <a:fillRect/>
+          </a:stretch>
+        </p:blipFill>
+        <p:spPr bwMode="auto">
+          <a:xfrm>
+            <a:off x="8942125" y="48247"/>
+            <a:ext cx="3203575" cy="1074116"/>
+          </a:xfrm>
+          <a:prstGeom prst="rect">
+            <a:avLst/>
+          </a:prstGeom>
+          <a:noFill/>
+          <a:extLst>
+            <a:ext uri="{909E8E84-426E-40DD-AFC4-6F175D3DCCD1}">
+              <a14:hiddenFill xmlns:a14="http://schemas.microsoft.com/office/drawing/2010/main">
+                <a:solidFill>
+                  <a:srgbClr val="FFFFFF"/>
+                </a:solidFill>
+              </a14:hiddenFill>
+            </a:ext>
+          </a:extLst>
+        </p:spPr>
+      </p:pic>
     </p:spTree>
     <p:extLst>
       <p:ext uri="{BB962C8B-B14F-4D97-AF65-F5344CB8AC3E}">
-        <p14:creationId xmlns:p14="http://schemas.microsoft.com/office/powerpoint/2010/main" val="3540839229"/>
+        <p14:creationId xmlns:p14="http://schemas.microsoft.com/office/powerpoint/2010/main" val="3811319509"/>
       </p:ext>
     </p:extLst>
   </p:cSld>
@@ -4078,7 +4779,7 @@
           <a:p>
             <a:r>
               <a:rPr lang="en-GB" dirty="0"/>
-              <a:t>Future Development</a:t>
+              <a:t>Final idea:</a:t>
             </a:r>
           </a:p>
         </p:txBody>
@@ -4098,32 +4799,55 @@
           <a:bodyPr/>
           <a:lstStyle/>
           <a:p>
-            <a:r>
-              <a:rPr lang="en-GB" dirty="0"/>
-              <a:t>Instead of having a generic health bar, an animation of an orange animation being peeled as health decreases (when questions are incorrectly answered).</a:t>
-            </a:r>
-          </a:p>
-          <a:p>
-            <a:r>
-              <a:rPr lang="en-GB" dirty="0"/>
-              <a:t>Implementing a back end database to store many more questions that can be queried by a web server for questions to make the selection random each time. </a:t>
-            </a:r>
-          </a:p>
-          <a:p>
             <a:endParaRPr lang="en-GB" dirty="0"/>
           </a:p>
-          <a:p>
-            <a:pPr marL="0" indent="0">
-              <a:buNone/>
-            </a:pPr>
-            <a:endParaRPr lang="en-GB" dirty="0"/>
-          </a:p>
-        </p:txBody>
-      </p:sp>
+        </p:txBody>
+      </p:sp>
+      <p:pic>
+        <p:nvPicPr>
+          <p:cNvPr id="4" name="Picture 2" descr="https://www.everydayhero.co.uk/events/downloads/0000/2747/ARUK_campaign_logo_web.jpg"/>
+          <p:cNvPicPr>
+            <a:picLocks noChangeAspect="1" noChangeArrowheads="1"/>
+          </p:cNvPicPr>
+          <p:nvPr/>
+        </p:nvPicPr>
+        <p:blipFill>
+          <a:blip r:embed="rId2">
+            <a:extLst>
+              <a:ext uri="{28A0092B-C50C-407E-A947-70E740481C1C}">
+                <a14:useLocalDpi xmlns:a14="http://schemas.microsoft.com/office/drawing/2010/main" val="0"/>
+              </a:ext>
+            </a:extLst>
+          </a:blip>
+          <a:srcRect/>
+          <a:stretch>
+            <a:fillRect/>
+          </a:stretch>
+        </p:blipFill>
+        <p:spPr bwMode="auto">
+          <a:xfrm>
+            <a:off x="8942125" y="48247"/>
+            <a:ext cx="3203575" cy="1074116"/>
+          </a:xfrm>
+          <a:prstGeom prst="rect">
+            <a:avLst/>
+          </a:prstGeom>
+          <a:noFill/>
+          <a:extLst>
+            <a:ext uri="{909E8E84-426E-40DD-AFC4-6F175D3DCCD1}">
+              <a14:hiddenFill xmlns:a14="http://schemas.microsoft.com/office/drawing/2010/main">
+                <a:solidFill>
+                  <a:srgbClr val="FFFFFF"/>
+                </a:solidFill>
+              </a14:hiddenFill>
+            </a:ext>
+          </a:extLst>
+        </p:spPr>
+      </p:pic>
     </p:spTree>
     <p:extLst>
       <p:ext uri="{BB962C8B-B14F-4D97-AF65-F5344CB8AC3E}">
-        <p14:creationId xmlns:p14="http://schemas.microsoft.com/office/powerpoint/2010/main" val="1846106008"/>
+        <p14:creationId xmlns:p14="http://schemas.microsoft.com/office/powerpoint/2010/main" val="3977171359"/>
       </p:ext>
     </p:extLst>
   </p:cSld>
@@ -4167,7 +4891,7 @@
           <a:p>
             <a:r>
               <a:rPr lang="en-GB" dirty="0"/>
-              <a:t>References:</a:t>
+              <a:t>Explanation of Implementation</a:t>
             </a:r>
           </a:p>
         </p:txBody>
@@ -4182,232 +4906,103 @@
             <p:ph idx="1"/>
           </p:nvPr>
         </p:nvSpPr>
-        <p:spPr>
-          <a:xfrm>
-            <a:off x="465221" y="1825625"/>
-            <a:ext cx="11518231" cy="4351338"/>
-          </a:xfrm>
-        </p:spPr>
+        <p:spPr/>
         <p:txBody>
           <a:bodyPr>
             <a:normAutofit/>
           </a:bodyPr>
           <a:lstStyle/>
           <a:p>
-            <a:pPr>
-              <a:buFont typeface="+mj-lt"/>
-              <a:buAutoNum type="arabicPeriod"/>
-            </a:pPr>
-            <a:r>
-              <a:rPr lang="en-GB" sz="1100" dirty="0"/>
-              <a:t>Questions:</a:t>
-            </a:r>
-          </a:p>
-          <a:p>
-            <a:pPr lvl="1">
-              <a:buFont typeface="+mj-lt"/>
-              <a:buAutoNum type="arabicPeriod"/>
-            </a:pPr>
-            <a:r>
-              <a:rPr lang="en-GB" sz="1050" dirty="0"/>
-              <a:t>“What is the most common form of dementia?”</a:t>
-            </a:r>
-            <a:br>
-              <a:rPr lang="en-GB" sz="1050" dirty="0"/>
-            </a:br>
-            <a:r>
-              <a:rPr lang="en-GB" sz="1050" dirty="0"/>
-              <a:t>Judd, N. and Society, A. (2007) </a:t>
-            </a:r>
-            <a:r>
-              <a:rPr lang="en-GB" sz="1050" i="1" dirty="0"/>
-              <a:t>What is Alzheimer’s disease? - Alzheimer’s society</a:t>
-            </a:r>
-            <a:r>
-              <a:rPr lang="en-GB" sz="1050" dirty="0"/>
-              <a:t>. Available at: https://www.alzheimers.org.uk/site/scripts/documents_info.php?documentID=100 (Accessed: 10 December 2016).</a:t>
-            </a:r>
-          </a:p>
-          <a:p>
-            <a:pPr lvl="1">
-              <a:buFont typeface="+mj-lt"/>
-              <a:buAutoNum type="arabicPeriod"/>
-            </a:pPr>
-            <a:r>
-              <a:rPr lang="en-GB" sz="1050" dirty="0"/>
-              <a:t>“Who has a higher risk of developing Alzheimer’s disease?”</a:t>
-            </a:r>
-            <a:br>
-              <a:rPr lang="en-GB" sz="1050" dirty="0"/>
-            </a:br>
-            <a:r>
-              <a:rPr lang="en-GB" sz="1050" dirty="0"/>
-              <a:t>Sauer, A. (2015) </a:t>
-            </a:r>
-            <a:r>
-              <a:rPr lang="en-GB" sz="1050" i="1" dirty="0"/>
-              <a:t>Why is Alzheimer’s more likely in women?</a:t>
-            </a:r>
-            <a:r>
-              <a:rPr lang="en-GB" sz="1050" dirty="0"/>
-              <a:t> Available at: http://www.alzheimers.net/8-12-15-why-is-alzheimers-more-likely-in-women/ (Accessed: 10 December 2016).</a:t>
-            </a:r>
-          </a:p>
-          <a:p>
-            <a:pPr lvl="1">
-              <a:buFont typeface="+mj-lt"/>
-              <a:buAutoNum type="arabicPeriod"/>
-            </a:pPr>
-            <a:r>
-              <a:rPr lang="en-GB" sz="1050" dirty="0"/>
-              <a:t>“What are the two proteins responsible for dementia?”</a:t>
-            </a:r>
-            <a:br>
-              <a:rPr lang="en-GB" sz="1050" dirty="0"/>
-            </a:br>
-            <a:r>
-              <a:rPr lang="en-GB" sz="1050" dirty="0"/>
-              <a:t>Bloom, G.S. (2014) ‘Amyloid-</a:t>
-            </a:r>
-            <a:r>
-              <a:rPr lang="el-GR" sz="1050" dirty="0"/>
-              <a:t>β </a:t>
-            </a:r>
-            <a:r>
-              <a:rPr lang="en-GB" sz="1050" dirty="0"/>
-              <a:t>and Tau’, </a:t>
-            </a:r>
-            <a:r>
-              <a:rPr lang="en-GB" sz="1050" i="1" dirty="0"/>
-              <a:t>JAMA Neurology</a:t>
-            </a:r>
-            <a:r>
-              <a:rPr lang="en-GB" sz="1050" dirty="0"/>
-              <a:t>, 71(4), p. 505. </a:t>
-            </a:r>
-            <a:r>
-              <a:rPr lang="en-GB" sz="1050" dirty="0" err="1"/>
-              <a:t>doi</a:t>
-            </a:r>
-            <a:r>
-              <a:rPr lang="en-GB" sz="1050" dirty="0"/>
-              <a:t>: 10.1001/jamaneurol.2013.5847.</a:t>
-            </a:r>
-          </a:p>
-          <a:p>
-            <a:pPr lvl="1">
-              <a:buFont typeface="+mj-lt"/>
-              <a:buAutoNum type="arabicPeriod"/>
-            </a:pPr>
-            <a:r>
-              <a:rPr lang="en-GB" sz="1050" dirty="0"/>
-              <a:t>4) Association®, A. (2016) </a:t>
-            </a:r>
-            <a:r>
-              <a:rPr lang="en-GB" sz="1050" i="1" dirty="0"/>
-              <a:t>Latest treatment options</a:t>
-            </a:r>
-            <a:r>
-              <a:rPr lang="en-GB" sz="1050" dirty="0"/>
-              <a:t>. Available at: http://www.alz.org/alzheimers_disease_treatments.asp (Accessed: 10 December 2016).</a:t>
-            </a:r>
-          </a:p>
-          <a:p>
-            <a:pPr lvl="1">
-              <a:buFont typeface="+mj-lt"/>
-              <a:buAutoNum type="arabicPeriod"/>
-            </a:pPr>
-            <a:r>
-              <a:rPr lang="en-GB" sz="1050" dirty="0"/>
-              <a:t>5) </a:t>
-            </a:r>
-            <a:r>
-              <a:rPr lang="en-GB" sz="1050" i="1" dirty="0"/>
-              <a:t>10 things you need to know about the impact of dementia on people, carers and the economy | Alzheimer’s research UK</a:t>
-            </a:r>
-            <a:r>
-              <a:rPr lang="en-GB" sz="1050" dirty="0"/>
-              <a:t> (2017) Available at: http://www.alzheimersresearchuk.org/about-dementia/facts-stats/10-things-you-need-to-know-about-the-impact-of-dementia/ (Accessed: 10 December 2016).</a:t>
-            </a:r>
-          </a:p>
-          <a:p>
-            <a:pPr lvl="1">
-              <a:buFont typeface="+mj-lt"/>
-              <a:buAutoNum type="arabicPeriod"/>
-            </a:pPr>
-            <a:r>
-              <a:rPr lang="en-GB" sz="1050" dirty="0"/>
-              <a:t>6) Association®, A. (2016) </a:t>
-            </a:r>
-            <a:r>
-              <a:rPr lang="en-GB" sz="1050" i="1" dirty="0"/>
-              <a:t>Memory loss myths &amp; facts</a:t>
-            </a:r>
-            <a:r>
-              <a:rPr lang="en-GB" sz="1050" dirty="0"/>
-              <a:t>. Available at: http://www.alz.org/alzheimers_disease_myths_about_alzheimers.asp (Accessed: 10 December 2016).</a:t>
-            </a:r>
-          </a:p>
-          <a:p>
-            <a:pPr lvl="1">
-              <a:buFont typeface="+mj-lt"/>
-              <a:buAutoNum type="arabicPeriod"/>
-            </a:pPr>
-            <a:r>
-              <a:rPr lang="en-GB" sz="1050" dirty="0"/>
-              <a:t>7) Association®, A. (2016) </a:t>
-            </a:r>
-            <a:r>
-              <a:rPr lang="en-GB" sz="1050" i="1" dirty="0"/>
-              <a:t>Memory loss myths &amp; facts</a:t>
-            </a:r>
-            <a:r>
-              <a:rPr lang="en-GB" sz="1050" dirty="0"/>
-              <a:t>. Available at: http://www.alz.org/alzheimers_disease_myths_about_alzheimers.asp (Accessed: 10 December 2016).</a:t>
-            </a:r>
-          </a:p>
-          <a:p>
-            <a:pPr lvl="1">
-              <a:buFont typeface="+mj-lt"/>
-              <a:buAutoNum type="arabicPeriod"/>
-            </a:pPr>
-            <a:r>
-              <a:rPr lang="en-GB" sz="1050" dirty="0"/>
-              <a:t>8) Siddique, H. (2016) </a:t>
-            </a:r>
-            <a:r>
-              <a:rPr lang="en-GB" sz="1050" i="1" dirty="0"/>
-              <a:t>Dementia and Alzheimer’s leading cause of death in England and wales</a:t>
-            </a:r>
-            <a:r>
-              <a:rPr lang="en-GB" sz="1050" dirty="0"/>
-              <a:t>. Available at: https://www.theguardian.com/society/2016/nov/14/dementia-and-alzheimers-leading-cause-of-death-england-and-wales (Accessed: 10 December 2016).</a:t>
-            </a:r>
-          </a:p>
-          <a:p>
-            <a:pPr lvl="1">
-              <a:buFont typeface="+mj-lt"/>
-              <a:buAutoNum type="arabicPeriod"/>
-            </a:pPr>
-            <a:r>
-              <a:rPr lang="en-GB" sz="1050" dirty="0"/>
-              <a:t>9) Choices, N. (2016) </a:t>
-            </a:r>
-            <a:r>
-              <a:rPr lang="en-GB" sz="1050" i="1" dirty="0"/>
-              <a:t>Alzheimer’s disease - symptoms</a:t>
-            </a:r>
-            <a:r>
-              <a:rPr lang="en-GB" sz="1050" dirty="0"/>
-              <a:t>. Available at: http://www.nhs.uk/Conditions/Alzheimers-disease/Pages/Symptoms.aspx (Accessed: 10 December 2016).</a:t>
-            </a:r>
-          </a:p>
-        </p:txBody>
-      </p:sp>
+            <a:r>
+              <a:rPr lang="en-GB" dirty="0"/>
+              <a:t>Front end written </a:t>
+            </a:r>
+          </a:p>
+          <a:p>
+            <a:pPr lvl="1"/>
+            <a:r>
+              <a:rPr lang="en-GB" dirty="0" err="1"/>
+              <a:t>Javascript</a:t>
+            </a:r>
+            <a:r>
+              <a:rPr lang="en-GB" dirty="0"/>
+              <a:t> </a:t>
+            </a:r>
+          </a:p>
+          <a:p>
+            <a:pPr lvl="1"/>
+            <a:r>
+              <a:rPr lang="en-GB" dirty="0"/>
+              <a:t>HTML</a:t>
+            </a:r>
+          </a:p>
+          <a:p>
+            <a:pPr lvl="1"/>
+            <a:r>
+              <a:rPr lang="en-GB" dirty="0"/>
+              <a:t>CSS </a:t>
+            </a:r>
+          </a:p>
+          <a:p>
+            <a:pPr algn="just"/>
+            <a:r>
+              <a:rPr lang="en-GB" dirty="0"/>
+              <a:t>JavaScript is also used to simulate the penalties for incorrect answers.</a:t>
+            </a:r>
+          </a:p>
+          <a:p>
+            <a:endParaRPr lang="en-GB" dirty="0"/>
+          </a:p>
+          <a:p>
+            <a:endParaRPr lang="en-GB" dirty="0"/>
+          </a:p>
+        </p:txBody>
+      </p:sp>
+      <p:pic>
+        <p:nvPicPr>
+          <p:cNvPr id="4" name="Picture 2" descr="https://www.everydayhero.co.uk/events/downloads/0000/2747/ARUK_campaign_logo_web.jpg"/>
+          <p:cNvPicPr>
+            <a:picLocks noChangeAspect="1" noChangeArrowheads="1"/>
+          </p:cNvPicPr>
+          <p:nvPr/>
+        </p:nvPicPr>
+        <p:blipFill>
+          <a:blip r:embed="rId3">
+            <a:extLst>
+              <a:ext uri="{28A0092B-C50C-407E-A947-70E740481C1C}">
+                <a14:useLocalDpi xmlns:a14="http://schemas.microsoft.com/office/drawing/2010/main" val="0"/>
+              </a:ext>
+            </a:extLst>
+          </a:blip>
+          <a:srcRect/>
+          <a:stretch>
+            <a:fillRect/>
+          </a:stretch>
+        </p:blipFill>
+        <p:spPr bwMode="auto">
+          <a:xfrm>
+            <a:off x="8942125" y="48247"/>
+            <a:ext cx="3203575" cy="1074116"/>
+          </a:xfrm>
+          <a:prstGeom prst="rect">
+            <a:avLst/>
+          </a:prstGeom>
+          <a:noFill/>
+          <a:extLst>
+            <a:ext uri="{909E8E84-426E-40DD-AFC4-6F175D3DCCD1}">
+              <a14:hiddenFill xmlns:a14="http://schemas.microsoft.com/office/drawing/2010/main">
+                <a:solidFill>
+                  <a:srgbClr val="FFFFFF"/>
+                </a:solidFill>
+              </a14:hiddenFill>
+            </a:ext>
+          </a:extLst>
+        </p:spPr>
+      </p:pic>
     </p:spTree>
     <p:extLst>
       <p:ext uri="{BB962C8B-B14F-4D97-AF65-F5344CB8AC3E}">
-        <p14:creationId xmlns:p14="http://schemas.microsoft.com/office/powerpoint/2010/main" val="4011240471"/>
+        <p14:creationId xmlns:p14="http://schemas.microsoft.com/office/powerpoint/2010/main" val="3540839229"/>
       </p:ext>
     </p:extLst>
   </p:cSld>
@@ -4446,10 +5041,15 @@
         </p:nvSpPr>
         <p:spPr/>
         <p:txBody>
-          <a:bodyPr/>
-          <a:lstStyle/>
-          <a:p>
-            <a:endParaRPr lang="en-GB"/>
+          <a:bodyPr>
+            <a:normAutofit/>
+          </a:bodyPr>
+          <a:lstStyle/>
+          <a:p>
+            <a:r>
+              <a:rPr lang="en-GB" sz="4800" b="1" dirty="0"/>
+              <a:t>Future Development</a:t>
+            </a:r>
           </a:p>
         </p:txBody>
       </p:sp>
@@ -4465,17 +5065,418 @@
         </p:nvSpPr>
         <p:spPr/>
         <p:txBody>
-          <a:bodyPr/>
-          <a:lstStyle/>
-          <a:p>
-            <a:endParaRPr lang="en-GB"/>
-          </a:p>
-        </p:txBody>
-      </p:sp>
+          <a:bodyPr>
+            <a:normAutofit/>
+          </a:bodyPr>
+          <a:lstStyle/>
+          <a:p>
+            <a:r>
+              <a:rPr lang="en-GB" dirty="0"/>
+              <a:t>An animation of an orange animation being peeled (when questions are incorrectly answered).</a:t>
+            </a:r>
+          </a:p>
+          <a:p>
+            <a:r>
+              <a:rPr lang="en-GB" dirty="0"/>
+              <a:t>Implementing a back end database</a:t>
+            </a:r>
+          </a:p>
+          <a:p>
+            <a:r>
+              <a:rPr lang="en-GB" dirty="0"/>
+              <a:t>Exclusive Alzheimer’s Research UK snapchat filter and Snapchat snap cash feature.</a:t>
+            </a:r>
+          </a:p>
+          <a:p>
+            <a:r>
+              <a:rPr lang="en-GB" dirty="0"/>
+              <a:t>Greater social media integration and possible iOS and Android apps.</a:t>
+            </a:r>
+          </a:p>
+          <a:p>
+            <a:pPr marL="0" indent="0">
+              <a:buNone/>
+            </a:pPr>
+            <a:endParaRPr lang="en-GB" dirty="0"/>
+          </a:p>
+          <a:p>
+            <a:pPr marL="0" indent="0">
+              <a:buNone/>
+            </a:pPr>
+            <a:endParaRPr lang="en-GB" dirty="0"/>
+          </a:p>
+        </p:txBody>
+      </p:sp>
+      <p:pic>
+        <p:nvPicPr>
+          <p:cNvPr id="4" name="Picture 2" descr="https://www.everydayhero.co.uk/events/downloads/0000/2747/ARUK_campaign_logo_web.jpg"/>
+          <p:cNvPicPr>
+            <a:picLocks noChangeAspect="1" noChangeArrowheads="1"/>
+          </p:cNvPicPr>
+          <p:nvPr/>
+        </p:nvPicPr>
+        <p:blipFill>
+          <a:blip r:embed="rId3">
+            <a:extLst>
+              <a:ext uri="{28A0092B-C50C-407E-A947-70E740481C1C}">
+                <a14:useLocalDpi xmlns:a14="http://schemas.microsoft.com/office/drawing/2010/main" val="0"/>
+              </a:ext>
+            </a:extLst>
+          </a:blip>
+          <a:srcRect/>
+          <a:stretch>
+            <a:fillRect/>
+          </a:stretch>
+        </p:blipFill>
+        <p:spPr bwMode="auto">
+          <a:xfrm>
+            <a:off x="8942125" y="48247"/>
+            <a:ext cx="3203575" cy="1074116"/>
+          </a:xfrm>
+          <a:prstGeom prst="rect">
+            <a:avLst/>
+          </a:prstGeom>
+          <a:noFill/>
+          <a:extLst>
+            <a:ext uri="{909E8E84-426E-40DD-AFC4-6F175D3DCCD1}">
+              <a14:hiddenFill xmlns:a14="http://schemas.microsoft.com/office/drawing/2010/main">
+                <a:solidFill>
+                  <a:srgbClr val="FFFFFF"/>
+                </a:solidFill>
+              </a14:hiddenFill>
+            </a:ext>
+          </a:extLst>
+        </p:spPr>
+      </p:pic>
     </p:spTree>
     <p:extLst>
       <p:ext uri="{BB962C8B-B14F-4D97-AF65-F5344CB8AC3E}">
-        <p14:creationId xmlns:p14="http://schemas.microsoft.com/office/powerpoint/2010/main" val="25136682"/>
+        <p14:creationId xmlns:p14="http://schemas.microsoft.com/office/powerpoint/2010/main" val="1846106008"/>
+      </p:ext>
+    </p:extLst>
+  </p:cSld>
+  <p:clrMapOvr>
+    <a:masterClrMapping/>
+  </p:clrMapOvr>
+</p:sld>
+</file>
+
+<file path=ppt/slides/slide8.xml><?xml version="1.0" encoding="utf-8"?>
+<p:sld xmlns:a="http://schemas.openxmlformats.org/drawingml/2006/main" xmlns:r="http://schemas.openxmlformats.org/officeDocument/2006/relationships" xmlns:p="http://schemas.openxmlformats.org/presentationml/2006/main">
+  <p:cSld>
+    <p:spTree>
+      <p:nvGrpSpPr>
+        <p:cNvPr id="1" name=""/>
+        <p:cNvGrpSpPr/>
+        <p:nvPr/>
+      </p:nvGrpSpPr>
+      <p:grpSpPr>
+        <a:xfrm>
+          <a:off x="0" y="0"/>
+          <a:ext cx="0" cy="0"/>
+          <a:chOff x="0" y="0"/>
+          <a:chExt cx="0" cy="0"/>
+        </a:xfrm>
+      </p:grpSpPr>
+      <p:sp>
+        <p:nvSpPr>
+          <p:cNvPr id="2" name="Title 1"/>
+          <p:cNvSpPr>
+            <a:spLocks noGrp="1"/>
+          </p:cNvSpPr>
+          <p:nvPr>
+            <p:ph type="title"/>
+          </p:nvPr>
+        </p:nvSpPr>
+        <p:spPr/>
+        <p:txBody>
+          <a:bodyPr/>
+          <a:lstStyle/>
+          <a:p>
+            <a:r>
+              <a:rPr lang="en-GB" dirty="0"/>
+              <a:t>References:</a:t>
+            </a:r>
+          </a:p>
+        </p:txBody>
+      </p:sp>
+      <p:sp>
+        <p:nvSpPr>
+          <p:cNvPr id="3" name="Content Placeholder 2"/>
+          <p:cNvSpPr>
+            <a:spLocks noGrp="1"/>
+          </p:cNvSpPr>
+          <p:nvPr>
+            <p:ph idx="1"/>
+          </p:nvPr>
+        </p:nvSpPr>
+        <p:spPr>
+          <a:xfrm>
+            <a:off x="465221" y="1825625"/>
+            <a:ext cx="11518231" cy="4351338"/>
+          </a:xfrm>
+        </p:spPr>
+        <p:txBody>
+          <a:bodyPr>
+            <a:normAutofit/>
+          </a:bodyPr>
+          <a:lstStyle/>
+          <a:p>
+            <a:pPr>
+              <a:buFont typeface="+mj-lt"/>
+              <a:buAutoNum type="arabicPeriod"/>
+            </a:pPr>
+            <a:r>
+              <a:rPr lang="en-GB" sz="1100" dirty="0"/>
+              <a:t>Questions:</a:t>
+            </a:r>
+          </a:p>
+          <a:p>
+            <a:pPr lvl="1">
+              <a:buFont typeface="+mj-lt"/>
+              <a:buAutoNum type="arabicPeriod"/>
+            </a:pPr>
+            <a:r>
+              <a:rPr lang="en-GB" sz="1050" dirty="0"/>
+              <a:t>“What is the most common form of dementia?”</a:t>
+            </a:r>
+            <a:br>
+              <a:rPr lang="en-GB" sz="1050" dirty="0"/>
+            </a:br>
+            <a:r>
+              <a:rPr lang="en-GB" sz="1050" dirty="0"/>
+              <a:t>Judd, N. and Society, A. (2007) </a:t>
+            </a:r>
+            <a:r>
+              <a:rPr lang="en-GB" sz="1050" i="1" dirty="0"/>
+              <a:t>What is Alzheimer’s disease? - Alzheimer’s society</a:t>
+            </a:r>
+            <a:r>
+              <a:rPr lang="en-GB" sz="1050" dirty="0"/>
+              <a:t>. Available at: https://www.alzheimers.org.uk/site/scripts/documents_info.php?documentID=100 (Accessed: 10 December 2016).</a:t>
+            </a:r>
+          </a:p>
+          <a:p>
+            <a:pPr lvl="1">
+              <a:buFont typeface="+mj-lt"/>
+              <a:buAutoNum type="arabicPeriod"/>
+            </a:pPr>
+            <a:r>
+              <a:rPr lang="en-GB" sz="1050" dirty="0"/>
+              <a:t>“Who has a higher risk of developing Alzheimer’s disease?”</a:t>
+            </a:r>
+            <a:br>
+              <a:rPr lang="en-GB" sz="1050" dirty="0"/>
+            </a:br>
+            <a:r>
+              <a:rPr lang="en-GB" sz="1050" dirty="0"/>
+              <a:t>Sauer, A. (2015) </a:t>
+            </a:r>
+            <a:r>
+              <a:rPr lang="en-GB" sz="1050" i="1" dirty="0"/>
+              <a:t>Why is Alzheimer’s more likely in women?</a:t>
+            </a:r>
+            <a:r>
+              <a:rPr lang="en-GB" sz="1050" dirty="0"/>
+              <a:t> Available at: http://www.alzheimers.net/8-12-15-why-is-alzheimers-more-likely-in-women/ (Accessed: 10 December 2016).</a:t>
+            </a:r>
+          </a:p>
+          <a:p>
+            <a:pPr lvl="1">
+              <a:buFont typeface="+mj-lt"/>
+              <a:buAutoNum type="arabicPeriod"/>
+            </a:pPr>
+            <a:r>
+              <a:rPr lang="en-GB" sz="1050" dirty="0"/>
+              <a:t>“What are the two proteins responsible for dementia?”</a:t>
+            </a:r>
+            <a:br>
+              <a:rPr lang="en-GB" sz="1050" dirty="0"/>
+            </a:br>
+            <a:r>
+              <a:rPr lang="en-GB" sz="1050" dirty="0"/>
+              <a:t>Bloom, G.S. (2014) ‘Amyloid-</a:t>
+            </a:r>
+            <a:r>
+              <a:rPr lang="el-GR" sz="1050" dirty="0"/>
+              <a:t>β </a:t>
+            </a:r>
+            <a:r>
+              <a:rPr lang="en-GB" sz="1050" dirty="0"/>
+              <a:t>and Tau’, </a:t>
+            </a:r>
+            <a:r>
+              <a:rPr lang="en-GB" sz="1050" i="1" dirty="0"/>
+              <a:t>JAMA Neurology</a:t>
+            </a:r>
+            <a:r>
+              <a:rPr lang="en-GB" sz="1050" dirty="0"/>
+              <a:t>, 71(4), p. 505. </a:t>
+            </a:r>
+            <a:r>
+              <a:rPr lang="en-GB" sz="1050" dirty="0" err="1"/>
+              <a:t>doi</a:t>
+            </a:r>
+            <a:r>
+              <a:rPr lang="en-GB" sz="1050" dirty="0"/>
+              <a:t>: 10.1001/jamaneurol.2013.5847.</a:t>
+            </a:r>
+          </a:p>
+          <a:p>
+            <a:pPr lvl="1">
+              <a:buFont typeface="+mj-lt"/>
+              <a:buAutoNum type="arabicPeriod"/>
+            </a:pPr>
+            <a:r>
+              <a:rPr lang="en-GB" sz="1050" dirty="0"/>
+              <a:t>4) Association®, A. (2016) </a:t>
+            </a:r>
+            <a:r>
+              <a:rPr lang="en-GB" sz="1050" i="1" dirty="0"/>
+              <a:t>Latest treatment options</a:t>
+            </a:r>
+            <a:r>
+              <a:rPr lang="en-GB" sz="1050" dirty="0"/>
+              <a:t>. Available at: http://www.alz.org/alzheimers_disease_treatments.asp (Accessed: 10 December 2016).</a:t>
+            </a:r>
+          </a:p>
+          <a:p>
+            <a:pPr lvl="1">
+              <a:buFont typeface="+mj-lt"/>
+              <a:buAutoNum type="arabicPeriod"/>
+            </a:pPr>
+            <a:r>
+              <a:rPr lang="en-GB" sz="1050" dirty="0"/>
+              <a:t>5) </a:t>
+            </a:r>
+            <a:r>
+              <a:rPr lang="en-GB" sz="1050" i="1" dirty="0"/>
+              <a:t>10 things you need to know about the impact of dementia on people, carers and the economy | Alzheimer’s research UK</a:t>
+            </a:r>
+            <a:r>
+              <a:rPr lang="en-GB" sz="1050" dirty="0"/>
+              <a:t> (2017) Available at: http://www.alzheimersresearchuk.org/about-dementia/facts-stats/10-things-you-need-to-know-about-the-impact-of-dementia/ (Accessed: 10 December 2016).</a:t>
+            </a:r>
+          </a:p>
+          <a:p>
+            <a:pPr lvl="1">
+              <a:buFont typeface="+mj-lt"/>
+              <a:buAutoNum type="arabicPeriod"/>
+            </a:pPr>
+            <a:r>
+              <a:rPr lang="en-GB" sz="1050" dirty="0"/>
+              <a:t>6) Association®, A. (2016) </a:t>
+            </a:r>
+            <a:r>
+              <a:rPr lang="en-GB" sz="1050" i="1" dirty="0"/>
+              <a:t>Memory loss myths &amp; facts</a:t>
+            </a:r>
+            <a:r>
+              <a:rPr lang="en-GB" sz="1050" dirty="0"/>
+              <a:t>. Available at: http://www.alz.org/alzheimers_disease_myths_about_alzheimers.asp (Accessed: 10 December 2016).</a:t>
+            </a:r>
+          </a:p>
+          <a:p>
+            <a:pPr lvl="1">
+              <a:buFont typeface="+mj-lt"/>
+              <a:buAutoNum type="arabicPeriod"/>
+            </a:pPr>
+            <a:r>
+              <a:rPr lang="en-GB" sz="1050" dirty="0"/>
+              <a:t>7) Association®, A. (2016) </a:t>
+            </a:r>
+            <a:r>
+              <a:rPr lang="en-GB" sz="1050" i="1" dirty="0"/>
+              <a:t>Memory loss myths &amp; facts</a:t>
+            </a:r>
+            <a:r>
+              <a:rPr lang="en-GB" sz="1050" dirty="0"/>
+              <a:t>. Available at: http://www.alz.org/alzheimers_disease_myths_about_alzheimers.asp (Accessed: 10 December 2016).</a:t>
+            </a:r>
+          </a:p>
+          <a:p>
+            <a:pPr lvl="1">
+              <a:buFont typeface="+mj-lt"/>
+              <a:buAutoNum type="arabicPeriod"/>
+            </a:pPr>
+            <a:r>
+              <a:rPr lang="en-GB" sz="1050" dirty="0"/>
+              <a:t>8) Siddique, H. (2016) </a:t>
+            </a:r>
+            <a:r>
+              <a:rPr lang="en-GB" sz="1050" i="1" dirty="0"/>
+              <a:t>Dementia and Alzheimer’s leading cause of death in England and wales</a:t>
+            </a:r>
+            <a:r>
+              <a:rPr lang="en-GB" sz="1050" dirty="0"/>
+              <a:t>. Available at: https://www.theguardian.com/society/2016/nov/14/dementia-and-alzheimers-leading-cause-of-death-england-and-wales (Accessed: 10 December 2016).</a:t>
+            </a:r>
+          </a:p>
+          <a:p>
+            <a:pPr lvl="1">
+              <a:buFont typeface="+mj-lt"/>
+              <a:buAutoNum type="arabicPeriod"/>
+            </a:pPr>
+            <a:r>
+              <a:rPr lang="en-GB" sz="1050" dirty="0"/>
+              <a:t>9) Choices, N. (2016) </a:t>
+            </a:r>
+            <a:r>
+              <a:rPr lang="en-GB" sz="1050" i="1" dirty="0"/>
+              <a:t>Alzheimer’s disease - symptoms</a:t>
+            </a:r>
+            <a:r>
+              <a:rPr lang="en-GB" sz="1050" dirty="0"/>
+              <a:t>. Available at: http://www.nhs.uk/Conditions/Alzheimers-disease/Pages/Symptoms.aspx (Accessed: 10 December 2016).</a:t>
+            </a:r>
+          </a:p>
+        </p:txBody>
+      </p:sp>
+      <p:pic>
+        <p:nvPicPr>
+          <p:cNvPr id="4" name="Picture 2" descr="https://www.everydayhero.co.uk/events/downloads/0000/2747/ARUK_campaign_logo_web.jpg"/>
+          <p:cNvPicPr>
+            <a:picLocks noChangeAspect="1" noChangeArrowheads="1"/>
+          </p:cNvPicPr>
+          <p:nvPr/>
+        </p:nvPicPr>
+        <p:blipFill>
+          <a:blip r:embed="rId3">
+            <a:extLst>
+              <a:ext uri="{28A0092B-C50C-407E-A947-70E740481C1C}">
+                <a14:useLocalDpi xmlns:a14="http://schemas.microsoft.com/office/drawing/2010/main" val="0"/>
+              </a:ext>
+            </a:extLst>
+          </a:blip>
+          <a:srcRect/>
+          <a:stretch>
+            <a:fillRect/>
+          </a:stretch>
+        </p:blipFill>
+        <p:spPr bwMode="auto">
+          <a:xfrm>
+            <a:off x="8942125" y="48247"/>
+            <a:ext cx="3203575" cy="1074116"/>
+          </a:xfrm>
+          <a:prstGeom prst="rect">
+            <a:avLst/>
+          </a:prstGeom>
+          <a:noFill/>
+          <a:extLst>
+            <a:ext uri="{909E8E84-426E-40DD-AFC4-6F175D3DCCD1}">
+              <a14:hiddenFill xmlns:a14="http://schemas.microsoft.com/office/drawing/2010/main">
+                <a:solidFill>
+                  <a:srgbClr val="FFFFFF"/>
+                </a:solidFill>
+              </a14:hiddenFill>
+            </a:ext>
+          </a:extLst>
+        </p:spPr>
+      </p:pic>
+    </p:spTree>
+    <p:extLst>
+      <p:ext uri="{BB962C8B-B14F-4D97-AF65-F5344CB8AC3E}">
+        <p14:creationId xmlns:p14="http://schemas.microsoft.com/office/powerpoint/2010/main" val="4011240471"/>
       </p:ext>
     </p:extLst>
   </p:cSld>

--- a/_presentation/Team 11 Presentation.pptx
+++ b/_presentation/Team 11 Presentation.pptx
@@ -5,17 +5,20 @@
     <p:sldMasterId id="2147483648" r:id="rId1"/>
   </p:sldMasterIdLst>
   <p:notesMasterIdLst>
-    <p:notesMasterId r:id="rId10"/>
+    <p:notesMasterId r:id="rId13"/>
   </p:notesMasterIdLst>
   <p:sldIdLst>
     <p:sldId id="256" r:id="rId2"/>
     <p:sldId id="261" r:id="rId3"/>
-    <p:sldId id="260" r:id="rId4"/>
-    <p:sldId id="264" r:id="rId5"/>
-    <p:sldId id="265" r:id="rId6"/>
-    <p:sldId id="262" r:id="rId7"/>
-    <p:sldId id="258" r:id="rId8"/>
-    <p:sldId id="257" r:id="rId9"/>
+    <p:sldId id="269" r:id="rId4"/>
+    <p:sldId id="260" r:id="rId5"/>
+    <p:sldId id="264" r:id="rId6"/>
+    <p:sldId id="265" r:id="rId7"/>
+    <p:sldId id="268" r:id="rId8"/>
+    <p:sldId id="262" r:id="rId9"/>
+    <p:sldId id="258" r:id="rId10"/>
+    <p:sldId id="257" r:id="rId11"/>
+    <p:sldId id="267" r:id="rId12"/>
   </p:sldIdLst>
   <p:sldSz cx="12192000" cy="6858000"/>
   <p:notesSz cx="6858000" cy="9144000"/>
@@ -581,7 +584,7 @@
     </p:spTree>
     <p:extLst>
       <p:ext uri="{BB962C8B-B14F-4D97-AF65-F5344CB8AC3E}">
-        <p14:creationId xmlns:p14="http://schemas.microsoft.com/office/powerpoint/2010/main" val="3616364250"/>
+        <p14:creationId xmlns:p14="http://schemas.microsoft.com/office/powerpoint/2010/main" val="3947804149"/>
       </p:ext>
     </p:extLst>
   </p:cSld>
@@ -635,20 +638,29 @@
           <a:bodyPr/>
           <a:lstStyle/>
           <a:p>
+            <a:pPr marL="0" marR="0" lvl="0" indent="0" algn="l" defTabSz="914400" rtl="0" eaLnBrk="1" fontAlgn="auto" latinLnBrk="0" hangingPunct="1">
+              <a:lnSpc>
+                <a:spcPct val="100000"/>
+              </a:lnSpc>
+              <a:spcBef>
+                <a:spcPts val="0"/>
+              </a:spcBef>
+              <a:spcAft>
+                <a:spcPts val="0"/>
+              </a:spcAft>
+              <a:buClrTx/>
+              <a:buSzTx/>
+              <a:buFontTx/>
+              <a:buNone/>
+              <a:tabLst/>
+              <a:defRPr/>
+            </a:pPr>
             <a:r>
               <a:rPr lang="en-GB" dirty="0"/>
-              <a:t>We</a:t>
-            </a:r>
-            <a:r>
-              <a:rPr lang="en-GB" baseline="0" dirty="0"/>
-              <a:t> felt the text based game would be less engaging as it text based games are not a novelty.</a:t>
-            </a:r>
-          </a:p>
-          <a:p>
-            <a:r>
-              <a:rPr lang="en-GB" baseline="0" dirty="0"/>
-              <a:t>This second idea was partially implemented with the final idea.</a:t>
-            </a:r>
+              <a:t>Mobile or Web Application that demonstrates what it might be like to have dementia through the use of a social media account. The application should help users understand and appreciate the effects of dementia on those that are affected as well as theirs friends and love ones, encouraging people to share the application and donate to the charity. </a:t>
+            </a:r>
+          </a:p>
+          <a:p>
             <a:endParaRPr lang="en-GB" dirty="0"/>
           </a:p>
         </p:txBody>
@@ -679,7 +691,7 @@
     </p:spTree>
     <p:extLst>
       <p:ext uri="{BB962C8B-B14F-4D97-AF65-F5344CB8AC3E}">
-        <p14:creationId xmlns:p14="http://schemas.microsoft.com/office/powerpoint/2010/main" val="719056232"/>
+        <p14:creationId xmlns:p14="http://schemas.microsoft.com/office/powerpoint/2010/main" val="3616364250"/>
       </p:ext>
     </p:extLst>
   </p:cSld>
@@ -735,46 +747,18 @@
           <a:p>
             <a:r>
               <a:rPr lang="en-GB" dirty="0"/>
-              <a:t>Front end written in </a:t>
-            </a:r>
-            <a:r>
-              <a:rPr lang="en-GB" dirty="0" err="1"/>
-              <a:t>Javascript</a:t>
-            </a:r>
-            <a:r>
-              <a:rPr lang="en-GB" dirty="0"/>
-              <a:t> which provides the logic of the application by transitioning between questions and returning the results.</a:t>
-            </a:r>
-          </a:p>
-          <a:p>
-            <a:endParaRPr lang="en-GB" dirty="0"/>
-          </a:p>
-          <a:p>
-            <a:r>
-              <a:rPr lang="en-GB" dirty="0"/>
-              <a:t>HTML and CSS being used to render the web pages. The user is also returned a message when they answer a question incorrectly to explain the correct answer.</a:t>
-            </a:r>
-          </a:p>
-          <a:p>
-            <a:endParaRPr lang="en-GB" dirty="0"/>
-          </a:p>
-          <a:p>
-            <a:r>
-              <a:rPr lang="en-GB" dirty="0"/>
-              <a:t>JavaScript is also used to simulate the penalties for incorrect answers and with each incorrect answer, the following question will be modified in a way that it will be simulated to show how a person with Alzheimer's would approach the problem with modifications such as missing or confusing words in simple sentences, trouble with organisation and simple numeracy questions and general memory loss.</a:t>
-            </a:r>
-          </a:p>
-          <a:p>
-            <a:pPr algn="just"/>
-            <a:endParaRPr lang="en-GB" dirty="0"/>
-          </a:p>
-          <a:p>
-            <a:endParaRPr lang="en-GB" dirty="0"/>
-          </a:p>
-          <a:p>
-            <a:endParaRPr lang="en-GB" dirty="0"/>
-          </a:p>
-          <a:p>
+              <a:t>We</a:t>
+            </a:r>
+            <a:r>
+              <a:rPr lang="en-GB" baseline="0" dirty="0"/>
+              <a:t> felt the text based game would be less engaging as it text based games are not a novelty.</a:t>
+            </a:r>
+          </a:p>
+          <a:p>
+            <a:r>
+              <a:rPr lang="en-GB" baseline="0" dirty="0"/>
+              <a:t>This second idea was partially implemented with the final idea.</a:t>
+            </a:r>
             <a:endParaRPr lang="en-GB" dirty="0"/>
           </a:p>
         </p:txBody>
@@ -796,7 +780,7 @@
           <a:p>
             <a:fld id="{CDE8920A-880C-4DAA-A893-D2B86E971586}" type="slidenum">
               <a:rPr lang="en-GB" smtClean="0"/>
-              <a:t>6</a:t>
+              <a:t>5</a:t>
             </a:fld>
             <a:endParaRPr lang="en-GB"/>
           </a:p>
@@ -805,7 +789,7 @@
     </p:spTree>
     <p:extLst>
       <p:ext uri="{BB962C8B-B14F-4D97-AF65-F5344CB8AC3E}">
-        <p14:creationId xmlns:p14="http://schemas.microsoft.com/office/powerpoint/2010/main" val="3736081773"/>
+        <p14:creationId xmlns:p14="http://schemas.microsoft.com/office/powerpoint/2010/main" val="719056232"/>
       </p:ext>
     </p:extLst>
   </p:cSld>
@@ -859,119 +843,6 @@
           <a:bodyPr/>
           <a:lstStyle/>
           <a:p>
-            <a:pPr marL="0" marR="0" lvl="0" indent="0" algn="l" defTabSz="914400" rtl="0" eaLnBrk="1" fontAlgn="auto" latinLnBrk="0" hangingPunct="1">
-              <a:lnSpc>
-                <a:spcPct val="100000"/>
-              </a:lnSpc>
-              <a:spcBef>
-                <a:spcPts val="0"/>
-              </a:spcBef>
-              <a:spcAft>
-                <a:spcPts val="0"/>
-              </a:spcAft>
-              <a:buClrTx/>
-              <a:buSzTx/>
-              <a:buFontTx/>
-              <a:buNone/>
-              <a:tabLst/>
-              <a:defRPr/>
-            </a:pPr>
-            <a:r>
-              <a:rPr lang="en-GB" dirty="0"/>
-              <a:t>Instead of having a generic health </a:t>
-            </a:r>
-          </a:p>
-          <a:p>
-            <a:pPr marL="0" marR="0" lvl="0" indent="0" algn="l" defTabSz="914400" rtl="0" eaLnBrk="1" fontAlgn="auto" latinLnBrk="0" hangingPunct="1">
-              <a:lnSpc>
-                <a:spcPct val="100000"/>
-              </a:lnSpc>
-              <a:spcBef>
-                <a:spcPts val="0"/>
-              </a:spcBef>
-              <a:spcAft>
-                <a:spcPts val="0"/>
-              </a:spcAft>
-              <a:buClrTx/>
-              <a:buSzTx/>
-              <a:buFontTx/>
-              <a:buNone/>
-              <a:tabLst/>
-              <a:defRPr/>
-            </a:pPr>
-            <a:r>
-              <a:rPr lang="en-GB" dirty="0"/>
-              <a:t>to store many more questions that can be queried by a web server for questions to make the selection random each time.</a:t>
-            </a:r>
-          </a:p>
-          <a:p>
-            <a:pPr marL="0" marR="0" lvl="0" indent="0" algn="l" defTabSz="914400" rtl="0" eaLnBrk="1" fontAlgn="auto" latinLnBrk="0" hangingPunct="1">
-              <a:lnSpc>
-                <a:spcPct val="100000"/>
-              </a:lnSpc>
-              <a:spcBef>
-                <a:spcPts val="0"/>
-              </a:spcBef>
-              <a:spcAft>
-                <a:spcPts val="0"/>
-              </a:spcAft>
-              <a:buClrTx/>
-              <a:buSzTx/>
-              <a:buFontTx/>
-              <a:buNone/>
-              <a:tabLst/>
-              <a:defRPr/>
-            </a:pPr>
-            <a:r>
-              <a:rPr lang="en-GB" dirty="0"/>
-              <a:t>As a incentive to share the application with friends, the sharer will be rewarded</a:t>
-            </a:r>
-            <a:r>
-              <a:rPr lang="en-GB" baseline="0" dirty="0"/>
-              <a:t> with it. A</a:t>
-            </a:r>
-            <a:r>
-              <a:rPr lang="en-GB" dirty="0"/>
-              <a:t>s previously created snapchat filters have proven successful. </a:t>
-            </a:r>
-            <a:r>
-              <a:rPr lang="en-GB" baseline="0" dirty="0"/>
-              <a:t> A</a:t>
-            </a:r>
-            <a:r>
-              <a:rPr lang="en-GB" dirty="0"/>
-              <a:t>llowing follower to send cash through a linked debit card.</a:t>
-            </a:r>
-          </a:p>
-          <a:p>
-            <a:pPr marL="0" marR="0" lvl="0" indent="0" algn="l" defTabSz="914400" rtl="0" eaLnBrk="1" fontAlgn="auto" latinLnBrk="0" hangingPunct="1">
-              <a:lnSpc>
-                <a:spcPct val="100000"/>
-              </a:lnSpc>
-              <a:spcBef>
-                <a:spcPts val="0"/>
-              </a:spcBef>
-              <a:spcAft>
-                <a:spcPts val="0"/>
-              </a:spcAft>
-              <a:buClrTx/>
-              <a:buSzTx/>
-              <a:buFontTx/>
-              <a:buNone/>
-              <a:tabLst/>
-              <a:defRPr/>
-            </a:pPr>
-            <a:r>
-              <a:rPr lang="en-GB" dirty="0"/>
-              <a:t>Currently</a:t>
-            </a:r>
-            <a:r>
-              <a:rPr lang="en-GB" baseline="0" dirty="0"/>
-              <a:t> allows you to share your score and the site link to your feed but more integration can allow the user to allow share their profile with the site, allowing us to tailor questions based on their profile.</a:t>
-            </a:r>
-            <a:endParaRPr lang="en-GB" dirty="0"/>
-          </a:p>
-          <a:p>
             <a:endParaRPr lang="en-GB" dirty="0"/>
           </a:p>
         </p:txBody>
@@ -993,7 +864,7 @@
           <a:p>
             <a:fld id="{CDE8920A-880C-4DAA-A893-D2B86E971586}" type="slidenum">
               <a:rPr lang="en-GB" smtClean="0"/>
-              <a:t>7</a:t>
+              <a:t>6</a:t>
             </a:fld>
             <a:endParaRPr lang="en-GB"/>
           </a:p>
@@ -1002,7 +873,7 @@
     </p:spTree>
     <p:extLst>
       <p:ext uri="{BB962C8B-B14F-4D97-AF65-F5344CB8AC3E}">
-        <p14:creationId xmlns:p14="http://schemas.microsoft.com/office/powerpoint/2010/main" val="188750156"/>
+        <p14:creationId xmlns:p14="http://schemas.microsoft.com/office/powerpoint/2010/main" val="4212028493"/>
       </p:ext>
     </p:extLst>
   </p:cSld>
@@ -1056,6 +927,329 @@
           <a:bodyPr/>
           <a:lstStyle/>
           <a:p>
+            <a:r>
+              <a:rPr lang="en-GB" dirty="0"/>
+              <a:t>Front end written in </a:t>
+            </a:r>
+            <a:r>
+              <a:rPr lang="en-GB" dirty="0" err="1"/>
+              <a:t>Javascript</a:t>
+            </a:r>
+            <a:r>
+              <a:rPr lang="en-GB" dirty="0"/>
+              <a:t> which provides the logic of the application by transitioning between questions and returning the results.</a:t>
+            </a:r>
+          </a:p>
+          <a:p>
+            <a:endParaRPr lang="en-GB" dirty="0"/>
+          </a:p>
+          <a:p>
+            <a:r>
+              <a:rPr lang="en-GB" dirty="0"/>
+              <a:t>HTML and CSS being used to render the web pages. The user is also returned a message when they answer a question incorrectly to explain the correct answer.</a:t>
+            </a:r>
+          </a:p>
+          <a:p>
+            <a:endParaRPr lang="en-GB" dirty="0"/>
+          </a:p>
+          <a:p>
+            <a:r>
+              <a:rPr lang="en-GB" dirty="0"/>
+              <a:t>JavaScript is also used to simulate the penalties for incorrect answers and with each incorrect answer, the following question will be modified in a way that it will be simulated to show how a person with Alzheimer's would approach the problem with modifications such as missing or confusing words in simple sentences, trouble with organisation and simple numeracy questions and general memory loss.</a:t>
+            </a:r>
+          </a:p>
+          <a:p>
+            <a:pPr algn="just"/>
+            <a:endParaRPr lang="en-GB" dirty="0"/>
+          </a:p>
+          <a:p>
+            <a:endParaRPr lang="en-GB" dirty="0"/>
+          </a:p>
+          <a:p>
+            <a:endParaRPr lang="en-GB" dirty="0"/>
+          </a:p>
+          <a:p>
+            <a:endParaRPr lang="en-GB" dirty="0"/>
+          </a:p>
+        </p:txBody>
+      </p:sp>
+      <p:sp>
+        <p:nvSpPr>
+          <p:cNvPr id="4" name="Slide Number Placeholder 3"/>
+          <p:cNvSpPr>
+            <a:spLocks noGrp="1"/>
+          </p:cNvSpPr>
+          <p:nvPr>
+            <p:ph type="sldNum" sz="quarter" idx="10"/>
+          </p:nvPr>
+        </p:nvSpPr>
+        <p:spPr/>
+        <p:txBody>
+          <a:bodyPr/>
+          <a:lstStyle/>
+          <a:p>
+            <a:fld id="{CDE8920A-880C-4DAA-A893-D2B86E971586}" type="slidenum">
+              <a:rPr lang="en-GB" smtClean="0"/>
+              <a:t>8</a:t>
+            </a:fld>
+            <a:endParaRPr lang="en-GB"/>
+          </a:p>
+        </p:txBody>
+      </p:sp>
+    </p:spTree>
+    <p:extLst>
+      <p:ext uri="{BB962C8B-B14F-4D97-AF65-F5344CB8AC3E}">
+        <p14:creationId xmlns:p14="http://schemas.microsoft.com/office/powerpoint/2010/main" val="3736081773"/>
+      </p:ext>
+    </p:extLst>
+  </p:cSld>
+  <p:clrMapOvr>
+    <a:masterClrMapping/>
+  </p:clrMapOvr>
+</p:notes>
+</file>
+
+<file path=ppt/notesSlides/notesSlide6.xml><?xml version="1.0" encoding="utf-8"?>
+<p:notes xmlns:a="http://schemas.openxmlformats.org/drawingml/2006/main" xmlns:r="http://schemas.openxmlformats.org/officeDocument/2006/relationships" xmlns:p="http://schemas.openxmlformats.org/presentationml/2006/main">
+  <p:cSld>
+    <p:spTree>
+      <p:nvGrpSpPr>
+        <p:cNvPr id="1" name=""/>
+        <p:cNvGrpSpPr/>
+        <p:nvPr/>
+      </p:nvGrpSpPr>
+      <p:grpSpPr>
+        <a:xfrm>
+          <a:off x="0" y="0"/>
+          <a:ext cx="0" cy="0"/>
+          <a:chOff x="0" y="0"/>
+          <a:chExt cx="0" cy="0"/>
+        </a:xfrm>
+      </p:grpSpPr>
+      <p:sp>
+        <p:nvSpPr>
+          <p:cNvPr id="2" name="Slide Image Placeholder 1"/>
+          <p:cNvSpPr>
+            <a:spLocks noGrp="1" noRot="1" noChangeAspect="1"/>
+          </p:cNvSpPr>
+          <p:nvPr>
+            <p:ph type="sldImg"/>
+          </p:nvPr>
+        </p:nvSpPr>
+        <p:spPr/>
+      </p:sp>
+      <p:sp>
+        <p:nvSpPr>
+          <p:cNvPr id="3" name="Notes Placeholder 2"/>
+          <p:cNvSpPr>
+            <a:spLocks noGrp="1"/>
+          </p:cNvSpPr>
+          <p:nvPr>
+            <p:ph type="body" idx="1"/>
+          </p:nvPr>
+        </p:nvSpPr>
+        <p:spPr/>
+        <p:txBody>
+          <a:bodyPr/>
+          <a:lstStyle/>
+          <a:p>
+            <a:pPr marL="0" marR="0" lvl="0" indent="0" algn="l" defTabSz="914400" rtl="0" eaLnBrk="1" fontAlgn="auto" latinLnBrk="0" hangingPunct="1">
+              <a:lnSpc>
+                <a:spcPct val="100000"/>
+              </a:lnSpc>
+              <a:spcBef>
+                <a:spcPts val="0"/>
+              </a:spcBef>
+              <a:spcAft>
+                <a:spcPts val="0"/>
+              </a:spcAft>
+              <a:buClrTx/>
+              <a:buSzTx/>
+              <a:buFontTx/>
+              <a:buNone/>
+              <a:tabLst/>
+              <a:defRPr/>
+            </a:pPr>
+            <a:r>
+              <a:rPr lang="en-GB" dirty="0"/>
+              <a:t>Instead of having a generic health </a:t>
+            </a:r>
+          </a:p>
+          <a:p>
+            <a:pPr marL="0" marR="0" lvl="0" indent="0" algn="l" defTabSz="914400" rtl="0" eaLnBrk="1" fontAlgn="auto" latinLnBrk="0" hangingPunct="1">
+              <a:lnSpc>
+                <a:spcPct val="100000"/>
+              </a:lnSpc>
+              <a:spcBef>
+                <a:spcPts val="0"/>
+              </a:spcBef>
+              <a:spcAft>
+                <a:spcPts val="0"/>
+              </a:spcAft>
+              <a:buClrTx/>
+              <a:buSzTx/>
+              <a:buFontTx/>
+              <a:buNone/>
+              <a:tabLst/>
+              <a:defRPr/>
+            </a:pPr>
+            <a:r>
+              <a:rPr lang="en-GB" dirty="0"/>
+              <a:t>to store many more questions that can be queried by a web server for questions to make the selection random each time.</a:t>
+            </a:r>
+          </a:p>
+          <a:p>
+            <a:pPr marL="0" marR="0" lvl="0" indent="0" algn="l" defTabSz="914400" rtl="0" eaLnBrk="1" fontAlgn="auto" latinLnBrk="0" hangingPunct="1">
+              <a:lnSpc>
+                <a:spcPct val="100000"/>
+              </a:lnSpc>
+              <a:spcBef>
+                <a:spcPts val="0"/>
+              </a:spcBef>
+              <a:spcAft>
+                <a:spcPts val="0"/>
+              </a:spcAft>
+              <a:buClrTx/>
+              <a:buSzTx/>
+              <a:buFontTx/>
+              <a:buNone/>
+              <a:tabLst/>
+              <a:defRPr/>
+            </a:pPr>
+            <a:r>
+              <a:rPr lang="en-GB" dirty="0"/>
+              <a:t>As a incentive to share the application with friends, the sharer will be rewarded</a:t>
+            </a:r>
+            <a:r>
+              <a:rPr lang="en-GB" baseline="0" dirty="0"/>
+              <a:t> with it. A</a:t>
+            </a:r>
+            <a:r>
+              <a:rPr lang="en-GB" dirty="0"/>
+              <a:t>s previously created snapchat filters have proven successful. </a:t>
+            </a:r>
+            <a:r>
+              <a:rPr lang="en-GB" baseline="0" dirty="0"/>
+              <a:t> A</a:t>
+            </a:r>
+            <a:r>
+              <a:rPr lang="en-GB" dirty="0"/>
+              <a:t>llowing follower to send cash through a linked debit card.</a:t>
+            </a:r>
+          </a:p>
+          <a:p>
+            <a:pPr marL="0" marR="0" lvl="0" indent="0" algn="l" defTabSz="914400" rtl="0" eaLnBrk="1" fontAlgn="auto" latinLnBrk="0" hangingPunct="1">
+              <a:lnSpc>
+                <a:spcPct val="100000"/>
+              </a:lnSpc>
+              <a:spcBef>
+                <a:spcPts val="0"/>
+              </a:spcBef>
+              <a:spcAft>
+                <a:spcPts val="0"/>
+              </a:spcAft>
+              <a:buClrTx/>
+              <a:buSzTx/>
+              <a:buFontTx/>
+              <a:buNone/>
+              <a:tabLst/>
+              <a:defRPr/>
+            </a:pPr>
+            <a:r>
+              <a:rPr lang="en-GB" dirty="0"/>
+              <a:t>Currently</a:t>
+            </a:r>
+            <a:r>
+              <a:rPr lang="en-GB" baseline="0" dirty="0"/>
+              <a:t> allows you to share your score and the site link to your feed but more integration can allow the user to allow share their profile with the site, allowing us to tailor questions based on their profile.</a:t>
+            </a:r>
+            <a:endParaRPr lang="en-GB" dirty="0"/>
+          </a:p>
+          <a:p>
+            <a:endParaRPr lang="en-GB" dirty="0"/>
+          </a:p>
+        </p:txBody>
+      </p:sp>
+      <p:sp>
+        <p:nvSpPr>
+          <p:cNvPr id="4" name="Slide Number Placeholder 3"/>
+          <p:cNvSpPr>
+            <a:spLocks noGrp="1"/>
+          </p:cNvSpPr>
+          <p:nvPr>
+            <p:ph type="sldNum" sz="quarter" idx="10"/>
+          </p:nvPr>
+        </p:nvSpPr>
+        <p:spPr/>
+        <p:txBody>
+          <a:bodyPr/>
+          <a:lstStyle/>
+          <a:p>
+            <a:fld id="{CDE8920A-880C-4DAA-A893-D2B86E971586}" type="slidenum">
+              <a:rPr lang="en-GB" smtClean="0"/>
+              <a:t>9</a:t>
+            </a:fld>
+            <a:endParaRPr lang="en-GB"/>
+          </a:p>
+        </p:txBody>
+      </p:sp>
+    </p:spTree>
+    <p:extLst>
+      <p:ext uri="{BB962C8B-B14F-4D97-AF65-F5344CB8AC3E}">
+        <p14:creationId xmlns:p14="http://schemas.microsoft.com/office/powerpoint/2010/main" val="188750156"/>
+      </p:ext>
+    </p:extLst>
+  </p:cSld>
+  <p:clrMapOvr>
+    <a:masterClrMapping/>
+  </p:clrMapOvr>
+</p:notes>
+</file>
+
+<file path=ppt/notesSlides/notesSlide7.xml><?xml version="1.0" encoding="utf-8"?>
+<p:notes xmlns:a="http://schemas.openxmlformats.org/drawingml/2006/main" xmlns:r="http://schemas.openxmlformats.org/officeDocument/2006/relationships" xmlns:p="http://schemas.openxmlformats.org/presentationml/2006/main">
+  <p:cSld>
+    <p:spTree>
+      <p:nvGrpSpPr>
+        <p:cNvPr id="1" name=""/>
+        <p:cNvGrpSpPr/>
+        <p:nvPr/>
+      </p:nvGrpSpPr>
+      <p:grpSpPr>
+        <a:xfrm>
+          <a:off x="0" y="0"/>
+          <a:ext cx="0" cy="0"/>
+          <a:chOff x="0" y="0"/>
+          <a:chExt cx="0" cy="0"/>
+        </a:xfrm>
+      </p:grpSpPr>
+      <p:sp>
+        <p:nvSpPr>
+          <p:cNvPr id="2" name="Slide Image Placeholder 1"/>
+          <p:cNvSpPr>
+            <a:spLocks noGrp="1" noRot="1" noChangeAspect="1"/>
+          </p:cNvSpPr>
+          <p:nvPr>
+            <p:ph type="sldImg"/>
+          </p:nvPr>
+        </p:nvSpPr>
+        <p:spPr/>
+      </p:sp>
+      <p:sp>
+        <p:nvSpPr>
+          <p:cNvPr id="3" name="Notes Placeholder 2"/>
+          <p:cNvSpPr>
+            <a:spLocks noGrp="1"/>
+          </p:cNvSpPr>
+          <p:nvPr>
+            <p:ph type="body" idx="1"/>
+          </p:nvPr>
+        </p:nvSpPr>
+        <p:spPr/>
+        <p:txBody>
+          <a:bodyPr/>
+          <a:lstStyle/>
+          <a:p>
             <a:pPr marL="228600" indent="-228600">
               <a:buAutoNum type="arabicPeriod"/>
             </a:pPr>
@@ -1177,7 +1371,7 @@
           <a:p>
             <a:fld id="{CDE8920A-880C-4DAA-A893-D2B86E971586}" type="slidenum">
               <a:rPr lang="en-GB" smtClean="0"/>
-              <a:t>8</a:t>
+              <a:t>10</a:t>
             </a:fld>
             <a:endParaRPr lang="en-GB"/>
           </a:p>
@@ -4229,6 +4423,467 @@
 </p:sld>
 </file>
 
+<file path=ppt/slides/slide10.xml><?xml version="1.0" encoding="utf-8"?>
+<p:sld xmlns:a="http://schemas.openxmlformats.org/drawingml/2006/main" xmlns:r="http://schemas.openxmlformats.org/officeDocument/2006/relationships" xmlns:p="http://schemas.openxmlformats.org/presentationml/2006/main">
+  <p:cSld>
+    <p:spTree>
+      <p:nvGrpSpPr>
+        <p:cNvPr id="1" name=""/>
+        <p:cNvGrpSpPr/>
+        <p:nvPr/>
+      </p:nvGrpSpPr>
+      <p:grpSpPr>
+        <a:xfrm>
+          <a:off x="0" y="0"/>
+          <a:ext cx="0" cy="0"/>
+          <a:chOff x="0" y="0"/>
+          <a:chExt cx="0" cy="0"/>
+        </a:xfrm>
+      </p:grpSpPr>
+      <p:sp>
+        <p:nvSpPr>
+          <p:cNvPr id="2" name="Title 1"/>
+          <p:cNvSpPr>
+            <a:spLocks noGrp="1"/>
+          </p:cNvSpPr>
+          <p:nvPr>
+            <p:ph type="title"/>
+          </p:nvPr>
+        </p:nvSpPr>
+        <p:spPr/>
+        <p:txBody>
+          <a:bodyPr>
+            <a:normAutofit/>
+          </a:bodyPr>
+          <a:lstStyle/>
+          <a:p>
+            <a:r>
+              <a:rPr lang="en-GB" sz="4800" b="1" dirty="0"/>
+              <a:t>References:</a:t>
+            </a:r>
+          </a:p>
+        </p:txBody>
+      </p:sp>
+      <p:sp>
+        <p:nvSpPr>
+          <p:cNvPr id="3" name="Content Placeholder 2"/>
+          <p:cNvSpPr>
+            <a:spLocks noGrp="1"/>
+          </p:cNvSpPr>
+          <p:nvPr>
+            <p:ph idx="1"/>
+          </p:nvPr>
+        </p:nvSpPr>
+        <p:spPr>
+          <a:xfrm>
+            <a:off x="465221" y="1825625"/>
+            <a:ext cx="11518231" cy="4351338"/>
+          </a:xfrm>
+        </p:spPr>
+        <p:txBody>
+          <a:bodyPr>
+            <a:normAutofit/>
+          </a:bodyPr>
+          <a:lstStyle/>
+          <a:p>
+            <a:pPr lvl="1">
+              <a:buFont typeface="+mj-lt"/>
+              <a:buAutoNum type="arabicPeriod"/>
+            </a:pPr>
+            <a:r>
+              <a:rPr lang="en-GB" sz="1050" dirty="0"/>
+              <a:t>“What is the most common form of dementia?”</a:t>
+            </a:r>
+            <a:br>
+              <a:rPr lang="en-GB" sz="1050" dirty="0"/>
+            </a:br>
+            <a:r>
+              <a:rPr lang="en-GB" sz="1050" i="1" dirty="0"/>
+              <a:t>Judd, N. and Society, A. (2007) What is Alzheimer’s disease? - Alzheimer’s society. Available at: https://www.alzheimers.org.uk/site/scripts/documents_info.php?documentID=100 (Accessed: 10 December 2016).</a:t>
+            </a:r>
+          </a:p>
+          <a:p>
+            <a:pPr lvl="1">
+              <a:buFont typeface="+mj-lt"/>
+              <a:buAutoNum type="arabicPeriod"/>
+            </a:pPr>
+            <a:r>
+              <a:rPr lang="en-GB" sz="1050" dirty="0"/>
+              <a:t>“Who has a higher risk of developing Alzheimer’s disease?”</a:t>
+            </a:r>
+            <a:br>
+              <a:rPr lang="en-GB" sz="1050" dirty="0"/>
+            </a:br>
+            <a:r>
+              <a:rPr lang="en-GB" sz="1050" i="1" dirty="0"/>
+              <a:t>Sauer, A. (2015) Why is Alzheimer’s more likely in women? Available at: http://www.alzheimers.net/8-12-15-why-is-alzheimers-more-likely-in-women/ (Accessed: 10 December 2016).</a:t>
+            </a:r>
+          </a:p>
+          <a:p>
+            <a:pPr lvl="1">
+              <a:buFont typeface="+mj-lt"/>
+              <a:buAutoNum type="arabicPeriod"/>
+            </a:pPr>
+            <a:r>
+              <a:rPr lang="en-GB" sz="1050" dirty="0"/>
+              <a:t>“What are the two proteins responsible for dementia?”</a:t>
+            </a:r>
+            <a:br>
+              <a:rPr lang="en-GB" sz="1050" dirty="0"/>
+            </a:br>
+            <a:r>
+              <a:rPr lang="en-GB" sz="1050" i="1" dirty="0"/>
+              <a:t>Bloom, G.S. (2014) ‘Amyloid-</a:t>
+            </a:r>
+            <a:r>
+              <a:rPr lang="el-GR" sz="1050" i="1" dirty="0"/>
+              <a:t>β </a:t>
+            </a:r>
+            <a:r>
+              <a:rPr lang="en-GB" sz="1050" i="1" dirty="0"/>
+              <a:t>and Tau’, JAMA Neurology, 71(4), p. 505. </a:t>
+            </a:r>
+            <a:r>
+              <a:rPr lang="en-GB" sz="1050" i="1" dirty="0" err="1"/>
+              <a:t>doi</a:t>
+            </a:r>
+            <a:r>
+              <a:rPr lang="en-GB" sz="1050" i="1" dirty="0"/>
+              <a:t>: 10.1001/jamaneurol.2013.5847.</a:t>
+            </a:r>
+          </a:p>
+          <a:p>
+            <a:pPr lvl="1">
+              <a:buFont typeface="+mj-lt"/>
+              <a:buAutoNum type="arabicPeriod"/>
+            </a:pPr>
+            <a:r>
+              <a:rPr lang="en-GB" sz="1050" dirty="0"/>
+              <a:t>“Is there a cure for Alzheimer’s disease?”</a:t>
+            </a:r>
+            <a:br>
+              <a:rPr lang="en-GB" sz="1050" dirty="0"/>
+            </a:br>
+            <a:r>
+              <a:rPr lang="en-GB" sz="1050" i="1" dirty="0"/>
+              <a:t>Association®, A. (2016) Latest treatment options. Available at: http://www.alz.org/alzheimers_disease_treatments.asp (Accessed: 10 December 2016).</a:t>
+            </a:r>
+          </a:p>
+          <a:p>
+            <a:pPr lvl="1">
+              <a:buFont typeface="+mj-lt"/>
+              <a:buAutoNum type="arabicPeriod"/>
+            </a:pPr>
+            <a:r>
+              <a:rPr lang="en-GB" sz="1050" dirty="0"/>
+              <a:t>“How much does dementia effect the global economy?”</a:t>
+            </a:r>
+            <a:br>
+              <a:rPr lang="en-GB" sz="1050" i="1" dirty="0"/>
+            </a:br>
+            <a:r>
+              <a:rPr lang="en-GB" sz="1050" dirty="0"/>
+              <a:t>10 things you need to know about the impact of dementia on people, carers and the economy | Alzheimer’s research UK (2017) Available at: http://www.alzheimersresearchuk.org/about-dementia/facts-stats/10-things-you-need-to-know-about-the-impact-of-dementia/ (Accessed: 10 December 2016).</a:t>
+            </a:r>
+          </a:p>
+          <a:p>
+            <a:pPr lvl="1">
+              <a:buFont typeface="+mj-lt"/>
+              <a:buAutoNum type="arabicPeriod"/>
+            </a:pPr>
+            <a:r>
+              <a:rPr lang="en-GB" sz="1050" dirty="0"/>
+              <a:t>“Is Alzheimer’s disease fatal?”</a:t>
+            </a:r>
+            <a:br>
+              <a:rPr lang="en-GB" sz="1050" dirty="0"/>
+            </a:br>
+            <a:r>
+              <a:rPr lang="en-GB" sz="1050" i="1" dirty="0"/>
+              <a:t>Association®, A. (2016) Memory loss myths &amp; facts. Available at: http://www.alz.org/alzheimers_disease_myths_about_alzheimers.asp (Accessed: 10 December 2016).</a:t>
+            </a:r>
+          </a:p>
+          <a:p>
+            <a:pPr lvl="1">
+              <a:buFont typeface="+mj-lt"/>
+              <a:buAutoNum type="arabicPeriod"/>
+            </a:pPr>
+            <a:r>
+              <a:rPr lang="en-GB" sz="1050" dirty="0"/>
+              <a:t>Does Alzheimer's only effect people over 65? </a:t>
+            </a:r>
+            <a:br>
+              <a:rPr lang="en-GB" sz="1050" dirty="0"/>
+            </a:br>
+            <a:r>
+              <a:rPr lang="en-GB" sz="1050" i="1" dirty="0"/>
+              <a:t>Association®, A. (2016) Memory loss myths &amp; facts. Available at: http://www.alz.org/alzheimers_disease_myths_about_alzheimers.asp (Accessed: 10 December 2016).</a:t>
+            </a:r>
+          </a:p>
+          <a:p>
+            <a:pPr lvl="1">
+              <a:buFont typeface="+mj-lt"/>
+              <a:buAutoNum type="arabicPeriod"/>
+            </a:pPr>
+            <a:r>
+              <a:rPr lang="en-GB" sz="1050" dirty="0"/>
+              <a:t>“Alzheimer’s and </a:t>
+            </a:r>
+            <a:r>
+              <a:rPr lang="en-GB" sz="1050" dirty="0" err="1"/>
+              <a:t>Dimentia</a:t>
+            </a:r>
+            <a:r>
+              <a:rPr lang="en-GB" sz="1050" dirty="0"/>
+              <a:t> are the leading causes of death in the UK?”</a:t>
+            </a:r>
+            <a:br>
+              <a:rPr lang="en-GB" sz="1050" dirty="0"/>
+            </a:br>
+            <a:r>
+              <a:rPr lang="en-GB" sz="1050" i="1" dirty="0"/>
+              <a:t>Siddique, H. (2016) Dementia and Alzheimer’s leading cause of death in England and wales. Available at: https://www.theguardian.com/society/2016/nov/14/dementia-and-alzheimers-leading-cause-of-death-england-and-wales (Accessed: 10 December 2016).</a:t>
+            </a:r>
+          </a:p>
+          <a:p>
+            <a:pPr lvl="1">
+              <a:buFont typeface="+mj-lt"/>
+              <a:buAutoNum type="arabicPeriod"/>
+            </a:pPr>
+            <a:r>
+              <a:rPr lang="en-GB" sz="1050" dirty="0"/>
+              <a:t>“Are the most prominent symptoms of Alzheimer's disease include memory loss, gradual loss of speech, and/or difficulties with any physical movements?”</a:t>
+            </a:r>
+            <a:br>
+              <a:rPr lang="en-GB" sz="1050" dirty="0"/>
+            </a:br>
+            <a:r>
+              <a:rPr lang="en-GB" sz="1050" i="1" dirty="0"/>
+              <a:t>Choices, N. (2016) Alzheimer’s disease - symptoms. Available at: http://www.nhs.uk/Conditions/Alzheimers-disease/Pages/Symptoms.aspx (Accessed: 10 December 2016).</a:t>
+            </a:r>
+          </a:p>
+        </p:txBody>
+      </p:sp>
+      <p:pic>
+        <p:nvPicPr>
+          <p:cNvPr id="4" name="Picture 2" descr="https://www.everydayhero.co.uk/events/downloads/0000/2747/ARUK_campaign_logo_web.jpg"/>
+          <p:cNvPicPr>
+            <a:picLocks noChangeAspect="1" noChangeArrowheads="1"/>
+          </p:cNvPicPr>
+          <p:nvPr/>
+        </p:nvPicPr>
+        <p:blipFill>
+          <a:blip r:embed="rId3">
+            <a:extLst>
+              <a:ext uri="{28A0092B-C50C-407E-A947-70E740481C1C}">
+                <a14:useLocalDpi xmlns:a14="http://schemas.microsoft.com/office/drawing/2010/main" val="0"/>
+              </a:ext>
+            </a:extLst>
+          </a:blip>
+          <a:srcRect/>
+          <a:stretch>
+            <a:fillRect/>
+          </a:stretch>
+        </p:blipFill>
+        <p:spPr bwMode="auto">
+          <a:xfrm>
+            <a:off x="8942125" y="48247"/>
+            <a:ext cx="3203575" cy="1074116"/>
+          </a:xfrm>
+          <a:prstGeom prst="rect">
+            <a:avLst/>
+          </a:prstGeom>
+          <a:noFill/>
+          <a:extLst>
+            <a:ext uri="{909E8E84-426E-40DD-AFC4-6F175D3DCCD1}">
+              <a14:hiddenFill xmlns:a14="http://schemas.microsoft.com/office/drawing/2010/main">
+                <a:solidFill>
+                  <a:srgbClr val="FFFFFF"/>
+                </a:solidFill>
+              </a14:hiddenFill>
+            </a:ext>
+          </a:extLst>
+        </p:spPr>
+      </p:pic>
+    </p:spTree>
+    <p:extLst>
+      <p:ext uri="{BB962C8B-B14F-4D97-AF65-F5344CB8AC3E}">
+        <p14:creationId xmlns:p14="http://schemas.microsoft.com/office/powerpoint/2010/main" val="4011240471"/>
+      </p:ext>
+    </p:extLst>
+  </p:cSld>
+  <p:clrMapOvr>
+    <a:masterClrMapping/>
+  </p:clrMapOvr>
+</p:sld>
+</file>
+
+<file path=ppt/slides/slide11.xml><?xml version="1.0" encoding="utf-8"?>
+<p:sld xmlns:a="http://schemas.openxmlformats.org/drawingml/2006/main" xmlns:r="http://schemas.openxmlformats.org/officeDocument/2006/relationships" xmlns:p="http://schemas.openxmlformats.org/presentationml/2006/main">
+  <p:cSld>
+    <p:spTree>
+      <p:nvGrpSpPr>
+        <p:cNvPr id="1" name=""/>
+        <p:cNvGrpSpPr/>
+        <p:nvPr/>
+      </p:nvGrpSpPr>
+      <p:grpSpPr>
+        <a:xfrm>
+          <a:off x="0" y="0"/>
+          <a:ext cx="0" cy="0"/>
+          <a:chOff x="0" y="0"/>
+          <a:chExt cx="0" cy="0"/>
+        </a:xfrm>
+      </p:grpSpPr>
+      <p:pic>
+        <p:nvPicPr>
+          <p:cNvPr id="1028" name="Picture 4" descr="http://i2.istockimg.com/file_thumbview_approve/66949071/5/stock-photo-66949071-orange-fruit-isolated-on-white.jpg"/>
+          <p:cNvPicPr>
+            <a:picLocks noChangeAspect="1" noChangeArrowheads="1"/>
+          </p:cNvPicPr>
+          <p:nvPr/>
+        </p:nvPicPr>
+        <p:blipFill>
+          <a:blip r:embed="rId2">
+            <a:extLst>
+              <a:ext uri="{28A0092B-C50C-407E-A947-70E740481C1C}">
+                <a14:useLocalDpi xmlns:a14="http://schemas.microsoft.com/office/drawing/2010/main" val="0"/>
+              </a:ext>
+            </a:extLst>
+          </a:blip>
+          <a:srcRect/>
+          <a:stretch>
+            <a:fillRect/>
+          </a:stretch>
+        </p:blipFill>
+        <p:spPr bwMode="auto">
+          <a:xfrm>
+            <a:off x="3210411" y="194722"/>
+            <a:ext cx="5771178" cy="5771180"/>
+          </a:xfrm>
+          <a:prstGeom prst="rect">
+            <a:avLst/>
+          </a:prstGeom>
+          <a:noFill/>
+          <a:extLst>
+            <a:ext uri="{909E8E84-426E-40DD-AFC4-6F175D3DCCD1}">
+              <a14:hiddenFill xmlns:a14="http://schemas.microsoft.com/office/drawing/2010/main">
+                <a:solidFill>
+                  <a:srgbClr val="FFFFFF"/>
+                </a:solidFill>
+              </a14:hiddenFill>
+            </a:ext>
+          </a:extLst>
+        </p:spPr>
+      </p:pic>
+      <p:sp>
+        <p:nvSpPr>
+          <p:cNvPr id="2" name="Title 1"/>
+          <p:cNvSpPr>
+            <a:spLocks noGrp="1"/>
+          </p:cNvSpPr>
+          <p:nvPr>
+            <p:ph type="ctrTitle"/>
+          </p:nvPr>
+        </p:nvSpPr>
+        <p:spPr>
+          <a:xfrm>
+            <a:off x="1524000" y="1886512"/>
+            <a:ext cx="9144000" cy="2387600"/>
+          </a:xfrm>
+        </p:spPr>
+        <p:txBody>
+          <a:bodyPr>
+            <a:normAutofit/>
+          </a:bodyPr>
+          <a:lstStyle/>
+          <a:p>
+            <a:r>
+              <a:rPr lang="en-GB" sz="6600" b="1" dirty="0">
+                <a:solidFill>
+                  <a:schemeClr val="bg1"/>
+                </a:solidFill>
+                <a:latin typeface="Courier New" panose="02070309020205020404" pitchFamily="49" charset="0"/>
+                <a:cs typeface="Courier New" panose="02070309020205020404" pitchFamily="49" charset="0"/>
+              </a:rPr>
+              <a:t>thank</a:t>
+            </a:r>
+            <a:br>
+              <a:rPr lang="en-GB" sz="6600" b="1" dirty="0">
+                <a:solidFill>
+                  <a:schemeClr val="bg1"/>
+                </a:solidFill>
+                <a:latin typeface="Courier New" panose="02070309020205020404" pitchFamily="49" charset="0"/>
+                <a:cs typeface="Courier New" panose="02070309020205020404" pitchFamily="49" charset="0"/>
+              </a:rPr>
+            </a:br>
+            <a:r>
+              <a:rPr lang="en-GB" sz="6600" b="1" dirty="0">
+                <a:solidFill>
+                  <a:schemeClr val="bg1"/>
+                </a:solidFill>
+                <a:latin typeface="Courier New" panose="02070309020205020404" pitchFamily="49" charset="0"/>
+                <a:cs typeface="Courier New" panose="02070309020205020404" pitchFamily="49" charset="0"/>
+              </a:rPr>
+              <a:t>you</a:t>
+            </a:r>
+          </a:p>
+        </p:txBody>
+      </p:sp>
+      <p:pic>
+        <p:nvPicPr>
+          <p:cNvPr id="1026" name="Picture 2" descr="https://www.everydayhero.co.uk/events/downloads/0000/2747/ARUK_campaign_logo_web.jpg"/>
+          <p:cNvPicPr>
+            <a:picLocks noChangeAspect="1" noChangeArrowheads="1"/>
+          </p:cNvPicPr>
+          <p:nvPr/>
+        </p:nvPicPr>
+        <p:blipFill>
+          <a:blip r:embed="rId3">
+            <a:extLst>
+              <a:ext uri="{28A0092B-C50C-407E-A947-70E740481C1C}">
+                <a14:useLocalDpi xmlns:a14="http://schemas.microsoft.com/office/drawing/2010/main" val="0"/>
+              </a:ext>
+            </a:extLst>
+          </a:blip>
+          <a:srcRect/>
+          <a:stretch>
+            <a:fillRect/>
+          </a:stretch>
+        </p:blipFill>
+        <p:spPr bwMode="auto">
+          <a:xfrm>
+            <a:off x="7905335" y="48247"/>
+            <a:ext cx="4240365" cy="1421738"/>
+          </a:xfrm>
+          <a:prstGeom prst="rect">
+            <a:avLst/>
+          </a:prstGeom>
+          <a:noFill/>
+          <a:extLst>
+            <a:ext uri="{909E8E84-426E-40DD-AFC4-6F175D3DCCD1}">
+              <a14:hiddenFill xmlns:a14="http://schemas.microsoft.com/office/drawing/2010/main">
+                <a:solidFill>
+                  <a:srgbClr val="FFFFFF"/>
+                </a:solidFill>
+              </a14:hiddenFill>
+            </a:ext>
+          </a:extLst>
+        </p:spPr>
+      </p:pic>
+    </p:spTree>
+    <p:extLst>
+      <p:ext uri="{BB962C8B-B14F-4D97-AF65-F5344CB8AC3E}">
+        <p14:creationId xmlns:p14="http://schemas.microsoft.com/office/powerpoint/2010/main" val="995009234"/>
+      </p:ext>
+    </p:extLst>
+  </p:cSld>
+  <p:clrMapOvr>
+    <a:masterClrMapping/>
+  </p:clrMapOvr>
+</p:sld>
+</file>
+
 <file path=ppt/slides/slide2.xml><?xml version="1.0" encoding="utf-8"?>
 <p:sld xmlns:a="http://schemas.openxmlformats.org/drawingml/2006/main" xmlns:r="http://schemas.openxmlformats.org/officeDocument/2006/relationships" xmlns:p="http://schemas.openxmlformats.org/presentationml/2006/main">
   <p:cSld>
@@ -4487,11 +5142,158 @@
             <a:pPr marL="0" indent="0">
               <a:buNone/>
             </a:pPr>
+            <a:endParaRPr lang="en-GB" dirty="0"/>
+          </a:p>
+          <a:p>
+            <a:pPr marL="0" indent="0">
+              <a:buNone/>
+            </a:pPr>
+            <a:endParaRPr lang="en-GB" dirty="0"/>
+          </a:p>
+          <a:p>
+            <a:pPr marL="0" indent="0">
+              <a:buNone/>
+            </a:pPr>
             <a:r>
               <a:rPr lang="en-GB" dirty="0"/>
               <a:t>Create a mobile or web application that allows user to empathise with dementia sufferers. This could be aided with the use of social media.</a:t>
             </a:r>
           </a:p>
+          <a:p>
+            <a:pPr marL="0" indent="0">
+              <a:buNone/>
+            </a:pPr>
+            <a:endParaRPr lang="en-GB" dirty="0"/>
+          </a:p>
+          <a:p>
+            <a:pPr marL="0" indent="0">
+              <a:buNone/>
+            </a:pPr>
+            <a:endParaRPr lang="en-GB" dirty="0"/>
+          </a:p>
+        </p:txBody>
+      </p:sp>
+      <p:pic>
+        <p:nvPicPr>
+          <p:cNvPr id="4" name="Picture 2" descr="https://www.everydayhero.co.uk/events/downloads/0000/2747/ARUK_campaign_logo_web.jpg"/>
+          <p:cNvPicPr>
+            <a:picLocks noChangeAspect="1" noChangeArrowheads="1"/>
+          </p:cNvPicPr>
+          <p:nvPr/>
+        </p:nvPicPr>
+        <p:blipFill>
+          <a:blip r:embed="rId3">
+            <a:extLst>
+              <a:ext uri="{28A0092B-C50C-407E-A947-70E740481C1C}">
+                <a14:useLocalDpi xmlns:a14="http://schemas.microsoft.com/office/drawing/2010/main" val="0"/>
+              </a:ext>
+            </a:extLst>
+          </a:blip>
+          <a:srcRect/>
+          <a:stretch>
+            <a:fillRect/>
+          </a:stretch>
+        </p:blipFill>
+        <p:spPr bwMode="auto">
+          <a:xfrm>
+            <a:off x="8942125" y="48247"/>
+            <a:ext cx="3203575" cy="1074116"/>
+          </a:xfrm>
+          <a:prstGeom prst="rect">
+            <a:avLst/>
+          </a:prstGeom>
+          <a:noFill/>
+          <a:extLst>
+            <a:ext uri="{909E8E84-426E-40DD-AFC4-6F175D3DCCD1}">
+              <a14:hiddenFill xmlns:a14="http://schemas.microsoft.com/office/drawing/2010/main">
+                <a:solidFill>
+                  <a:srgbClr val="FFFFFF"/>
+                </a:solidFill>
+              </a14:hiddenFill>
+            </a:ext>
+          </a:extLst>
+        </p:spPr>
+      </p:pic>
+    </p:spTree>
+    <p:extLst>
+      <p:ext uri="{BB962C8B-B14F-4D97-AF65-F5344CB8AC3E}">
+        <p14:creationId xmlns:p14="http://schemas.microsoft.com/office/powerpoint/2010/main" val="110692329"/>
+      </p:ext>
+    </p:extLst>
+  </p:cSld>
+  <p:clrMapOvr>
+    <a:masterClrMapping/>
+  </p:clrMapOvr>
+</p:sld>
+</file>
+
+<file path=ppt/slides/slide4.xml><?xml version="1.0" encoding="utf-8"?>
+<p:sld xmlns:a="http://schemas.openxmlformats.org/drawingml/2006/main" xmlns:r="http://schemas.openxmlformats.org/officeDocument/2006/relationships" xmlns:p="http://schemas.openxmlformats.org/presentationml/2006/main">
+  <p:cSld>
+    <p:spTree>
+      <p:nvGrpSpPr>
+        <p:cNvPr id="1" name=""/>
+        <p:cNvGrpSpPr/>
+        <p:nvPr/>
+      </p:nvGrpSpPr>
+      <p:grpSpPr>
+        <a:xfrm>
+          <a:off x="0" y="0"/>
+          <a:ext cx="0" cy="0"/>
+          <a:chOff x="0" y="0"/>
+          <a:chExt cx="0" cy="0"/>
+        </a:xfrm>
+      </p:grpSpPr>
+      <p:sp>
+        <p:nvSpPr>
+          <p:cNvPr id="2" name="Title 1"/>
+          <p:cNvSpPr>
+            <a:spLocks noGrp="1"/>
+          </p:cNvSpPr>
+          <p:nvPr>
+            <p:ph type="title"/>
+          </p:nvPr>
+        </p:nvSpPr>
+        <p:spPr>
+          <a:xfrm>
+            <a:off x="838200" y="272528"/>
+            <a:ext cx="10515600" cy="1325563"/>
+          </a:xfrm>
+        </p:spPr>
+        <p:txBody>
+          <a:bodyPr>
+            <a:normAutofit/>
+          </a:bodyPr>
+          <a:lstStyle/>
+          <a:p>
+            <a:r>
+              <a:rPr lang="en-GB" sz="4800" b="1" dirty="0"/>
+              <a:t>Problem Statement</a:t>
+            </a:r>
+          </a:p>
+        </p:txBody>
+      </p:sp>
+      <p:sp>
+        <p:nvSpPr>
+          <p:cNvPr id="3" name="Content Placeholder 2"/>
+          <p:cNvSpPr>
+            <a:spLocks noGrp="1"/>
+          </p:cNvSpPr>
+          <p:nvPr>
+            <p:ph idx="1"/>
+          </p:nvPr>
+        </p:nvSpPr>
+        <p:spPr>
+          <a:xfrm>
+            <a:off x="838200" y="1825625"/>
+            <a:ext cx="10515600" cy="4351338"/>
+          </a:xfrm>
+        </p:spPr>
+        <p:txBody>
+          <a:bodyPr>
+            <a:normAutofit/>
+          </a:bodyPr>
+          <a:lstStyle/>
           <a:p>
             <a:pPr marL="0" indent="0">
               <a:buNone/>
@@ -4605,7 +5407,7 @@
 </p:sld>
 </file>
 
-<file path=ppt/slides/slide4.xml><?xml version="1.0" encoding="utf-8"?>
+<file path=ppt/slides/slide5.xml><?xml version="1.0" encoding="utf-8"?>
 <p:sld xmlns:a="http://schemas.openxmlformats.org/drawingml/2006/main" xmlns:r="http://schemas.openxmlformats.org/officeDocument/2006/relationships" xmlns:p="http://schemas.openxmlformats.org/presentationml/2006/main">
   <p:cSld>
     <p:spTree>
@@ -4634,7 +5436,7 @@
         </p:nvSpPr>
         <p:spPr>
           <a:xfrm>
-            <a:off x="838200" y="272527"/>
+            <a:off x="838200" y="585305"/>
             <a:ext cx="10515600" cy="1325563"/>
           </a:xfrm>
         </p:spPr>
@@ -4646,14 +5448,7 @@
           <a:p>
             <a:r>
               <a:rPr lang="en-GB" sz="4800" b="1" dirty="0"/>
-              <a:t>Ideas spawned but not </a:t>
-            </a:r>
-            <a:br>
-              <a:rPr lang="en-GB" sz="4800" b="1" dirty="0"/>
-            </a:br>
-            <a:r>
-              <a:rPr lang="en-GB" sz="4800" b="1" dirty="0"/>
-              <a:t>followed through:</a:t>
+              <a:t>Ideas:</a:t>
             </a:r>
           </a:p>
         </p:txBody>
@@ -4670,8 +5465,8 @@
         </p:nvSpPr>
         <p:spPr>
           <a:xfrm>
-            <a:off x="838200" y="2257063"/>
-            <a:ext cx="10515600" cy="3919900"/>
+            <a:off x="838200" y="2447926"/>
+            <a:ext cx="10515600" cy="3556426"/>
           </a:xfrm>
         </p:spPr>
         <p:txBody>
@@ -4682,6 +5477,12 @@
               <a:rPr lang="en-GB" dirty="0"/>
               <a:t>A retro based text game that simulated the player quickly developing the symptoms of dementia.</a:t>
             </a:r>
+          </a:p>
+          <a:p>
+            <a:pPr marL="0" indent="0">
+              <a:buNone/>
+            </a:pPr>
+            <a:endParaRPr lang="en-GB" dirty="0"/>
           </a:p>
           <a:p>
             <a:r>
@@ -4745,7 +5546,7 @@
 </p:sld>
 </file>
 
-<file path=ppt/slides/slide5.xml><?xml version="1.0" encoding="utf-8"?>
+<file path=ppt/slides/slide6.xml><?xml version="1.0" encoding="utf-8"?>
 <p:sld xmlns:a="http://schemas.openxmlformats.org/drawingml/2006/main" xmlns:r="http://schemas.openxmlformats.org/officeDocument/2006/relationships" xmlns:p="http://schemas.openxmlformats.org/presentationml/2006/main">
   <p:cSld>
     <p:spTree>
@@ -4778,28 +5579,58 @@
           <a:lstStyle/>
           <a:p>
             <a:r>
+              <a:rPr lang="en-GB" sz="4800" b="1" dirty="0"/>
+              <a:t>Final idea:</a:t>
+            </a:r>
+            <a:endParaRPr lang="en-GB" b="1" dirty="0"/>
+          </a:p>
+        </p:txBody>
+      </p:sp>
+      <p:sp>
+        <p:nvSpPr>
+          <p:cNvPr id="3" name="Content Placeholder 2"/>
+          <p:cNvSpPr>
+            <a:spLocks noGrp="1"/>
+          </p:cNvSpPr>
+          <p:nvPr>
+            <p:ph idx="1"/>
+          </p:nvPr>
+        </p:nvSpPr>
+        <p:spPr>
+          <a:xfrm>
+            <a:off x="838200" y="2274849"/>
+            <a:ext cx="10515600" cy="3902114"/>
+          </a:xfrm>
+        </p:spPr>
+        <p:txBody>
+          <a:bodyPr/>
+          <a:lstStyle/>
+          <a:p>
+            <a:r>
               <a:rPr lang="en-GB" dirty="0"/>
-              <a:t>Final idea:</a:t>
-            </a:r>
-          </a:p>
-        </p:txBody>
-      </p:sp>
-      <p:sp>
-        <p:nvSpPr>
-          <p:cNvPr id="3" name="Content Placeholder 2"/>
-          <p:cNvSpPr>
-            <a:spLocks noGrp="1"/>
-          </p:cNvSpPr>
-          <p:nvPr>
-            <p:ph idx="1"/>
-          </p:nvPr>
-        </p:nvSpPr>
-        <p:spPr/>
-        <p:txBody>
-          <a:bodyPr/>
-          <a:lstStyle/>
-          <a:p>
-            <a:endParaRPr lang="en-GB" dirty="0"/>
+              <a:t>A question based web application that:</a:t>
+            </a:r>
+          </a:p>
+          <a:p>
+            <a:pPr lvl="1"/>
+            <a:r>
+              <a:rPr lang="en-GB" dirty="0"/>
+              <a:t>questions user’s pre existing assumptions of dementia</a:t>
+            </a:r>
+          </a:p>
+          <a:p>
+            <a:pPr lvl="1"/>
+            <a:r>
+              <a:rPr lang="en-GB" dirty="0"/>
+              <a:t>includes information to raise awareness of the disease</a:t>
+            </a:r>
+          </a:p>
+          <a:p>
+            <a:pPr lvl="1"/>
+            <a:r>
+              <a:rPr lang="en-GB" dirty="0"/>
+              <a:t>allows a user to share their score and see their friend’s scores</a:t>
+            </a:r>
           </a:p>
         </p:txBody>
       </p:sp>
@@ -4812,7 +5643,7 @@
           <p:nvPr/>
         </p:nvPicPr>
         <p:blipFill>
-          <a:blip r:embed="rId2">
+          <a:blip r:embed="rId3">
             <a:extLst>
               <a:ext uri="{28A0092B-C50C-407E-A947-70E740481C1C}">
                 <a14:useLocalDpi xmlns:a14="http://schemas.microsoft.com/office/drawing/2010/main" val="0"/>
@@ -4857,7 +5688,37 @@
 </p:sld>
 </file>
 
-<file path=ppt/slides/slide6.xml><?xml version="1.0" encoding="utf-8"?>
+<file path=ppt/slides/slide7.xml><?xml version="1.0" encoding="utf-8"?>
+<p:sld xmlns:a="http://schemas.openxmlformats.org/drawingml/2006/main" xmlns:r="http://schemas.openxmlformats.org/officeDocument/2006/relationships" xmlns:p="http://schemas.openxmlformats.org/presentationml/2006/main">
+  <p:cSld>
+    <p:spTree>
+      <p:nvGrpSpPr>
+        <p:cNvPr id="1" name=""/>
+        <p:cNvGrpSpPr/>
+        <p:nvPr/>
+      </p:nvGrpSpPr>
+      <p:grpSpPr>
+        <a:xfrm>
+          <a:off x="0" y="0"/>
+          <a:ext cx="0" cy="0"/>
+          <a:chOff x="0" y="0"/>
+          <a:chExt cx="0" cy="0"/>
+        </a:xfrm>
+      </p:grpSpPr>
+    </p:spTree>
+    <p:extLst>
+      <p:ext uri="{BB962C8B-B14F-4D97-AF65-F5344CB8AC3E}">
+        <p14:creationId xmlns:p14="http://schemas.microsoft.com/office/powerpoint/2010/main" val="4004154521"/>
+      </p:ext>
+    </p:extLst>
+  </p:cSld>
+  <p:clrMapOvr>
+    <a:masterClrMapping/>
+  </p:clrMapOvr>
+</p:sld>
+</file>
+
+<file path=ppt/slides/slide8.xml><?xml version="1.0" encoding="utf-8"?>
 <p:sld xmlns:a="http://schemas.openxmlformats.org/drawingml/2006/main" xmlns:r="http://schemas.openxmlformats.org/officeDocument/2006/relationships" xmlns:p="http://schemas.openxmlformats.org/presentationml/2006/main">
   <p:cSld>
     <p:spTree>
@@ -5012,7 +5873,7 @@
 </p:sld>
 </file>
 
-<file path=ppt/slides/slide7.xml><?xml version="1.0" encoding="utf-8"?>
+<file path=ppt/slides/slide9.xml><?xml version="1.0" encoding="utf-8"?>
 <p:sld xmlns:a="http://schemas.openxmlformats.org/drawingml/2006/main" xmlns:r="http://schemas.openxmlformats.org/officeDocument/2006/relationships" xmlns:p="http://schemas.openxmlformats.org/presentationml/2006/main">
   <p:cSld>
     <p:spTree>
@@ -5152,331 +6013,6 @@
     <p:extLst>
       <p:ext uri="{BB962C8B-B14F-4D97-AF65-F5344CB8AC3E}">
         <p14:creationId xmlns:p14="http://schemas.microsoft.com/office/powerpoint/2010/main" val="1846106008"/>
-      </p:ext>
-    </p:extLst>
-  </p:cSld>
-  <p:clrMapOvr>
-    <a:masterClrMapping/>
-  </p:clrMapOvr>
-</p:sld>
-</file>
-
-<file path=ppt/slides/slide8.xml><?xml version="1.0" encoding="utf-8"?>
-<p:sld xmlns:a="http://schemas.openxmlformats.org/drawingml/2006/main" xmlns:r="http://schemas.openxmlformats.org/officeDocument/2006/relationships" xmlns:p="http://schemas.openxmlformats.org/presentationml/2006/main">
-  <p:cSld>
-    <p:spTree>
-      <p:nvGrpSpPr>
-        <p:cNvPr id="1" name=""/>
-        <p:cNvGrpSpPr/>
-        <p:nvPr/>
-      </p:nvGrpSpPr>
-      <p:grpSpPr>
-        <a:xfrm>
-          <a:off x="0" y="0"/>
-          <a:ext cx="0" cy="0"/>
-          <a:chOff x="0" y="0"/>
-          <a:chExt cx="0" cy="0"/>
-        </a:xfrm>
-      </p:grpSpPr>
-      <p:sp>
-        <p:nvSpPr>
-          <p:cNvPr id="2" name="Title 1"/>
-          <p:cNvSpPr>
-            <a:spLocks noGrp="1"/>
-          </p:cNvSpPr>
-          <p:nvPr>
-            <p:ph type="title"/>
-          </p:nvPr>
-        </p:nvSpPr>
-        <p:spPr/>
-        <p:txBody>
-          <a:bodyPr/>
-          <a:lstStyle/>
-          <a:p>
-            <a:r>
-              <a:rPr lang="en-GB" dirty="0"/>
-              <a:t>References:</a:t>
-            </a:r>
-          </a:p>
-        </p:txBody>
-      </p:sp>
-      <p:sp>
-        <p:nvSpPr>
-          <p:cNvPr id="3" name="Content Placeholder 2"/>
-          <p:cNvSpPr>
-            <a:spLocks noGrp="1"/>
-          </p:cNvSpPr>
-          <p:nvPr>
-            <p:ph idx="1"/>
-          </p:nvPr>
-        </p:nvSpPr>
-        <p:spPr>
-          <a:xfrm>
-            <a:off x="465221" y="1825625"/>
-            <a:ext cx="11518231" cy="4351338"/>
-          </a:xfrm>
-        </p:spPr>
-        <p:txBody>
-          <a:bodyPr>
-            <a:normAutofit/>
-          </a:bodyPr>
-          <a:lstStyle/>
-          <a:p>
-            <a:pPr>
-              <a:buFont typeface="+mj-lt"/>
-              <a:buAutoNum type="arabicPeriod"/>
-            </a:pPr>
-            <a:r>
-              <a:rPr lang="en-GB" sz="1100" dirty="0"/>
-              <a:t>Questions:</a:t>
-            </a:r>
-          </a:p>
-          <a:p>
-            <a:pPr lvl="1">
-              <a:buFont typeface="+mj-lt"/>
-              <a:buAutoNum type="arabicPeriod"/>
-            </a:pPr>
-            <a:r>
-              <a:rPr lang="en-GB" sz="1050" dirty="0"/>
-              <a:t>“What is the most common form of dementia?”</a:t>
-            </a:r>
-            <a:br>
-              <a:rPr lang="en-GB" sz="1050" dirty="0"/>
-            </a:br>
-            <a:r>
-              <a:rPr lang="en-GB" sz="1050" dirty="0"/>
-              <a:t>Judd, N. and Society, A. (2007) </a:t>
-            </a:r>
-            <a:r>
-              <a:rPr lang="en-GB" sz="1050" i="1" dirty="0"/>
-              <a:t>What is Alzheimer’s disease? - Alzheimer’s society</a:t>
-            </a:r>
-            <a:r>
-              <a:rPr lang="en-GB" sz="1050" dirty="0"/>
-              <a:t>. Available at: https://www.alzheimers.org.uk/site/scripts/documents_info.php?documentID=100 (Accessed: 10 December 2016).</a:t>
-            </a:r>
-          </a:p>
-          <a:p>
-            <a:pPr lvl="1">
-              <a:buFont typeface="+mj-lt"/>
-              <a:buAutoNum type="arabicPeriod"/>
-            </a:pPr>
-            <a:r>
-              <a:rPr lang="en-GB" sz="1050" dirty="0"/>
-              <a:t>“Who has a higher risk of developing Alzheimer’s disease?”</a:t>
-            </a:r>
-            <a:br>
-              <a:rPr lang="en-GB" sz="1050" dirty="0"/>
-            </a:br>
-            <a:r>
-              <a:rPr lang="en-GB" sz="1050" dirty="0"/>
-              <a:t>Sauer, A. (2015) </a:t>
-            </a:r>
-            <a:r>
-              <a:rPr lang="en-GB" sz="1050" i="1" dirty="0"/>
-              <a:t>Why is Alzheimer’s more likely in women?</a:t>
-            </a:r>
-            <a:r>
-              <a:rPr lang="en-GB" sz="1050" dirty="0"/>
-              <a:t> Available at: http://www.alzheimers.net/8-12-15-why-is-alzheimers-more-likely-in-women/ (Accessed: 10 December 2016).</a:t>
-            </a:r>
-          </a:p>
-          <a:p>
-            <a:pPr lvl="1">
-              <a:buFont typeface="+mj-lt"/>
-              <a:buAutoNum type="arabicPeriod"/>
-            </a:pPr>
-            <a:r>
-              <a:rPr lang="en-GB" sz="1050" dirty="0"/>
-              <a:t>“What are the two proteins responsible for dementia?”</a:t>
-            </a:r>
-            <a:br>
-              <a:rPr lang="en-GB" sz="1050" dirty="0"/>
-            </a:br>
-            <a:r>
-              <a:rPr lang="en-GB" sz="1050" dirty="0"/>
-              <a:t>Bloom, G.S. (2014) ‘Amyloid-</a:t>
-            </a:r>
-            <a:r>
-              <a:rPr lang="el-GR" sz="1050" dirty="0"/>
-              <a:t>β </a:t>
-            </a:r>
-            <a:r>
-              <a:rPr lang="en-GB" sz="1050" dirty="0"/>
-              <a:t>and Tau’, </a:t>
-            </a:r>
-            <a:r>
-              <a:rPr lang="en-GB" sz="1050" i="1" dirty="0"/>
-              <a:t>JAMA Neurology</a:t>
-            </a:r>
-            <a:r>
-              <a:rPr lang="en-GB" sz="1050" dirty="0"/>
-              <a:t>, 71(4), p. 505. </a:t>
-            </a:r>
-            <a:r>
-              <a:rPr lang="en-GB" sz="1050" dirty="0" err="1"/>
-              <a:t>doi</a:t>
-            </a:r>
-            <a:r>
-              <a:rPr lang="en-GB" sz="1050" dirty="0"/>
-              <a:t>: 10.1001/jamaneurol.2013.5847.</a:t>
-            </a:r>
-          </a:p>
-          <a:p>
-            <a:pPr lvl="1">
-              <a:buFont typeface="+mj-lt"/>
-              <a:buAutoNum type="arabicPeriod"/>
-            </a:pPr>
-            <a:r>
-              <a:rPr lang="en-GB" sz="1050" dirty="0"/>
-              <a:t>4) Association®, A. (2016) </a:t>
-            </a:r>
-            <a:r>
-              <a:rPr lang="en-GB" sz="1050" i="1" dirty="0"/>
-              <a:t>Latest treatment options</a:t>
-            </a:r>
-            <a:r>
-              <a:rPr lang="en-GB" sz="1050" dirty="0"/>
-              <a:t>. Available at: http://www.alz.org/alzheimers_disease_treatments.asp (Accessed: 10 December 2016).</a:t>
-            </a:r>
-          </a:p>
-          <a:p>
-            <a:pPr lvl="1">
-              <a:buFont typeface="+mj-lt"/>
-              <a:buAutoNum type="arabicPeriod"/>
-            </a:pPr>
-            <a:r>
-              <a:rPr lang="en-GB" sz="1050" dirty="0"/>
-              <a:t>5) </a:t>
-            </a:r>
-            <a:r>
-              <a:rPr lang="en-GB" sz="1050" i="1" dirty="0"/>
-              <a:t>10 things you need to know about the impact of dementia on people, carers and the economy | Alzheimer’s research UK</a:t>
-            </a:r>
-            <a:r>
-              <a:rPr lang="en-GB" sz="1050" dirty="0"/>
-              <a:t> (2017) Available at: http://www.alzheimersresearchuk.org/about-dementia/facts-stats/10-things-you-need-to-know-about-the-impact-of-dementia/ (Accessed: 10 December 2016).</a:t>
-            </a:r>
-          </a:p>
-          <a:p>
-            <a:pPr lvl="1">
-              <a:buFont typeface="+mj-lt"/>
-              <a:buAutoNum type="arabicPeriod"/>
-            </a:pPr>
-            <a:r>
-              <a:rPr lang="en-GB" sz="1050" dirty="0"/>
-              <a:t>6) Association®, A. (2016) </a:t>
-            </a:r>
-            <a:r>
-              <a:rPr lang="en-GB" sz="1050" i="1" dirty="0"/>
-              <a:t>Memory loss myths &amp; facts</a:t>
-            </a:r>
-            <a:r>
-              <a:rPr lang="en-GB" sz="1050" dirty="0"/>
-              <a:t>. Available at: http://www.alz.org/alzheimers_disease_myths_about_alzheimers.asp (Accessed: 10 December 2016).</a:t>
-            </a:r>
-          </a:p>
-          <a:p>
-            <a:pPr lvl="1">
-              <a:buFont typeface="+mj-lt"/>
-              <a:buAutoNum type="arabicPeriod"/>
-            </a:pPr>
-            <a:r>
-              <a:rPr lang="en-GB" sz="1050" dirty="0"/>
-              <a:t>7) Association®, A. (2016) </a:t>
-            </a:r>
-            <a:r>
-              <a:rPr lang="en-GB" sz="1050" i="1" dirty="0"/>
-              <a:t>Memory loss myths &amp; facts</a:t>
-            </a:r>
-            <a:r>
-              <a:rPr lang="en-GB" sz="1050" dirty="0"/>
-              <a:t>. Available at: http://www.alz.org/alzheimers_disease_myths_about_alzheimers.asp (Accessed: 10 December 2016).</a:t>
-            </a:r>
-          </a:p>
-          <a:p>
-            <a:pPr lvl="1">
-              <a:buFont typeface="+mj-lt"/>
-              <a:buAutoNum type="arabicPeriod"/>
-            </a:pPr>
-            <a:r>
-              <a:rPr lang="en-GB" sz="1050" dirty="0"/>
-              <a:t>8) Siddique, H. (2016) </a:t>
-            </a:r>
-            <a:r>
-              <a:rPr lang="en-GB" sz="1050" i="1" dirty="0"/>
-              <a:t>Dementia and Alzheimer’s leading cause of death in England and wales</a:t>
-            </a:r>
-            <a:r>
-              <a:rPr lang="en-GB" sz="1050" dirty="0"/>
-              <a:t>. Available at: https://www.theguardian.com/society/2016/nov/14/dementia-and-alzheimers-leading-cause-of-death-england-and-wales (Accessed: 10 December 2016).</a:t>
-            </a:r>
-          </a:p>
-          <a:p>
-            <a:pPr lvl="1">
-              <a:buFont typeface="+mj-lt"/>
-              <a:buAutoNum type="arabicPeriod"/>
-            </a:pPr>
-            <a:r>
-              <a:rPr lang="en-GB" sz="1050" dirty="0"/>
-              <a:t>9) Choices, N. (2016) </a:t>
-            </a:r>
-            <a:r>
-              <a:rPr lang="en-GB" sz="1050" i="1" dirty="0"/>
-              <a:t>Alzheimer’s disease - symptoms</a:t>
-            </a:r>
-            <a:r>
-              <a:rPr lang="en-GB" sz="1050" dirty="0"/>
-              <a:t>. Available at: http://www.nhs.uk/Conditions/Alzheimers-disease/Pages/Symptoms.aspx (Accessed: 10 December 2016).</a:t>
-            </a:r>
-          </a:p>
-        </p:txBody>
-      </p:sp>
-      <p:pic>
-        <p:nvPicPr>
-          <p:cNvPr id="4" name="Picture 2" descr="https://www.everydayhero.co.uk/events/downloads/0000/2747/ARUK_campaign_logo_web.jpg"/>
-          <p:cNvPicPr>
-            <a:picLocks noChangeAspect="1" noChangeArrowheads="1"/>
-          </p:cNvPicPr>
-          <p:nvPr/>
-        </p:nvPicPr>
-        <p:blipFill>
-          <a:blip r:embed="rId3">
-            <a:extLst>
-              <a:ext uri="{28A0092B-C50C-407E-A947-70E740481C1C}">
-                <a14:useLocalDpi xmlns:a14="http://schemas.microsoft.com/office/drawing/2010/main" val="0"/>
-              </a:ext>
-            </a:extLst>
-          </a:blip>
-          <a:srcRect/>
-          <a:stretch>
-            <a:fillRect/>
-          </a:stretch>
-        </p:blipFill>
-        <p:spPr bwMode="auto">
-          <a:xfrm>
-            <a:off x="8942125" y="48247"/>
-            <a:ext cx="3203575" cy="1074116"/>
-          </a:xfrm>
-          <a:prstGeom prst="rect">
-            <a:avLst/>
-          </a:prstGeom>
-          <a:noFill/>
-          <a:extLst>
-            <a:ext uri="{909E8E84-426E-40DD-AFC4-6F175D3DCCD1}">
-              <a14:hiddenFill xmlns:a14="http://schemas.microsoft.com/office/drawing/2010/main">
-                <a:solidFill>
-                  <a:srgbClr val="FFFFFF"/>
-                </a:solidFill>
-              </a14:hiddenFill>
-            </a:ext>
-          </a:extLst>
-        </p:spPr>
-      </p:pic>
-    </p:spTree>
-    <p:extLst>
-      <p:ext uri="{BB962C8B-B14F-4D97-AF65-F5344CB8AC3E}">
-        <p14:creationId xmlns:p14="http://schemas.microsoft.com/office/powerpoint/2010/main" val="4011240471"/>
       </p:ext>
     </p:extLst>
   </p:cSld>

--- a/_presentation/Team 11 Presentation.pptx
+++ b/_presentation/Team 11 Presentation.pptx
@@ -5268,7 +5268,7 @@
           <a:p>
             <a:r>
               <a:rPr lang="en-GB" sz="4800" b="1" dirty="0"/>
-              <a:t>Problem Statement</a:t>
+              <a:t>Requirements:</a:t>
             </a:r>
           </a:p>
         </p:txBody>
@@ -5315,7 +5315,15 @@
             </a:pPr>
             <a:r>
               <a:rPr lang="en-GB" dirty="0"/>
-              <a:t>	- increase awareness of dementia</a:t>
+              <a:t>	- increase </a:t>
+            </a:r>
+            <a:r>
+              <a:rPr lang="en-GB"/>
+              <a:t>awareness for </a:t>
+            </a:r>
+            <a:r>
+              <a:rPr lang="en-GB" dirty="0"/>
+              <a:t>dementia</a:t>
             </a:r>
           </a:p>
           <a:p>

--- a/_presentation/Team 11 Presentation.pptx
+++ b/_presentation/Team 11 Presentation.pptx
@@ -5,7 +5,7 @@
     <p:sldMasterId id="2147483648" r:id="rId1"/>
   </p:sldMasterIdLst>
   <p:notesMasterIdLst>
-    <p:notesMasterId r:id="rId13"/>
+    <p:notesMasterId r:id="rId12"/>
   </p:notesMasterIdLst>
   <p:sldIdLst>
     <p:sldId id="256" r:id="rId2"/>
@@ -14,11 +14,10 @@
     <p:sldId id="260" r:id="rId5"/>
     <p:sldId id="264" r:id="rId6"/>
     <p:sldId id="265" r:id="rId7"/>
-    <p:sldId id="268" r:id="rId8"/>
-    <p:sldId id="262" r:id="rId9"/>
-    <p:sldId id="258" r:id="rId10"/>
-    <p:sldId id="257" r:id="rId11"/>
-    <p:sldId id="267" r:id="rId12"/>
+    <p:sldId id="262" r:id="rId8"/>
+    <p:sldId id="258" r:id="rId9"/>
+    <p:sldId id="257" r:id="rId10"/>
+    <p:sldId id="267" r:id="rId11"/>
   </p:sldIdLst>
   <p:sldSz cx="12192000" cy="6858000"/>
   <p:notesSz cx="6858000" cy="9144000"/>
@@ -531,29 +530,6 @@
           <a:bodyPr/>
           <a:lstStyle/>
           <a:p>
-            <a:pPr marL="0" marR="0" lvl="0" indent="0" algn="l" defTabSz="914400" rtl="0" eaLnBrk="1" fontAlgn="auto" latinLnBrk="0" hangingPunct="1">
-              <a:lnSpc>
-                <a:spcPct val="100000"/>
-              </a:lnSpc>
-              <a:spcBef>
-                <a:spcPts val="0"/>
-              </a:spcBef>
-              <a:spcAft>
-                <a:spcPts val="0"/>
-              </a:spcAft>
-              <a:buClrTx/>
-              <a:buSzTx/>
-              <a:buFontTx/>
-              <a:buNone/>
-              <a:tabLst/>
-              <a:defRPr/>
-            </a:pPr>
-            <a:r>
-              <a:rPr lang="en-GB" dirty="0"/>
-              <a:t>Mobile or Web Application that demonstrates what it might be like to have dementia through the use of a social media account. The application should help users understand and appreciate the effects of dementia on those that are affected as well as theirs friends and love ones, encouraging people to share the application and donate to the charity. </a:t>
-            </a:r>
-          </a:p>
-          <a:p>
             <a:endParaRPr lang="en-GB" dirty="0"/>
           </a:p>
         </p:txBody>
@@ -575,7 +551,7 @@
           <a:p>
             <a:fld id="{CDE8920A-880C-4DAA-A893-D2B86E971586}" type="slidenum">
               <a:rPr lang="en-GB" smtClean="0"/>
-              <a:t>3</a:t>
+              <a:t>1</a:t>
             </a:fld>
             <a:endParaRPr lang="en-GB"/>
           </a:p>
@@ -584,7 +560,7 @@
     </p:spTree>
     <p:extLst>
       <p:ext uri="{BB962C8B-B14F-4D97-AF65-F5344CB8AC3E}">
-        <p14:creationId xmlns:p14="http://schemas.microsoft.com/office/powerpoint/2010/main" val="3947804149"/>
+        <p14:creationId xmlns:p14="http://schemas.microsoft.com/office/powerpoint/2010/main" val="3695585861"/>
       </p:ext>
     </p:extLst>
   </p:cSld>
@@ -682,7 +658,7 @@
           <a:p>
             <a:fld id="{CDE8920A-880C-4DAA-A893-D2B86E971586}" type="slidenum">
               <a:rPr lang="en-GB" smtClean="0"/>
-              <a:t>4</a:t>
+              <a:t>3</a:t>
             </a:fld>
             <a:endParaRPr lang="en-GB"/>
           </a:p>
@@ -691,7 +667,7 @@
     </p:spTree>
     <p:extLst>
       <p:ext uri="{BB962C8B-B14F-4D97-AF65-F5344CB8AC3E}">
-        <p14:creationId xmlns:p14="http://schemas.microsoft.com/office/powerpoint/2010/main" val="3616364250"/>
+        <p14:creationId xmlns:p14="http://schemas.microsoft.com/office/powerpoint/2010/main" val="3947804149"/>
       </p:ext>
     </p:extLst>
   </p:cSld>
@@ -745,20 +721,29 @@
           <a:bodyPr/>
           <a:lstStyle/>
           <a:p>
+            <a:pPr marL="0" marR="0" lvl="0" indent="0" algn="l" defTabSz="914400" rtl="0" eaLnBrk="1" fontAlgn="auto" latinLnBrk="0" hangingPunct="1">
+              <a:lnSpc>
+                <a:spcPct val="100000"/>
+              </a:lnSpc>
+              <a:spcBef>
+                <a:spcPts val="0"/>
+              </a:spcBef>
+              <a:spcAft>
+                <a:spcPts val="0"/>
+              </a:spcAft>
+              <a:buClrTx/>
+              <a:buSzTx/>
+              <a:buFontTx/>
+              <a:buNone/>
+              <a:tabLst/>
+              <a:defRPr/>
+            </a:pPr>
             <a:r>
               <a:rPr lang="en-GB" dirty="0"/>
-              <a:t>We</a:t>
-            </a:r>
-            <a:r>
-              <a:rPr lang="en-GB" baseline="0" dirty="0"/>
-              <a:t> felt the text based game would be less engaging as it text based games are not a novelty.</a:t>
-            </a:r>
-          </a:p>
-          <a:p>
-            <a:r>
-              <a:rPr lang="en-GB" baseline="0" dirty="0"/>
-              <a:t>This second idea was partially implemented with the final idea.</a:t>
-            </a:r>
+              <a:t>Mobile or Web Application that demonstrates what it might be like to have dementia through the use of a social media account. The application should help users understand and appreciate the effects of dementia on those that are affected as well as theirs friends and love ones, encouraging people to share the application and donate to the charity. </a:t>
+            </a:r>
+          </a:p>
+          <a:p>
             <a:endParaRPr lang="en-GB" dirty="0"/>
           </a:p>
         </p:txBody>
@@ -780,7 +765,7 @@
           <a:p>
             <a:fld id="{CDE8920A-880C-4DAA-A893-D2B86E971586}" type="slidenum">
               <a:rPr lang="en-GB" smtClean="0"/>
-              <a:t>5</a:t>
+              <a:t>4</a:t>
             </a:fld>
             <a:endParaRPr lang="en-GB"/>
           </a:p>
@@ -789,7 +774,7 @@
     </p:spTree>
     <p:extLst>
       <p:ext uri="{BB962C8B-B14F-4D97-AF65-F5344CB8AC3E}">
-        <p14:creationId xmlns:p14="http://schemas.microsoft.com/office/powerpoint/2010/main" val="719056232"/>
+        <p14:creationId xmlns:p14="http://schemas.microsoft.com/office/powerpoint/2010/main" val="3616364250"/>
       </p:ext>
     </p:extLst>
   </p:cSld>
@@ -843,6 +828,20 @@
           <a:bodyPr/>
           <a:lstStyle/>
           <a:p>
+            <a:r>
+              <a:rPr lang="en-GB" dirty="0"/>
+              <a:t>We</a:t>
+            </a:r>
+            <a:r>
+              <a:rPr lang="en-GB" baseline="0" dirty="0"/>
+              <a:t> felt the text based game would be less engaging as it text based games are not a novelty.</a:t>
+            </a:r>
+          </a:p>
+          <a:p>
+            <a:r>
+              <a:rPr lang="en-GB" baseline="0" dirty="0"/>
+              <a:t>This second idea was partially implemented with the final idea.</a:t>
+            </a:r>
             <a:endParaRPr lang="en-GB" dirty="0"/>
           </a:p>
         </p:txBody>
@@ -864,7 +863,7 @@
           <a:p>
             <a:fld id="{CDE8920A-880C-4DAA-A893-D2B86E971586}" type="slidenum">
               <a:rPr lang="en-GB" smtClean="0"/>
-              <a:t>6</a:t>
+              <a:t>5</a:t>
             </a:fld>
             <a:endParaRPr lang="en-GB"/>
           </a:p>
@@ -873,7 +872,7 @@
     </p:spTree>
     <p:extLst>
       <p:ext uri="{BB962C8B-B14F-4D97-AF65-F5344CB8AC3E}">
-        <p14:creationId xmlns:p14="http://schemas.microsoft.com/office/powerpoint/2010/main" val="4212028493"/>
+        <p14:creationId xmlns:p14="http://schemas.microsoft.com/office/powerpoint/2010/main" val="719056232"/>
       </p:ext>
     </p:extLst>
   </p:cSld>
@@ -927,48 +926,6 @@
           <a:bodyPr/>
           <a:lstStyle/>
           <a:p>
-            <a:r>
-              <a:rPr lang="en-GB" dirty="0"/>
-              <a:t>Front end written in </a:t>
-            </a:r>
-            <a:r>
-              <a:rPr lang="en-GB" dirty="0" err="1"/>
-              <a:t>Javascript</a:t>
-            </a:r>
-            <a:r>
-              <a:rPr lang="en-GB" dirty="0"/>
-              <a:t> which provides the logic of the application by transitioning between questions and returning the results.</a:t>
-            </a:r>
-          </a:p>
-          <a:p>
-            <a:endParaRPr lang="en-GB" dirty="0"/>
-          </a:p>
-          <a:p>
-            <a:r>
-              <a:rPr lang="en-GB" dirty="0"/>
-              <a:t>HTML and CSS being used to render the web pages. The user is also returned a message when they answer a question incorrectly to explain the correct answer.</a:t>
-            </a:r>
-          </a:p>
-          <a:p>
-            <a:endParaRPr lang="en-GB" dirty="0"/>
-          </a:p>
-          <a:p>
-            <a:r>
-              <a:rPr lang="en-GB" dirty="0"/>
-              <a:t>JavaScript is also used to simulate the penalties for incorrect answers and with each incorrect answer, the following question will be modified in a way that it will be simulated to show how a person with Alzheimer's would approach the problem with modifications such as missing or confusing words in simple sentences, trouble with organisation and simple numeracy questions and general memory loss.</a:t>
-            </a:r>
-          </a:p>
-          <a:p>
-            <a:pPr algn="just"/>
-            <a:endParaRPr lang="en-GB" dirty="0"/>
-          </a:p>
-          <a:p>
-            <a:endParaRPr lang="en-GB" dirty="0"/>
-          </a:p>
-          <a:p>
-            <a:endParaRPr lang="en-GB" dirty="0"/>
-          </a:p>
-          <a:p>
             <a:endParaRPr lang="en-GB" dirty="0"/>
           </a:p>
         </p:txBody>
@@ -990,7 +947,7 @@
           <a:p>
             <a:fld id="{CDE8920A-880C-4DAA-A893-D2B86E971586}" type="slidenum">
               <a:rPr lang="en-GB" smtClean="0"/>
-              <a:t>8</a:t>
+              <a:t>6</a:t>
             </a:fld>
             <a:endParaRPr lang="en-GB"/>
           </a:p>
@@ -999,7 +956,7 @@
     </p:spTree>
     <p:extLst>
       <p:ext uri="{BB962C8B-B14F-4D97-AF65-F5344CB8AC3E}">
-        <p14:creationId xmlns:p14="http://schemas.microsoft.com/office/powerpoint/2010/main" val="3736081773"/>
+        <p14:creationId xmlns:p14="http://schemas.microsoft.com/office/powerpoint/2010/main" val="4212028493"/>
       </p:ext>
     </p:extLst>
   </p:cSld>
@@ -1053,116 +1010,45 @@
           <a:bodyPr/>
           <a:lstStyle/>
           <a:p>
-            <a:pPr marL="0" marR="0" lvl="0" indent="0" algn="l" defTabSz="914400" rtl="0" eaLnBrk="1" fontAlgn="auto" latinLnBrk="0" hangingPunct="1">
-              <a:lnSpc>
-                <a:spcPct val="100000"/>
-              </a:lnSpc>
-              <a:spcBef>
-                <a:spcPts val="0"/>
-              </a:spcBef>
-              <a:spcAft>
-                <a:spcPts val="0"/>
-              </a:spcAft>
-              <a:buClrTx/>
-              <a:buSzTx/>
-              <a:buFontTx/>
-              <a:buNone/>
-              <a:tabLst/>
-              <a:defRPr/>
-            </a:pPr>
             <a:r>
               <a:rPr lang="en-GB" dirty="0"/>
-              <a:t>Instead of having a generic health </a:t>
-            </a:r>
-          </a:p>
-          <a:p>
-            <a:pPr marL="0" marR="0" lvl="0" indent="0" algn="l" defTabSz="914400" rtl="0" eaLnBrk="1" fontAlgn="auto" latinLnBrk="0" hangingPunct="1">
-              <a:lnSpc>
-                <a:spcPct val="100000"/>
-              </a:lnSpc>
-              <a:spcBef>
-                <a:spcPts val="0"/>
-              </a:spcBef>
-              <a:spcAft>
-                <a:spcPts val="0"/>
-              </a:spcAft>
-              <a:buClrTx/>
-              <a:buSzTx/>
-              <a:buFontTx/>
-              <a:buNone/>
-              <a:tabLst/>
-              <a:defRPr/>
-            </a:pPr>
+              <a:t>Front end written in </a:t>
+            </a:r>
+            <a:r>
+              <a:rPr lang="en-GB" dirty="0" err="1"/>
+              <a:t>Javascript</a:t>
+            </a:r>
             <a:r>
               <a:rPr lang="en-GB" dirty="0"/>
-              <a:t>to store many more questions that can be queried by a web server for questions to make the selection random each time.</a:t>
-            </a:r>
-          </a:p>
-          <a:p>
-            <a:pPr marL="0" marR="0" lvl="0" indent="0" algn="l" defTabSz="914400" rtl="0" eaLnBrk="1" fontAlgn="auto" latinLnBrk="0" hangingPunct="1">
-              <a:lnSpc>
-                <a:spcPct val="100000"/>
-              </a:lnSpc>
-              <a:spcBef>
-                <a:spcPts val="0"/>
-              </a:spcBef>
-              <a:spcAft>
-                <a:spcPts val="0"/>
-              </a:spcAft>
-              <a:buClrTx/>
-              <a:buSzTx/>
-              <a:buFontTx/>
-              <a:buNone/>
-              <a:tabLst/>
-              <a:defRPr/>
-            </a:pPr>
+              <a:t> which provides the logic of the application by transitioning between questions and returning the results.</a:t>
+            </a:r>
+          </a:p>
+          <a:p>
+            <a:endParaRPr lang="en-GB" dirty="0"/>
+          </a:p>
+          <a:p>
             <a:r>
               <a:rPr lang="en-GB" dirty="0"/>
-              <a:t>As a incentive to share the application with friends, the sharer will be rewarded</a:t>
-            </a:r>
-            <a:r>
-              <a:rPr lang="en-GB" baseline="0" dirty="0"/>
-              <a:t> with it. A</a:t>
-            </a:r>
+              <a:t>HTML and CSS being used to render the web pages. The user is also returned a message when they answer a question incorrectly to explain the correct answer.</a:t>
+            </a:r>
+          </a:p>
+          <a:p>
+            <a:endParaRPr lang="en-GB" dirty="0"/>
+          </a:p>
+          <a:p>
             <a:r>
               <a:rPr lang="en-GB" dirty="0"/>
-              <a:t>s previously created snapchat filters have proven successful. </a:t>
-            </a:r>
-            <a:r>
-              <a:rPr lang="en-GB" baseline="0" dirty="0"/>
-              <a:t> A</a:t>
-            </a:r>
-            <a:r>
-              <a:rPr lang="en-GB" dirty="0"/>
-              <a:t>llowing follower to send cash through a linked debit card.</a:t>
-            </a:r>
-          </a:p>
-          <a:p>
-            <a:pPr marL="0" marR="0" lvl="0" indent="0" algn="l" defTabSz="914400" rtl="0" eaLnBrk="1" fontAlgn="auto" latinLnBrk="0" hangingPunct="1">
-              <a:lnSpc>
-                <a:spcPct val="100000"/>
-              </a:lnSpc>
-              <a:spcBef>
-                <a:spcPts val="0"/>
-              </a:spcBef>
-              <a:spcAft>
-                <a:spcPts val="0"/>
-              </a:spcAft>
-              <a:buClrTx/>
-              <a:buSzTx/>
-              <a:buFontTx/>
-              <a:buNone/>
-              <a:tabLst/>
-              <a:defRPr/>
-            </a:pPr>
-            <a:r>
-              <a:rPr lang="en-GB" dirty="0"/>
-              <a:t>Currently</a:t>
-            </a:r>
-            <a:r>
-              <a:rPr lang="en-GB" baseline="0" dirty="0"/>
-              <a:t> allows you to share your score and the site link to your feed but more integration can allow the user to allow share their profile with the site, allowing us to tailor questions based on their profile.</a:t>
-            </a:r>
+              <a:t>JavaScript is also used to simulate the penalties for incorrect answers and with each incorrect answer, the following question will be modified in a way that it will be simulated to show how a person with Alzheimer's would approach the problem with modifications such as missing or confusing words in simple sentences, trouble with organisation and simple numeracy questions and general memory loss.</a:t>
+            </a:r>
+          </a:p>
+          <a:p>
+            <a:pPr algn="just"/>
+            <a:endParaRPr lang="en-GB" dirty="0"/>
+          </a:p>
+          <a:p>
+            <a:endParaRPr lang="en-GB" dirty="0"/>
+          </a:p>
+          <a:p>
             <a:endParaRPr lang="en-GB" dirty="0"/>
           </a:p>
           <a:p>
@@ -1187,7 +1073,7 @@
           <a:p>
             <a:fld id="{CDE8920A-880C-4DAA-A893-D2B86E971586}" type="slidenum">
               <a:rPr lang="en-GB" smtClean="0"/>
-              <a:t>9</a:t>
+              <a:t>7</a:t>
             </a:fld>
             <a:endParaRPr lang="en-GB"/>
           </a:p>
@@ -1196,7 +1082,7 @@
     </p:spTree>
     <p:extLst>
       <p:ext uri="{BB962C8B-B14F-4D97-AF65-F5344CB8AC3E}">
-        <p14:creationId xmlns:p14="http://schemas.microsoft.com/office/powerpoint/2010/main" val="188750156"/>
+        <p14:creationId xmlns:p14="http://schemas.microsoft.com/office/powerpoint/2010/main" val="3736081773"/>
       </p:ext>
     </p:extLst>
   </p:cSld>
@@ -1250,6 +1136,203 @@
           <a:bodyPr/>
           <a:lstStyle/>
           <a:p>
+            <a:pPr marL="0" marR="0" lvl="0" indent="0" algn="l" defTabSz="914400" rtl="0" eaLnBrk="1" fontAlgn="auto" latinLnBrk="0" hangingPunct="1">
+              <a:lnSpc>
+                <a:spcPct val="100000"/>
+              </a:lnSpc>
+              <a:spcBef>
+                <a:spcPts val="0"/>
+              </a:spcBef>
+              <a:spcAft>
+                <a:spcPts val="0"/>
+              </a:spcAft>
+              <a:buClrTx/>
+              <a:buSzTx/>
+              <a:buFontTx/>
+              <a:buNone/>
+              <a:tabLst/>
+              <a:defRPr/>
+            </a:pPr>
+            <a:r>
+              <a:rPr lang="en-GB" dirty="0"/>
+              <a:t>Instead of having a generic health </a:t>
+            </a:r>
+          </a:p>
+          <a:p>
+            <a:pPr marL="0" marR="0" lvl="0" indent="0" algn="l" defTabSz="914400" rtl="0" eaLnBrk="1" fontAlgn="auto" latinLnBrk="0" hangingPunct="1">
+              <a:lnSpc>
+                <a:spcPct val="100000"/>
+              </a:lnSpc>
+              <a:spcBef>
+                <a:spcPts val="0"/>
+              </a:spcBef>
+              <a:spcAft>
+                <a:spcPts val="0"/>
+              </a:spcAft>
+              <a:buClrTx/>
+              <a:buSzTx/>
+              <a:buFontTx/>
+              <a:buNone/>
+              <a:tabLst/>
+              <a:defRPr/>
+            </a:pPr>
+            <a:r>
+              <a:rPr lang="en-GB" dirty="0"/>
+              <a:t>to store many more questions that can be queried by a web server for questions to make the selection random each time.</a:t>
+            </a:r>
+          </a:p>
+          <a:p>
+            <a:pPr marL="0" marR="0" lvl="0" indent="0" algn="l" defTabSz="914400" rtl="0" eaLnBrk="1" fontAlgn="auto" latinLnBrk="0" hangingPunct="1">
+              <a:lnSpc>
+                <a:spcPct val="100000"/>
+              </a:lnSpc>
+              <a:spcBef>
+                <a:spcPts val="0"/>
+              </a:spcBef>
+              <a:spcAft>
+                <a:spcPts val="0"/>
+              </a:spcAft>
+              <a:buClrTx/>
+              <a:buSzTx/>
+              <a:buFontTx/>
+              <a:buNone/>
+              <a:tabLst/>
+              <a:defRPr/>
+            </a:pPr>
+            <a:r>
+              <a:rPr lang="en-GB" dirty="0"/>
+              <a:t>As a incentive to share the application with friends, the sharer will be rewarded</a:t>
+            </a:r>
+            <a:r>
+              <a:rPr lang="en-GB" baseline="0" dirty="0"/>
+              <a:t> with it. A</a:t>
+            </a:r>
+            <a:r>
+              <a:rPr lang="en-GB" dirty="0"/>
+              <a:t>s previously created snapchat filters have proven successful. </a:t>
+            </a:r>
+            <a:r>
+              <a:rPr lang="en-GB" baseline="0" dirty="0"/>
+              <a:t> A</a:t>
+            </a:r>
+            <a:r>
+              <a:rPr lang="en-GB" dirty="0"/>
+              <a:t>llowing follower to send cash through a linked debit card.</a:t>
+            </a:r>
+          </a:p>
+          <a:p>
+            <a:pPr marL="0" marR="0" lvl="0" indent="0" algn="l" defTabSz="914400" rtl="0" eaLnBrk="1" fontAlgn="auto" latinLnBrk="0" hangingPunct="1">
+              <a:lnSpc>
+                <a:spcPct val="100000"/>
+              </a:lnSpc>
+              <a:spcBef>
+                <a:spcPts val="0"/>
+              </a:spcBef>
+              <a:spcAft>
+                <a:spcPts val="0"/>
+              </a:spcAft>
+              <a:buClrTx/>
+              <a:buSzTx/>
+              <a:buFontTx/>
+              <a:buNone/>
+              <a:tabLst/>
+              <a:defRPr/>
+            </a:pPr>
+            <a:r>
+              <a:rPr lang="en-GB" dirty="0"/>
+              <a:t>Currently</a:t>
+            </a:r>
+            <a:r>
+              <a:rPr lang="en-GB" baseline="0" dirty="0"/>
+              <a:t> allows you to share your score and the site link to your feed but more integration can allow the user to allow share their profile with the site, allowing us to tailor questions based on their profile.</a:t>
+            </a:r>
+            <a:endParaRPr lang="en-GB" dirty="0"/>
+          </a:p>
+          <a:p>
+            <a:endParaRPr lang="en-GB" dirty="0"/>
+          </a:p>
+        </p:txBody>
+      </p:sp>
+      <p:sp>
+        <p:nvSpPr>
+          <p:cNvPr id="4" name="Slide Number Placeholder 3"/>
+          <p:cNvSpPr>
+            <a:spLocks noGrp="1"/>
+          </p:cNvSpPr>
+          <p:nvPr>
+            <p:ph type="sldNum" sz="quarter" idx="10"/>
+          </p:nvPr>
+        </p:nvSpPr>
+        <p:spPr/>
+        <p:txBody>
+          <a:bodyPr/>
+          <a:lstStyle/>
+          <a:p>
+            <a:fld id="{CDE8920A-880C-4DAA-A893-D2B86E971586}" type="slidenum">
+              <a:rPr lang="en-GB" smtClean="0"/>
+              <a:t>8</a:t>
+            </a:fld>
+            <a:endParaRPr lang="en-GB"/>
+          </a:p>
+        </p:txBody>
+      </p:sp>
+    </p:spTree>
+    <p:extLst>
+      <p:ext uri="{BB962C8B-B14F-4D97-AF65-F5344CB8AC3E}">
+        <p14:creationId xmlns:p14="http://schemas.microsoft.com/office/powerpoint/2010/main" val="188750156"/>
+      </p:ext>
+    </p:extLst>
+  </p:cSld>
+  <p:clrMapOvr>
+    <a:masterClrMapping/>
+  </p:clrMapOvr>
+</p:notes>
+</file>
+
+<file path=ppt/notesSlides/notesSlide8.xml><?xml version="1.0" encoding="utf-8"?>
+<p:notes xmlns:a="http://schemas.openxmlformats.org/drawingml/2006/main" xmlns:r="http://schemas.openxmlformats.org/officeDocument/2006/relationships" xmlns:p="http://schemas.openxmlformats.org/presentationml/2006/main">
+  <p:cSld>
+    <p:spTree>
+      <p:nvGrpSpPr>
+        <p:cNvPr id="1" name=""/>
+        <p:cNvGrpSpPr/>
+        <p:nvPr/>
+      </p:nvGrpSpPr>
+      <p:grpSpPr>
+        <a:xfrm>
+          <a:off x="0" y="0"/>
+          <a:ext cx="0" cy="0"/>
+          <a:chOff x="0" y="0"/>
+          <a:chExt cx="0" cy="0"/>
+        </a:xfrm>
+      </p:grpSpPr>
+      <p:sp>
+        <p:nvSpPr>
+          <p:cNvPr id="2" name="Slide Image Placeholder 1"/>
+          <p:cNvSpPr>
+            <a:spLocks noGrp="1" noRot="1" noChangeAspect="1"/>
+          </p:cNvSpPr>
+          <p:nvPr>
+            <p:ph type="sldImg"/>
+          </p:nvPr>
+        </p:nvSpPr>
+        <p:spPr/>
+      </p:sp>
+      <p:sp>
+        <p:nvSpPr>
+          <p:cNvPr id="3" name="Notes Placeholder 2"/>
+          <p:cNvSpPr>
+            <a:spLocks noGrp="1"/>
+          </p:cNvSpPr>
+          <p:nvPr>
+            <p:ph type="body" idx="1"/>
+          </p:nvPr>
+        </p:nvSpPr>
+        <p:spPr/>
+        <p:txBody>
+          <a:bodyPr/>
+          <a:lstStyle/>
+          <a:p>
             <a:pPr marL="228600" indent="-228600">
               <a:buAutoNum type="arabicPeriod"/>
             </a:pPr>
@@ -1371,7 +1454,7 @@
           <a:p>
             <a:fld id="{CDE8920A-880C-4DAA-A893-D2B86E971586}" type="slidenum">
               <a:rPr lang="en-GB" smtClean="0"/>
-              <a:t>10</a:t>
+              <a:t>9</a:t>
             </a:fld>
             <a:endParaRPr lang="en-GB"/>
           </a:p>
@@ -4256,7 +4339,7 @@
           <p:nvPr/>
         </p:nvPicPr>
         <p:blipFill>
-          <a:blip r:embed="rId2">
+          <a:blip r:embed="rId3">
             <a:extLst>
               <a:ext uri="{28A0092B-C50C-407E-A947-70E740481C1C}">
                 <a14:useLocalDpi xmlns:a14="http://schemas.microsoft.com/office/drawing/2010/main" val="0"/>
@@ -4270,8 +4353,8 @@
         </p:blipFill>
         <p:spPr bwMode="auto">
           <a:xfrm>
-            <a:off x="4014005" y="998316"/>
-            <a:ext cx="4163990" cy="4163992"/>
+            <a:off x="3746593" y="552702"/>
+            <a:ext cx="4877234" cy="4877236"/>
           </a:xfrm>
           <a:prstGeom prst="rect">
             <a:avLst/>
@@ -4318,7 +4401,7 @@
                 <a:latin typeface="Courier New" panose="02070309020205020404" pitchFamily="49" charset="0"/>
                 <a:cs typeface="Courier New" panose="02070309020205020404" pitchFamily="49" charset="0"/>
               </a:rPr>
-              <a:t>team </a:t>
+              <a:t>t e a m </a:t>
             </a:r>
             <a:br>
               <a:rPr lang="en-GB" sz="6600" b="1" dirty="0">
@@ -4354,7 +4437,7 @@
         </p:nvSpPr>
         <p:spPr>
           <a:xfrm>
-            <a:off x="1524000" y="4780344"/>
+            <a:off x="1613210" y="4952482"/>
             <a:ext cx="9144000" cy="477456"/>
           </a:xfrm>
         </p:spPr>
@@ -4364,7 +4447,7 @@
           <a:p>
             <a:r>
               <a:rPr lang="en-GB" dirty="0"/>
-              <a:t>raising awareness for dementia</a:t>
+              <a:t>Raising awareness for dementia</a:t>
             </a:r>
           </a:p>
         </p:txBody>
@@ -4378,7 +4461,7 @@
           <p:nvPr/>
         </p:nvPicPr>
         <p:blipFill>
-          <a:blip r:embed="rId3">
+          <a:blip r:embed="rId4">
             <a:extLst>
               <a:ext uri="{28A0092B-C50C-407E-A947-70E740481C1C}">
                 <a14:useLocalDpi xmlns:a14="http://schemas.microsoft.com/office/drawing/2010/main" val="0"/>
@@ -4440,301 +4523,6 @@
           <a:chExt cx="0" cy="0"/>
         </a:xfrm>
       </p:grpSpPr>
-      <p:sp>
-        <p:nvSpPr>
-          <p:cNvPr id="2" name="Title 1"/>
-          <p:cNvSpPr>
-            <a:spLocks noGrp="1"/>
-          </p:cNvSpPr>
-          <p:nvPr>
-            <p:ph type="title"/>
-          </p:nvPr>
-        </p:nvSpPr>
-        <p:spPr/>
-        <p:txBody>
-          <a:bodyPr>
-            <a:normAutofit/>
-          </a:bodyPr>
-          <a:lstStyle/>
-          <a:p>
-            <a:r>
-              <a:rPr lang="en-GB" sz="4800" b="1" dirty="0"/>
-              <a:t>References:</a:t>
-            </a:r>
-          </a:p>
-        </p:txBody>
-      </p:sp>
-      <p:sp>
-        <p:nvSpPr>
-          <p:cNvPr id="3" name="Content Placeholder 2"/>
-          <p:cNvSpPr>
-            <a:spLocks noGrp="1"/>
-          </p:cNvSpPr>
-          <p:nvPr>
-            <p:ph idx="1"/>
-          </p:nvPr>
-        </p:nvSpPr>
-        <p:spPr>
-          <a:xfrm>
-            <a:off x="465221" y="1825625"/>
-            <a:ext cx="11518231" cy="4351338"/>
-          </a:xfrm>
-        </p:spPr>
-        <p:txBody>
-          <a:bodyPr>
-            <a:normAutofit/>
-          </a:bodyPr>
-          <a:lstStyle/>
-          <a:p>
-            <a:pPr lvl="1">
-              <a:buFont typeface="+mj-lt"/>
-              <a:buAutoNum type="arabicPeriod"/>
-            </a:pPr>
-            <a:r>
-              <a:rPr lang="en-GB" sz="1050" dirty="0"/>
-              <a:t>“What is the most common form of dementia?”</a:t>
-            </a:r>
-            <a:br>
-              <a:rPr lang="en-GB" sz="1050" dirty="0"/>
-            </a:br>
-            <a:r>
-              <a:rPr lang="en-GB" sz="1050" i="1" dirty="0"/>
-              <a:t>Judd, N. and Society, A. (2007) What is Alzheimer’s disease? - Alzheimer’s society. Available at: https://www.alzheimers.org.uk/site/scripts/documents_info.php?documentID=100 (Accessed: 10 December 2016).</a:t>
-            </a:r>
-          </a:p>
-          <a:p>
-            <a:pPr lvl="1">
-              <a:buFont typeface="+mj-lt"/>
-              <a:buAutoNum type="arabicPeriod"/>
-            </a:pPr>
-            <a:r>
-              <a:rPr lang="en-GB" sz="1050" dirty="0"/>
-              <a:t>“Who has a higher risk of developing Alzheimer’s disease?”</a:t>
-            </a:r>
-            <a:br>
-              <a:rPr lang="en-GB" sz="1050" dirty="0"/>
-            </a:br>
-            <a:r>
-              <a:rPr lang="en-GB" sz="1050" i="1" dirty="0"/>
-              <a:t>Sauer, A. (2015) Why is Alzheimer’s more likely in women? Available at: http://www.alzheimers.net/8-12-15-why-is-alzheimers-more-likely-in-women/ (Accessed: 10 December 2016).</a:t>
-            </a:r>
-          </a:p>
-          <a:p>
-            <a:pPr lvl="1">
-              <a:buFont typeface="+mj-lt"/>
-              <a:buAutoNum type="arabicPeriod"/>
-            </a:pPr>
-            <a:r>
-              <a:rPr lang="en-GB" sz="1050" dirty="0"/>
-              <a:t>“What are the two proteins responsible for dementia?”</a:t>
-            </a:r>
-            <a:br>
-              <a:rPr lang="en-GB" sz="1050" dirty="0"/>
-            </a:br>
-            <a:r>
-              <a:rPr lang="en-GB" sz="1050" i="1" dirty="0"/>
-              <a:t>Bloom, G.S. (2014) ‘Amyloid-</a:t>
-            </a:r>
-            <a:r>
-              <a:rPr lang="el-GR" sz="1050" i="1" dirty="0"/>
-              <a:t>β </a:t>
-            </a:r>
-            <a:r>
-              <a:rPr lang="en-GB" sz="1050" i="1" dirty="0"/>
-              <a:t>and Tau’, JAMA Neurology, 71(4), p. 505. </a:t>
-            </a:r>
-            <a:r>
-              <a:rPr lang="en-GB" sz="1050" i="1" dirty="0" err="1"/>
-              <a:t>doi</a:t>
-            </a:r>
-            <a:r>
-              <a:rPr lang="en-GB" sz="1050" i="1" dirty="0"/>
-              <a:t>: 10.1001/jamaneurol.2013.5847.</a:t>
-            </a:r>
-          </a:p>
-          <a:p>
-            <a:pPr lvl="1">
-              <a:buFont typeface="+mj-lt"/>
-              <a:buAutoNum type="arabicPeriod"/>
-            </a:pPr>
-            <a:r>
-              <a:rPr lang="en-GB" sz="1050" dirty="0"/>
-              <a:t>“Is there a cure for Alzheimer’s disease?”</a:t>
-            </a:r>
-            <a:br>
-              <a:rPr lang="en-GB" sz="1050" dirty="0"/>
-            </a:br>
-            <a:r>
-              <a:rPr lang="en-GB" sz="1050" i="1" dirty="0"/>
-              <a:t>Association®, A. (2016) Latest treatment options. Available at: http://www.alz.org/alzheimers_disease_treatments.asp (Accessed: 10 December 2016).</a:t>
-            </a:r>
-          </a:p>
-          <a:p>
-            <a:pPr lvl="1">
-              <a:buFont typeface="+mj-lt"/>
-              <a:buAutoNum type="arabicPeriod"/>
-            </a:pPr>
-            <a:r>
-              <a:rPr lang="en-GB" sz="1050" dirty="0"/>
-              <a:t>“How much does dementia effect the global economy?”</a:t>
-            </a:r>
-            <a:br>
-              <a:rPr lang="en-GB" sz="1050" i="1" dirty="0"/>
-            </a:br>
-            <a:r>
-              <a:rPr lang="en-GB" sz="1050" dirty="0"/>
-              <a:t>10 things you need to know about the impact of dementia on people, carers and the economy | Alzheimer’s research UK (2017) Available at: http://www.alzheimersresearchuk.org/about-dementia/facts-stats/10-things-you-need-to-know-about-the-impact-of-dementia/ (Accessed: 10 December 2016).</a:t>
-            </a:r>
-          </a:p>
-          <a:p>
-            <a:pPr lvl="1">
-              <a:buFont typeface="+mj-lt"/>
-              <a:buAutoNum type="arabicPeriod"/>
-            </a:pPr>
-            <a:r>
-              <a:rPr lang="en-GB" sz="1050" dirty="0"/>
-              <a:t>“Is Alzheimer’s disease fatal?”</a:t>
-            </a:r>
-            <a:br>
-              <a:rPr lang="en-GB" sz="1050" dirty="0"/>
-            </a:br>
-            <a:r>
-              <a:rPr lang="en-GB" sz="1050" i="1" dirty="0"/>
-              <a:t>Association®, A. (2016) Memory loss myths &amp; facts. Available at: http://www.alz.org/alzheimers_disease_myths_about_alzheimers.asp (Accessed: 10 December 2016).</a:t>
-            </a:r>
-          </a:p>
-          <a:p>
-            <a:pPr lvl="1">
-              <a:buFont typeface="+mj-lt"/>
-              <a:buAutoNum type="arabicPeriod"/>
-            </a:pPr>
-            <a:r>
-              <a:rPr lang="en-GB" sz="1050" dirty="0"/>
-              <a:t>Does Alzheimer's only effect people over 65? </a:t>
-            </a:r>
-            <a:br>
-              <a:rPr lang="en-GB" sz="1050" dirty="0"/>
-            </a:br>
-            <a:r>
-              <a:rPr lang="en-GB" sz="1050" i="1" dirty="0"/>
-              <a:t>Association®, A. (2016) Memory loss myths &amp; facts. Available at: http://www.alz.org/alzheimers_disease_myths_about_alzheimers.asp (Accessed: 10 December 2016).</a:t>
-            </a:r>
-          </a:p>
-          <a:p>
-            <a:pPr lvl="1">
-              <a:buFont typeface="+mj-lt"/>
-              <a:buAutoNum type="arabicPeriod"/>
-            </a:pPr>
-            <a:r>
-              <a:rPr lang="en-GB" sz="1050" dirty="0"/>
-              <a:t>“Alzheimer’s and </a:t>
-            </a:r>
-            <a:r>
-              <a:rPr lang="en-GB" sz="1050" dirty="0" err="1"/>
-              <a:t>Dimentia</a:t>
-            </a:r>
-            <a:r>
-              <a:rPr lang="en-GB" sz="1050" dirty="0"/>
-              <a:t> are the leading causes of death in the UK?”</a:t>
-            </a:r>
-            <a:br>
-              <a:rPr lang="en-GB" sz="1050" dirty="0"/>
-            </a:br>
-            <a:r>
-              <a:rPr lang="en-GB" sz="1050" i="1" dirty="0"/>
-              <a:t>Siddique, H. (2016) Dementia and Alzheimer’s leading cause of death in England and wales. Available at: https://www.theguardian.com/society/2016/nov/14/dementia-and-alzheimers-leading-cause-of-death-england-and-wales (Accessed: 10 December 2016).</a:t>
-            </a:r>
-          </a:p>
-          <a:p>
-            <a:pPr lvl="1">
-              <a:buFont typeface="+mj-lt"/>
-              <a:buAutoNum type="arabicPeriod"/>
-            </a:pPr>
-            <a:r>
-              <a:rPr lang="en-GB" sz="1050" dirty="0"/>
-              <a:t>“Are the most prominent symptoms of Alzheimer's disease include memory loss, gradual loss of speech, and/or difficulties with any physical movements?”</a:t>
-            </a:r>
-            <a:br>
-              <a:rPr lang="en-GB" sz="1050" dirty="0"/>
-            </a:br>
-            <a:r>
-              <a:rPr lang="en-GB" sz="1050" i="1" dirty="0"/>
-              <a:t>Choices, N. (2016) Alzheimer’s disease - symptoms. Available at: http://www.nhs.uk/Conditions/Alzheimers-disease/Pages/Symptoms.aspx (Accessed: 10 December 2016).</a:t>
-            </a:r>
-          </a:p>
-        </p:txBody>
-      </p:sp>
-      <p:pic>
-        <p:nvPicPr>
-          <p:cNvPr id="4" name="Picture 2" descr="https://www.everydayhero.co.uk/events/downloads/0000/2747/ARUK_campaign_logo_web.jpg"/>
-          <p:cNvPicPr>
-            <a:picLocks noChangeAspect="1" noChangeArrowheads="1"/>
-          </p:cNvPicPr>
-          <p:nvPr/>
-        </p:nvPicPr>
-        <p:blipFill>
-          <a:blip r:embed="rId3">
-            <a:extLst>
-              <a:ext uri="{28A0092B-C50C-407E-A947-70E740481C1C}">
-                <a14:useLocalDpi xmlns:a14="http://schemas.microsoft.com/office/drawing/2010/main" val="0"/>
-              </a:ext>
-            </a:extLst>
-          </a:blip>
-          <a:srcRect/>
-          <a:stretch>
-            <a:fillRect/>
-          </a:stretch>
-        </p:blipFill>
-        <p:spPr bwMode="auto">
-          <a:xfrm>
-            <a:off x="8942125" y="48247"/>
-            <a:ext cx="3203575" cy="1074116"/>
-          </a:xfrm>
-          <a:prstGeom prst="rect">
-            <a:avLst/>
-          </a:prstGeom>
-          <a:noFill/>
-          <a:extLst>
-            <a:ext uri="{909E8E84-426E-40DD-AFC4-6F175D3DCCD1}">
-              <a14:hiddenFill xmlns:a14="http://schemas.microsoft.com/office/drawing/2010/main">
-                <a:solidFill>
-                  <a:srgbClr val="FFFFFF"/>
-                </a:solidFill>
-              </a14:hiddenFill>
-            </a:ext>
-          </a:extLst>
-        </p:spPr>
-      </p:pic>
-    </p:spTree>
-    <p:extLst>
-      <p:ext uri="{BB962C8B-B14F-4D97-AF65-F5344CB8AC3E}">
-        <p14:creationId xmlns:p14="http://schemas.microsoft.com/office/powerpoint/2010/main" val="4011240471"/>
-      </p:ext>
-    </p:extLst>
-  </p:cSld>
-  <p:clrMapOvr>
-    <a:masterClrMapping/>
-  </p:clrMapOvr>
-</p:sld>
-</file>
-
-<file path=ppt/slides/slide11.xml><?xml version="1.0" encoding="utf-8"?>
-<p:sld xmlns:a="http://schemas.openxmlformats.org/drawingml/2006/main" xmlns:r="http://schemas.openxmlformats.org/officeDocument/2006/relationships" xmlns:p="http://schemas.openxmlformats.org/presentationml/2006/main">
-  <p:cSld>
-    <p:spTree>
-      <p:nvGrpSpPr>
-        <p:cNvPr id="1" name=""/>
-        <p:cNvGrpSpPr/>
-        <p:nvPr/>
-      </p:nvGrpSpPr>
-      <p:grpSpPr>
-        <a:xfrm>
-          <a:off x="0" y="0"/>
-          <a:ext cx="0" cy="0"/>
-          <a:chOff x="0" y="0"/>
-          <a:chExt cx="0" cy="0"/>
-        </a:xfrm>
-      </p:grpSpPr>
       <p:pic>
         <p:nvPicPr>
           <p:cNvPr id="1028" name="Picture 4" descr="http://i2.istockimg.com/file_thumbview_approve/66949071/5/stock-photo-66949071-orange-fruit-isolated-on-white.jpg"/>
@@ -4806,7 +4594,7 @@
                 <a:latin typeface="Courier New" panose="02070309020205020404" pitchFamily="49" charset="0"/>
                 <a:cs typeface="Courier New" panose="02070309020205020404" pitchFamily="49" charset="0"/>
               </a:rPr>
-              <a:t>thank</a:t>
+              <a:t>t h a n k</a:t>
             </a:r>
             <a:br>
               <a:rPr lang="en-GB" sz="6600" b="1" dirty="0">
@@ -4825,7 +4613,7 @@
                 <a:latin typeface="Courier New" panose="02070309020205020404" pitchFamily="49" charset="0"/>
                 <a:cs typeface="Courier New" panose="02070309020205020404" pitchFamily="49" charset="0"/>
               </a:rPr>
-              <a:t>you</a:t>
+              <a:t>y o u  </a:t>
             </a:r>
           </a:p>
         </p:txBody>
@@ -5112,7 +4900,7 @@
           <a:p>
             <a:r>
               <a:rPr lang="en-GB" sz="4800" b="1" dirty="0"/>
-              <a:t>Problem Statement</a:t>
+              <a:t>Challenge Statement</a:t>
             </a:r>
           </a:p>
         </p:txBody>
@@ -5315,15 +5103,7 @@
             </a:pPr>
             <a:r>
               <a:rPr lang="en-GB" dirty="0"/>
-              <a:t>	- increase </a:t>
-            </a:r>
-            <a:r>
-              <a:rPr lang="en-GB"/>
-              <a:t>awareness for </a:t>
-            </a:r>
-            <a:r>
-              <a:rPr lang="en-GB" dirty="0"/>
-              <a:t>dementia</a:t>
+              <a:t>	- increase awareness of dementia</a:t>
             </a:r>
           </a:p>
           <a:p>
@@ -5483,7 +5263,7 @@
           <a:p>
             <a:r>
               <a:rPr lang="en-GB" dirty="0"/>
-              <a:t>A retro based text game that simulated the player quickly developing the symptoms of dementia.</a:t>
+              <a:t>A retro based text game that simulated a character quickly developing the symptoms of dementia.</a:t>
             </a:r>
           </a:p>
           <a:p>
@@ -5581,7 +5361,12 @@
             <p:ph type="title"/>
           </p:nvPr>
         </p:nvSpPr>
-        <p:spPr/>
+        <p:spPr>
+          <a:xfrm>
+            <a:off x="838200" y="766569"/>
+            <a:ext cx="10515600" cy="1325563"/>
+          </a:xfrm>
+        </p:spPr>
         <p:txBody>
           <a:bodyPr/>
           <a:lstStyle/>
@@ -5606,7 +5391,7 @@
         </p:nvSpPr>
         <p:spPr>
           <a:xfrm>
-            <a:off x="838200" y="2274849"/>
+            <a:off x="838200" y="2665142"/>
             <a:ext cx="10515600" cy="3902114"/>
           </a:xfrm>
         </p:spPr>
@@ -5620,11 +5405,23 @@
             </a:r>
           </a:p>
           <a:p>
+            <a:pPr marL="0" indent="0">
+              <a:buNone/>
+            </a:pPr>
+            <a:endParaRPr lang="en-GB" sz="500" dirty="0"/>
+          </a:p>
+          <a:p>
             <a:pPr lvl="1"/>
             <a:r>
               <a:rPr lang="en-GB" dirty="0"/>
-              <a:t>questions user’s pre existing assumptions of dementia</a:t>
-            </a:r>
+              <a:t>questions user’s pre-existing assumptions of dementia</a:t>
+            </a:r>
+          </a:p>
+          <a:p>
+            <a:pPr marL="457200" lvl="1" indent="0">
+              <a:buNone/>
+            </a:pPr>
+            <a:endParaRPr lang="en-GB" sz="500" dirty="0"/>
           </a:p>
           <a:p>
             <a:pPr lvl="1"/>
@@ -5632,6 +5429,12 @@
               <a:rPr lang="en-GB" dirty="0"/>
               <a:t>includes information to raise awareness of the disease</a:t>
             </a:r>
+          </a:p>
+          <a:p>
+            <a:pPr marL="457200" lvl="1" indent="0">
+              <a:buNone/>
+            </a:pPr>
+            <a:endParaRPr lang="en-GB" sz="500" dirty="0"/>
           </a:p>
           <a:p>
             <a:pPr lvl="1"/>
@@ -5713,36 +5516,6 @@
           <a:chExt cx="0" cy="0"/>
         </a:xfrm>
       </p:grpSpPr>
-    </p:spTree>
-    <p:extLst>
-      <p:ext uri="{BB962C8B-B14F-4D97-AF65-F5344CB8AC3E}">
-        <p14:creationId xmlns:p14="http://schemas.microsoft.com/office/powerpoint/2010/main" val="4004154521"/>
-      </p:ext>
-    </p:extLst>
-  </p:cSld>
-  <p:clrMapOvr>
-    <a:masterClrMapping/>
-  </p:clrMapOvr>
-</p:sld>
-</file>
-
-<file path=ppt/slides/slide8.xml><?xml version="1.0" encoding="utf-8"?>
-<p:sld xmlns:a="http://schemas.openxmlformats.org/drawingml/2006/main" xmlns:r="http://schemas.openxmlformats.org/officeDocument/2006/relationships" xmlns:p="http://schemas.openxmlformats.org/presentationml/2006/main">
-  <p:cSld>
-    <p:spTree>
-      <p:nvGrpSpPr>
-        <p:cNvPr id="1" name=""/>
-        <p:cNvGrpSpPr/>
-        <p:nvPr/>
-      </p:nvGrpSpPr>
-      <p:grpSpPr>
-        <a:xfrm>
-          <a:off x="0" y="0"/>
-          <a:ext cx="0" cy="0"/>
-          <a:chOff x="0" y="0"/>
-          <a:chExt cx="0" cy="0"/>
-        </a:xfrm>
-      </p:grpSpPr>
       <p:sp>
         <p:nvSpPr>
           <p:cNvPr id="2" name="Title 1"/>
@@ -5784,7 +5557,7 @@
           <a:p>
             <a:r>
               <a:rPr lang="en-GB" dirty="0"/>
-              <a:t>Front end written </a:t>
+              <a:t>Front end written in:</a:t>
             </a:r>
           </a:p>
           <a:p>
@@ -5881,7 +5654,7 @@
 </p:sld>
 </file>
 
-<file path=ppt/slides/slide9.xml><?xml version="1.0" encoding="utf-8"?>
+<file path=ppt/slides/slide8.xml><?xml version="1.0" encoding="utf-8"?>
 <p:sld xmlns:a="http://schemas.openxmlformats.org/drawingml/2006/main" xmlns:r="http://schemas.openxmlformats.org/officeDocument/2006/relationships" xmlns:p="http://schemas.openxmlformats.org/presentationml/2006/main">
   <p:cSld>
     <p:spTree>
@@ -5941,25 +5714,38 @@
           <a:p>
             <a:r>
               <a:rPr lang="en-GB" dirty="0"/>
-              <a:t>An animation of an orange animation being peeled (when questions are incorrectly answered).</a:t>
+              <a:t>An animation of an orange being peeled (when questions are incorrectly answered).</a:t>
             </a:r>
           </a:p>
           <a:p>
             <a:r>
               <a:rPr lang="en-GB" dirty="0"/>
-              <a:t>Implementing a back end database</a:t>
+              <a:t>Implementing a back end database.</a:t>
             </a:r>
           </a:p>
           <a:p>
             <a:r>
               <a:rPr lang="en-GB" dirty="0"/>
-              <a:t>Exclusive Alzheimer’s Research UK snapchat filter and Snapchat snap cash feature.</a:t>
+              <a:t>Exclusive Alzheimer’s Research UK snapchat filter and Snapchat Snapcash feature.</a:t>
             </a:r>
           </a:p>
           <a:p>
             <a:r>
               <a:rPr lang="en-GB" dirty="0"/>
               <a:t>Greater social media integration and possible iOS and Android apps.</a:t>
+            </a:r>
+          </a:p>
+          <a:p>
+            <a:r>
+              <a:rPr lang="en-GB" dirty="0"/>
+              <a:t>Add an incentive; unlock a snapchat filter if you score higher than a certain score.</a:t>
+            </a:r>
+          </a:p>
+          <a:p>
+            <a:pPr lvl="1"/>
+            <a:r>
+              <a:rPr lang="en-GB" dirty="0"/>
+              <a:t>Snapchat filter something that would be shared and will raise awareness.</a:t>
             </a:r>
           </a:p>
           <a:p>
@@ -6021,6 +5807,353 @@
     <p:extLst>
       <p:ext uri="{BB962C8B-B14F-4D97-AF65-F5344CB8AC3E}">
         <p14:creationId xmlns:p14="http://schemas.microsoft.com/office/powerpoint/2010/main" val="1846106008"/>
+      </p:ext>
+    </p:extLst>
+  </p:cSld>
+  <p:clrMapOvr>
+    <a:masterClrMapping/>
+  </p:clrMapOvr>
+</p:sld>
+</file>
+
+<file path=ppt/slides/slide9.xml><?xml version="1.0" encoding="utf-8"?>
+<p:sld xmlns:a="http://schemas.openxmlformats.org/drawingml/2006/main" xmlns:r="http://schemas.openxmlformats.org/officeDocument/2006/relationships" xmlns:p="http://schemas.openxmlformats.org/presentationml/2006/main">
+  <p:cSld>
+    <p:spTree>
+      <p:nvGrpSpPr>
+        <p:cNvPr id="1" name=""/>
+        <p:cNvGrpSpPr/>
+        <p:nvPr/>
+      </p:nvGrpSpPr>
+      <p:grpSpPr>
+        <a:xfrm>
+          <a:off x="0" y="0"/>
+          <a:ext cx="0" cy="0"/>
+          <a:chOff x="0" y="0"/>
+          <a:chExt cx="0" cy="0"/>
+        </a:xfrm>
+      </p:grpSpPr>
+      <p:sp>
+        <p:nvSpPr>
+          <p:cNvPr id="2" name="Title 1"/>
+          <p:cNvSpPr>
+            <a:spLocks noGrp="1"/>
+          </p:cNvSpPr>
+          <p:nvPr>
+            <p:ph type="title"/>
+          </p:nvPr>
+        </p:nvSpPr>
+        <p:spPr/>
+        <p:txBody>
+          <a:bodyPr>
+            <a:normAutofit/>
+          </a:bodyPr>
+          <a:lstStyle/>
+          <a:p>
+            <a:r>
+              <a:rPr lang="en-GB" sz="4800" b="1" dirty="0"/>
+              <a:t>References:</a:t>
+            </a:r>
+          </a:p>
+        </p:txBody>
+      </p:sp>
+      <p:sp>
+        <p:nvSpPr>
+          <p:cNvPr id="3" name="Content Placeholder 2"/>
+          <p:cNvSpPr>
+            <a:spLocks noGrp="1"/>
+          </p:cNvSpPr>
+          <p:nvPr>
+            <p:ph idx="1"/>
+          </p:nvPr>
+        </p:nvSpPr>
+        <p:spPr>
+          <a:xfrm>
+            <a:off x="465221" y="1825625"/>
+            <a:ext cx="10888579" cy="4351338"/>
+          </a:xfrm>
+        </p:spPr>
+        <p:txBody>
+          <a:bodyPr>
+            <a:normAutofit lnSpcReduction="10000"/>
+          </a:bodyPr>
+          <a:lstStyle/>
+          <a:p>
+            <a:pPr lvl="1">
+              <a:buFont typeface="+mj-lt"/>
+              <a:buAutoNum type="arabicPeriod"/>
+            </a:pPr>
+            <a:r>
+              <a:rPr lang="en-GB" sz="1200" dirty="0"/>
+              <a:t>“What is the most common form of dementia?”</a:t>
+            </a:r>
+            <a:br>
+              <a:rPr lang="en-GB" sz="1200" dirty="0"/>
+            </a:br>
+            <a:r>
+              <a:rPr lang="en-GB" sz="1200" i="1" dirty="0">
+                <a:solidFill>
+                  <a:srgbClr val="FF9900"/>
+                </a:solidFill>
+              </a:rPr>
+              <a:t>Judd, N. and Society, A. (2007) What is Alzheimer’s disease? - Alzheimer’s society. Available at: https://www.alzheimers.org.uk/site/scripts/documents_info.php?documentID=100 (Accessed: 10 December 2016).</a:t>
+            </a:r>
+          </a:p>
+          <a:p>
+            <a:pPr lvl="1">
+              <a:buFont typeface="+mj-lt"/>
+              <a:buAutoNum type="arabicPeriod"/>
+            </a:pPr>
+            <a:r>
+              <a:rPr lang="en-GB" sz="1200" dirty="0"/>
+              <a:t>“Who has a higher risk of developing Alzheimer’s disease?”</a:t>
+            </a:r>
+            <a:br>
+              <a:rPr lang="en-GB" sz="1200" dirty="0"/>
+            </a:br>
+            <a:r>
+              <a:rPr lang="en-GB" sz="1200" i="1" dirty="0">
+                <a:solidFill>
+                  <a:srgbClr val="FF9900"/>
+                </a:solidFill>
+              </a:rPr>
+              <a:t>Sauer, A. (2015) Why is Alzheimer’s more likely in women? Available at: http://www.alzheimers.net/8-12-15-why-is-alzheimers-more-likely-in-women/ (Accessed: 10 December 2016).</a:t>
+            </a:r>
+          </a:p>
+          <a:p>
+            <a:pPr lvl="1">
+              <a:buFont typeface="+mj-lt"/>
+              <a:buAutoNum type="arabicPeriod"/>
+            </a:pPr>
+            <a:r>
+              <a:rPr lang="en-GB" sz="1200" dirty="0"/>
+              <a:t>“What are the two proteins responsible for dementia?”</a:t>
+            </a:r>
+            <a:br>
+              <a:rPr lang="en-GB" sz="1200" dirty="0"/>
+            </a:br>
+            <a:r>
+              <a:rPr lang="en-GB" sz="1200" i="1" dirty="0">
+                <a:solidFill>
+                  <a:srgbClr val="FF9900"/>
+                </a:solidFill>
+              </a:rPr>
+              <a:t>Bloom, G.S. (2014) ‘Amyloid-</a:t>
+            </a:r>
+            <a:r>
+              <a:rPr lang="el-GR" sz="1200" i="1" dirty="0">
+                <a:solidFill>
+                  <a:srgbClr val="FF9900"/>
+                </a:solidFill>
+              </a:rPr>
+              <a:t>β </a:t>
+            </a:r>
+            <a:r>
+              <a:rPr lang="en-GB" sz="1200" i="1" dirty="0">
+                <a:solidFill>
+                  <a:srgbClr val="FF9900"/>
+                </a:solidFill>
+              </a:rPr>
+              <a:t>and Tau’, JAMA Neurology, 71(4), p. 505. </a:t>
+            </a:r>
+            <a:r>
+              <a:rPr lang="en-GB" sz="1200" i="1" dirty="0" err="1">
+                <a:solidFill>
+                  <a:srgbClr val="FF9900"/>
+                </a:solidFill>
+              </a:rPr>
+              <a:t>doi</a:t>
+            </a:r>
+            <a:r>
+              <a:rPr lang="en-GB" sz="1200" i="1" dirty="0">
+                <a:solidFill>
+                  <a:srgbClr val="FF9900"/>
+                </a:solidFill>
+              </a:rPr>
+              <a:t>: 10.1001/jamaneurol.2013.5847.</a:t>
+            </a:r>
+          </a:p>
+          <a:p>
+            <a:pPr lvl="1">
+              <a:buFont typeface="+mj-lt"/>
+              <a:buAutoNum type="arabicPeriod"/>
+            </a:pPr>
+            <a:r>
+              <a:rPr lang="en-GB" sz="1200" dirty="0"/>
+              <a:t>“Is there a cure for Alzheimer’s disease?”</a:t>
+            </a:r>
+            <a:br>
+              <a:rPr lang="en-GB" sz="1200" dirty="0"/>
+            </a:br>
+            <a:r>
+              <a:rPr lang="en-GB" sz="1200" i="1" dirty="0">
+                <a:solidFill>
+                  <a:srgbClr val="FF9900"/>
+                </a:solidFill>
+              </a:rPr>
+              <a:t>Association®, A. (2016) Latest treatment options. Available at: http://www.alz.org/alzheimers_disease_treatments.asp (Accessed: 10 December 2016).</a:t>
+            </a:r>
+          </a:p>
+          <a:p>
+            <a:pPr lvl="1">
+              <a:buFont typeface="+mj-lt"/>
+              <a:buAutoNum type="arabicPeriod"/>
+            </a:pPr>
+            <a:r>
+              <a:rPr lang="en-GB" sz="1200" dirty="0"/>
+              <a:t>“How much does dementia effect the global economy?”</a:t>
+            </a:r>
+            <a:br>
+              <a:rPr lang="en-GB" sz="1200" i="1" dirty="0"/>
+            </a:br>
+            <a:r>
+              <a:rPr lang="en-GB" sz="1200" dirty="0">
+                <a:solidFill>
+                  <a:srgbClr val="FF9900"/>
+                </a:solidFill>
+              </a:rPr>
+              <a:t>10 things you need to know about the impact of dementia on people, carers and the economy | Alzheimer’s research UK (2017) Available at: http://www.alzheimersresearchuk.org/about-dementia/facts-stats/10-things-you-need-to-know-about-the-impact-of-dementia/ (Accessed: 10 December 2016).</a:t>
+            </a:r>
+          </a:p>
+          <a:p>
+            <a:pPr lvl="1">
+              <a:buFont typeface="+mj-lt"/>
+              <a:buAutoNum type="arabicPeriod"/>
+            </a:pPr>
+            <a:r>
+              <a:rPr lang="en-GB" sz="1200" dirty="0"/>
+              <a:t>“Is Alzheimer’s disease fatal?”</a:t>
+            </a:r>
+            <a:br>
+              <a:rPr lang="en-GB" sz="1200" dirty="0"/>
+            </a:br>
+            <a:r>
+              <a:rPr lang="en-GB" sz="1200" i="1" dirty="0">
+                <a:solidFill>
+                  <a:srgbClr val="FF9900"/>
+                </a:solidFill>
+              </a:rPr>
+              <a:t>Association®, A. (2016) Memory loss myths &amp; facts. Available at: http://www.alz.org/alzheimers_disease_myths_about_alzheimers.asp (Accessed: 10 December 2016).</a:t>
+            </a:r>
+          </a:p>
+          <a:p>
+            <a:pPr lvl="1">
+              <a:buFont typeface="+mj-lt"/>
+              <a:buAutoNum type="arabicPeriod"/>
+            </a:pPr>
+            <a:r>
+              <a:rPr lang="en-GB" sz="1200" dirty="0"/>
+              <a:t>Does Alzheimer's only effect people over 65? </a:t>
+            </a:r>
+            <a:br>
+              <a:rPr lang="en-GB" sz="1200" dirty="0"/>
+            </a:br>
+            <a:r>
+              <a:rPr lang="en-GB" sz="1200" i="1" dirty="0">
+                <a:solidFill>
+                  <a:srgbClr val="FF9900"/>
+                </a:solidFill>
+              </a:rPr>
+              <a:t>Association®, A. (2016) Memory loss myths &amp; facts. Available at: http://www.alz.org/alzheimers_disease_myths_about_alzheimers.asp (Accessed: 10 December 2016).</a:t>
+            </a:r>
+          </a:p>
+          <a:p>
+            <a:pPr lvl="1">
+              <a:buFont typeface="+mj-lt"/>
+              <a:buAutoNum type="arabicPeriod"/>
+            </a:pPr>
+            <a:r>
+              <a:rPr lang="en-GB" sz="1200" dirty="0"/>
+              <a:t>“Alzheimer’s and </a:t>
+            </a:r>
+            <a:r>
+              <a:rPr lang="en-GB" sz="1200" dirty="0" err="1"/>
+              <a:t>Dimentia</a:t>
+            </a:r>
+            <a:r>
+              <a:rPr lang="en-GB" sz="1200" dirty="0"/>
+              <a:t> are the leading causes of death in the UK?”</a:t>
+            </a:r>
+            <a:br>
+              <a:rPr lang="en-GB" sz="1200" dirty="0"/>
+            </a:br>
+            <a:r>
+              <a:rPr lang="en-GB" sz="1200" i="1" dirty="0">
+                <a:solidFill>
+                  <a:srgbClr val="FF9900"/>
+                </a:solidFill>
+              </a:rPr>
+              <a:t>Siddique, H. (2016) Dementia and Alzheimer’s leading cause of death in England and wales. Available at: https://www.theguardian.com/society/2016/nov/14/dementia-and-alzheimers-leading-cause-of-death-england-and-wales (Accessed: 10 December 2016).</a:t>
+            </a:r>
+          </a:p>
+          <a:p>
+            <a:pPr lvl="1">
+              <a:buFont typeface="+mj-lt"/>
+              <a:buAutoNum type="arabicPeriod"/>
+            </a:pPr>
+            <a:r>
+              <a:rPr lang="en-GB" sz="1200" dirty="0"/>
+              <a:t>“Are the most prominent symptoms of Alzheimer's disease include memory loss, gradual loss of speech, and/or difficulties with any physical movements?”</a:t>
+            </a:r>
+            <a:br>
+              <a:rPr lang="en-GB" sz="1200" dirty="0"/>
+            </a:br>
+            <a:r>
+              <a:rPr lang="en-GB" sz="1200" i="1" dirty="0">
+                <a:solidFill>
+                  <a:srgbClr val="FF9900"/>
+                </a:solidFill>
+              </a:rPr>
+              <a:t>Choices, N. (2016) Alzheimer’s disease - symptoms. Available at: http://www.nhs.uk/Conditions/Alzheimers-disease/Pages/Symptoms.aspx (Accessed: 10 December 2016).</a:t>
+            </a:r>
+          </a:p>
+        </p:txBody>
+      </p:sp>
+      <p:pic>
+        <p:nvPicPr>
+          <p:cNvPr id="4" name="Picture 2" descr="https://www.everydayhero.co.uk/events/downloads/0000/2747/ARUK_campaign_logo_web.jpg"/>
+          <p:cNvPicPr>
+            <a:picLocks noChangeAspect="1" noChangeArrowheads="1"/>
+          </p:cNvPicPr>
+          <p:nvPr/>
+        </p:nvPicPr>
+        <p:blipFill>
+          <a:blip r:embed="rId3">
+            <a:extLst>
+              <a:ext uri="{28A0092B-C50C-407E-A947-70E740481C1C}">
+                <a14:useLocalDpi xmlns:a14="http://schemas.microsoft.com/office/drawing/2010/main" val="0"/>
+              </a:ext>
+            </a:extLst>
+          </a:blip>
+          <a:srcRect/>
+          <a:stretch>
+            <a:fillRect/>
+          </a:stretch>
+        </p:blipFill>
+        <p:spPr bwMode="auto">
+          <a:xfrm>
+            <a:off x="8942125" y="48247"/>
+            <a:ext cx="3203575" cy="1074116"/>
+          </a:xfrm>
+          <a:prstGeom prst="rect">
+            <a:avLst/>
+          </a:prstGeom>
+          <a:noFill/>
+          <a:extLst>
+            <a:ext uri="{909E8E84-426E-40DD-AFC4-6F175D3DCCD1}">
+              <a14:hiddenFill xmlns:a14="http://schemas.microsoft.com/office/drawing/2010/main">
+                <a:solidFill>
+                  <a:srgbClr val="FFFFFF"/>
+                </a:solidFill>
+              </a14:hiddenFill>
+            </a:ext>
+          </a:extLst>
+        </p:spPr>
+      </p:pic>
+    </p:spTree>
+    <p:extLst>
+      <p:ext uri="{BB962C8B-B14F-4D97-AF65-F5344CB8AC3E}">
+        <p14:creationId xmlns:p14="http://schemas.microsoft.com/office/powerpoint/2010/main" val="4011240471"/>
       </p:ext>
     </p:extLst>
   </p:cSld>

--- a/_presentation/Team 11 Presentation.pptx
+++ b/_presentation/Team 11 Presentation.pptx
@@ -5,7 +5,7 @@
     <p:sldMasterId id="2147483648" r:id="rId1"/>
   </p:sldMasterIdLst>
   <p:notesMasterIdLst>
-    <p:notesMasterId r:id="rId12"/>
+    <p:notesMasterId r:id="rId13"/>
   </p:notesMasterIdLst>
   <p:sldIdLst>
     <p:sldId id="256" r:id="rId2"/>
@@ -15,9 +15,10 @@
     <p:sldId id="264" r:id="rId6"/>
     <p:sldId id="265" r:id="rId7"/>
     <p:sldId id="262" r:id="rId8"/>
-    <p:sldId id="258" r:id="rId9"/>
-    <p:sldId id="257" r:id="rId10"/>
-    <p:sldId id="267" r:id="rId11"/>
+    <p:sldId id="270" r:id="rId9"/>
+    <p:sldId id="258" r:id="rId10"/>
+    <p:sldId id="257" r:id="rId11"/>
+    <p:sldId id="267" r:id="rId12"/>
   </p:sldIdLst>
   <p:sldSz cx="12192000" cy="6858000"/>
   <p:notesSz cx="6858000" cy="9144000"/>
@@ -134,6 +135,260 @@
     </p:extLst>
   </p:cmAuthor>
 </p:cmAuthorLst>
+</file>
+
+<file path=ppt/ink/ink1.xml><?xml version="1.0" encoding="utf-8"?>
+<inkml:ink xmlns:inkml="http://www.w3.org/2003/InkML">
+  <inkml:definitions>
+    <inkml:context xml:id="ctx0">
+      <inkml:inkSource xml:id="inkSrc0">
+        <inkml:traceFormat>
+          <inkml:channel name="X" type="integer" min="-2.14748E9" max="2.14748E9" units="cm"/>
+          <inkml:channel name="Y" type="integer" min="-2.14748E9" max="2.14748E9" units="cm"/>
+          <inkml:channel name="F" type="integer" max="32767" units="dev"/>
+        </inkml:traceFormat>
+        <inkml:channelProperties>
+          <inkml:channelProperty channel="X" name="resolution" value="1000" units="1/cm"/>
+          <inkml:channelProperty channel="Y" name="resolution" value="1000" units="1/cm"/>
+          <inkml:channelProperty channel="F" name="resolution" value="0" units="1/dev"/>
+        </inkml:channelProperties>
+      </inkml:inkSource>
+      <inkml:timestamp xml:id="ts0" timeString="2016-12-10T10:10:47.287"/>
+    </inkml:context>
+    <inkml:brush xml:id="br0">
+      <inkml:brushProperty name="width" value="0.02857" units="cm"/>
+      <inkml:brushProperty name="height" value="0.02857" units="cm"/>
+    </inkml:brush>
+  </inkml:definitions>
+  <inkml:traceGroup>
+    <inkml:annotationXML>
+      <emma:emma xmlns:emma="http://www.w3.org/2003/04/emma" version="1.0">
+        <emma:interpretation id="{76F5D9E0-F8FB-4F65-A21E-B2ECA6D5D381}" emma:medium="tactile" emma:mode="ink">
+          <msink:context xmlns:msink="http://schemas.microsoft.com/ink/2010/main" type="writingRegion" rotatedBoundingBox="16809,7032 19167,5826 19605,6682 17247,7888"/>
+        </emma:interpretation>
+      </emma:emma>
+    </inkml:annotationXML>
+    <inkml:traceGroup>
+      <inkml:annotationXML>
+        <emma:emma xmlns:emma="http://www.w3.org/2003/04/emma" version="1.0">
+          <emma:interpretation id="{934A61D4-F19D-47C4-8FA2-F63A5769BB72}" emma:medium="tactile" emma:mode="ink">
+            <msink:context xmlns:msink="http://schemas.microsoft.com/ink/2010/main" type="paragraph" rotatedBoundingBox="16809,7032 19167,5826 19605,6682 17247,7888" alignmentLevel="1"/>
+          </emma:interpretation>
+        </emma:emma>
+      </inkml:annotationXML>
+      <inkml:traceGroup>
+        <inkml:annotationXML>
+          <emma:emma xmlns:emma="http://www.w3.org/2003/04/emma" version="1.0">
+            <emma:interpretation id="{C478F058-70A4-4117-8CAF-E675A4F250F3}" emma:medium="tactile" emma:mode="ink">
+              <msink:context xmlns:msink="http://schemas.microsoft.com/ink/2010/main" type="line" rotatedBoundingBox="16809,7032 19167,5826 19605,6682 17247,7888"/>
+            </emma:interpretation>
+          </emma:emma>
+        </inkml:annotationXML>
+        <inkml:traceGroup>
+          <inkml:annotationXML>
+            <emma:emma xmlns:emma="http://www.w3.org/2003/04/emma" version="1.0">
+              <emma:interpretation id="{DAE2CBC0-1A23-4021-A971-6F54A8C4A621}" emma:medium="tactile" emma:mode="ink">
+                <msink:context xmlns:msink="http://schemas.microsoft.com/ink/2010/main" type="inkWord" rotatedBoundingBox="16957,7322 16992,7304 17006,7331 16971,7348"/>
+              </emma:interpretation>
+              <emma:one-of disjunction-type="recognition" id="oneOf0">
+                <emma:interpretation id="interp0" emma:lang="en-GB" emma:confidence="0">
+                  <emma:literal>&lt;</emma:literal>
+                </emma:interpretation>
+                <emma:interpretation id="interp1" emma:lang="en-GB" emma:confidence="0">
+                  <emma:literal>&gt;</emma:literal>
+                </emma:interpretation>
+                <emma:interpretation id="interp2" emma:lang="en-GB" emma:confidence="0">
+                  <emma:literal>`</emma:literal>
+                </emma:interpretation>
+                <emma:interpretation id="interp3" emma:lang="en-GB" emma:confidence="0">
+                  <emma:literal>.</emma:literal>
+                </emma:interpretation>
+                <emma:interpretation id="interp4" emma:lang="en-GB" emma:confidence="0">
+                  <emma:literal>c</emma:literal>
+                </emma:interpretation>
+              </emma:one-of>
+            </emma:emma>
+          </inkml:annotationXML>
+          <inkml:trace contextRef="#ctx0" brushRef="#br0">12646 8128 1152,'-22'22'512,"44"-22"-1024,-22 0 640,0 0-384,22 0 0</inkml:trace>
+        </inkml:traceGroup>
+        <inkml:traceGroup>
+          <inkml:annotationXML>
+            <emma:emma xmlns:emma="http://www.w3.org/2003/04/emma" version="1.0">
+              <emma:interpretation id="{F0C2B2B6-6C42-4851-91CD-5347AB377FC6}" emma:medium="tactile" emma:mode="ink">
+                <msink:context xmlns:msink="http://schemas.microsoft.com/ink/2010/main" type="inkWord" rotatedBoundingBox="17010,6929 17199,6833 17637,7688 17448,7785"/>
+              </emma:interpretation>
+              <emma:one-of disjunction-type="recognition" id="oneOf1">
+                <emma:interpretation id="interp5" emma:lang="en-GB" emma:confidence="0">
+                  <emma:literal>..</emma:literal>
+                </emma:interpretation>
+                <emma:interpretation id="interp6" emma:lang="en-GB" emma:confidence="0">
+                  <emma:literal>t:</emma:literal>
+                </emma:interpretation>
+                <emma:interpretation id="interp7" emma:lang="en-GB" emma:confidence="0">
+                  <emma:literal>o:</emma:literal>
+                </emma:interpretation>
+                <emma:interpretation id="interp8" emma:lang="en-GB" emma:confidence="0">
+                  <emma:literal>r:</emma:literal>
+                </emma:interpretation>
+                <emma:interpretation id="interp9" emma:lang="en-GB" emma:confidence="0">
+                  <emma:literal>...</emma:literal>
+                </emma:interpretation>
+              </emma:one-of>
+            </emma:emma>
+          </inkml:annotationXML>
+          <inkml:trace contextRef="#ctx0" brushRef="#br0" timeOffset="-469">13264 8460 2048,'-22'44'1024,"22"-22"-1664,0-22 1536,0 0-1152,22 0 128,-22-22-640,22 0 0</inkml:trace>
+          <inkml:trace contextRef="#ctx0" brushRef="#br0" timeOffset="467">12712 7775 0,'0'44'0</inkml:trace>
+          <inkml:trace contextRef="#ctx0" brushRef="#br0" timeOffset="637">12712 7748 512,'0'0'256,"38"0"-640,-38-39 256</inkml:trace>
+          <inkml:trace contextRef="#ctx0" brushRef="#br0" timeOffset="1244">12800 7709 1152,'-66'22'512,"88"0"-1536,-22-22 640</inkml:trace>
+        </inkml:traceGroup>
+        <inkml:traceGroup>
+          <inkml:annotationXML>
+            <emma:emma xmlns:emma="http://www.w3.org/2003/04/emma" version="1.0">
+              <emma:interpretation id="{6F7BA3A6-B900-436C-88DA-7CC7693C1358}" emma:medium="tactile" emma:mode="ink">
+                <msink:context xmlns:msink="http://schemas.microsoft.com/ink/2010/main" type="inkWord" rotatedBoundingBox="18720,6115 19191,5874 19521,6519 19050,6760"/>
+              </emma:interpretation>
+              <emma:one-of disjunction-type="recognition" id="oneOf2">
+                <emma:interpretation id="interp10" emma:lang="en-GB" emma:confidence="0">
+                  <emma:literal>|</emma:literal>
+                </emma:interpretation>
+                <emma:interpretation id="interp11" emma:lang="en-GB" emma:confidence="0">
+                  <emma:literal>/</emma:literal>
+                </emma:interpretation>
+                <emma:interpretation id="interp12" emma:lang="en-GB" emma:confidence="0">
+                  <emma:literal>r</emma:literal>
+                </emma:interpretation>
+                <emma:interpretation id="interp13" emma:lang="en-GB" emma:confidence="0">
+                  <emma:literal>.</emma:literal>
+                </emma:interpretation>
+                <emma:interpretation id="interp14" emma:lang="en-GB" emma:confidence="0">
+                  <emma:literal>\</emma:literal>
+                </emma:interpretation>
+              </emma:one-of>
+            </emma:emma>
+          </inkml:annotationXML>
+          <inkml:trace contextRef="#ctx0" brushRef="#br0" timeOffset="-982">14744 7511 1536,'0'0'768,"-22"0"-128,22 0 896,0 0-1408,0 0 128,-22 0-128,22 21 128,0-21-384,-22-21 128,22 21 128,0 0 0,0 0-128,0 0 128,0 0-128,0-23 0,0 23 0,0-22 0,0 22 0,0-22 0,0 0 0,0 0 128,22 0-128,-22 0 0,0 0 0,0-22 0,22 21 0,-22-21 128,22 0-128,-22 22 128,22-22-128,-22 0 128,0 22-128,22-1 128,-22-21-128,0 22 128,22-22-128,-22 22 0,0 0 0,0 0 128,0 0-256,0 0 128,22 0-512,-22-1 0,0 2-256,22-24 0</inkml:trace>
+          <inkml:trace contextRef="#ctx0" brushRef="#br0" timeOffset="-1381">14811 7510 128,'0'0'0</inkml:trace>
+        </inkml:traceGroup>
+      </inkml:traceGroup>
+    </inkml:traceGroup>
+  </inkml:traceGroup>
+</inkml:ink>
+</file>
+
+<file path=ppt/ink/ink2.xml><?xml version="1.0" encoding="utf-8"?>
+<inkml:ink xmlns:inkml="http://www.w3.org/2003/InkML">
+  <inkml:definitions>
+    <inkml:context xml:id="ctx0">
+      <inkml:inkSource xml:id="inkSrc0">
+        <inkml:traceFormat>
+          <inkml:channel name="X" type="integer" min="-2.14748E9" max="2.14748E9" units="cm"/>
+          <inkml:channel name="Y" type="integer" min="-2.14748E9" max="2.14748E9" units="cm"/>
+          <inkml:channel name="F" type="integer" max="32767" units="dev"/>
+        </inkml:traceFormat>
+        <inkml:channelProperties>
+          <inkml:channelProperty channel="X" name="resolution" value="1000" units="1/cm"/>
+          <inkml:channelProperty channel="Y" name="resolution" value="1000" units="1/cm"/>
+          <inkml:channelProperty channel="F" name="resolution" value="0" units="1/dev"/>
+        </inkml:channelProperties>
+      </inkml:inkSource>
+      <inkml:timestamp xml:id="ts0" timeString="2016-12-10T10:10:48.339"/>
+    </inkml:context>
+    <inkml:brush xml:id="br0">
+      <inkml:brushProperty name="width" value="0.02857" units="cm"/>
+      <inkml:brushProperty name="height" value="0.02857" units="cm"/>
+    </inkml:brush>
+  </inkml:definitions>
+  <inkml:traceGroup>
+    <inkml:annotationXML>
+      <emma:emma xmlns:emma="http://www.w3.org/2003/04/emma" version="1.0">
+        <emma:interpretation id="{D4EEE54F-8279-4393-961C-DBDB9017EE50}" emma:medium="tactile" emma:mode="ink">
+          <msink:context xmlns:msink="http://schemas.microsoft.com/ink/2010/main" type="inkDrawing"/>
+        </emma:interpretation>
+      </emma:emma>
+    </inkml:annotationXML>
+    <inkml:trace contextRef="#ctx0" brushRef="#br0">13204 7489 0,'0'0'0</inkml:trace>
+  </inkml:traceGroup>
+</inkml:ink>
+</file>
+
+<file path=ppt/ink/ink3.xml><?xml version="1.0" encoding="utf-8"?>
+<inkml:ink xmlns:inkml="http://www.w3.org/2003/InkML">
+  <inkml:definitions>
+    <inkml:context xml:id="ctx0">
+      <inkml:inkSource xml:id="inkSrc0">
+        <inkml:traceFormat>
+          <inkml:channel name="X" type="integer" min="-2.14748E9" max="2.14748E9" units="cm"/>
+          <inkml:channel name="Y" type="integer" min="-2.14748E9" max="2.14748E9" units="cm"/>
+          <inkml:channel name="F" type="integer" max="32767" units="dev"/>
+        </inkml:traceFormat>
+        <inkml:channelProperties>
+          <inkml:channelProperty channel="X" name="resolution" value="1000" units="1/cm"/>
+          <inkml:channelProperty channel="Y" name="resolution" value="1000" units="1/cm"/>
+          <inkml:channelProperty channel="F" name="resolution" value="0" units="1/dev"/>
+        </inkml:channelProperties>
+      </inkml:inkSource>
+      <inkml:timestamp xml:id="ts0" timeString="2016-12-10T10:11:44.177"/>
+    </inkml:context>
+    <inkml:brush xml:id="br0">
+      <inkml:brushProperty name="width" value="0.02857" units="cm"/>
+      <inkml:brushProperty name="height" value="0.02857" units="cm"/>
+    </inkml:brush>
+  </inkml:definitions>
+  <inkml:traceGroup>
+    <inkml:annotationXML>
+      <emma:emma xmlns:emma="http://www.w3.org/2003/04/emma" version="1.0">
+        <emma:interpretation id="{BB2D804A-95AE-4A51-8047-F17DF7A91CC3}" emma:medium="tactile" emma:mode="ink">
+          <msink:context xmlns:msink="http://schemas.microsoft.com/ink/2010/main" type="writingRegion" rotatedBoundingBox="18530,1719 18574,1719 18574,1744 18530,1744"/>
+        </emma:interpretation>
+      </emma:emma>
+    </inkml:annotationXML>
+    <inkml:traceGroup>
+      <inkml:annotationXML>
+        <emma:emma xmlns:emma="http://www.w3.org/2003/04/emma" version="1.0">
+          <emma:interpretation id="{24FAD8B6-A42D-4D09-ABD3-D1941B59471A}" emma:medium="tactile" emma:mode="ink">
+            <msink:context xmlns:msink="http://schemas.microsoft.com/ink/2010/main" type="paragraph" rotatedBoundingBox="18530,1719 18574,1719 18574,1744 18530,1744" alignmentLevel="1"/>
+          </emma:interpretation>
+        </emma:emma>
+      </inkml:annotationXML>
+      <inkml:traceGroup>
+        <inkml:annotationXML>
+          <emma:emma xmlns:emma="http://www.w3.org/2003/04/emma" version="1.0">
+            <emma:interpretation id="{E5B2D3E3-7EF0-4B51-B9AA-A6CEB196AC94}" emma:medium="tactile" emma:mode="ink">
+              <msink:context xmlns:msink="http://schemas.microsoft.com/ink/2010/main" type="line" rotatedBoundingBox="18530,1719 18574,1719 18574,1744 18530,1744"/>
+            </emma:interpretation>
+          </emma:emma>
+        </inkml:annotationXML>
+        <inkml:traceGroup>
+          <inkml:annotationXML>
+            <emma:emma xmlns:emma="http://www.w3.org/2003/04/emma" version="1.0">
+              <emma:interpretation id="{63238EA3-952D-4575-95D7-9674F8140FA6}" emma:medium="tactile" emma:mode="ink">
+                <msink:context xmlns:msink="http://schemas.microsoft.com/ink/2010/main" type="inkWord" rotatedBoundingBox="18530,1719 18574,1719 18574,1744 18530,1744"/>
+              </emma:interpretation>
+              <emma:one-of disjunction-type="recognition" id="oneOf0">
+                <emma:interpretation id="interp0" emma:lang="en-GB" emma:confidence="0">
+                  <emma:literal>.</emma:literal>
+                </emma:interpretation>
+                <emma:interpretation id="interp1" emma:lang="en-GB" emma:confidence="0">
+                  <emma:literal>`</emma:literal>
+                </emma:interpretation>
+                <emma:interpretation id="interp2" emma:lang="en-GB" emma:confidence="0">
+                  <emma:literal>~</emma:literal>
+                </emma:interpretation>
+                <emma:interpretation id="interp3" emma:lang="en-GB" emma:confidence="0">
+                  <emma:literal>-</emma:literal>
+                </emma:interpretation>
+                <emma:interpretation id="interp4" emma:lang="en-GB" emma:confidence="0">
+                  <emma:literal>'</emma:literal>
+                </emma:interpretation>
+              </emma:one-of>
+            </emma:emma>
+          </inkml:annotationXML>
+          <inkml:trace contextRef="#ctx0" brushRef="#br0">14357 3601 1152,'-44'-22'512,"44"22"-1408,0 0 512</inkml:trace>
+        </inkml:traceGroup>
+      </inkml:traceGroup>
+    </inkml:traceGroup>
+  </inkml:traceGroup>
+</inkml:ink>
 </file>
 
 <file path=ppt/notesMasters/notesMaster1.xml><?xml version="1.0" encoding="utf-8"?>
@@ -1136,120 +1391,10 @@
           <a:bodyPr/>
           <a:lstStyle/>
           <a:p>
-            <a:pPr marL="0" marR="0" lvl="0" indent="0" algn="l" defTabSz="914400" rtl="0" eaLnBrk="1" fontAlgn="auto" latinLnBrk="0" hangingPunct="1">
-              <a:lnSpc>
-                <a:spcPct val="100000"/>
-              </a:lnSpc>
-              <a:spcBef>
-                <a:spcPts val="0"/>
-              </a:spcBef>
-              <a:spcAft>
-                <a:spcPts val="0"/>
-              </a:spcAft>
-              <a:buClrTx/>
-              <a:buSzTx/>
-              <a:buFontTx/>
-              <a:buNone/>
-              <a:tabLst/>
-              <a:defRPr/>
-            </a:pPr>
             <a:r>
               <a:rPr lang="en-GB" dirty="0"/>
-              <a:t>Instead of having a generic health </a:t>
-            </a:r>
-          </a:p>
-          <a:p>
-            <a:pPr marL="0" marR="0" lvl="0" indent="0" algn="l" defTabSz="914400" rtl="0" eaLnBrk="1" fontAlgn="auto" latinLnBrk="0" hangingPunct="1">
-              <a:lnSpc>
-                <a:spcPct val="100000"/>
-              </a:lnSpc>
-              <a:spcBef>
-                <a:spcPts val="0"/>
-              </a:spcBef>
-              <a:spcAft>
-                <a:spcPts val="0"/>
-              </a:spcAft>
-              <a:buClrTx/>
-              <a:buSzTx/>
-              <a:buFontTx/>
-              <a:buNone/>
-              <a:tabLst/>
-              <a:defRPr/>
-            </a:pPr>
-            <a:r>
-              <a:rPr lang="en-GB" dirty="0"/>
-              <a:t>to store many more questions that can be queried by a web server for questions to make the selection random each time.</a:t>
-            </a:r>
-          </a:p>
-          <a:p>
-            <a:pPr marL="0" marR="0" lvl="0" indent="0" algn="l" defTabSz="914400" rtl="0" eaLnBrk="1" fontAlgn="auto" latinLnBrk="0" hangingPunct="1">
-              <a:lnSpc>
-                <a:spcPct val="100000"/>
-              </a:lnSpc>
-              <a:spcBef>
-                <a:spcPts val="0"/>
-              </a:spcBef>
-              <a:spcAft>
-                <a:spcPts val="0"/>
-              </a:spcAft>
-              <a:buClrTx/>
-              <a:buSzTx/>
-              <a:buFontTx/>
-              <a:buNone/>
-              <a:tabLst/>
-              <a:defRPr/>
-            </a:pPr>
-            <a:r>
-              <a:rPr lang="en-GB" dirty="0"/>
-              <a:t>As a incentive to share the application with friends, the sharer will be rewarded</a:t>
-            </a:r>
-            <a:r>
-              <a:rPr lang="en-GB" baseline="0" dirty="0"/>
-              <a:t> with it. A</a:t>
-            </a:r>
-            <a:r>
-              <a:rPr lang="en-GB" dirty="0"/>
-              <a:t>s previously created snapchat filters have proven successful. </a:t>
-            </a:r>
-            <a:r>
-              <a:rPr lang="en-GB" baseline="0" dirty="0"/>
-              <a:t> A</a:t>
-            </a:r>
-            <a:r>
-              <a:rPr lang="en-GB" dirty="0"/>
-              <a:t>llowing follower to send cash through a linked debit card.</a:t>
-            </a:r>
-          </a:p>
-          <a:p>
-            <a:pPr marL="0" marR="0" lvl="0" indent="0" algn="l" defTabSz="914400" rtl="0" eaLnBrk="1" fontAlgn="auto" latinLnBrk="0" hangingPunct="1">
-              <a:lnSpc>
-                <a:spcPct val="100000"/>
-              </a:lnSpc>
-              <a:spcBef>
-                <a:spcPts val="0"/>
-              </a:spcBef>
-              <a:spcAft>
-                <a:spcPts val="0"/>
-              </a:spcAft>
-              <a:buClrTx/>
-              <a:buSzTx/>
-              <a:buFontTx/>
-              <a:buNone/>
-              <a:tabLst/>
-              <a:defRPr/>
-            </a:pPr>
-            <a:r>
-              <a:rPr lang="en-GB" dirty="0"/>
-              <a:t>Currently</a:t>
-            </a:r>
-            <a:r>
-              <a:rPr lang="en-GB" baseline="0" dirty="0"/>
-              <a:t> allows you to share your score and the site link to your feed but more integration can allow the user to allow share their profile with the site, allowing us to tailor questions based on their profile.</a:t>
-            </a:r>
-            <a:endParaRPr lang="en-GB" dirty="0"/>
-          </a:p>
-          <a:p>
-            <a:endParaRPr lang="en-GB" dirty="0"/>
+              <a:t>Landing page asks them for a question</a:t>
+            </a:r>
           </a:p>
         </p:txBody>
       </p:sp>
@@ -1279,7 +1424,7 @@
     </p:spTree>
     <p:extLst>
       <p:ext uri="{BB962C8B-B14F-4D97-AF65-F5344CB8AC3E}">
-        <p14:creationId xmlns:p14="http://schemas.microsoft.com/office/powerpoint/2010/main" val="188750156"/>
+        <p14:creationId xmlns:p14="http://schemas.microsoft.com/office/powerpoint/2010/main" val="36719835"/>
       </p:ext>
     </p:extLst>
   </p:cSld>
@@ -1333,6 +1478,203 @@
           <a:bodyPr/>
           <a:lstStyle/>
           <a:p>
+            <a:pPr marL="0" marR="0" lvl="0" indent="0" algn="l" defTabSz="914400" rtl="0" eaLnBrk="1" fontAlgn="auto" latinLnBrk="0" hangingPunct="1">
+              <a:lnSpc>
+                <a:spcPct val="100000"/>
+              </a:lnSpc>
+              <a:spcBef>
+                <a:spcPts val="0"/>
+              </a:spcBef>
+              <a:spcAft>
+                <a:spcPts val="0"/>
+              </a:spcAft>
+              <a:buClrTx/>
+              <a:buSzTx/>
+              <a:buFontTx/>
+              <a:buNone/>
+              <a:tabLst/>
+              <a:defRPr/>
+            </a:pPr>
+            <a:r>
+              <a:rPr lang="en-GB" dirty="0"/>
+              <a:t>Instead of having a generic health </a:t>
+            </a:r>
+          </a:p>
+          <a:p>
+            <a:pPr marL="0" marR="0" lvl="0" indent="0" algn="l" defTabSz="914400" rtl="0" eaLnBrk="1" fontAlgn="auto" latinLnBrk="0" hangingPunct="1">
+              <a:lnSpc>
+                <a:spcPct val="100000"/>
+              </a:lnSpc>
+              <a:spcBef>
+                <a:spcPts val="0"/>
+              </a:spcBef>
+              <a:spcAft>
+                <a:spcPts val="0"/>
+              </a:spcAft>
+              <a:buClrTx/>
+              <a:buSzTx/>
+              <a:buFontTx/>
+              <a:buNone/>
+              <a:tabLst/>
+              <a:defRPr/>
+            </a:pPr>
+            <a:r>
+              <a:rPr lang="en-GB" dirty="0"/>
+              <a:t>to store many more questions that can be queried by a web server for questions to make the selection random each time.</a:t>
+            </a:r>
+          </a:p>
+          <a:p>
+            <a:pPr marL="0" marR="0" lvl="0" indent="0" algn="l" defTabSz="914400" rtl="0" eaLnBrk="1" fontAlgn="auto" latinLnBrk="0" hangingPunct="1">
+              <a:lnSpc>
+                <a:spcPct val="100000"/>
+              </a:lnSpc>
+              <a:spcBef>
+                <a:spcPts val="0"/>
+              </a:spcBef>
+              <a:spcAft>
+                <a:spcPts val="0"/>
+              </a:spcAft>
+              <a:buClrTx/>
+              <a:buSzTx/>
+              <a:buFontTx/>
+              <a:buNone/>
+              <a:tabLst/>
+              <a:defRPr/>
+            </a:pPr>
+            <a:r>
+              <a:rPr lang="en-GB" dirty="0"/>
+              <a:t>As a incentive to share the application with friends, the sharer will be rewarded</a:t>
+            </a:r>
+            <a:r>
+              <a:rPr lang="en-GB" baseline="0" dirty="0"/>
+              <a:t> with it. A</a:t>
+            </a:r>
+            <a:r>
+              <a:rPr lang="en-GB" dirty="0"/>
+              <a:t>s previously created snapchat filters have proven successful. </a:t>
+            </a:r>
+            <a:r>
+              <a:rPr lang="en-GB" baseline="0" dirty="0"/>
+              <a:t> A</a:t>
+            </a:r>
+            <a:r>
+              <a:rPr lang="en-GB" dirty="0"/>
+              <a:t>llowing follower to send cash through a linked debit card.</a:t>
+            </a:r>
+          </a:p>
+          <a:p>
+            <a:pPr marL="0" marR="0" lvl="0" indent="0" algn="l" defTabSz="914400" rtl="0" eaLnBrk="1" fontAlgn="auto" latinLnBrk="0" hangingPunct="1">
+              <a:lnSpc>
+                <a:spcPct val="100000"/>
+              </a:lnSpc>
+              <a:spcBef>
+                <a:spcPts val="0"/>
+              </a:spcBef>
+              <a:spcAft>
+                <a:spcPts val="0"/>
+              </a:spcAft>
+              <a:buClrTx/>
+              <a:buSzTx/>
+              <a:buFontTx/>
+              <a:buNone/>
+              <a:tabLst/>
+              <a:defRPr/>
+            </a:pPr>
+            <a:r>
+              <a:rPr lang="en-GB" dirty="0"/>
+              <a:t>Currently</a:t>
+            </a:r>
+            <a:r>
+              <a:rPr lang="en-GB" baseline="0" dirty="0"/>
+              <a:t> allows you to share your score and the site link to your feed but more integration can allow the user to allow share their profile with the site, allowing us to tailor questions based on their profile.</a:t>
+            </a:r>
+            <a:endParaRPr lang="en-GB" dirty="0"/>
+          </a:p>
+          <a:p>
+            <a:endParaRPr lang="en-GB" dirty="0"/>
+          </a:p>
+        </p:txBody>
+      </p:sp>
+      <p:sp>
+        <p:nvSpPr>
+          <p:cNvPr id="4" name="Slide Number Placeholder 3"/>
+          <p:cNvSpPr>
+            <a:spLocks noGrp="1"/>
+          </p:cNvSpPr>
+          <p:nvPr>
+            <p:ph type="sldNum" sz="quarter" idx="10"/>
+          </p:nvPr>
+        </p:nvSpPr>
+        <p:spPr/>
+        <p:txBody>
+          <a:bodyPr/>
+          <a:lstStyle/>
+          <a:p>
+            <a:fld id="{CDE8920A-880C-4DAA-A893-D2B86E971586}" type="slidenum">
+              <a:rPr lang="en-GB" smtClean="0"/>
+              <a:t>9</a:t>
+            </a:fld>
+            <a:endParaRPr lang="en-GB"/>
+          </a:p>
+        </p:txBody>
+      </p:sp>
+    </p:spTree>
+    <p:extLst>
+      <p:ext uri="{BB962C8B-B14F-4D97-AF65-F5344CB8AC3E}">
+        <p14:creationId xmlns:p14="http://schemas.microsoft.com/office/powerpoint/2010/main" val="188750156"/>
+      </p:ext>
+    </p:extLst>
+  </p:cSld>
+  <p:clrMapOvr>
+    <a:masterClrMapping/>
+  </p:clrMapOvr>
+</p:notes>
+</file>
+
+<file path=ppt/notesSlides/notesSlide9.xml><?xml version="1.0" encoding="utf-8"?>
+<p:notes xmlns:a="http://schemas.openxmlformats.org/drawingml/2006/main" xmlns:r="http://schemas.openxmlformats.org/officeDocument/2006/relationships" xmlns:p="http://schemas.openxmlformats.org/presentationml/2006/main">
+  <p:cSld>
+    <p:spTree>
+      <p:nvGrpSpPr>
+        <p:cNvPr id="1" name=""/>
+        <p:cNvGrpSpPr/>
+        <p:nvPr/>
+      </p:nvGrpSpPr>
+      <p:grpSpPr>
+        <a:xfrm>
+          <a:off x="0" y="0"/>
+          <a:ext cx="0" cy="0"/>
+          <a:chOff x="0" y="0"/>
+          <a:chExt cx="0" cy="0"/>
+        </a:xfrm>
+      </p:grpSpPr>
+      <p:sp>
+        <p:nvSpPr>
+          <p:cNvPr id="2" name="Slide Image Placeholder 1"/>
+          <p:cNvSpPr>
+            <a:spLocks noGrp="1" noRot="1" noChangeAspect="1"/>
+          </p:cNvSpPr>
+          <p:nvPr>
+            <p:ph type="sldImg"/>
+          </p:nvPr>
+        </p:nvSpPr>
+        <p:spPr/>
+      </p:sp>
+      <p:sp>
+        <p:nvSpPr>
+          <p:cNvPr id="3" name="Notes Placeholder 2"/>
+          <p:cNvSpPr>
+            <a:spLocks noGrp="1"/>
+          </p:cNvSpPr>
+          <p:nvPr>
+            <p:ph type="body" idx="1"/>
+          </p:nvPr>
+        </p:nvSpPr>
+        <p:spPr/>
+        <p:txBody>
+          <a:bodyPr/>
+          <a:lstStyle/>
+          <a:p>
             <a:pPr marL="228600" indent="-228600">
               <a:buAutoNum type="arabicPeriod"/>
             </a:pPr>
@@ -1454,7 +1796,7 @@
           <a:p>
             <a:fld id="{CDE8920A-880C-4DAA-A893-D2B86E971586}" type="slidenum">
               <a:rPr lang="en-GB" smtClean="0"/>
-              <a:t>9</a:t>
+              <a:t>10</a:t>
             </a:fld>
             <a:endParaRPr lang="en-GB"/>
           </a:p>
@@ -4523,6 +4865,353 @@
           <a:chExt cx="0" cy="0"/>
         </a:xfrm>
       </p:grpSpPr>
+      <p:sp>
+        <p:nvSpPr>
+          <p:cNvPr id="2" name="Title 1"/>
+          <p:cNvSpPr>
+            <a:spLocks noGrp="1"/>
+          </p:cNvSpPr>
+          <p:nvPr>
+            <p:ph type="title"/>
+          </p:nvPr>
+        </p:nvSpPr>
+        <p:spPr/>
+        <p:txBody>
+          <a:bodyPr>
+            <a:normAutofit/>
+          </a:bodyPr>
+          <a:lstStyle/>
+          <a:p>
+            <a:r>
+              <a:rPr lang="en-GB" sz="4800" b="1" dirty="0"/>
+              <a:t>References:</a:t>
+            </a:r>
+          </a:p>
+        </p:txBody>
+      </p:sp>
+      <p:sp>
+        <p:nvSpPr>
+          <p:cNvPr id="3" name="Content Placeholder 2"/>
+          <p:cNvSpPr>
+            <a:spLocks noGrp="1"/>
+          </p:cNvSpPr>
+          <p:nvPr>
+            <p:ph idx="1"/>
+          </p:nvPr>
+        </p:nvSpPr>
+        <p:spPr>
+          <a:xfrm>
+            <a:off x="465221" y="1825625"/>
+            <a:ext cx="10888579" cy="4351338"/>
+          </a:xfrm>
+        </p:spPr>
+        <p:txBody>
+          <a:bodyPr>
+            <a:normAutofit lnSpcReduction="10000"/>
+          </a:bodyPr>
+          <a:lstStyle/>
+          <a:p>
+            <a:pPr lvl="1">
+              <a:buFont typeface="+mj-lt"/>
+              <a:buAutoNum type="arabicPeriod"/>
+            </a:pPr>
+            <a:r>
+              <a:rPr lang="en-GB" sz="1200" dirty="0"/>
+              <a:t>“What is the most common form of dementia?”</a:t>
+            </a:r>
+            <a:br>
+              <a:rPr lang="en-GB" sz="1200" dirty="0"/>
+            </a:br>
+            <a:r>
+              <a:rPr lang="en-GB" sz="1200" i="1" dirty="0">
+                <a:solidFill>
+                  <a:srgbClr val="FF9900"/>
+                </a:solidFill>
+              </a:rPr>
+              <a:t>Judd, N. and Society, A. (2007) What is Alzheimer’s disease? - Alzheimer’s society. Available at: https://www.alzheimers.org.uk/site/scripts/documents_info.php?documentID=100 (Accessed: 10 December 2016).</a:t>
+            </a:r>
+          </a:p>
+          <a:p>
+            <a:pPr lvl="1">
+              <a:buFont typeface="+mj-lt"/>
+              <a:buAutoNum type="arabicPeriod"/>
+            </a:pPr>
+            <a:r>
+              <a:rPr lang="en-GB" sz="1200" dirty="0"/>
+              <a:t>“Who has a higher risk of developing Alzheimer’s disease?”</a:t>
+            </a:r>
+            <a:br>
+              <a:rPr lang="en-GB" sz="1200" dirty="0"/>
+            </a:br>
+            <a:r>
+              <a:rPr lang="en-GB" sz="1200" i="1" dirty="0">
+                <a:solidFill>
+                  <a:srgbClr val="FF9900"/>
+                </a:solidFill>
+              </a:rPr>
+              <a:t>Sauer, A. (2015) Why is Alzheimer’s more likely in women? Available at: http://www.alzheimers.net/8-12-15-why-is-alzheimers-more-likely-in-women/ (Accessed: 10 December 2016).</a:t>
+            </a:r>
+          </a:p>
+          <a:p>
+            <a:pPr lvl="1">
+              <a:buFont typeface="+mj-lt"/>
+              <a:buAutoNum type="arabicPeriod"/>
+            </a:pPr>
+            <a:r>
+              <a:rPr lang="en-GB" sz="1200" dirty="0"/>
+              <a:t>“What are the two proteins responsible for dementia?”</a:t>
+            </a:r>
+            <a:br>
+              <a:rPr lang="en-GB" sz="1200" dirty="0"/>
+            </a:br>
+            <a:r>
+              <a:rPr lang="en-GB" sz="1200" i="1" dirty="0">
+                <a:solidFill>
+                  <a:srgbClr val="FF9900"/>
+                </a:solidFill>
+              </a:rPr>
+              <a:t>Bloom, G.S. (2014) ‘Amyloid-</a:t>
+            </a:r>
+            <a:r>
+              <a:rPr lang="el-GR" sz="1200" i="1" dirty="0">
+                <a:solidFill>
+                  <a:srgbClr val="FF9900"/>
+                </a:solidFill>
+              </a:rPr>
+              <a:t>β </a:t>
+            </a:r>
+            <a:r>
+              <a:rPr lang="en-GB" sz="1200" i="1" dirty="0">
+                <a:solidFill>
+                  <a:srgbClr val="FF9900"/>
+                </a:solidFill>
+              </a:rPr>
+              <a:t>and Tau’, JAMA Neurology, 71(4), p. 505. </a:t>
+            </a:r>
+            <a:r>
+              <a:rPr lang="en-GB" sz="1200" i="1" dirty="0" err="1">
+                <a:solidFill>
+                  <a:srgbClr val="FF9900"/>
+                </a:solidFill>
+              </a:rPr>
+              <a:t>doi</a:t>
+            </a:r>
+            <a:r>
+              <a:rPr lang="en-GB" sz="1200" i="1" dirty="0">
+                <a:solidFill>
+                  <a:srgbClr val="FF9900"/>
+                </a:solidFill>
+              </a:rPr>
+              <a:t>: 10.1001/jamaneurol.2013.5847.</a:t>
+            </a:r>
+          </a:p>
+          <a:p>
+            <a:pPr lvl="1">
+              <a:buFont typeface="+mj-lt"/>
+              <a:buAutoNum type="arabicPeriod"/>
+            </a:pPr>
+            <a:r>
+              <a:rPr lang="en-GB" sz="1200" dirty="0"/>
+              <a:t>“Is there a cure for Alzheimer’s disease?”</a:t>
+            </a:r>
+            <a:br>
+              <a:rPr lang="en-GB" sz="1200" dirty="0"/>
+            </a:br>
+            <a:r>
+              <a:rPr lang="en-GB" sz="1200" i="1" dirty="0">
+                <a:solidFill>
+                  <a:srgbClr val="FF9900"/>
+                </a:solidFill>
+              </a:rPr>
+              <a:t>Association®, A. (2016) Latest treatment options. Available at: http://www.alz.org/alzheimers_disease_treatments.asp (Accessed: 10 December 2016).</a:t>
+            </a:r>
+          </a:p>
+          <a:p>
+            <a:pPr lvl="1">
+              <a:buFont typeface="+mj-lt"/>
+              <a:buAutoNum type="arabicPeriod"/>
+            </a:pPr>
+            <a:r>
+              <a:rPr lang="en-GB" sz="1200" dirty="0"/>
+              <a:t>“How much does dementia effect the global economy?”</a:t>
+            </a:r>
+            <a:br>
+              <a:rPr lang="en-GB" sz="1200" i="1" dirty="0"/>
+            </a:br>
+            <a:r>
+              <a:rPr lang="en-GB" sz="1200" dirty="0">
+                <a:solidFill>
+                  <a:srgbClr val="FF9900"/>
+                </a:solidFill>
+              </a:rPr>
+              <a:t>10 things you need to know about the impact of dementia on people, carers and the economy | Alzheimer’s research UK (2017) Available at: http://www.alzheimersresearchuk.org/about-dementia/facts-stats/10-things-you-need-to-know-about-the-impact-of-dementia/ (Accessed: 10 December 2016).</a:t>
+            </a:r>
+          </a:p>
+          <a:p>
+            <a:pPr lvl="1">
+              <a:buFont typeface="+mj-lt"/>
+              <a:buAutoNum type="arabicPeriod"/>
+            </a:pPr>
+            <a:r>
+              <a:rPr lang="en-GB" sz="1200" dirty="0"/>
+              <a:t>“Is Alzheimer’s disease fatal?”</a:t>
+            </a:r>
+            <a:br>
+              <a:rPr lang="en-GB" sz="1200" dirty="0"/>
+            </a:br>
+            <a:r>
+              <a:rPr lang="en-GB" sz="1200" i="1" dirty="0">
+                <a:solidFill>
+                  <a:srgbClr val="FF9900"/>
+                </a:solidFill>
+              </a:rPr>
+              <a:t>Association®, A. (2016) Memory loss myths &amp; facts. Available at: http://www.alz.org/alzheimers_disease_myths_about_alzheimers.asp (Accessed: 10 December 2016).</a:t>
+            </a:r>
+          </a:p>
+          <a:p>
+            <a:pPr lvl="1">
+              <a:buFont typeface="+mj-lt"/>
+              <a:buAutoNum type="arabicPeriod"/>
+            </a:pPr>
+            <a:r>
+              <a:rPr lang="en-GB" sz="1200" dirty="0"/>
+              <a:t>Does Alzheimer's only effect people over 65? </a:t>
+            </a:r>
+            <a:br>
+              <a:rPr lang="en-GB" sz="1200" dirty="0"/>
+            </a:br>
+            <a:r>
+              <a:rPr lang="en-GB" sz="1200" i="1" dirty="0">
+                <a:solidFill>
+                  <a:srgbClr val="FF9900"/>
+                </a:solidFill>
+              </a:rPr>
+              <a:t>Association®, A. (2016) Memory loss myths &amp; facts. Available at: http://www.alz.org/alzheimers_disease_myths_about_alzheimers.asp (Accessed: 10 December 2016).</a:t>
+            </a:r>
+          </a:p>
+          <a:p>
+            <a:pPr lvl="1">
+              <a:buFont typeface="+mj-lt"/>
+              <a:buAutoNum type="arabicPeriod"/>
+            </a:pPr>
+            <a:r>
+              <a:rPr lang="en-GB" sz="1200" dirty="0"/>
+              <a:t>“Alzheimer’s and </a:t>
+            </a:r>
+            <a:r>
+              <a:rPr lang="en-GB" sz="1200" dirty="0" err="1"/>
+              <a:t>Dimentia</a:t>
+            </a:r>
+            <a:r>
+              <a:rPr lang="en-GB" sz="1200" dirty="0"/>
+              <a:t> are the leading causes of death in the UK?”</a:t>
+            </a:r>
+            <a:br>
+              <a:rPr lang="en-GB" sz="1200" dirty="0"/>
+            </a:br>
+            <a:r>
+              <a:rPr lang="en-GB" sz="1200" i="1" dirty="0">
+                <a:solidFill>
+                  <a:srgbClr val="FF9900"/>
+                </a:solidFill>
+              </a:rPr>
+              <a:t>Siddique, H. (2016) Dementia and Alzheimer’s leading cause of death in England and wales. Available at: https://www.theguardian.com/society/2016/nov/14/dementia-and-alzheimers-leading-cause-of-death-england-and-wales (Accessed: 10 December 2016).</a:t>
+            </a:r>
+          </a:p>
+          <a:p>
+            <a:pPr lvl="1">
+              <a:buFont typeface="+mj-lt"/>
+              <a:buAutoNum type="arabicPeriod"/>
+            </a:pPr>
+            <a:r>
+              <a:rPr lang="en-GB" sz="1200" dirty="0"/>
+              <a:t>“Are the most prominent symptoms of Alzheimer's disease include memory loss, gradual loss of speech, and/or difficulties with any physical movements?”</a:t>
+            </a:r>
+            <a:br>
+              <a:rPr lang="en-GB" sz="1200" dirty="0"/>
+            </a:br>
+            <a:r>
+              <a:rPr lang="en-GB" sz="1200" i="1" dirty="0">
+                <a:solidFill>
+                  <a:srgbClr val="FF9900"/>
+                </a:solidFill>
+              </a:rPr>
+              <a:t>Choices, N. (2016) Alzheimer’s disease - symptoms. Available at: http://www.nhs.uk/Conditions/Alzheimers-disease/Pages/Symptoms.aspx (Accessed: 10 December 2016).</a:t>
+            </a:r>
+          </a:p>
+        </p:txBody>
+      </p:sp>
+      <p:pic>
+        <p:nvPicPr>
+          <p:cNvPr id="4" name="Picture 2" descr="https://www.everydayhero.co.uk/events/downloads/0000/2747/ARUK_campaign_logo_web.jpg"/>
+          <p:cNvPicPr>
+            <a:picLocks noChangeAspect="1" noChangeArrowheads="1"/>
+          </p:cNvPicPr>
+          <p:nvPr/>
+        </p:nvPicPr>
+        <p:blipFill>
+          <a:blip r:embed="rId3">
+            <a:extLst>
+              <a:ext uri="{28A0092B-C50C-407E-A947-70E740481C1C}">
+                <a14:useLocalDpi xmlns:a14="http://schemas.microsoft.com/office/drawing/2010/main" val="0"/>
+              </a:ext>
+            </a:extLst>
+          </a:blip>
+          <a:srcRect/>
+          <a:stretch>
+            <a:fillRect/>
+          </a:stretch>
+        </p:blipFill>
+        <p:spPr bwMode="auto">
+          <a:xfrm>
+            <a:off x="8942125" y="48247"/>
+            <a:ext cx="3203575" cy="1074116"/>
+          </a:xfrm>
+          <a:prstGeom prst="rect">
+            <a:avLst/>
+          </a:prstGeom>
+          <a:noFill/>
+          <a:extLst>
+            <a:ext uri="{909E8E84-426E-40DD-AFC4-6F175D3DCCD1}">
+              <a14:hiddenFill xmlns:a14="http://schemas.microsoft.com/office/drawing/2010/main">
+                <a:solidFill>
+                  <a:srgbClr val="FFFFFF"/>
+                </a:solidFill>
+              </a14:hiddenFill>
+            </a:ext>
+          </a:extLst>
+        </p:spPr>
+      </p:pic>
+    </p:spTree>
+    <p:extLst>
+      <p:ext uri="{BB962C8B-B14F-4D97-AF65-F5344CB8AC3E}">
+        <p14:creationId xmlns:p14="http://schemas.microsoft.com/office/powerpoint/2010/main" val="4011240471"/>
+      </p:ext>
+    </p:extLst>
+  </p:cSld>
+  <p:clrMapOvr>
+    <a:masterClrMapping/>
+  </p:clrMapOvr>
+</p:sld>
+</file>
+
+<file path=ppt/slides/slide11.xml><?xml version="1.0" encoding="utf-8"?>
+<p:sld xmlns:a="http://schemas.openxmlformats.org/drawingml/2006/main" xmlns:r="http://schemas.openxmlformats.org/officeDocument/2006/relationships" xmlns:p="http://schemas.openxmlformats.org/presentationml/2006/main">
+  <p:cSld>
+    <p:spTree>
+      <p:nvGrpSpPr>
+        <p:cNvPr id="1" name=""/>
+        <p:cNvGrpSpPr/>
+        <p:nvPr/>
+      </p:nvGrpSpPr>
+      <p:grpSpPr>
+        <a:xfrm>
+          <a:off x="0" y="0"/>
+          <a:ext cx="0" cy="0"/>
+          <a:chOff x="0" y="0"/>
+          <a:chExt cx="0" cy="0"/>
+        </a:xfrm>
+      </p:grpSpPr>
       <p:pic>
         <p:nvPicPr>
           <p:cNvPr id="1028" name="Picture 4" descr="http://i2.istockimg.com/file_thumbview_approve/66949071/5/stock-photo-66949071-orange-fruit-isolated-on-white.jpg"/>
@@ -4953,12 +5642,6 @@
             </a:pPr>
             <a:endParaRPr lang="en-GB" dirty="0"/>
           </a:p>
-          <a:p>
-            <a:pPr marL="0" indent="0">
-              <a:buNone/>
-            </a:pPr>
-            <a:endParaRPr lang="en-GB" dirty="0"/>
-          </a:p>
         </p:txBody>
       </p:sp>
       <p:pic>
@@ -5671,6 +6354,299 @@
           <a:chExt cx="0" cy="0"/>
         </a:xfrm>
       </p:grpSpPr>
+      <p:pic>
+        <p:nvPicPr>
+          <p:cNvPr id="9" name="Content Placeholder 8"/>
+          <p:cNvPicPr>
+            <a:picLocks noGrp="1" noChangeAspect="1"/>
+          </p:cNvPicPr>
+          <p:nvPr>
+            <p:ph idx="1"/>
+          </p:nvPr>
+        </p:nvPicPr>
+        <p:blipFill>
+          <a:blip r:embed="rId3">
+            <a:extLst>
+              <a:ext uri="{28A0092B-C50C-407E-A947-70E740481C1C}">
+                <a14:useLocalDpi xmlns:a14="http://schemas.microsoft.com/office/drawing/2010/main" val="0"/>
+              </a:ext>
+            </a:extLst>
+          </a:blip>
+          <a:stretch>
+            <a:fillRect/>
+          </a:stretch>
+        </p:blipFill>
+        <p:spPr>
+          <a:xfrm>
+            <a:off x="1057234" y="1075620"/>
+            <a:ext cx="4967206" cy="2792690"/>
+          </a:xfrm>
+        </p:spPr>
+      </p:pic>
+      <p:pic>
+        <p:nvPicPr>
+          <p:cNvPr id="10" name="Picture 9"/>
+          <p:cNvPicPr>
+            <a:picLocks noChangeAspect="1"/>
+          </p:cNvPicPr>
+          <p:nvPr/>
+        </p:nvPicPr>
+        <p:blipFill>
+          <a:blip r:embed="rId4">
+            <a:extLst>
+              <a:ext uri="{28A0092B-C50C-407E-A947-70E740481C1C}">
+                <a14:useLocalDpi xmlns:a14="http://schemas.microsoft.com/office/drawing/2010/main" val="0"/>
+              </a:ext>
+            </a:extLst>
+          </a:blip>
+          <a:stretch>
+            <a:fillRect/>
+          </a:stretch>
+        </p:blipFill>
+        <p:spPr>
+          <a:xfrm>
+            <a:off x="6265336" y="1075620"/>
+            <a:ext cx="4967205" cy="2792690"/>
+          </a:xfrm>
+          <a:prstGeom prst="rect">
+            <a:avLst/>
+          </a:prstGeom>
+        </p:spPr>
+      </p:pic>
+      <p:pic>
+        <p:nvPicPr>
+          <p:cNvPr id="11" name="Picture 10"/>
+          <p:cNvPicPr>
+            <a:picLocks noChangeAspect="1"/>
+          </p:cNvPicPr>
+          <p:nvPr/>
+        </p:nvPicPr>
+        <p:blipFill>
+          <a:blip r:embed="rId5">
+            <a:extLst>
+              <a:ext uri="{28A0092B-C50C-407E-A947-70E740481C1C}">
+                <a14:useLocalDpi xmlns:a14="http://schemas.microsoft.com/office/drawing/2010/main" val="0"/>
+              </a:ext>
+            </a:extLst>
+          </a:blip>
+          <a:stretch>
+            <a:fillRect/>
+          </a:stretch>
+        </p:blipFill>
+        <p:spPr>
+          <a:xfrm>
+            <a:off x="1057234" y="3953992"/>
+            <a:ext cx="4967206" cy="2792690"/>
+          </a:xfrm>
+          <a:prstGeom prst="rect">
+            <a:avLst/>
+          </a:prstGeom>
+        </p:spPr>
+      </p:pic>
+      <p:pic>
+        <p:nvPicPr>
+          <p:cNvPr id="16" name="Content Placeholder 9"/>
+          <p:cNvPicPr>
+            <a:picLocks noChangeAspect="1"/>
+          </p:cNvPicPr>
+          <p:nvPr/>
+        </p:nvPicPr>
+        <p:blipFill>
+          <a:blip r:embed="rId6">
+            <a:extLst>
+              <a:ext uri="{28A0092B-C50C-407E-A947-70E740481C1C}">
+                <a14:useLocalDpi xmlns:a14="http://schemas.microsoft.com/office/drawing/2010/main" val="0"/>
+              </a:ext>
+            </a:extLst>
+          </a:blip>
+          <a:stretch>
+            <a:fillRect/>
+          </a:stretch>
+        </p:blipFill>
+        <p:spPr>
+          <a:xfrm>
+            <a:off x="6265337" y="3953992"/>
+            <a:ext cx="4967205" cy="2792690"/>
+          </a:xfrm>
+          <a:prstGeom prst="rect">
+            <a:avLst/>
+          </a:prstGeom>
+        </p:spPr>
+      </p:pic>
+      <mc:AlternateContent xmlns:mc="http://schemas.openxmlformats.org/markup-compatibility/2006">
+        <mc:Choice xmlns:p14="http://schemas.microsoft.com/office/powerpoint/2010/main" Requires="p14">
+          <p:contentPart p14:bwMode="auto" r:id="rId7">
+            <p14:nvContentPartPr>
+              <p14:cNvPr id="21" name="Ink 20"/>
+              <p14:cNvContentPartPr/>
+              <p14:nvPr/>
+            </p14:nvContentPartPr>
+            <p14:xfrm>
+              <a:off x="6106565" y="2114948"/>
+              <a:ext cx="803109" cy="660137"/>
+            </p14:xfrm>
+          </p:contentPart>
+        </mc:Choice>
+        <mc:Fallback>
+          <p:pic>
+            <p:nvPicPr>
+              <p:cNvPr id="21" name="Ink 20"/>
+              <p:cNvPicPr/>
+              <p:nvPr/>
+            </p:nvPicPr>
+            <p:blipFill>
+              <a:blip r:embed="rId8"/>
+              <a:stretch>
+                <a:fillRect/>
+              </a:stretch>
+            </p:blipFill>
+            <p:spPr>
+              <a:xfrm>
+                <a:off x="6104765" y="2112788"/>
+                <a:ext cx="807069" cy="664456"/>
+              </a:xfrm>
+              <a:prstGeom prst="rect">
+                <a:avLst/>
+              </a:prstGeom>
+            </p:spPr>
+          </p:pic>
+        </mc:Fallback>
+      </mc:AlternateContent>
+      <mc:AlternateContent xmlns:mc="http://schemas.openxmlformats.org/markup-compatibility/2006">
+        <mc:Choice xmlns:p14="http://schemas.microsoft.com/office/powerpoint/2010/main" Requires="p14">
+          <p:contentPart p14:bwMode="auto" r:id="rId9">
+            <p14:nvContentPartPr>
+              <p14:cNvPr id="25" name="Ink 24"/>
+              <p14:cNvContentPartPr/>
+              <p14:nvPr/>
+            </p14:nvContentPartPr>
+            <p14:xfrm>
+              <a:off x="6138245" y="2496548"/>
+              <a:ext cx="206" cy="206"/>
+            </p14:xfrm>
+          </p:contentPart>
+        </mc:Choice>
+        <mc:Fallback>
+          <p:pic>
+            <p:nvPicPr>
+              <p:cNvPr id="25" name="Ink 24"/>
+              <p:cNvPicPr/>
+              <p:nvPr/>
+            </p:nvPicPr>
+            <p:blipFill>
+              <a:blip r:embed="rId10"/>
+              <a:stretch>
+                <a:fillRect/>
+              </a:stretch>
+            </p:blipFill>
+            <p:spPr>
+              <a:xfrm>
+                <a:off x="6137421" y="2495724"/>
+                <a:ext cx="1854" cy="1854"/>
+              </a:xfrm>
+              <a:prstGeom prst="rect">
+                <a:avLst/>
+              </a:prstGeom>
+            </p:spPr>
+          </p:pic>
+        </mc:Fallback>
+      </mc:AlternateContent>
+      <mc:AlternateContent xmlns:mc="http://schemas.openxmlformats.org/markup-compatibility/2006">
+        <mc:Choice xmlns:p14="http://schemas.microsoft.com/office/powerpoint/2010/main" Requires="p14">
+          <p:contentPart p14:bwMode="auto" r:id="rId11">
+            <p14:nvContentPartPr>
+              <p14:cNvPr id="28" name="Ink 27"/>
+              <p14:cNvContentPartPr/>
+              <p14:nvPr/>
+            </p14:nvContentPartPr>
+            <p14:xfrm>
+              <a:off x="6671045" y="620022"/>
+              <a:ext cx="16046" cy="8229"/>
+            </p14:xfrm>
+          </p:contentPart>
+        </mc:Choice>
+        <mc:Fallback>
+          <p:pic>
+            <p:nvPicPr>
+              <p:cNvPr id="28" name="Ink 27"/>
+              <p:cNvPicPr/>
+              <p:nvPr/>
+            </p:nvPicPr>
+            <p:blipFill>
+              <a:blip r:embed="rId12"/>
+              <a:stretch>
+                <a:fillRect/>
+              </a:stretch>
+            </p:blipFill>
+            <p:spPr>
+              <a:xfrm>
+                <a:off x="6669262" y="618233"/>
+                <a:ext cx="19255" cy="11449"/>
+              </a:xfrm>
+              <a:prstGeom prst="rect">
+                <a:avLst/>
+              </a:prstGeom>
+            </p:spPr>
+          </p:pic>
+        </mc:Fallback>
+      </mc:AlternateContent>
+      <p:sp>
+        <p:nvSpPr>
+          <p:cNvPr id="29" name="Title 1"/>
+          <p:cNvSpPr>
+            <a:spLocks noGrp="1"/>
+          </p:cNvSpPr>
+          <p:nvPr>
+            <p:ph type="title"/>
+          </p:nvPr>
+        </p:nvSpPr>
+        <p:spPr>
+          <a:xfrm>
+            <a:off x="983606" y="88803"/>
+            <a:ext cx="10245918" cy="1062437"/>
+          </a:xfrm>
+        </p:spPr>
+        <p:txBody>
+          <a:bodyPr/>
+          <a:lstStyle/>
+          <a:p>
+            <a:r>
+              <a:rPr lang="en-GB" b="1" dirty="0"/>
+              <a:t>Screenshots</a:t>
+            </a:r>
+          </a:p>
+        </p:txBody>
+      </p:sp>
+    </p:spTree>
+    <p:extLst>
+      <p:ext uri="{BB962C8B-B14F-4D97-AF65-F5344CB8AC3E}">
+        <p14:creationId xmlns:p14="http://schemas.microsoft.com/office/powerpoint/2010/main" val="533862436"/>
+      </p:ext>
+    </p:extLst>
+  </p:cSld>
+  <p:clrMapOvr>
+    <a:masterClrMapping/>
+  </p:clrMapOvr>
+</p:sld>
+</file>
+
+<file path=ppt/slides/slide9.xml><?xml version="1.0" encoding="utf-8"?>
+<p:sld xmlns:a="http://schemas.openxmlformats.org/drawingml/2006/main" xmlns:r="http://schemas.openxmlformats.org/officeDocument/2006/relationships" xmlns:p="http://schemas.openxmlformats.org/presentationml/2006/main">
+  <p:cSld>
+    <p:spTree>
+      <p:nvGrpSpPr>
+        <p:cNvPr id="1" name=""/>
+        <p:cNvGrpSpPr/>
+        <p:nvPr/>
+      </p:nvGrpSpPr>
+      <p:grpSpPr>
+        <a:xfrm>
+          <a:off x="0" y="0"/>
+          <a:ext cx="0" cy="0"/>
+          <a:chOff x="0" y="0"/>
+          <a:chExt cx="0" cy="0"/>
+        </a:xfrm>
+      </p:grpSpPr>
       <p:sp>
         <p:nvSpPr>
           <p:cNvPr id="2" name="Title 1"/>
@@ -5807,353 +6783,6 @@
     <p:extLst>
       <p:ext uri="{BB962C8B-B14F-4D97-AF65-F5344CB8AC3E}">
         <p14:creationId xmlns:p14="http://schemas.microsoft.com/office/powerpoint/2010/main" val="1846106008"/>
-      </p:ext>
-    </p:extLst>
-  </p:cSld>
-  <p:clrMapOvr>
-    <a:masterClrMapping/>
-  </p:clrMapOvr>
-</p:sld>
-</file>
-
-<file path=ppt/slides/slide9.xml><?xml version="1.0" encoding="utf-8"?>
-<p:sld xmlns:a="http://schemas.openxmlformats.org/drawingml/2006/main" xmlns:r="http://schemas.openxmlformats.org/officeDocument/2006/relationships" xmlns:p="http://schemas.openxmlformats.org/presentationml/2006/main">
-  <p:cSld>
-    <p:spTree>
-      <p:nvGrpSpPr>
-        <p:cNvPr id="1" name=""/>
-        <p:cNvGrpSpPr/>
-        <p:nvPr/>
-      </p:nvGrpSpPr>
-      <p:grpSpPr>
-        <a:xfrm>
-          <a:off x="0" y="0"/>
-          <a:ext cx="0" cy="0"/>
-          <a:chOff x="0" y="0"/>
-          <a:chExt cx="0" cy="0"/>
-        </a:xfrm>
-      </p:grpSpPr>
-      <p:sp>
-        <p:nvSpPr>
-          <p:cNvPr id="2" name="Title 1"/>
-          <p:cNvSpPr>
-            <a:spLocks noGrp="1"/>
-          </p:cNvSpPr>
-          <p:nvPr>
-            <p:ph type="title"/>
-          </p:nvPr>
-        </p:nvSpPr>
-        <p:spPr/>
-        <p:txBody>
-          <a:bodyPr>
-            <a:normAutofit/>
-          </a:bodyPr>
-          <a:lstStyle/>
-          <a:p>
-            <a:r>
-              <a:rPr lang="en-GB" sz="4800" b="1" dirty="0"/>
-              <a:t>References:</a:t>
-            </a:r>
-          </a:p>
-        </p:txBody>
-      </p:sp>
-      <p:sp>
-        <p:nvSpPr>
-          <p:cNvPr id="3" name="Content Placeholder 2"/>
-          <p:cNvSpPr>
-            <a:spLocks noGrp="1"/>
-          </p:cNvSpPr>
-          <p:nvPr>
-            <p:ph idx="1"/>
-          </p:nvPr>
-        </p:nvSpPr>
-        <p:spPr>
-          <a:xfrm>
-            <a:off x="465221" y="1825625"/>
-            <a:ext cx="10888579" cy="4351338"/>
-          </a:xfrm>
-        </p:spPr>
-        <p:txBody>
-          <a:bodyPr>
-            <a:normAutofit lnSpcReduction="10000"/>
-          </a:bodyPr>
-          <a:lstStyle/>
-          <a:p>
-            <a:pPr lvl="1">
-              <a:buFont typeface="+mj-lt"/>
-              <a:buAutoNum type="arabicPeriod"/>
-            </a:pPr>
-            <a:r>
-              <a:rPr lang="en-GB" sz="1200" dirty="0"/>
-              <a:t>“What is the most common form of dementia?”</a:t>
-            </a:r>
-            <a:br>
-              <a:rPr lang="en-GB" sz="1200" dirty="0"/>
-            </a:br>
-            <a:r>
-              <a:rPr lang="en-GB" sz="1200" i="1" dirty="0">
-                <a:solidFill>
-                  <a:srgbClr val="FF9900"/>
-                </a:solidFill>
-              </a:rPr>
-              <a:t>Judd, N. and Society, A. (2007) What is Alzheimer’s disease? - Alzheimer’s society. Available at: https://www.alzheimers.org.uk/site/scripts/documents_info.php?documentID=100 (Accessed: 10 December 2016).</a:t>
-            </a:r>
-          </a:p>
-          <a:p>
-            <a:pPr lvl="1">
-              <a:buFont typeface="+mj-lt"/>
-              <a:buAutoNum type="arabicPeriod"/>
-            </a:pPr>
-            <a:r>
-              <a:rPr lang="en-GB" sz="1200" dirty="0"/>
-              <a:t>“Who has a higher risk of developing Alzheimer’s disease?”</a:t>
-            </a:r>
-            <a:br>
-              <a:rPr lang="en-GB" sz="1200" dirty="0"/>
-            </a:br>
-            <a:r>
-              <a:rPr lang="en-GB" sz="1200" i="1" dirty="0">
-                <a:solidFill>
-                  <a:srgbClr val="FF9900"/>
-                </a:solidFill>
-              </a:rPr>
-              <a:t>Sauer, A. (2015) Why is Alzheimer’s more likely in women? Available at: http://www.alzheimers.net/8-12-15-why-is-alzheimers-more-likely-in-women/ (Accessed: 10 December 2016).</a:t>
-            </a:r>
-          </a:p>
-          <a:p>
-            <a:pPr lvl="1">
-              <a:buFont typeface="+mj-lt"/>
-              <a:buAutoNum type="arabicPeriod"/>
-            </a:pPr>
-            <a:r>
-              <a:rPr lang="en-GB" sz="1200" dirty="0"/>
-              <a:t>“What are the two proteins responsible for dementia?”</a:t>
-            </a:r>
-            <a:br>
-              <a:rPr lang="en-GB" sz="1200" dirty="0"/>
-            </a:br>
-            <a:r>
-              <a:rPr lang="en-GB" sz="1200" i="1" dirty="0">
-                <a:solidFill>
-                  <a:srgbClr val="FF9900"/>
-                </a:solidFill>
-              </a:rPr>
-              <a:t>Bloom, G.S. (2014) ‘Amyloid-</a:t>
-            </a:r>
-            <a:r>
-              <a:rPr lang="el-GR" sz="1200" i="1" dirty="0">
-                <a:solidFill>
-                  <a:srgbClr val="FF9900"/>
-                </a:solidFill>
-              </a:rPr>
-              <a:t>β </a:t>
-            </a:r>
-            <a:r>
-              <a:rPr lang="en-GB" sz="1200" i="1" dirty="0">
-                <a:solidFill>
-                  <a:srgbClr val="FF9900"/>
-                </a:solidFill>
-              </a:rPr>
-              <a:t>and Tau’, JAMA Neurology, 71(4), p. 505. </a:t>
-            </a:r>
-            <a:r>
-              <a:rPr lang="en-GB" sz="1200" i="1" dirty="0" err="1">
-                <a:solidFill>
-                  <a:srgbClr val="FF9900"/>
-                </a:solidFill>
-              </a:rPr>
-              <a:t>doi</a:t>
-            </a:r>
-            <a:r>
-              <a:rPr lang="en-GB" sz="1200" i="1" dirty="0">
-                <a:solidFill>
-                  <a:srgbClr val="FF9900"/>
-                </a:solidFill>
-              </a:rPr>
-              <a:t>: 10.1001/jamaneurol.2013.5847.</a:t>
-            </a:r>
-          </a:p>
-          <a:p>
-            <a:pPr lvl="1">
-              <a:buFont typeface="+mj-lt"/>
-              <a:buAutoNum type="arabicPeriod"/>
-            </a:pPr>
-            <a:r>
-              <a:rPr lang="en-GB" sz="1200" dirty="0"/>
-              <a:t>“Is there a cure for Alzheimer’s disease?”</a:t>
-            </a:r>
-            <a:br>
-              <a:rPr lang="en-GB" sz="1200" dirty="0"/>
-            </a:br>
-            <a:r>
-              <a:rPr lang="en-GB" sz="1200" i="1" dirty="0">
-                <a:solidFill>
-                  <a:srgbClr val="FF9900"/>
-                </a:solidFill>
-              </a:rPr>
-              <a:t>Association®, A. (2016) Latest treatment options. Available at: http://www.alz.org/alzheimers_disease_treatments.asp (Accessed: 10 December 2016).</a:t>
-            </a:r>
-          </a:p>
-          <a:p>
-            <a:pPr lvl="1">
-              <a:buFont typeface="+mj-lt"/>
-              <a:buAutoNum type="arabicPeriod"/>
-            </a:pPr>
-            <a:r>
-              <a:rPr lang="en-GB" sz="1200" dirty="0"/>
-              <a:t>“How much does dementia effect the global economy?”</a:t>
-            </a:r>
-            <a:br>
-              <a:rPr lang="en-GB" sz="1200" i="1" dirty="0"/>
-            </a:br>
-            <a:r>
-              <a:rPr lang="en-GB" sz="1200" dirty="0">
-                <a:solidFill>
-                  <a:srgbClr val="FF9900"/>
-                </a:solidFill>
-              </a:rPr>
-              <a:t>10 things you need to know about the impact of dementia on people, carers and the economy | Alzheimer’s research UK (2017) Available at: http://www.alzheimersresearchuk.org/about-dementia/facts-stats/10-things-you-need-to-know-about-the-impact-of-dementia/ (Accessed: 10 December 2016).</a:t>
-            </a:r>
-          </a:p>
-          <a:p>
-            <a:pPr lvl="1">
-              <a:buFont typeface="+mj-lt"/>
-              <a:buAutoNum type="arabicPeriod"/>
-            </a:pPr>
-            <a:r>
-              <a:rPr lang="en-GB" sz="1200" dirty="0"/>
-              <a:t>“Is Alzheimer’s disease fatal?”</a:t>
-            </a:r>
-            <a:br>
-              <a:rPr lang="en-GB" sz="1200" dirty="0"/>
-            </a:br>
-            <a:r>
-              <a:rPr lang="en-GB" sz="1200" i="1" dirty="0">
-                <a:solidFill>
-                  <a:srgbClr val="FF9900"/>
-                </a:solidFill>
-              </a:rPr>
-              <a:t>Association®, A. (2016) Memory loss myths &amp; facts. Available at: http://www.alz.org/alzheimers_disease_myths_about_alzheimers.asp (Accessed: 10 December 2016).</a:t>
-            </a:r>
-          </a:p>
-          <a:p>
-            <a:pPr lvl="1">
-              <a:buFont typeface="+mj-lt"/>
-              <a:buAutoNum type="arabicPeriod"/>
-            </a:pPr>
-            <a:r>
-              <a:rPr lang="en-GB" sz="1200" dirty="0"/>
-              <a:t>Does Alzheimer's only effect people over 65? </a:t>
-            </a:r>
-            <a:br>
-              <a:rPr lang="en-GB" sz="1200" dirty="0"/>
-            </a:br>
-            <a:r>
-              <a:rPr lang="en-GB" sz="1200" i="1" dirty="0">
-                <a:solidFill>
-                  <a:srgbClr val="FF9900"/>
-                </a:solidFill>
-              </a:rPr>
-              <a:t>Association®, A. (2016) Memory loss myths &amp; facts. Available at: http://www.alz.org/alzheimers_disease_myths_about_alzheimers.asp (Accessed: 10 December 2016).</a:t>
-            </a:r>
-          </a:p>
-          <a:p>
-            <a:pPr lvl="1">
-              <a:buFont typeface="+mj-lt"/>
-              <a:buAutoNum type="arabicPeriod"/>
-            </a:pPr>
-            <a:r>
-              <a:rPr lang="en-GB" sz="1200" dirty="0"/>
-              <a:t>“Alzheimer’s and </a:t>
-            </a:r>
-            <a:r>
-              <a:rPr lang="en-GB" sz="1200" dirty="0" err="1"/>
-              <a:t>Dimentia</a:t>
-            </a:r>
-            <a:r>
-              <a:rPr lang="en-GB" sz="1200" dirty="0"/>
-              <a:t> are the leading causes of death in the UK?”</a:t>
-            </a:r>
-            <a:br>
-              <a:rPr lang="en-GB" sz="1200" dirty="0"/>
-            </a:br>
-            <a:r>
-              <a:rPr lang="en-GB" sz="1200" i="1" dirty="0">
-                <a:solidFill>
-                  <a:srgbClr val="FF9900"/>
-                </a:solidFill>
-              </a:rPr>
-              <a:t>Siddique, H. (2016) Dementia and Alzheimer’s leading cause of death in England and wales. Available at: https://www.theguardian.com/society/2016/nov/14/dementia-and-alzheimers-leading-cause-of-death-england-and-wales (Accessed: 10 December 2016).</a:t>
-            </a:r>
-          </a:p>
-          <a:p>
-            <a:pPr lvl="1">
-              <a:buFont typeface="+mj-lt"/>
-              <a:buAutoNum type="arabicPeriod"/>
-            </a:pPr>
-            <a:r>
-              <a:rPr lang="en-GB" sz="1200" dirty="0"/>
-              <a:t>“Are the most prominent symptoms of Alzheimer's disease include memory loss, gradual loss of speech, and/or difficulties with any physical movements?”</a:t>
-            </a:r>
-            <a:br>
-              <a:rPr lang="en-GB" sz="1200" dirty="0"/>
-            </a:br>
-            <a:r>
-              <a:rPr lang="en-GB" sz="1200" i="1" dirty="0">
-                <a:solidFill>
-                  <a:srgbClr val="FF9900"/>
-                </a:solidFill>
-              </a:rPr>
-              <a:t>Choices, N. (2016) Alzheimer’s disease - symptoms. Available at: http://www.nhs.uk/Conditions/Alzheimers-disease/Pages/Symptoms.aspx (Accessed: 10 December 2016).</a:t>
-            </a:r>
-          </a:p>
-        </p:txBody>
-      </p:sp>
-      <p:pic>
-        <p:nvPicPr>
-          <p:cNvPr id="4" name="Picture 2" descr="https://www.everydayhero.co.uk/events/downloads/0000/2747/ARUK_campaign_logo_web.jpg"/>
-          <p:cNvPicPr>
-            <a:picLocks noChangeAspect="1" noChangeArrowheads="1"/>
-          </p:cNvPicPr>
-          <p:nvPr/>
-        </p:nvPicPr>
-        <p:blipFill>
-          <a:blip r:embed="rId3">
-            <a:extLst>
-              <a:ext uri="{28A0092B-C50C-407E-A947-70E740481C1C}">
-                <a14:useLocalDpi xmlns:a14="http://schemas.microsoft.com/office/drawing/2010/main" val="0"/>
-              </a:ext>
-            </a:extLst>
-          </a:blip>
-          <a:srcRect/>
-          <a:stretch>
-            <a:fillRect/>
-          </a:stretch>
-        </p:blipFill>
-        <p:spPr bwMode="auto">
-          <a:xfrm>
-            <a:off x="8942125" y="48247"/>
-            <a:ext cx="3203575" cy="1074116"/>
-          </a:xfrm>
-          <a:prstGeom prst="rect">
-            <a:avLst/>
-          </a:prstGeom>
-          <a:noFill/>
-          <a:extLst>
-            <a:ext uri="{909E8E84-426E-40DD-AFC4-6F175D3DCCD1}">
-              <a14:hiddenFill xmlns:a14="http://schemas.microsoft.com/office/drawing/2010/main">
-                <a:solidFill>
-                  <a:srgbClr val="FFFFFF"/>
-                </a:solidFill>
-              </a14:hiddenFill>
-            </a:ext>
-          </a:extLst>
-        </p:spPr>
-      </p:pic>
-    </p:spTree>
-    <p:extLst>
-      <p:ext uri="{BB962C8B-B14F-4D97-AF65-F5344CB8AC3E}">
-        <p14:creationId xmlns:p14="http://schemas.microsoft.com/office/powerpoint/2010/main" val="4011240471"/>
       </p:ext>
     </p:extLst>
   </p:cSld>

--- a/_presentation/Team 11 Presentation.pptx
+++ b/_presentation/Team 11 Presentation.pptx
@@ -5633,7 +5633,7 @@
             </a:pPr>
             <a:r>
               <a:rPr lang="en-GB" dirty="0"/>
-              <a:t>Create a mobile or web application that allows user to empathise with dementia sufferers. This could be aided with the use of social media.</a:t>
+              <a:t>Create a web application that allows user to empathise with dementia sufferers. This could be aided with the use of social media.</a:t>
             </a:r>
           </a:p>
           <a:p>
@@ -6473,8 +6473,8 @@
           </a:prstGeom>
         </p:spPr>
       </p:pic>
-      <mc:AlternateContent xmlns:mc="http://schemas.openxmlformats.org/markup-compatibility/2006">
-        <mc:Choice xmlns:p14="http://schemas.microsoft.com/office/powerpoint/2010/main" Requires="p14">
+      <mc:AlternateContent xmlns:mc="http://schemas.openxmlformats.org/markup-compatibility/2006" xmlns:p14="http://schemas.microsoft.com/office/powerpoint/2010/main">
+        <mc:Choice Requires="p14">
           <p:contentPart p14:bwMode="auto" r:id="rId7">
             <p14:nvContentPartPr>
               <p14:cNvPr id="21" name="Ink 20"/>
@@ -6487,7 +6487,7 @@
             </p14:xfrm>
           </p:contentPart>
         </mc:Choice>
-        <mc:Fallback>
+        <mc:Fallback xmlns="">
           <p:pic>
             <p:nvPicPr>
               <p:cNvPr id="21" name="Ink 20"/>
@@ -6512,8 +6512,8 @@
           </p:pic>
         </mc:Fallback>
       </mc:AlternateContent>
-      <mc:AlternateContent xmlns:mc="http://schemas.openxmlformats.org/markup-compatibility/2006">
-        <mc:Choice xmlns:p14="http://schemas.microsoft.com/office/powerpoint/2010/main" Requires="p14">
+      <mc:AlternateContent xmlns:mc="http://schemas.openxmlformats.org/markup-compatibility/2006" xmlns:p14="http://schemas.microsoft.com/office/powerpoint/2010/main">
+        <mc:Choice Requires="p14">
           <p:contentPart p14:bwMode="auto" r:id="rId9">
             <p14:nvContentPartPr>
               <p14:cNvPr id="25" name="Ink 24"/>
@@ -6526,7 +6526,7 @@
             </p14:xfrm>
           </p:contentPart>
         </mc:Choice>
-        <mc:Fallback>
+        <mc:Fallback xmlns="">
           <p:pic>
             <p:nvPicPr>
               <p:cNvPr id="25" name="Ink 24"/>
@@ -6551,8 +6551,8 @@
           </p:pic>
         </mc:Fallback>
       </mc:AlternateContent>
-      <mc:AlternateContent xmlns:mc="http://schemas.openxmlformats.org/markup-compatibility/2006">
-        <mc:Choice xmlns:p14="http://schemas.microsoft.com/office/powerpoint/2010/main" Requires="p14">
+      <mc:AlternateContent xmlns:mc="http://schemas.openxmlformats.org/markup-compatibility/2006" xmlns:p14="http://schemas.microsoft.com/office/powerpoint/2010/main">
+        <mc:Choice Requires="p14">
           <p:contentPart p14:bwMode="auto" r:id="rId11">
             <p14:nvContentPartPr>
               <p14:cNvPr id="28" name="Ink 27"/>
@@ -6565,7 +6565,7 @@
             </p14:xfrm>
           </p:contentPart>
         </mc:Choice>
-        <mc:Fallback>
+        <mc:Fallback xmlns="">
           <p:pic>
             <p:nvPicPr>
               <p:cNvPr id="28" name="Ink 27"/>

--- a/_presentation/Team 11 Presentation.pptx
+++ b/_presentation/Team 11 Presentation.pptx
@@ -1393,8 +1393,31 @@
           <a:p>
             <a:r>
               <a:rPr lang="en-GB" dirty="0"/>
-              <a:t>Landing page asks them for a question</a:t>
-            </a:r>
+              <a:t>Landing page asks them for a question and immediately engages them</a:t>
+            </a:r>
+          </a:p>
+          <a:p>
+            <a:r>
+              <a:rPr lang="en-GB" dirty="0"/>
+              <a:t>They are them asked a series of questions where they must answer from multiple choice, these will be expanded to different questions by expanding the question database.</a:t>
+            </a:r>
+          </a:p>
+          <a:p>
+            <a:r>
+              <a:rPr lang="en-GB" dirty="0"/>
+              <a:t>They are also shown facts to increase knowledge and combat misconceptions.</a:t>
+            </a:r>
+          </a:p>
+          <a:p>
+            <a:r>
+              <a:rPr lang="en-GB" dirty="0"/>
+              <a:t>They are then shown the reward page upon completion where they can download the Snapchat filter, donate money and share the app to friends via </a:t>
+            </a:r>
+            <a:r>
+              <a:rPr lang="en-GB"/>
+              <a:t>social media</a:t>
+            </a:r>
+            <a:endParaRPr lang="en-GB" dirty="0"/>
           </a:p>
         </p:txBody>
       </p:sp>
